--- a/Mpox_education_PPT.pptx
+++ b/Mpox_education_PPT.pptx
@@ -4,6 +4,9 @@
   <p:sldMasterIdLst>
     <p:sldMasterId id="2147483648" r:id="rId1"/>
   </p:sldMasterIdLst>
+  <p:notesMasterIdLst>
+    <p:notesMasterId r:id="rId18"/>
+  </p:notesMasterIdLst>
   <p:sldIdLst>
     <p:sldId id="256" r:id="rId2"/>
     <p:sldId id="257" r:id="rId3"/>
@@ -11,15 +14,16 @@
     <p:sldId id="272" r:id="rId5"/>
     <p:sldId id="271" r:id="rId6"/>
     <p:sldId id="270" r:id="rId7"/>
-    <p:sldId id="269" r:id="rId8"/>
+    <p:sldId id="275" r:id="rId8"/>
     <p:sldId id="268" r:id="rId9"/>
-    <p:sldId id="264" r:id="rId10"/>
-    <p:sldId id="266" r:id="rId11"/>
-    <p:sldId id="267" r:id="rId12"/>
-    <p:sldId id="265" r:id="rId13"/>
-    <p:sldId id="262" r:id="rId14"/>
-    <p:sldId id="263" r:id="rId15"/>
-    <p:sldId id="274" r:id="rId16"/>
+    <p:sldId id="276" r:id="rId10"/>
+    <p:sldId id="264" r:id="rId11"/>
+    <p:sldId id="266" r:id="rId12"/>
+    <p:sldId id="267" r:id="rId13"/>
+    <p:sldId id="265" r:id="rId14"/>
+    <p:sldId id="262" r:id="rId15"/>
+    <p:sldId id="263" r:id="rId16"/>
+    <p:sldId id="274" r:id="rId17"/>
   </p:sldIdLst>
   <p:sldSz cx="9144000" cy="5143500" type="screen16x9"/>
   <p:notesSz cx="9144000" cy="5143500"/>
@@ -120,7 +124,7 @@
   </p:defaultTextStyle>
   <p:extLst>
     <p:ext uri="{EFAFB233-063F-42B5-8137-9DF3F51BA10A}">
-      <p15:sldGuideLst xmlns:p15="http://schemas.microsoft.com/office/powerpoint/2012/main" xmlns="">
+      <p15:sldGuideLst xmlns="" xmlns:p15="http://schemas.microsoft.com/office/powerpoint/2012/main">
         <p15:guide id="1" orient="horz" pos="2880">
           <p15:clr>
             <a:srgbClr val="A4A3A4"/>
@@ -135,6 +139,987 @@
     </p:ext>
   </p:extLst>
 </p:presentation>
+</file>
+
+<file path=ppt/notesMasters/notesMaster1.xml><?xml version="1.0" encoding="utf-8"?>
+<p:notesMaster xmlns:a="http://schemas.openxmlformats.org/drawingml/2006/main" xmlns:r="http://schemas.openxmlformats.org/officeDocument/2006/relationships" xmlns:p="http://schemas.openxmlformats.org/presentationml/2006/main">
+  <p:cSld>
+    <p:bg>
+      <p:bgRef idx="1001">
+        <a:schemeClr val="bg1"/>
+      </p:bgRef>
+    </p:bg>
+    <p:spTree>
+      <p:nvGrpSpPr>
+        <p:cNvPr id="1" name=""/>
+        <p:cNvGrpSpPr/>
+        <p:nvPr/>
+      </p:nvGrpSpPr>
+      <p:grpSpPr>
+        <a:xfrm>
+          <a:off x="0" y="0"/>
+          <a:ext cx="0" cy="0"/>
+          <a:chOff x="0" y="0"/>
+          <a:chExt cx="0" cy="0"/>
+        </a:xfrm>
+      </p:grpSpPr>
+      <p:sp>
+        <p:nvSpPr>
+          <p:cNvPr id="2" name="Header Placeholder 1"/>
+          <p:cNvSpPr>
+            <a:spLocks noGrp="1"/>
+          </p:cNvSpPr>
+          <p:nvPr>
+            <p:ph type="hdr" sz="quarter"/>
+          </p:nvPr>
+        </p:nvSpPr>
+        <p:spPr>
+          <a:xfrm>
+            <a:off x="0" y="0"/>
+            <a:ext cx="3962400" cy="257175"/>
+          </a:xfrm>
+          <a:prstGeom prst="rect">
+            <a:avLst/>
+          </a:prstGeom>
+        </p:spPr>
+        <p:txBody>
+          <a:bodyPr vert="horz" lIns="91440" tIns="45720" rIns="91440" bIns="45720" rtlCol="0"/>
+          <a:lstStyle>
+            <a:lvl1pPr algn="l">
+              <a:defRPr sz="1200"/>
+            </a:lvl1pPr>
+          </a:lstStyle>
+          <a:p>
+            <a:endParaRPr lang="en-CA"/>
+          </a:p>
+        </p:txBody>
+      </p:sp>
+      <p:sp>
+        <p:nvSpPr>
+          <p:cNvPr id="3" name="Date Placeholder 2"/>
+          <p:cNvSpPr>
+            <a:spLocks noGrp="1"/>
+          </p:cNvSpPr>
+          <p:nvPr>
+            <p:ph type="dt" idx="1"/>
+          </p:nvPr>
+        </p:nvSpPr>
+        <p:spPr>
+          <a:xfrm>
+            <a:off x="5180013" y="0"/>
+            <a:ext cx="3962400" cy="257175"/>
+          </a:xfrm>
+          <a:prstGeom prst="rect">
+            <a:avLst/>
+          </a:prstGeom>
+        </p:spPr>
+        <p:txBody>
+          <a:bodyPr vert="horz" lIns="91440" tIns="45720" rIns="91440" bIns="45720" rtlCol="0"/>
+          <a:lstStyle>
+            <a:lvl1pPr algn="r">
+              <a:defRPr sz="1200"/>
+            </a:lvl1pPr>
+          </a:lstStyle>
+          <a:p>
+            <a:fld id="{5D69D47E-7250-4019-A46F-0212CA827C0F}" type="datetimeFigureOut">
+              <a:rPr lang="en-CA" smtClean="0"/>
+              <a:t>2023-04-05</a:t>
+            </a:fld>
+            <a:endParaRPr lang="en-CA"/>
+          </a:p>
+        </p:txBody>
+      </p:sp>
+      <p:sp>
+        <p:nvSpPr>
+          <p:cNvPr id="4" name="Slide Image Placeholder 3"/>
+          <p:cNvSpPr>
+            <a:spLocks noGrp="1" noRot="1" noChangeAspect="1"/>
+          </p:cNvSpPr>
+          <p:nvPr>
+            <p:ph type="sldImg" idx="2"/>
+          </p:nvPr>
+        </p:nvSpPr>
+        <p:spPr>
+          <a:xfrm>
+            <a:off x="2857500" y="385763"/>
+            <a:ext cx="3429000" cy="1928812"/>
+          </a:xfrm>
+          <a:prstGeom prst="rect">
+            <a:avLst/>
+          </a:prstGeom>
+          <a:noFill/>
+          <a:ln w="12700">
+            <a:solidFill>
+              <a:prstClr val="black"/>
+            </a:solidFill>
+          </a:ln>
+        </p:spPr>
+        <p:txBody>
+          <a:bodyPr vert="horz" lIns="91440" tIns="45720" rIns="91440" bIns="45720" rtlCol="0" anchor="ctr"/>
+          <a:lstStyle/>
+          <a:p>
+            <a:endParaRPr lang="en-CA"/>
+          </a:p>
+        </p:txBody>
+      </p:sp>
+      <p:sp>
+        <p:nvSpPr>
+          <p:cNvPr id="5" name="Notes Placeholder 4"/>
+          <p:cNvSpPr>
+            <a:spLocks noGrp="1"/>
+          </p:cNvSpPr>
+          <p:nvPr>
+            <p:ph type="body" sz="quarter" idx="3"/>
+          </p:nvPr>
+        </p:nvSpPr>
+        <p:spPr>
+          <a:xfrm>
+            <a:off x="914400" y="2443163"/>
+            <a:ext cx="7315200" cy="2314575"/>
+          </a:xfrm>
+          <a:prstGeom prst="rect">
+            <a:avLst/>
+          </a:prstGeom>
+        </p:spPr>
+        <p:txBody>
+          <a:bodyPr vert="horz" lIns="91440" tIns="45720" rIns="91440" bIns="45720" rtlCol="0"/>
+          <a:lstStyle/>
+          <a:p>
+            <a:pPr lvl="0"/>
+            <a:r>
+              <a:rPr lang="en-US" smtClean="0"/>
+              <a:t>Click to edit Master text styles</a:t>
+            </a:r>
+          </a:p>
+          <a:p>
+            <a:pPr lvl="1"/>
+            <a:r>
+              <a:rPr lang="en-US" smtClean="0"/>
+              <a:t>Second level</a:t>
+            </a:r>
+          </a:p>
+          <a:p>
+            <a:pPr lvl="2"/>
+            <a:r>
+              <a:rPr lang="en-US" smtClean="0"/>
+              <a:t>Third level</a:t>
+            </a:r>
+          </a:p>
+          <a:p>
+            <a:pPr lvl="3"/>
+            <a:r>
+              <a:rPr lang="en-US" smtClean="0"/>
+              <a:t>Fourth level</a:t>
+            </a:r>
+          </a:p>
+          <a:p>
+            <a:pPr lvl="4"/>
+            <a:r>
+              <a:rPr lang="en-US" smtClean="0"/>
+              <a:t>Fifth level</a:t>
+            </a:r>
+            <a:endParaRPr lang="en-CA"/>
+          </a:p>
+        </p:txBody>
+      </p:sp>
+      <p:sp>
+        <p:nvSpPr>
+          <p:cNvPr id="6" name="Footer Placeholder 5"/>
+          <p:cNvSpPr>
+            <a:spLocks noGrp="1"/>
+          </p:cNvSpPr>
+          <p:nvPr>
+            <p:ph type="ftr" sz="quarter" idx="4"/>
+          </p:nvPr>
+        </p:nvSpPr>
+        <p:spPr>
+          <a:xfrm>
+            <a:off x="0" y="4884738"/>
+            <a:ext cx="3962400" cy="257175"/>
+          </a:xfrm>
+          <a:prstGeom prst="rect">
+            <a:avLst/>
+          </a:prstGeom>
+        </p:spPr>
+        <p:txBody>
+          <a:bodyPr vert="horz" lIns="91440" tIns="45720" rIns="91440" bIns="45720" rtlCol="0" anchor="b"/>
+          <a:lstStyle>
+            <a:lvl1pPr algn="l">
+              <a:defRPr sz="1200"/>
+            </a:lvl1pPr>
+          </a:lstStyle>
+          <a:p>
+            <a:endParaRPr lang="en-CA"/>
+          </a:p>
+        </p:txBody>
+      </p:sp>
+      <p:sp>
+        <p:nvSpPr>
+          <p:cNvPr id="7" name="Slide Number Placeholder 6"/>
+          <p:cNvSpPr>
+            <a:spLocks noGrp="1"/>
+          </p:cNvSpPr>
+          <p:nvPr>
+            <p:ph type="sldNum" sz="quarter" idx="5"/>
+          </p:nvPr>
+        </p:nvSpPr>
+        <p:spPr>
+          <a:xfrm>
+            <a:off x="5180013" y="4884738"/>
+            <a:ext cx="3962400" cy="257175"/>
+          </a:xfrm>
+          <a:prstGeom prst="rect">
+            <a:avLst/>
+          </a:prstGeom>
+        </p:spPr>
+        <p:txBody>
+          <a:bodyPr vert="horz" lIns="91440" tIns="45720" rIns="91440" bIns="45720" rtlCol="0" anchor="b"/>
+          <a:lstStyle>
+            <a:lvl1pPr algn="r">
+              <a:defRPr sz="1200"/>
+            </a:lvl1pPr>
+          </a:lstStyle>
+          <a:p>
+            <a:fld id="{D0FB26DE-DCE0-4EDF-B98B-E266198E2DA6}" type="slidenum">
+              <a:rPr lang="en-CA" smtClean="0"/>
+              <a:t>‹#›</a:t>
+            </a:fld>
+            <a:endParaRPr lang="en-CA"/>
+          </a:p>
+        </p:txBody>
+      </p:sp>
+    </p:spTree>
+    <p:extLst>
+      <p:ext uri="{BB962C8B-B14F-4D97-AF65-F5344CB8AC3E}">
+        <p14:creationId xmlns:p14="http://schemas.microsoft.com/office/powerpoint/2010/main" val="1395225170"/>
+      </p:ext>
+    </p:extLst>
+  </p:cSld>
+  <p:clrMap bg1="lt1" tx1="dk1" bg2="lt2" tx2="dk2" accent1="accent1" accent2="accent2" accent3="accent3" accent4="accent4" accent5="accent5" accent6="accent6" hlink="hlink" folHlink="folHlink"/>
+  <p:notesStyle>
+    <a:lvl1pPr marL="0" algn="l" defTabSz="914400" rtl="0" eaLnBrk="1" latinLnBrk="0" hangingPunct="1">
+      <a:defRPr sz="1200" kern="1200">
+        <a:solidFill>
+          <a:schemeClr val="tx1"/>
+        </a:solidFill>
+        <a:latin typeface="+mn-lt"/>
+        <a:ea typeface="+mn-ea"/>
+        <a:cs typeface="+mn-cs"/>
+      </a:defRPr>
+    </a:lvl1pPr>
+    <a:lvl2pPr marL="457200" algn="l" defTabSz="914400" rtl="0" eaLnBrk="1" latinLnBrk="0" hangingPunct="1">
+      <a:defRPr sz="1200" kern="1200">
+        <a:solidFill>
+          <a:schemeClr val="tx1"/>
+        </a:solidFill>
+        <a:latin typeface="+mn-lt"/>
+        <a:ea typeface="+mn-ea"/>
+        <a:cs typeface="+mn-cs"/>
+      </a:defRPr>
+    </a:lvl2pPr>
+    <a:lvl3pPr marL="914400" algn="l" defTabSz="914400" rtl="0" eaLnBrk="1" latinLnBrk="0" hangingPunct="1">
+      <a:defRPr sz="1200" kern="1200">
+        <a:solidFill>
+          <a:schemeClr val="tx1"/>
+        </a:solidFill>
+        <a:latin typeface="+mn-lt"/>
+        <a:ea typeface="+mn-ea"/>
+        <a:cs typeface="+mn-cs"/>
+      </a:defRPr>
+    </a:lvl3pPr>
+    <a:lvl4pPr marL="1371600" algn="l" defTabSz="914400" rtl="0" eaLnBrk="1" latinLnBrk="0" hangingPunct="1">
+      <a:defRPr sz="1200" kern="1200">
+        <a:solidFill>
+          <a:schemeClr val="tx1"/>
+        </a:solidFill>
+        <a:latin typeface="+mn-lt"/>
+        <a:ea typeface="+mn-ea"/>
+        <a:cs typeface="+mn-cs"/>
+      </a:defRPr>
+    </a:lvl4pPr>
+    <a:lvl5pPr marL="1828800" algn="l" defTabSz="914400" rtl="0" eaLnBrk="1" latinLnBrk="0" hangingPunct="1">
+      <a:defRPr sz="1200" kern="1200">
+        <a:solidFill>
+          <a:schemeClr val="tx1"/>
+        </a:solidFill>
+        <a:latin typeface="+mn-lt"/>
+        <a:ea typeface="+mn-ea"/>
+        <a:cs typeface="+mn-cs"/>
+      </a:defRPr>
+    </a:lvl5pPr>
+    <a:lvl6pPr marL="2286000" algn="l" defTabSz="914400" rtl="0" eaLnBrk="1" latinLnBrk="0" hangingPunct="1">
+      <a:defRPr sz="1200" kern="1200">
+        <a:solidFill>
+          <a:schemeClr val="tx1"/>
+        </a:solidFill>
+        <a:latin typeface="+mn-lt"/>
+        <a:ea typeface="+mn-ea"/>
+        <a:cs typeface="+mn-cs"/>
+      </a:defRPr>
+    </a:lvl6pPr>
+    <a:lvl7pPr marL="2743200" algn="l" defTabSz="914400" rtl="0" eaLnBrk="1" latinLnBrk="0" hangingPunct="1">
+      <a:defRPr sz="1200" kern="1200">
+        <a:solidFill>
+          <a:schemeClr val="tx1"/>
+        </a:solidFill>
+        <a:latin typeface="+mn-lt"/>
+        <a:ea typeface="+mn-ea"/>
+        <a:cs typeface="+mn-cs"/>
+      </a:defRPr>
+    </a:lvl7pPr>
+    <a:lvl8pPr marL="3200400" algn="l" defTabSz="914400" rtl="0" eaLnBrk="1" latinLnBrk="0" hangingPunct="1">
+      <a:defRPr sz="1200" kern="1200">
+        <a:solidFill>
+          <a:schemeClr val="tx1"/>
+        </a:solidFill>
+        <a:latin typeface="+mn-lt"/>
+        <a:ea typeface="+mn-ea"/>
+        <a:cs typeface="+mn-cs"/>
+      </a:defRPr>
+    </a:lvl8pPr>
+    <a:lvl9pPr marL="3657600" algn="l" defTabSz="914400" rtl="0" eaLnBrk="1" latinLnBrk="0" hangingPunct="1">
+      <a:defRPr sz="1200" kern="1200">
+        <a:solidFill>
+          <a:schemeClr val="tx1"/>
+        </a:solidFill>
+        <a:latin typeface="+mn-lt"/>
+        <a:ea typeface="+mn-ea"/>
+        <a:cs typeface="+mn-cs"/>
+      </a:defRPr>
+    </a:lvl9pPr>
+  </p:notesStyle>
+</p:notesMaster>
+</file>
+
+<file path=ppt/notesSlides/notesSlide1.xml><?xml version="1.0" encoding="utf-8"?>
+<p:notes xmlns:a="http://schemas.openxmlformats.org/drawingml/2006/main" xmlns:r="http://schemas.openxmlformats.org/officeDocument/2006/relationships" xmlns:p="http://schemas.openxmlformats.org/presentationml/2006/main">
+  <p:cSld>
+    <p:spTree>
+      <p:nvGrpSpPr>
+        <p:cNvPr id="1" name=""/>
+        <p:cNvGrpSpPr/>
+        <p:nvPr/>
+      </p:nvGrpSpPr>
+      <p:grpSpPr>
+        <a:xfrm>
+          <a:off x="0" y="0"/>
+          <a:ext cx="0" cy="0"/>
+          <a:chOff x="0" y="0"/>
+          <a:chExt cx="0" cy="0"/>
+        </a:xfrm>
+      </p:grpSpPr>
+      <p:sp>
+        <p:nvSpPr>
+          <p:cNvPr id="2" name="Slide Image Placeholder 1"/>
+          <p:cNvSpPr>
+            <a:spLocks noGrp="1" noRot="1" noChangeAspect="1"/>
+          </p:cNvSpPr>
+          <p:nvPr>
+            <p:ph type="sldImg"/>
+          </p:nvPr>
+        </p:nvSpPr>
+        <p:spPr/>
+      </p:sp>
+      <p:sp>
+        <p:nvSpPr>
+          <p:cNvPr id="3" name="Notes Placeholder 2"/>
+          <p:cNvSpPr>
+            <a:spLocks noGrp="1"/>
+          </p:cNvSpPr>
+          <p:nvPr>
+            <p:ph type="body" idx="1"/>
+          </p:nvPr>
+        </p:nvSpPr>
+        <p:spPr/>
+        <p:txBody>
+          <a:bodyPr/>
+          <a:lstStyle/>
+          <a:p>
+            <a:r>
+              <a:rPr lang="en-CA" dirty="0" smtClean="0"/>
+              <a:t>Speaking notes:</a:t>
+            </a:r>
+          </a:p>
+          <a:p>
+            <a:pPr marL="285750" indent="-285750">
+              <a:buFont typeface="Arial" panose="020B0604020202020204" pitchFamily="34" charset="0"/>
+              <a:buChar char="•"/>
+            </a:pPr>
+            <a:r>
+              <a:rPr lang="en-CA" dirty="0" smtClean="0"/>
+              <a:t>Policy questions</a:t>
+            </a:r>
+          </a:p>
+          <a:p>
+            <a:pPr marL="285750" indent="-285750">
+              <a:buFont typeface="Arial" panose="020B0604020202020204" pitchFamily="34" charset="0"/>
+              <a:buChar char="•"/>
+            </a:pPr>
+            <a:r>
+              <a:rPr lang="en-CA" dirty="0" smtClean="0"/>
+              <a:t>Why is this important to policy makers?</a:t>
+            </a:r>
+          </a:p>
+          <a:p>
+            <a:pPr marL="285750" indent="-285750">
+              <a:buFont typeface="Arial" panose="020B0604020202020204" pitchFamily="34" charset="0"/>
+              <a:buChar char="•"/>
+            </a:pPr>
+            <a:r>
+              <a:rPr lang="en-CA" dirty="0" smtClean="0"/>
+              <a:t>How do we translate questions into mathematical expressions</a:t>
+            </a:r>
+          </a:p>
+          <a:p>
+            <a:endParaRPr lang="en-CA" dirty="0"/>
+          </a:p>
+        </p:txBody>
+      </p:sp>
+      <p:sp>
+        <p:nvSpPr>
+          <p:cNvPr id="4" name="Slide Number Placeholder 3"/>
+          <p:cNvSpPr>
+            <a:spLocks noGrp="1"/>
+          </p:cNvSpPr>
+          <p:nvPr>
+            <p:ph type="sldNum" sz="quarter" idx="10"/>
+          </p:nvPr>
+        </p:nvSpPr>
+        <p:spPr/>
+        <p:txBody>
+          <a:bodyPr/>
+          <a:lstStyle/>
+          <a:p>
+            <a:fld id="{D0FB26DE-DCE0-4EDF-B98B-E266198E2DA6}" type="slidenum">
+              <a:rPr lang="en-CA" smtClean="0"/>
+              <a:t>4</a:t>
+            </a:fld>
+            <a:endParaRPr lang="en-CA"/>
+          </a:p>
+        </p:txBody>
+      </p:sp>
+    </p:spTree>
+    <p:extLst>
+      <p:ext uri="{BB962C8B-B14F-4D97-AF65-F5344CB8AC3E}">
+        <p14:creationId xmlns:p14="http://schemas.microsoft.com/office/powerpoint/2010/main" val="2418875974"/>
+      </p:ext>
+    </p:extLst>
+  </p:cSld>
+  <p:clrMapOvr>
+    <a:masterClrMapping/>
+  </p:clrMapOvr>
+</p:notes>
+</file>
+
+<file path=ppt/notesSlides/notesSlide2.xml><?xml version="1.0" encoding="utf-8"?>
+<p:notes xmlns:a="http://schemas.openxmlformats.org/drawingml/2006/main" xmlns:r="http://schemas.openxmlformats.org/officeDocument/2006/relationships" xmlns:p="http://schemas.openxmlformats.org/presentationml/2006/main">
+  <p:cSld>
+    <p:spTree>
+      <p:nvGrpSpPr>
+        <p:cNvPr id="1" name=""/>
+        <p:cNvGrpSpPr/>
+        <p:nvPr/>
+      </p:nvGrpSpPr>
+      <p:grpSpPr>
+        <a:xfrm>
+          <a:off x="0" y="0"/>
+          <a:ext cx="0" cy="0"/>
+          <a:chOff x="0" y="0"/>
+          <a:chExt cx="0" cy="0"/>
+        </a:xfrm>
+      </p:grpSpPr>
+      <p:sp>
+        <p:nvSpPr>
+          <p:cNvPr id="2" name="Slide Image Placeholder 1"/>
+          <p:cNvSpPr>
+            <a:spLocks noGrp="1" noRot="1" noChangeAspect="1"/>
+          </p:cNvSpPr>
+          <p:nvPr>
+            <p:ph type="sldImg"/>
+          </p:nvPr>
+        </p:nvSpPr>
+        <p:spPr/>
+      </p:sp>
+      <p:sp>
+        <p:nvSpPr>
+          <p:cNvPr id="3" name="Notes Placeholder 2"/>
+          <p:cNvSpPr>
+            <a:spLocks noGrp="1"/>
+          </p:cNvSpPr>
+          <p:nvPr>
+            <p:ph type="body" idx="1"/>
+          </p:nvPr>
+        </p:nvSpPr>
+        <p:spPr/>
+        <p:txBody>
+          <a:bodyPr/>
+          <a:lstStyle/>
+          <a:p>
+            <a:r>
+              <a:rPr lang="en-CA" dirty="0" smtClean="0"/>
+              <a:t>To do:</a:t>
+            </a:r>
+          </a:p>
+          <a:p>
+            <a:pPr marL="285750" indent="-285750">
+              <a:buFont typeface="Arial" panose="020B0604020202020204" pitchFamily="34" charset="0"/>
+              <a:buChar char="•"/>
+            </a:pPr>
+            <a:r>
+              <a:rPr lang="en-CA" dirty="0" smtClean="0"/>
+              <a:t>Add easy-to-understand compartment model</a:t>
+            </a:r>
+          </a:p>
+          <a:p>
+            <a:pPr marL="285750" indent="-285750">
+              <a:buFont typeface="Arial" panose="020B0604020202020204" pitchFamily="34" charset="0"/>
+              <a:buChar char="•"/>
+            </a:pPr>
+            <a:r>
+              <a:rPr lang="en-CA" dirty="0" smtClean="0"/>
+              <a:t>Discuss importance of assumptions (maybe state assumptions when they come up with icon), why are assumptions important in modelling?</a:t>
+            </a:r>
+          </a:p>
+          <a:p>
+            <a:pPr marL="285750" indent="-285750">
+              <a:buFont typeface="Arial" panose="020B0604020202020204" pitchFamily="34" charset="0"/>
+              <a:buChar char="•"/>
+            </a:pPr>
+            <a:r>
+              <a:rPr lang="en-CA" dirty="0" smtClean="0"/>
+              <a:t>Discuss parameter fitting</a:t>
+            </a:r>
+          </a:p>
+          <a:p>
+            <a:endParaRPr lang="en-CA" dirty="0"/>
+          </a:p>
+        </p:txBody>
+      </p:sp>
+      <p:sp>
+        <p:nvSpPr>
+          <p:cNvPr id="4" name="Slide Number Placeholder 3"/>
+          <p:cNvSpPr>
+            <a:spLocks noGrp="1"/>
+          </p:cNvSpPr>
+          <p:nvPr>
+            <p:ph type="sldNum" sz="quarter" idx="10"/>
+          </p:nvPr>
+        </p:nvSpPr>
+        <p:spPr/>
+        <p:txBody>
+          <a:bodyPr/>
+          <a:lstStyle/>
+          <a:p>
+            <a:fld id="{D0FB26DE-DCE0-4EDF-B98B-E266198E2DA6}" type="slidenum">
+              <a:rPr lang="en-CA" smtClean="0"/>
+              <a:t>5</a:t>
+            </a:fld>
+            <a:endParaRPr lang="en-CA"/>
+          </a:p>
+        </p:txBody>
+      </p:sp>
+    </p:spTree>
+    <p:extLst>
+      <p:ext uri="{BB962C8B-B14F-4D97-AF65-F5344CB8AC3E}">
+        <p14:creationId xmlns:p14="http://schemas.microsoft.com/office/powerpoint/2010/main" val="361189910"/>
+      </p:ext>
+    </p:extLst>
+  </p:cSld>
+  <p:clrMapOvr>
+    <a:masterClrMapping/>
+  </p:clrMapOvr>
+</p:notes>
+</file>
+
+<file path=ppt/notesSlides/notesSlide3.xml><?xml version="1.0" encoding="utf-8"?>
+<p:notes xmlns:a="http://schemas.openxmlformats.org/drawingml/2006/main" xmlns:r="http://schemas.openxmlformats.org/officeDocument/2006/relationships" xmlns:p="http://schemas.openxmlformats.org/presentationml/2006/main">
+  <p:cSld>
+    <p:spTree>
+      <p:nvGrpSpPr>
+        <p:cNvPr id="1" name=""/>
+        <p:cNvGrpSpPr/>
+        <p:nvPr/>
+      </p:nvGrpSpPr>
+      <p:grpSpPr>
+        <a:xfrm>
+          <a:off x="0" y="0"/>
+          <a:ext cx="0" cy="0"/>
+          <a:chOff x="0" y="0"/>
+          <a:chExt cx="0" cy="0"/>
+        </a:xfrm>
+      </p:grpSpPr>
+      <p:sp>
+        <p:nvSpPr>
+          <p:cNvPr id="2" name="Slide Image Placeholder 1"/>
+          <p:cNvSpPr>
+            <a:spLocks noGrp="1" noRot="1" noChangeAspect="1"/>
+          </p:cNvSpPr>
+          <p:nvPr>
+            <p:ph type="sldImg"/>
+          </p:nvPr>
+        </p:nvSpPr>
+        <p:spPr/>
+      </p:sp>
+      <p:sp>
+        <p:nvSpPr>
+          <p:cNvPr id="3" name="Notes Placeholder 2"/>
+          <p:cNvSpPr>
+            <a:spLocks noGrp="1"/>
+          </p:cNvSpPr>
+          <p:nvPr>
+            <p:ph type="body" idx="1"/>
+          </p:nvPr>
+        </p:nvSpPr>
+        <p:spPr/>
+        <p:txBody>
+          <a:bodyPr/>
+          <a:lstStyle/>
+          <a:p>
+            <a:r>
+              <a:rPr lang="en-CA" dirty="0" smtClean="0"/>
+              <a:t>Speaking notes:</a:t>
+            </a:r>
+          </a:p>
+          <a:p>
+            <a:pPr marL="285750" indent="-285750">
+              <a:buFont typeface="Arial" panose="020B0604020202020204" pitchFamily="34" charset="0"/>
+              <a:buChar char="•"/>
+            </a:pPr>
+            <a:r>
+              <a:rPr lang="en-CA" dirty="0" smtClean="0"/>
+              <a:t>Why do we consider educational interventions?</a:t>
+            </a:r>
+          </a:p>
+          <a:p>
+            <a:pPr marL="742950" lvl="1" indent="-285750">
+              <a:buFont typeface="Arial" panose="020B0604020202020204" pitchFamily="34" charset="0"/>
+              <a:buChar char="•"/>
+            </a:pPr>
+            <a:r>
+              <a:rPr lang="en-CA" dirty="0" smtClean="0"/>
+              <a:t>Spread is dependent on behaviour of individuals</a:t>
+            </a:r>
+          </a:p>
+          <a:p>
+            <a:pPr marL="742950" lvl="1" indent="-285750">
+              <a:buFont typeface="Arial" panose="020B0604020202020204" pitchFamily="34" charset="0"/>
+              <a:buChar char="•"/>
+            </a:pPr>
+            <a:r>
+              <a:rPr lang="en-CA" dirty="0" smtClean="0"/>
+              <a:t>Reducing stigma</a:t>
+            </a:r>
+          </a:p>
+          <a:p>
+            <a:pPr marL="285750" indent="-285750">
+              <a:buFont typeface="Arial" panose="020B0604020202020204" pitchFamily="34" charset="0"/>
+              <a:buChar char="•"/>
+            </a:pPr>
+            <a:r>
+              <a:rPr lang="en-CA" dirty="0" smtClean="0"/>
+              <a:t>Types of educational interventions and their effectiveness:</a:t>
+            </a:r>
+          </a:p>
+          <a:p>
+            <a:pPr marL="742950" lvl="1" indent="-285750">
+              <a:buFont typeface="Arial" panose="020B0604020202020204" pitchFamily="34" charset="0"/>
+              <a:buChar char="•"/>
+            </a:pPr>
+            <a:r>
+              <a:rPr lang="en-CA" dirty="0" smtClean="0"/>
+              <a:t>Comprehensive includes</a:t>
+            </a:r>
+            <a:r>
+              <a:rPr lang="en-CA" baseline="0" dirty="0" smtClean="0"/>
+              <a:t> information and strategies for infection reduction; more effective.</a:t>
+            </a:r>
+          </a:p>
+          <a:p>
+            <a:pPr marL="742950" lvl="1" indent="-285750">
+              <a:buFont typeface="Arial" panose="020B0604020202020204" pitchFamily="34" charset="0"/>
+              <a:buChar char="•"/>
+            </a:pPr>
+            <a:r>
+              <a:rPr lang="en-CA" baseline="0" dirty="0" smtClean="0"/>
+              <a:t>Abstinence includes discouraging sexual activity; not effective.</a:t>
+            </a:r>
+          </a:p>
+          <a:p>
+            <a:pPr marL="285750" lvl="0" indent="-285750">
+              <a:buFont typeface="Arial" panose="020B0604020202020204" pitchFamily="34" charset="0"/>
+              <a:buChar char="•"/>
+            </a:pPr>
+            <a:r>
+              <a:rPr lang="en-CA" baseline="0" dirty="0" smtClean="0"/>
+              <a:t>We assume these risk reduction rates will be comparable to proposed </a:t>
+            </a:r>
+            <a:r>
+              <a:rPr lang="en-CA" baseline="0" dirty="0" err="1" smtClean="0"/>
+              <a:t>mpox</a:t>
+            </a:r>
+            <a:r>
+              <a:rPr lang="en-CA" baseline="0" dirty="0" smtClean="0"/>
+              <a:t> interventions</a:t>
+            </a:r>
+          </a:p>
+          <a:p>
+            <a:pPr marL="742950" lvl="1" indent="-285750">
+              <a:buFont typeface="Arial" panose="020B0604020202020204" pitchFamily="34" charset="0"/>
+              <a:buChar char="•"/>
+            </a:pPr>
+            <a:r>
+              <a:rPr lang="en-CA" baseline="0" dirty="0" err="1" smtClean="0"/>
+              <a:t>Mpox</a:t>
+            </a:r>
+            <a:r>
+              <a:rPr lang="en-CA" baseline="0" dirty="0" smtClean="0"/>
+              <a:t> isn’t necessarily only sexually transmitted</a:t>
+            </a:r>
+          </a:p>
+          <a:p>
+            <a:pPr marL="742950" lvl="1" indent="-285750">
+              <a:buFont typeface="Arial" panose="020B0604020202020204" pitchFamily="34" charset="0"/>
+              <a:buChar char="•"/>
+            </a:pPr>
+            <a:r>
+              <a:rPr lang="en-CA" baseline="0" dirty="0" smtClean="0"/>
+              <a:t>Studied interventions were traditional STI education</a:t>
+            </a:r>
+          </a:p>
+          <a:p>
+            <a:pPr marL="742950" lvl="1" indent="-285750">
+              <a:buFont typeface="Arial" panose="020B0604020202020204" pitchFamily="34" charset="0"/>
+              <a:buChar char="•"/>
+            </a:pPr>
+            <a:endParaRPr lang="en-CA" baseline="0" dirty="0" smtClean="0"/>
+          </a:p>
+        </p:txBody>
+      </p:sp>
+      <p:sp>
+        <p:nvSpPr>
+          <p:cNvPr id="4" name="Slide Number Placeholder 3"/>
+          <p:cNvSpPr>
+            <a:spLocks noGrp="1"/>
+          </p:cNvSpPr>
+          <p:nvPr>
+            <p:ph type="sldNum" sz="quarter" idx="10"/>
+          </p:nvPr>
+        </p:nvSpPr>
+        <p:spPr/>
+        <p:txBody>
+          <a:bodyPr/>
+          <a:lstStyle/>
+          <a:p>
+            <a:fld id="{D0FB26DE-DCE0-4EDF-B98B-E266198E2DA6}" type="slidenum">
+              <a:rPr lang="en-CA" smtClean="0"/>
+              <a:t>6</a:t>
+            </a:fld>
+            <a:endParaRPr lang="en-CA"/>
+          </a:p>
+        </p:txBody>
+      </p:sp>
+    </p:spTree>
+    <p:extLst>
+      <p:ext uri="{BB962C8B-B14F-4D97-AF65-F5344CB8AC3E}">
+        <p14:creationId xmlns:p14="http://schemas.microsoft.com/office/powerpoint/2010/main" val="1955380158"/>
+      </p:ext>
+    </p:extLst>
+  </p:cSld>
+  <p:clrMapOvr>
+    <a:masterClrMapping/>
+  </p:clrMapOvr>
+</p:notes>
+</file>
+
+<file path=ppt/notesSlides/notesSlide4.xml><?xml version="1.0" encoding="utf-8"?>
+<p:notes xmlns:a="http://schemas.openxmlformats.org/drawingml/2006/main" xmlns:r="http://schemas.openxmlformats.org/officeDocument/2006/relationships" xmlns:p="http://schemas.openxmlformats.org/presentationml/2006/main">
+  <p:cSld>
+    <p:spTree>
+      <p:nvGrpSpPr>
+        <p:cNvPr id="1" name=""/>
+        <p:cNvGrpSpPr/>
+        <p:nvPr/>
+      </p:nvGrpSpPr>
+      <p:grpSpPr>
+        <a:xfrm>
+          <a:off x="0" y="0"/>
+          <a:ext cx="0" cy="0"/>
+          <a:chOff x="0" y="0"/>
+          <a:chExt cx="0" cy="0"/>
+        </a:xfrm>
+      </p:grpSpPr>
+      <p:sp>
+        <p:nvSpPr>
+          <p:cNvPr id="2" name="Slide Image Placeholder 1"/>
+          <p:cNvSpPr>
+            <a:spLocks noGrp="1" noRot="1" noChangeAspect="1"/>
+          </p:cNvSpPr>
+          <p:nvPr>
+            <p:ph type="sldImg"/>
+          </p:nvPr>
+        </p:nvSpPr>
+        <p:spPr/>
+      </p:sp>
+      <p:sp>
+        <p:nvSpPr>
+          <p:cNvPr id="3" name="Notes Placeholder 2"/>
+          <p:cNvSpPr>
+            <a:spLocks noGrp="1"/>
+          </p:cNvSpPr>
+          <p:nvPr>
+            <p:ph type="body" idx="1"/>
+          </p:nvPr>
+        </p:nvSpPr>
+        <p:spPr/>
+        <p:txBody>
+          <a:bodyPr/>
+          <a:lstStyle/>
+          <a:p>
+            <a:r>
+              <a:rPr lang="en-CA" dirty="0" smtClean="0"/>
+              <a:t>To do:</a:t>
+            </a:r>
+          </a:p>
+          <a:p>
+            <a:pPr marL="285750" indent="-285750">
+              <a:buFont typeface="Arial" panose="020B0604020202020204" pitchFamily="34" charset="0"/>
+              <a:buChar char="•"/>
+            </a:pPr>
+            <a:r>
+              <a:rPr lang="en-CA" dirty="0" smtClean="0"/>
+              <a:t>Add how the intervention effectiveness rates are integrated into new model</a:t>
+            </a:r>
+          </a:p>
+          <a:p>
+            <a:pPr marL="285750" indent="-285750">
+              <a:buFont typeface="Arial" panose="020B0604020202020204" pitchFamily="34" charset="0"/>
+              <a:buChar char="•"/>
+            </a:pPr>
+            <a:r>
+              <a:rPr lang="en-CA" dirty="0" smtClean="0"/>
+              <a:t>Explain new model and reassert assumptions</a:t>
+            </a:r>
+          </a:p>
+        </p:txBody>
+      </p:sp>
+      <p:sp>
+        <p:nvSpPr>
+          <p:cNvPr id="4" name="Slide Number Placeholder 3"/>
+          <p:cNvSpPr>
+            <a:spLocks noGrp="1"/>
+          </p:cNvSpPr>
+          <p:nvPr>
+            <p:ph type="sldNum" sz="quarter" idx="10"/>
+          </p:nvPr>
+        </p:nvSpPr>
+        <p:spPr/>
+        <p:txBody>
+          <a:bodyPr/>
+          <a:lstStyle/>
+          <a:p>
+            <a:fld id="{D0FB26DE-DCE0-4EDF-B98B-E266198E2DA6}" type="slidenum">
+              <a:rPr lang="en-CA" smtClean="0"/>
+              <a:t>7</a:t>
+            </a:fld>
+            <a:endParaRPr lang="en-CA"/>
+          </a:p>
+        </p:txBody>
+      </p:sp>
+    </p:spTree>
+    <p:extLst>
+      <p:ext uri="{BB962C8B-B14F-4D97-AF65-F5344CB8AC3E}">
+        <p14:creationId xmlns:p14="http://schemas.microsoft.com/office/powerpoint/2010/main" val="361189910"/>
+      </p:ext>
+    </p:extLst>
+  </p:cSld>
+  <p:clrMapOvr>
+    <a:masterClrMapping/>
+  </p:clrMapOvr>
+</p:notes>
+</file>
+
+<file path=ppt/notesSlides/notesSlide5.xml><?xml version="1.0" encoding="utf-8"?>
+<p:notes xmlns:a="http://schemas.openxmlformats.org/drawingml/2006/main" xmlns:r="http://schemas.openxmlformats.org/officeDocument/2006/relationships" xmlns:p="http://schemas.openxmlformats.org/presentationml/2006/main">
+  <p:cSld>
+    <p:spTree>
+      <p:nvGrpSpPr>
+        <p:cNvPr id="1" name=""/>
+        <p:cNvGrpSpPr/>
+        <p:nvPr/>
+      </p:nvGrpSpPr>
+      <p:grpSpPr>
+        <a:xfrm>
+          <a:off x="0" y="0"/>
+          <a:ext cx="0" cy="0"/>
+          <a:chOff x="0" y="0"/>
+          <a:chExt cx="0" cy="0"/>
+        </a:xfrm>
+      </p:grpSpPr>
+      <p:sp>
+        <p:nvSpPr>
+          <p:cNvPr id="2" name="Slide Image Placeholder 1"/>
+          <p:cNvSpPr>
+            <a:spLocks noGrp="1" noRot="1" noChangeAspect="1"/>
+          </p:cNvSpPr>
+          <p:nvPr>
+            <p:ph type="sldImg"/>
+          </p:nvPr>
+        </p:nvSpPr>
+        <p:spPr/>
+      </p:sp>
+      <p:sp>
+        <p:nvSpPr>
+          <p:cNvPr id="3" name="Notes Placeholder 2"/>
+          <p:cNvSpPr>
+            <a:spLocks noGrp="1"/>
+          </p:cNvSpPr>
+          <p:nvPr>
+            <p:ph type="body" idx="1"/>
+          </p:nvPr>
+        </p:nvSpPr>
+        <p:spPr/>
+        <p:txBody>
+          <a:bodyPr/>
+          <a:lstStyle/>
+          <a:p>
+            <a:endParaRPr lang="en-CA" dirty="0"/>
+          </a:p>
+        </p:txBody>
+      </p:sp>
+      <p:sp>
+        <p:nvSpPr>
+          <p:cNvPr id="4" name="Slide Number Placeholder 3"/>
+          <p:cNvSpPr>
+            <a:spLocks noGrp="1"/>
+          </p:cNvSpPr>
+          <p:nvPr>
+            <p:ph type="sldNum" sz="quarter" idx="10"/>
+          </p:nvPr>
+        </p:nvSpPr>
+        <p:spPr/>
+        <p:txBody>
+          <a:bodyPr/>
+          <a:lstStyle/>
+          <a:p>
+            <a:fld id="{D0FB26DE-DCE0-4EDF-B98B-E266198E2DA6}" type="slidenum">
+              <a:rPr lang="en-CA" smtClean="0"/>
+              <a:t>11</a:t>
+            </a:fld>
+            <a:endParaRPr lang="en-CA"/>
+          </a:p>
+        </p:txBody>
+      </p:sp>
+    </p:spTree>
+    <p:extLst>
+      <p:ext uri="{BB962C8B-B14F-4D97-AF65-F5344CB8AC3E}">
+        <p14:creationId xmlns:p14="http://schemas.microsoft.com/office/powerpoint/2010/main" val="3233464869"/>
+      </p:ext>
+    </p:extLst>
+  </p:cSld>
+  <p:clrMapOvr>
+    <a:masterClrMapping/>
+  </p:clrMapOvr>
+</p:notes>
 </file>
 
 <file path=ppt/slideLayouts/slideLayout1.xml><?xml version="1.0" encoding="utf-8"?>
@@ -432,7 +1417,7 @@
           <a:p>
             <a:fld id="{1D8BD707-D9CF-40AE-B4C6-C98DA3205C09}" type="datetimeFigureOut">
               <a:rPr lang="en-US"/>
-              <a:t>4/4/2023</a:t>
+              <a:t>4/5/2023</a:t>
             </a:fld>
             <a:endParaRPr lang="en-US"/>
           </a:p>
@@ -612,7 +1597,7 @@
           <a:p>
             <a:fld id="{1D8BD707-D9CF-40AE-B4C6-C98DA3205C09}" type="datetimeFigureOut">
               <a:rPr lang="en-US"/>
-              <a:t>4/4/2023</a:t>
+              <a:t>4/5/2023</a:t>
             </a:fld>
             <a:endParaRPr lang="en-US"/>
           </a:p>
@@ -835,7 +1820,7 @@
           <a:p>
             <a:fld id="{1D8BD707-D9CF-40AE-B4C6-C98DA3205C09}" type="datetimeFigureOut">
               <a:rPr lang="en-US"/>
-              <a:t>4/4/2023</a:t>
+              <a:t>4/5/2023</a:t>
             </a:fld>
             <a:endParaRPr lang="en-US"/>
           </a:p>
@@ -992,7 +1977,7 @@
           <a:p>
             <a:fld id="{1D8BD707-D9CF-40AE-B4C6-C98DA3205C09}" type="datetimeFigureOut">
               <a:rPr lang="en-US"/>
-              <a:t>4/4/2023</a:t>
+              <a:t>4/5/2023</a:t>
             </a:fld>
             <a:endParaRPr lang="en-US"/>
           </a:p>
@@ -1178,7 +2163,7 @@
           <a:p>
             <a:fld id="{1D8BD707-D9CF-40AE-B4C6-C98DA3205C09}" type="datetimeFigureOut">
               <a:rPr lang="en-US"/>
-              <a:t>4/4/2023</a:t>
+              <a:t>4/5/2023</a:t>
             </a:fld>
             <a:endParaRPr lang="en-US"/>
           </a:p>
@@ -1456,7 +2441,7 @@
           <a:p>
             <a:fld id="{1D8BD707-D9CF-40AE-B4C6-C98DA3205C09}" type="datetimeFigureOut">
               <a:rPr lang="en-US"/>
-              <a:t>4/4/2023</a:t>
+              <a:t>4/5/2023</a:t>
             </a:fld>
             <a:endParaRPr lang="en-US"/>
           </a:p>
@@ -1956,7 +2941,7 @@
         <p:spPr>
           <a:xfrm>
             <a:off x="331250" y="250726"/>
-            <a:ext cx="3518535" cy="604520"/>
+            <a:ext cx="4545550" cy="597599"/>
           </a:xfrm>
           <a:prstGeom prst="rect">
             <a:avLst/>
@@ -1982,7 +2967,7 @@
                   <a:srgbClr val="F1CD00"/>
                 </a:solidFill>
               </a:rPr>
-              <a:t>Limitations</a:t>
+              <a:t>Sensitivity Analysis</a:t>
             </a:r>
             <a:endParaRPr sz="3800" dirty="0"/>
           </a:p>
@@ -2034,7 +3019,7 @@
         <p:spPr>
           <a:xfrm>
             <a:off x="762000" y="1352550"/>
-            <a:ext cx="7620000" cy="646331"/>
+            <a:ext cx="7620000" cy="923330"/>
           </a:xfrm>
           <a:prstGeom prst="rect">
             <a:avLst/>
@@ -2059,7 +3044,15 @@
             </a:pPr>
             <a:r>
               <a:rPr lang="en-CA" dirty="0" smtClean="0"/>
-              <a:t>Add limitations from assumptions and any other deficiencies.</a:t>
+              <a:t>Add how sensitive education rate (alpha - # of people educated per day) and education effectiveness (</a:t>
+            </a:r>
+            <a:r>
+              <a:rPr lang="en-CA" dirty="0" err="1" smtClean="0"/>
+              <a:t>beta_e</a:t>
+            </a:r>
+            <a:r>
+              <a:rPr lang="en-CA" dirty="0" smtClean="0"/>
+              <a:t>) on total cumulative infected.</a:t>
             </a:r>
           </a:p>
         </p:txBody>
@@ -2067,7 +3060,7 @@
     </p:spTree>
     <p:extLst>
       <p:ext uri="{BB962C8B-B14F-4D97-AF65-F5344CB8AC3E}">
-        <p14:creationId xmlns:p14="http://schemas.microsoft.com/office/powerpoint/2010/main" val="1576335051"/>
+        <p14:creationId xmlns:p14="http://schemas.microsoft.com/office/powerpoint/2010/main" val="2946902024"/>
       </p:ext>
     </p:extLst>
   </p:cSld>
@@ -2133,7 +3126,7 @@
                   <a:srgbClr val="F1CD00"/>
                 </a:solidFill>
               </a:rPr>
-              <a:t>Key Messages</a:t>
+              <a:t>Limitations</a:t>
             </a:r>
             <a:endParaRPr sz="3800" dirty="0"/>
           </a:p>
@@ -2198,27 +3191,36 @@
           </a:bodyPr>
           <a:lstStyle/>
           <a:p>
+            <a:pPr marL="342900" indent="-342900">
+              <a:buAutoNum type="arabicPeriod"/>
+            </a:pPr>
             <a:r>
               <a:rPr lang="en-CA" dirty="0" smtClean="0"/>
-              <a:t>To do:</a:t>
-            </a:r>
-          </a:p>
-          <a:p>
-            <a:pPr marL="285750" indent="-285750">
-              <a:buFont typeface="Arial" panose="020B0604020202020204" pitchFamily="34" charset="0"/>
-              <a:buChar char="•"/>
+              <a:t>Comparability with STI educational effectiveness</a:t>
+            </a:r>
+          </a:p>
+          <a:p>
+            <a:pPr marL="342900" indent="-342900">
+              <a:buAutoNum type="arabicPeriod"/>
             </a:pPr>
             <a:r>
               <a:rPr lang="en-CA" dirty="0" smtClean="0"/>
-              <a:t>What are the key messages policy professionals take away from the analysis and use in their own discussions.</a:t>
-            </a:r>
+              <a:t>More?</a:t>
+            </a:r>
+            <a:endParaRPr lang="en-CA" dirty="0"/>
+          </a:p>
+          <a:p>
+            <a:pPr marL="342900" indent="-342900">
+              <a:buAutoNum type="arabicPeriod"/>
+            </a:pPr>
+            <a:endParaRPr lang="en-CA" dirty="0" smtClean="0"/>
           </a:p>
         </p:txBody>
       </p:sp>
     </p:spTree>
     <p:extLst>
       <p:ext uri="{BB962C8B-B14F-4D97-AF65-F5344CB8AC3E}">
-        <p14:creationId xmlns:p14="http://schemas.microsoft.com/office/powerpoint/2010/main" val="164908068"/>
+        <p14:creationId xmlns:p14="http://schemas.microsoft.com/office/powerpoint/2010/main" val="1576335051"/>
       </p:ext>
     </p:extLst>
   </p:cSld>
@@ -2284,7 +3286,7 @@
                   <a:srgbClr val="F1CD00"/>
                 </a:solidFill>
               </a:rPr>
-              <a:t>Future Work</a:t>
+              <a:t>Key Messages</a:t>
             </a:r>
             <a:endParaRPr sz="3800" dirty="0"/>
           </a:p>
@@ -2336,7 +3338,7 @@
         <p:spPr>
           <a:xfrm>
             <a:off x="762000" y="1352550"/>
-            <a:ext cx="7620000" cy="646331"/>
+            <a:ext cx="7620000" cy="923330"/>
           </a:xfrm>
           <a:prstGeom prst="rect">
             <a:avLst/>
@@ -2361,7 +3363,7 @@
             </a:pPr>
             <a:r>
               <a:rPr lang="en-CA" dirty="0" smtClean="0"/>
-              <a:t>Are there any ways the model could be improved?</a:t>
+              <a:t>What are the key messages policy professionals take away from the analysis and use in their own discussions.</a:t>
             </a:r>
           </a:p>
         </p:txBody>
@@ -2369,7 +3371,7 @@
     </p:spTree>
     <p:extLst>
       <p:ext uri="{BB962C8B-B14F-4D97-AF65-F5344CB8AC3E}">
-        <p14:creationId xmlns:p14="http://schemas.microsoft.com/office/powerpoint/2010/main" val="2923472118"/>
+        <p14:creationId xmlns:p14="http://schemas.microsoft.com/office/powerpoint/2010/main" val="164908068"/>
       </p:ext>
     </p:extLst>
   </p:cSld>
@@ -2399,6 +3401,182 @@
       <p:sp>
         <p:nvSpPr>
           <p:cNvPr id="2" name="object 2"/>
+          <p:cNvSpPr txBox="1">
+            <a:spLocks noGrp="1"/>
+          </p:cNvSpPr>
+          <p:nvPr>
+            <p:ph type="title"/>
+          </p:nvPr>
+        </p:nvSpPr>
+        <p:spPr>
+          <a:xfrm>
+            <a:off x="331250" y="250726"/>
+            <a:ext cx="3518535" cy="604520"/>
+          </a:xfrm>
+          <a:prstGeom prst="rect">
+            <a:avLst/>
+          </a:prstGeom>
+        </p:spPr>
+        <p:txBody>
+          <a:bodyPr vert="horz" wrap="square" lIns="0" tIns="12700" rIns="0" bIns="0" rtlCol="0">
+            <a:spAutoFit/>
+          </a:bodyPr>
+          <a:lstStyle/>
+          <a:p>
+            <a:pPr marL="12700">
+              <a:lnSpc>
+                <a:spcPct val="100000"/>
+              </a:lnSpc>
+              <a:spcBef>
+                <a:spcPts val="100"/>
+              </a:spcBef>
+            </a:pPr>
+            <a:r>
+              <a:rPr lang="en-CA" sz="3800" spc="-35" dirty="0" smtClean="0">
+                <a:solidFill>
+                  <a:srgbClr val="F1CD00"/>
+                </a:solidFill>
+              </a:rPr>
+              <a:t>Future Work</a:t>
+            </a:r>
+            <a:endParaRPr sz="3800" dirty="0"/>
+          </a:p>
+        </p:txBody>
+      </p:sp>
+      <p:sp>
+        <p:nvSpPr>
+          <p:cNvPr id="7" name="object 7"/>
+          <p:cNvSpPr txBox="1">
+            <a:spLocks noGrp="1"/>
+          </p:cNvSpPr>
+          <p:nvPr>
+            <p:ph type="sldNum" sz="quarter" idx="7"/>
+          </p:nvPr>
+        </p:nvSpPr>
+        <p:spPr>
+          <a:prstGeom prst="rect">
+            <a:avLst/>
+          </a:prstGeom>
+        </p:spPr>
+        <p:txBody>
+          <a:bodyPr vert="horz" wrap="square" lIns="0" tIns="635" rIns="0" bIns="0" rtlCol="0">
+            <a:spAutoFit/>
+          </a:bodyPr>
+          <a:lstStyle/>
+          <a:p>
+            <a:pPr marL="38100">
+              <a:lnSpc>
+                <a:spcPct val="100000"/>
+              </a:lnSpc>
+              <a:spcBef>
+                <a:spcPts val="5"/>
+              </a:spcBef>
+            </a:pPr>
+            <a:fld id="{81D60167-4931-47E6-BA6A-407CBD079E47}" type="slidenum">
+              <a:rPr dirty="0"/>
+              <a:t>13</a:t>
+            </a:fld>
+            <a:endParaRPr dirty="0"/>
+          </a:p>
+        </p:txBody>
+      </p:sp>
+      <p:sp>
+        <p:nvSpPr>
+          <p:cNvPr id="4" name="TextBox 3"/>
+          <p:cNvSpPr txBox="1"/>
+          <p:nvPr/>
+        </p:nvSpPr>
+        <p:spPr>
+          <a:xfrm>
+            <a:off x="758663" y="2647950"/>
+            <a:ext cx="7620000" cy="1200329"/>
+          </a:xfrm>
+          <a:prstGeom prst="rect">
+            <a:avLst/>
+          </a:prstGeom>
+          <a:noFill/>
+        </p:spPr>
+        <p:txBody>
+          <a:bodyPr wrap="square" rtlCol="0">
+            <a:spAutoFit/>
+          </a:bodyPr>
+          <a:lstStyle/>
+          <a:p>
+            <a:pPr marL="342900" indent="-342900">
+              <a:buFont typeface="+mj-lt"/>
+              <a:buAutoNum type="arabicPeriod"/>
+            </a:pPr>
+            <a:r>
+              <a:rPr lang="en-CA" dirty="0" smtClean="0"/>
+              <a:t>Age stratification</a:t>
+            </a:r>
+          </a:p>
+          <a:p>
+            <a:pPr marL="342900" indent="-342900">
+              <a:buFont typeface="+mj-lt"/>
+              <a:buAutoNum type="arabicPeriod"/>
+            </a:pPr>
+            <a:r>
+              <a:rPr lang="en-CA" dirty="0" smtClean="0"/>
+              <a:t>Vaccine analysis</a:t>
+            </a:r>
+          </a:p>
+          <a:p>
+            <a:pPr marL="342900" indent="-342900">
+              <a:buFont typeface="+mj-lt"/>
+              <a:buAutoNum type="arabicPeriod"/>
+            </a:pPr>
+            <a:r>
+              <a:rPr lang="en-CA" dirty="0" smtClean="0"/>
+              <a:t>Quarantine analysis</a:t>
+            </a:r>
+          </a:p>
+          <a:p>
+            <a:pPr marL="342900" indent="-342900">
+              <a:buFont typeface="+mj-lt"/>
+              <a:buAutoNum type="arabicPeriod"/>
+            </a:pPr>
+            <a:r>
+              <a:rPr lang="en-CA" dirty="0" smtClean="0"/>
+              <a:t>Any others?</a:t>
+            </a:r>
+            <a:endParaRPr lang="en-CA" dirty="0" smtClean="0"/>
+          </a:p>
+        </p:txBody>
+      </p:sp>
+    </p:spTree>
+    <p:extLst>
+      <p:ext uri="{BB962C8B-B14F-4D97-AF65-F5344CB8AC3E}">
+        <p14:creationId xmlns:p14="http://schemas.microsoft.com/office/powerpoint/2010/main" val="2923472118"/>
+      </p:ext>
+    </p:extLst>
+  </p:cSld>
+  <p:clrMapOvr>
+    <a:masterClrMapping/>
+  </p:clrMapOvr>
+</p:sld>
+</file>
+
+<file path=ppt/slides/slide14.xml><?xml version="1.0" encoding="utf-8"?>
+<p:sld xmlns:a="http://schemas.openxmlformats.org/drawingml/2006/main" xmlns:r="http://schemas.openxmlformats.org/officeDocument/2006/relationships" xmlns:p="http://schemas.openxmlformats.org/presentationml/2006/main">
+  <p:cSld>
+    <p:spTree>
+      <p:nvGrpSpPr>
+        <p:cNvPr id="1" name=""/>
+        <p:cNvGrpSpPr/>
+        <p:nvPr/>
+      </p:nvGrpSpPr>
+      <p:grpSpPr>
+        <a:xfrm>
+          <a:off x="0" y="0"/>
+          <a:ext cx="0" cy="0"/>
+          <a:chOff x="0" y="0"/>
+          <a:chExt cx="0" cy="0"/>
+        </a:xfrm>
+      </p:grpSpPr>
+      <p:sp>
+        <p:nvSpPr>
+          <p:cNvPr id="2" name="object 2"/>
           <p:cNvSpPr txBox="1"/>
           <p:nvPr/>
         </p:nvSpPr>
@@ -2515,7 +3693,7 @@
             </a:pPr>
             <a:fld id="{81D60167-4931-47E6-BA6A-407CBD079E47}" type="slidenum">
               <a:rPr dirty="0"/>
-              <a:t>13</a:t>
+              <a:t>14</a:t>
             </a:fld>
             <a:endParaRPr dirty="0"/>
           </a:p>
@@ -2529,7 +3707,7 @@
 </p:sld>
 </file>
 
-<file path=ppt/slides/slide14.xml><?xml version="1.0" encoding="utf-8"?>
+<file path=ppt/slides/slide15.xml><?xml version="1.0" encoding="utf-8"?>
 <p:sld xmlns:a="http://schemas.openxmlformats.org/drawingml/2006/main" xmlns:r="http://schemas.openxmlformats.org/officeDocument/2006/relationships" xmlns:p="http://schemas.openxmlformats.org/presentationml/2006/main" showMasterSp="0">
   <p:cSld>
     <p:spTree>
@@ -2649,7 +3827,7 @@
             </a:pPr>
             <a:fld id="{81D60167-4931-47E6-BA6A-407CBD079E47}" type="slidenum">
               <a:rPr dirty="0"/>
-              <a:t>14</a:t>
+              <a:t>15</a:t>
             </a:fld>
             <a:endParaRPr dirty="0"/>
           </a:p>
@@ -2703,7 +3881,7 @@
 </p:sld>
 </file>
 
-<file path=ppt/slides/slide15.xml><?xml version="1.0" encoding="utf-8"?>
+<file path=ppt/slides/slide16.xml><?xml version="1.0" encoding="utf-8"?>
 <p:sld xmlns:a="http://schemas.openxmlformats.org/drawingml/2006/main" xmlns:r="http://schemas.openxmlformats.org/officeDocument/2006/relationships" xmlns:p="http://schemas.openxmlformats.org/presentationml/2006/main">
   <p:cSld>
     <p:spTree>
@@ -2796,7 +3974,7 @@
             </a:pPr>
             <a:fld id="{81D60167-4931-47E6-BA6A-407CBD079E47}" type="slidenum">
               <a:rPr dirty="0"/>
-              <a:t>15</a:t>
+              <a:t>16</a:t>
             </a:fld>
             <a:endParaRPr dirty="0"/>
           </a:p>
@@ -2811,7 +3989,7 @@
         <p:spPr>
           <a:xfrm>
             <a:off x="762000" y="1352550"/>
-            <a:ext cx="7620000" cy="923330"/>
+            <a:ext cx="7620000" cy="1200329"/>
           </a:xfrm>
           <a:prstGeom prst="rect">
             <a:avLst/>
@@ -2836,8 +4014,23 @@
             </a:pPr>
             <a:r>
               <a:rPr lang="en-CA" dirty="0" smtClean="0"/>
-              <a:t>Add any data or charts that are more technical in case we are asked about it</a:t>
-            </a:r>
+              <a:t>Add any data or charts that are more technical in case we are asked about </a:t>
+            </a:r>
+            <a:r>
+              <a:rPr lang="en-CA" dirty="0" smtClean="0"/>
+              <a:t>it</a:t>
+            </a:r>
+          </a:p>
+          <a:p>
+            <a:pPr marL="285750" indent="-285750">
+              <a:buFont typeface="Arial" panose="020B0604020202020204" pitchFamily="34" charset="0"/>
+              <a:buChar char="•"/>
+            </a:pPr>
+            <a:r>
+              <a:rPr lang="en-CA" dirty="0" smtClean="0"/>
+              <a:t>Could include code</a:t>
+            </a:r>
+            <a:endParaRPr lang="en-CA" dirty="0" smtClean="0"/>
           </a:p>
           <a:p>
             <a:pPr marL="285750" indent="-285750">
@@ -2972,7 +4165,7 @@
         <p:spPr>
           <a:xfrm>
             <a:off x="762000" y="1352550"/>
-            <a:ext cx="7620000" cy="2585323"/>
+            <a:ext cx="7620000" cy="2862322"/>
           </a:xfrm>
           <a:prstGeom prst="rect">
             <a:avLst/>
@@ -3021,8 +4214,23 @@
             </a:pPr>
             <a:r>
               <a:rPr lang="en-CA" dirty="0" smtClean="0"/>
-              <a:t>Educational Intervention Model</a:t>
-            </a:r>
+              <a:t>Educational Intervention </a:t>
+            </a:r>
+            <a:r>
+              <a:rPr lang="en-CA" dirty="0" smtClean="0"/>
+              <a:t>Model</a:t>
+            </a:r>
+          </a:p>
+          <a:p>
+            <a:pPr marL="342900" indent="-342900">
+              <a:buFont typeface="+mj-lt"/>
+              <a:buAutoNum type="arabicPeriod"/>
+            </a:pPr>
+            <a:r>
+              <a:rPr lang="en-CA" dirty="0" smtClean="0"/>
+              <a:t>Data</a:t>
+            </a:r>
+            <a:endParaRPr lang="en-CA" dirty="0" smtClean="0"/>
           </a:p>
           <a:p>
             <a:pPr marL="342900" indent="-342900">
@@ -3352,7 +4560,7 @@
         </p:nvSpPr>
         <p:spPr>
           <a:xfrm>
-            <a:off x="762000" y="1352550"/>
+            <a:off x="762000" y="2419350"/>
             <a:ext cx="7620000" cy="1200329"/>
           </a:xfrm>
           <a:prstGeom prst="rect">
@@ -3366,40 +4574,23 @@
           </a:bodyPr>
           <a:lstStyle/>
           <a:p>
+            <a:pPr marL="342900" indent="-342900">
+              <a:buAutoNum type="arabicPeriod"/>
+            </a:pPr>
             <a:r>
               <a:rPr lang="en-CA" dirty="0" smtClean="0"/>
-              <a:t>To do:</a:t>
-            </a:r>
-          </a:p>
-          <a:p>
-            <a:pPr marL="285750" indent="-285750">
-              <a:buFont typeface="Arial" panose="020B0604020202020204" pitchFamily="34" charset="0"/>
-              <a:buChar char="•"/>
+              <a:t>How effective would an education campaign be in reducing ultimate number of people infected?</a:t>
+            </a:r>
+          </a:p>
+          <a:p>
+            <a:pPr marL="342900" indent="-342900">
+              <a:buAutoNum type="arabicPeriod"/>
             </a:pPr>
             <a:r>
               <a:rPr lang="en-CA" dirty="0" smtClean="0"/>
-              <a:t>Policy questions</a:t>
-            </a:r>
-          </a:p>
-          <a:p>
-            <a:pPr marL="285750" indent="-285750">
-              <a:buFont typeface="Arial" panose="020B0604020202020204" pitchFamily="34" charset="0"/>
-              <a:buChar char="•"/>
-            </a:pPr>
-            <a:r>
-              <a:rPr lang="en-CA" dirty="0" smtClean="0"/>
-              <a:t>Why is this important to policy makers?</a:t>
-            </a:r>
-          </a:p>
-          <a:p>
-            <a:pPr marL="285750" indent="-285750">
-              <a:buFont typeface="Arial" panose="020B0604020202020204" pitchFamily="34" charset="0"/>
-              <a:buChar char="•"/>
-            </a:pPr>
-            <a:r>
-              <a:rPr lang="en-CA" dirty="0" smtClean="0"/>
-              <a:t>How do we translate questions into mathematical expressions</a:t>
-            </a:r>
+              <a:t>How many people would we need to educate to see a significant drop in ultimate number of people infected?</a:t>
+            </a:r>
+            <a:endParaRPr lang="en-CA" dirty="0" smtClean="0"/>
           </a:p>
         </p:txBody>
       </p:sp>
@@ -3515,16 +4706,46 @@
           </a:p>
         </p:txBody>
       </p:sp>
-      <p:sp>
-        <p:nvSpPr>
-          <p:cNvPr id="4" name="TextBox 3"/>
+      <p:pic>
+        <p:nvPicPr>
+          <p:cNvPr id="5" name="Picture 4"/>
+          <p:cNvPicPr>
+            <a:picLocks noChangeAspect="1"/>
+          </p:cNvPicPr>
+          <p:nvPr/>
+        </p:nvPicPr>
+        <p:blipFill>
+          <a:blip r:embed="rId3" cstate="print">
+            <a:extLst>
+              <a:ext uri="{28A0092B-C50C-407E-A947-70E740481C1C}">
+                <a14:useLocalDpi xmlns:a14="http://schemas.microsoft.com/office/drawing/2010/main" val="0"/>
+              </a:ext>
+            </a:extLst>
+          </a:blip>
+          <a:stretch>
+            <a:fillRect/>
+          </a:stretch>
+        </p:blipFill>
+        <p:spPr>
+          <a:xfrm>
+            <a:off x="927100" y="3273958"/>
+            <a:ext cx="431800" cy="431125"/>
+          </a:xfrm>
+          <a:prstGeom prst="rect">
+            <a:avLst/>
+          </a:prstGeom>
+        </p:spPr>
+      </p:pic>
+      <p:sp>
+        <p:nvSpPr>
+          <p:cNvPr id="6" name="TextBox 5"/>
           <p:cNvSpPr txBox="1"/>
           <p:nvPr/>
         </p:nvSpPr>
         <p:spPr>
           <a:xfrm>
-            <a:off x="762000" y="1352550"/>
-            <a:ext cx="7620000" cy="1200329"/>
+            <a:off x="1351113" y="3358715"/>
+            <a:ext cx="2463800" cy="261610"/>
           </a:xfrm>
           <a:prstGeom prst="rect">
             <a:avLst/>
@@ -3538,39 +4759,372 @@
           <a:lstStyle/>
           <a:p>
             <a:r>
+              <a:rPr lang="en-CA" sz="1100" dirty="0" smtClean="0"/>
+              <a:t>We assume no immunity after infection</a:t>
+            </a:r>
+            <a:endParaRPr lang="en-CA" sz="1100" dirty="0"/>
+          </a:p>
+        </p:txBody>
+      </p:sp>
+      <p:sp>
+        <p:nvSpPr>
+          <p:cNvPr id="8" name="Rounded Rectangle 7"/>
+          <p:cNvSpPr/>
+          <p:nvPr/>
+        </p:nvSpPr>
+        <p:spPr>
+          <a:xfrm>
+            <a:off x="381000" y="1352550"/>
+            <a:ext cx="1676400" cy="533400"/>
+          </a:xfrm>
+          <a:prstGeom prst="roundRect">
+            <a:avLst/>
+          </a:prstGeom>
+        </p:spPr>
+        <p:style>
+          <a:lnRef idx="2">
+            <a:schemeClr val="dk1"/>
+          </a:lnRef>
+          <a:fillRef idx="1">
+            <a:schemeClr val="lt1"/>
+          </a:fillRef>
+          <a:effectRef idx="0">
+            <a:schemeClr val="dk1"/>
+          </a:effectRef>
+          <a:fontRef idx="minor">
+            <a:schemeClr val="dk1"/>
+          </a:fontRef>
+        </p:style>
+        <p:txBody>
+          <a:bodyPr rtlCol="0" anchor="ctr"/>
+          <a:lstStyle/>
+          <a:p>
+            <a:pPr algn="ctr"/>
+            <a:r>
               <a:rPr lang="en-CA" dirty="0" smtClean="0"/>
-              <a:t>To do:</a:t>
-            </a:r>
-          </a:p>
-          <a:p>
-            <a:pPr marL="285750" indent="-285750">
-              <a:buFont typeface="Arial" panose="020B0604020202020204" pitchFamily="34" charset="0"/>
-              <a:buChar char="•"/>
-            </a:pPr>
+              <a:t>Susceptible</a:t>
+            </a:r>
+            <a:endParaRPr lang="en-CA" dirty="0"/>
+          </a:p>
+        </p:txBody>
+      </p:sp>
+      <p:sp>
+        <p:nvSpPr>
+          <p:cNvPr id="9" name="Rounded Rectangle 8"/>
+          <p:cNvSpPr/>
+          <p:nvPr/>
+        </p:nvSpPr>
+        <p:spPr>
+          <a:xfrm>
+            <a:off x="2311400" y="2063750"/>
+            <a:ext cx="1676400" cy="533400"/>
+          </a:xfrm>
+          <a:prstGeom prst="roundRect">
+            <a:avLst/>
+          </a:prstGeom>
+        </p:spPr>
+        <p:style>
+          <a:lnRef idx="2">
+            <a:schemeClr val="accent2"/>
+          </a:lnRef>
+          <a:fillRef idx="1">
+            <a:schemeClr val="lt1"/>
+          </a:fillRef>
+          <a:effectRef idx="0">
+            <a:schemeClr val="accent2"/>
+          </a:effectRef>
+          <a:fontRef idx="minor">
+            <a:schemeClr val="dk1"/>
+          </a:fontRef>
+        </p:style>
+        <p:txBody>
+          <a:bodyPr rtlCol="0" anchor="ctr"/>
+          <a:lstStyle/>
+          <a:p>
+            <a:pPr algn="ctr"/>
             <a:r>
               <a:rPr lang="en-CA" dirty="0" smtClean="0"/>
-              <a:t>Add easy-to-understand compartment model</a:t>
-            </a:r>
-          </a:p>
-          <a:p>
-            <a:pPr marL="285750" indent="-285750">
-              <a:buFont typeface="Arial" panose="020B0604020202020204" pitchFamily="34" charset="0"/>
-              <a:buChar char="•"/>
-            </a:pPr>
+              <a:t>Exposed</a:t>
+            </a:r>
+            <a:endParaRPr lang="en-CA" dirty="0"/>
+          </a:p>
+        </p:txBody>
+      </p:sp>
+      <p:sp>
+        <p:nvSpPr>
+          <p:cNvPr id="10" name="Rounded Rectangle 9"/>
+          <p:cNvSpPr/>
+          <p:nvPr/>
+        </p:nvSpPr>
+        <p:spPr>
+          <a:xfrm>
+            <a:off x="4241800" y="2774950"/>
+            <a:ext cx="1676400" cy="533400"/>
+          </a:xfrm>
+          <a:prstGeom prst="roundRect">
+            <a:avLst/>
+          </a:prstGeom>
+        </p:spPr>
+        <p:style>
+          <a:lnRef idx="2">
+            <a:schemeClr val="accent2">
+              <a:shade val="50000"/>
+            </a:schemeClr>
+          </a:lnRef>
+          <a:fillRef idx="1">
+            <a:schemeClr val="accent2"/>
+          </a:fillRef>
+          <a:effectRef idx="0">
+            <a:schemeClr val="accent2"/>
+          </a:effectRef>
+          <a:fontRef idx="minor">
+            <a:schemeClr val="lt1"/>
+          </a:fontRef>
+        </p:style>
+        <p:txBody>
+          <a:bodyPr rtlCol="0" anchor="ctr"/>
+          <a:lstStyle/>
+          <a:p>
+            <a:pPr algn="ctr"/>
             <a:r>
               <a:rPr lang="en-CA" dirty="0" smtClean="0"/>
-              <a:t>Discuss assumptions</a:t>
-            </a:r>
-          </a:p>
-          <a:p>
-            <a:pPr marL="285750" indent="-285750">
-              <a:buFont typeface="Arial" panose="020B0604020202020204" pitchFamily="34" charset="0"/>
-              <a:buChar char="•"/>
-            </a:pPr>
+              <a:t>Infected</a:t>
+            </a:r>
+            <a:endParaRPr lang="en-CA" dirty="0"/>
+          </a:p>
+        </p:txBody>
+      </p:sp>
+      <p:sp>
+        <p:nvSpPr>
+          <p:cNvPr id="11" name="Rounded Rectangle 10"/>
+          <p:cNvSpPr/>
+          <p:nvPr/>
+        </p:nvSpPr>
+        <p:spPr>
+          <a:xfrm>
+            <a:off x="6172200" y="3486150"/>
+            <a:ext cx="1676400" cy="533400"/>
+          </a:xfrm>
+          <a:prstGeom prst="roundRect">
+            <a:avLst/>
+          </a:prstGeom>
+        </p:spPr>
+        <p:style>
+          <a:lnRef idx="2">
+            <a:schemeClr val="accent3"/>
+          </a:lnRef>
+          <a:fillRef idx="1">
+            <a:schemeClr val="lt1"/>
+          </a:fillRef>
+          <a:effectRef idx="0">
+            <a:schemeClr val="accent3"/>
+          </a:effectRef>
+          <a:fontRef idx="minor">
+            <a:schemeClr val="dk1"/>
+          </a:fontRef>
+        </p:style>
+        <p:txBody>
+          <a:bodyPr rtlCol="0" anchor="ctr"/>
+          <a:lstStyle/>
+          <a:p>
+            <a:pPr algn="ctr"/>
             <a:r>
               <a:rPr lang="en-CA" dirty="0" smtClean="0"/>
-              <a:t>Discuss parameter fitting</a:t>
-            </a:r>
+              <a:t>Recovered</a:t>
+            </a:r>
+            <a:endParaRPr lang="en-CA" dirty="0"/>
+          </a:p>
+        </p:txBody>
+      </p:sp>
+      <p:cxnSp>
+        <p:nvCxnSpPr>
+          <p:cNvPr id="13" name="Elbow Connector 12"/>
+          <p:cNvCxnSpPr>
+            <a:stCxn id="8" idx="3"/>
+            <a:endCxn id="9" idx="0"/>
+          </p:cNvCxnSpPr>
+          <p:nvPr/>
+        </p:nvCxnSpPr>
+        <p:spPr>
+          <a:xfrm>
+            <a:off x="2057400" y="1619250"/>
+            <a:ext cx="1092200" cy="444500"/>
+          </a:xfrm>
+          <a:prstGeom prst="bentConnector2">
+            <a:avLst/>
+          </a:prstGeom>
+          <a:ln>
+            <a:tailEnd type="arrow"/>
+          </a:ln>
+        </p:spPr>
+        <p:style>
+          <a:lnRef idx="1">
+            <a:schemeClr val="dk1"/>
+          </a:lnRef>
+          <a:fillRef idx="0">
+            <a:schemeClr val="dk1"/>
+          </a:fillRef>
+          <a:effectRef idx="0">
+            <a:schemeClr val="dk1"/>
+          </a:effectRef>
+          <a:fontRef idx="minor">
+            <a:schemeClr val="tx1"/>
+          </a:fontRef>
+        </p:style>
+      </p:cxnSp>
+      <p:cxnSp>
+        <p:nvCxnSpPr>
+          <p:cNvPr id="14" name="Elbow Connector 13"/>
+          <p:cNvCxnSpPr/>
+          <p:nvPr/>
+        </p:nvCxnSpPr>
+        <p:spPr>
+          <a:xfrm>
+            <a:off x="3987800" y="2330450"/>
+            <a:ext cx="1092200" cy="444500"/>
+          </a:xfrm>
+          <a:prstGeom prst="bentConnector2">
+            <a:avLst/>
+          </a:prstGeom>
+          <a:ln>
+            <a:tailEnd type="arrow"/>
+          </a:ln>
+        </p:spPr>
+        <p:style>
+          <a:lnRef idx="1">
+            <a:schemeClr val="dk1"/>
+          </a:lnRef>
+          <a:fillRef idx="0">
+            <a:schemeClr val="dk1"/>
+          </a:fillRef>
+          <a:effectRef idx="0">
+            <a:schemeClr val="dk1"/>
+          </a:effectRef>
+          <a:fontRef idx="minor">
+            <a:schemeClr val="tx1"/>
+          </a:fontRef>
+        </p:style>
+      </p:cxnSp>
+      <p:cxnSp>
+        <p:nvCxnSpPr>
+          <p:cNvPr id="15" name="Elbow Connector 14"/>
+          <p:cNvCxnSpPr/>
+          <p:nvPr/>
+        </p:nvCxnSpPr>
+        <p:spPr>
+          <a:xfrm>
+            <a:off x="5918200" y="3028950"/>
+            <a:ext cx="1092200" cy="444500"/>
+          </a:xfrm>
+          <a:prstGeom prst="bentConnector2">
+            <a:avLst/>
+          </a:prstGeom>
+          <a:ln>
+            <a:tailEnd type="arrow"/>
+          </a:ln>
+        </p:spPr>
+        <p:style>
+          <a:lnRef idx="1">
+            <a:schemeClr val="dk1"/>
+          </a:lnRef>
+          <a:fillRef idx="0">
+            <a:schemeClr val="dk1"/>
+          </a:fillRef>
+          <a:effectRef idx="0">
+            <a:schemeClr val="dk1"/>
+          </a:effectRef>
+          <a:fontRef idx="minor">
+            <a:schemeClr val="tx1"/>
+          </a:fontRef>
+        </p:style>
+      </p:cxnSp>
+      <p:sp>
+        <p:nvSpPr>
+          <p:cNvPr id="16" name="TextBox 15"/>
+          <p:cNvSpPr txBox="1"/>
+          <p:nvPr/>
+        </p:nvSpPr>
+        <p:spPr>
+          <a:xfrm>
+            <a:off x="2057400" y="1019086"/>
+            <a:ext cx="1905000" cy="600164"/>
+          </a:xfrm>
+          <a:prstGeom prst="rect">
+            <a:avLst/>
+          </a:prstGeom>
+          <a:noFill/>
+        </p:spPr>
+        <p:txBody>
+          <a:bodyPr wrap="square" rtlCol="0">
+            <a:spAutoFit/>
+          </a:bodyPr>
+          <a:lstStyle/>
+          <a:p>
+            <a:r>
+              <a:rPr lang="en-CA" sz="1100" dirty="0" smtClean="0"/>
+              <a:t>Susceptible population is exposed to virus from contact with infected</a:t>
+            </a:r>
+            <a:endParaRPr lang="en-CA" sz="1100" dirty="0"/>
+          </a:p>
+        </p:txBody>
+      </p:sp>
+      <p:sp>
+        <p:nvSpPr>
+          <p:cNvPr id="17" name="TextBox 16"/>
+          <p:cNvSpPr txBox="1"/>
+          <p:nvPr/>
+        </p:nvSpPr>
+        <p:spPr>
+          <a:xfrm>
+            <a:off x="4114800" y="1841500"/>
+            <a:ext cx="1905000" cy="430887"/>
+          </a:xfrm>
+          <a:prstGeom prst="rect">
+            <a:avLst/>
+          </a:prstGeom>
+          <a:noFill/>
+        </p:spPr>
+        <p:txBody>
+          <a:bodyPr wrap="square" rtlCol="0">
+            <a:spAutoFit/>
+          </a:bodyPr>
+          <a:lstStyle/>
+          <a:p>
+            <a:r>
+              <a:rPr lang="en-CA" sz="1100" dirty="0" smtClean="0"/>
+              <a:t>Those exposed move to infected once symptomatic</a:t>
+            </a:r>
+            <a:endParaRPr lang="en-CA" sz="1100" dirty="0"/>
+          </a:p>
+        </p:txBody>
+      </p:sp>
+      <p:sp>
+        <p:nvSpPr>
+          <p:cNvPr id="18" name="TextBox 17"/>
+          <p:cNvSpPr txBox="1"/>
+          <p:nvPr/>
+        </p:nvSpPr>
+        <p:spPr>
+          <a:xfrm>
+            <a:off x="6019800" y="2761041"/>
+            <a:ext cx="1905000" cy="261610"/>
+          </a:xfrm>
+          <a:prstGeom prst="rect">
+            <a:avLst/>
+          </a:prstGeom>
+          <a:noFill/>
+        </p:spPr>
+        <p:txBody>
+          <a:bodyPr wrap="square" rtlCol="0">
+            <a:spAutoFit/>
+          </a:bodyPr>
+          <a:lstStyle/>
+          <a:p>
+            <a:r>
+              <a:rPr lang="en-CA" sz="1100" dirty="0" smtClean="0"/>
+              <a:t>Those infected recover</a:t>
+            </a:r>
+            <a:endParaRPr lang="en-CA" sz="1100" dirty="0"/>
           </a:p>
         </p:txBody>
       </p:sp>
@@ -3686,16 +5240,216 @@
           </a:p>
         </p:txBody>
       </p:sp>
-      <p:sp>
-        <p:nvSpPr>
-          <p:cNvPr id="4" name="TextBox 3"/>
+      <p:graphicFrame>
+        <p:nvGraphicFramePr>
+          <p:cNvPr id="3" name="Table 2"/>
+          <p:cNvGraphicFramePr>
+            <a:graphicFrameLocks noGrp="1"/>
+          </p:cNvGraphicFramePr>
+          <p:nvPr>
+            <p:extLst>
+              <p:ext uri="{D42A27DB-BD31-4B8C-83A1-F6EECF244321}">
+                <p14:modId xmlns:p14="http://schemas.microsoft.com/office/powerpoint/2010/main" val="2585368557"/>
+              </p:ext>
+            </p:extLst>
+          </p:nvPr>
+        </p:nvGraphicFramePr>
+        <p:xfrm>
+          <a:off x="597642" y="1962150"/>
+          <a:ext cx="3352800" cy="1483360"/>
+        </p:xfrm>
+        <a:graphic>
+          <a:graphicData uri="http://schemas.openxmlformats.org/drawingml/2006/table">
+            <a:tbl>
+              <a:tblPr firstRow="1" bandRow="1">
+                <a:tableStyleId>{2D5ABB26-0587-4C30-8999-92F81FD0307C}</a:tableStyleId>
+              </a:tblPr>
+              <a:tblGrid>
+                <a:gridCol w="1676400"/>
+                <a:gridCol w="1676400"/>
+              </a:tblGrid>
+              <a:tr h="370840">
+                <a:tc>
+                  <a:txBody>
+                    <a:bodyPr/>
+                    <a:lstStyle/>
+                    <a:p>
+                      <a:r>
+                        <a:rPr lang="en-CA" dirty="0" smtClean="0"/>
+                        <a:t>Intervention</a:t>
+                      </a:r>
+                      <a:endParaRPr lang="en-CA" dirty="0"/>
+                    </a:p>
+                  </a:txBody>
+                  <a:tcPr>
+                    <a:lnB w="12700" cap="flat" cmpd="sng" algn="ctr">
+                      <a:solidFill>
+                        <a:schemeClr val="tx1"/>
+                      </a:solidFill>
+                      <a:prstDash val="solid"/>
+                      <a:round/>
+                      <a:headEnd type="none" w="med" len="med"/>
+                      <a:tailEnd type="none" w="med" len="med"/>
+                    </a:lnB>
+                  </a:tcPr>
+                </a:tc>
+                <a:tc>
+                  <a:txBody>
+                    <a:bodyPr/>
+                    <a:lstStyle/>
+                    <a:p>
+                      <a:pPr algn="r"/>
+                      <a:r>
+                        <a:rPr lang="en-CA" dirty="0" smtClean="0"/>
+                        <a:t>Risk</a:t>
+                      </a:r>
+                      <a:r>
+                        <a:rPr lang="en-CA" baseline="0" dirty="0" smtClean="0"/>
+                        <a:t> Reduction</a:t>
+                      </a:r>
+                      <a:endParaRPr lang="en-CA" dirty="0"/>
+                    </a:p>
+                  </a:txBody>
+                  <a:tcPr>
+                    <a:lnB w="12700" cap="flat" cmpd="sng" algn="ctr">
+                      <a:solidFill>
+                        <a:schemeClr val="tx1"/>
+                      </a:solidFill>
+                      <a:prstDash val="solid"/>
+                      <a:round/>
+                      <a:headEnd type="none" w="med" len="med"/>
+                      <a:tailEnd type="none" w="med" len="med"/>
+                    </a:lnB>
+                  </a:tcPr>
+                </a:tc>
+              </a:tr>
+              <a:tr h="370840">
+                <a:tc>
+                  <a:txBody>
+                    <a:bodyPr/>
+                    <a:lstStyle/>
+                    <a:p>
+                      <a:r>
+                        <a:rPr lang="en-CA" dirty="0" smtClean="0"/>
+                        <a:t>Comprehensive</a:t>
+                      </a:r>
+                      <a:endParaRPr lang="en-CA" dirty="0"/>
+                    </a:p>
+                  </a:txBody>
+                  <a:tcPr>
+                    <a:lnT w="12700" cap="flat" cmpd="sng" algn="ctr">
+                      <a:solidFill>
+                        <a:schemeClr val="tx1"/>
+                      </a:solidFill>
+                      <a:prstDash val="solid"/>
+                      <a:round/>
+                      <a:headEnd type="none" w="med" len="med"/>
+                      <a:tailEnd type="none" w="med" len="med"/>
+                    </a:lnT>
+                  </a:tcPr>
+                </a:tc>
+                <a:tc>
+                  <a:txBody>
+                    <a:bodyPr/>
+                    <a:lstStyle/>
+                    <a:p>
+                      <a:pPr algn="r"/>
+                      <a:r>
+                        <a:rPr lang="en-CA" dirty="0" smtClean="0"/>
+                        <a:t>4%</a:t>
+                      </a:r>
+                      <a:endParaRPr lang="en-CA" dirty="0"/>
+                    </a:p>
+                  </a:txBody>
+                  <a:tcPr>
+                    <a:lnT w="12700" cap="flat" cmpd="sng" algn="ctr">
+                      <a:solidFill>
+                        <a:schemeClr val="tx1"/>
+                      </a:solidFill>
+                      <a:prstDash val="solid"/>
+                      <a:round/>
+                      <a:headEnd type="none" w="med" len="med"/>
+                      <a:tailEnd type="none" w="med" len="med"/>
+                    </a:lnT>
+                  </a:tcPr>
+                </a:tc>
+              </a:tr>
+              <a:tr h="370840">
+                <a:tc>
+                  <a:txBody>
+                    <a:bodyPr/>
+                    <a:lstStyle/>
+                    <a:p>
+                      <a:r>
+                        <a:rPr lang="en-CA" dirty="0" smtClean="0"/>
+                        <a:t>Abstinence</a:t>
+                      </a:r>
+                      <a:endParaRPr lang="en-CA" dirty="0"/>
+                    </a:p>
+                  </a:txBody>
+                  <a:tcPr/>
+                </a:tc>
+                <a:tc>
+                  <a:txBody>
+                    <a:bodyPr/>
+                    <a:lstStyle/>
+                    <a:p>
+                      <a:pPr algn="r"/>
+                      <a:r>
+                        <a:rPr lang="en-CA" dirty="0" smtClean="0"/>
+                        <a:t>0%</a:t>
+                      </a:r>
+                      <a:endParaRPr lang="en-CA" dirty="0"/>
+                    </a:p>
+                  </a:txBody>
+                  <a:tcPr/>
+                </a:tc>
+              </a:tr>
+              <a:tr h="370840">
+                <a:tc>
+                  <a:txBody>
+                    <a:bodyPr/>
+                    <a:lstStyle/>
+                    <a:p>
+                      <a:r>
+                        <a:rPr lang="en-CA" dirty="0" smtClean="0"/>
+                        <a:t>All</a:t>
+                      </a:r>
+                      <a:endParaRPr lang="en-CA" dirty="0"/>
+                    </a:p>
+                  </a:txBody>
+                  <a:tcPr/>
+                </a:tc>
+                <a:tc>
+                  <a:txBody>
+                    <a:bodyPr/>
+                    <a:lstStyle/>
+                    <a:p>
+                      <a:pPr algn="r"/>
+                      <a:r>
+                        <a:rPr lang="en-CA" dirty="0" smtClean="0"/>
+                        <a:t>1%</a:t>
+                      </a:r>
+                      <a:endParaRPr lang="en-CA" dirty="0"/>
+                    </a:p>
+                  </a:txBody>
+                  <a:tcPr/>
+                </a:tc>
+              </a:tr>
+            </a:tbl>
+          </a:graphicData>
+        </a:graphic>
+      </p:graphicFrame>
+      <p:sp>
+        <p:nvSpPr>
+          <p:cNvPr id="5" name="TextBox 4"/>
           <p:cNvSpPr txBox="1"/>
           <p:nvPr/>
         </p:nvSpPr>
         <p:spPr>
           <a:xfrm>
-            <a:off x="762000" y="1352550"/>
-            <a:ext cx="7620000" cy="1754326"/>
+            <a:off x="76200" y="4476750"/>
+            <a:ext cx="3276600" cy="600164"/>
           </a:xfrm>
           <a:prstGeom prst="rect">
             <a:avLst/>
@@ -3709,42 +5463,97 @@
           <a:lstStyle/>
           <a:p>
             <a:r>
-              <a:rPr lang="en-CA" dirty="0" smtClean="0"/>
-              <a:t>To do:</a:t>
-            </a:r>
-          </a:p>
-          <a:p>
-            <a:pPr marL="285750" indent="-285750">
-              <a:buFont typeface="Arial" panose="020B0604020202020204" pitchFamily="34" charset="0"/>
-              <a:buChar char="•"/>
-            </a:pPr>
-            <a:r>
-              <a:rPr lang="en-CA" dirty="0" smtClean="0"/>
-              <a:t>Add types of educational interventions and their effectiveness (STI intervention study).</a:t>
-            </a:r>
-          </a:p>
-          <a:p>
-            <a:pPr marL="285750" indent="-285750">
-              <a:buFont typeface="Arial" panose="020B0604020202020204" pitchFamily="34" charset="0"/>
-              <a:buChar char="•"/>
-            </a:pPr>
-            <a:r>
-              <a:rPr lang="en-CA" dirty="0" smtClean="0"/>
-              <a:t>Difference between comprehensive and abstinence strategies.</a:t>
-            </a:r>
-          </a:p>
-          <a:p>
-            <a:pPr marL="285750" indent="-285750">
-              <a:buFont typeface="Arial" panose="020B0604020202020204" pitchFamily="34" charset="0"/>
-              <a:buChar char="•"/>
-            </a:pPr>
-            <a:r>
-              <a:rPr lang="en-CA" dirty="0" smtClean="0"/>
-              <a:t>Why did we choose to study educational interventions (public health and stigma).</a:t>
-            </a:r>
-          </a:p>
-        </p:txBody>
-      </p:sp>
+              <a:rPr lang="en-CA" sz="1100" i="1" dirty="0" smtClean="0"/>
+              <a:t>Effective Evidence-Based Programs for Preventing Sexually Transmitted Infections: A Meta Analysis; </a:t>
+            </a:r>
+            <a:r>
+              <a:rPr lang="en-CA" sz="1100" i="1" dirty="0" err="1" smtClean="0"/>
+              <a:t>Petrova</a:t>
+            </a:r>
+            <a:r>
+              <a:rPr lang="en-CA" sz="1100" i="1" dirty="0" smtClean="0"/>
+              <a:t>, D &amp; Garcia-</a:t>
+            </a:r>
+            <a:r>
+              <a:rPr lang="en-CA" sz="1100" i="1" dirty="0" err="1" smtClean="0"/>
+              <a:t>Retamero</a:t>
+            </a:r>
+            <a:r>
+              <a:rPr lang="en-CA" sz="1100" i="1" dirty="0" smtClean="0"/>
+              <a:t>, R; 2015</a:t>
+            </a:r>
+            <a:endParaRPr lang="en-CA" sz="1100" i="1" dirty="0"/>
+          </a:p>
+        </p:txBody>
+      </p:sp>
+      <p:sp>
+        <p:nvSpPr>
+          <p:cNvPr id="9" name="TextBox 8"/>
+          <p:cNvSpPr txBox="1"/>
+          <p:nvPr/>
+        </p:nvSpPr>
+        <p:spPr>
+          <a:xfrm>
+            <a:off x="5035874" y="2636103"/>
+            <a:ext cx="3276600" cy="430887"/>
+          </a:xfrm>
+          <a:prstGeom prst="rect">
+            <a:avLst/>
+          </a:prstGeom>
+          <a:noFill/>
+        </p:spPr>
+        <p:txBody>
+          <a:bodyPr wrap="square" rtlCol="0">
+            <a:spAutoFit/>
+          </a:bodyPr>
+          <a:lstStyle/>
+          <a:p>
+            <a:r>
+              <a:rPr lang="en-CA" sz="1100" dirty="0" smtClean="0"/>
+              <a:t>We assume effectiveness of educational interventions studied will be comparable to </a:t>
+            </a:r>
+            <a:r>
+              <a:rPr lang="en-CA" sz="1100" dirty="0" err="1" smtClean="0"/>
+              <a:t>Mpox</a:t>
+            </a:r>
+            <a:r>
+              <a:rPr lang="en-CA" sz="1100" dirty="0" smtClean="0"/>
+              <a:t> intervention</a:t>
+            </a:r>
+            <a:endParaRPr lang="en-CA" sz="1100" dirty="0"/>
+          </a:p>
+        </p:txBody>
+      </p:sp>
+      <p:pic>
+        <p:nvPicPr>
+          <p:cNvPr id="10" name="Picture 9"/>
+          <p:cNvPicPr>
+            <a:picLocks noChangeAspect="1"/>
+          </p:cNvPicPr>
+          <p:nvPr/>
+        </p:nvPicPr>
+        <p:blipFill>
+          <a:blip r:embed="rId3" cstate="print">
+            <a:extLst>
+              <a:ext uri="{28A0092B-C50C-407E-A947-70E740481C1C}">
+                <a14:useLocalDpi xmlns:a14="http://schemas.microsoft.com/office/drawing/2010/main" val="0"/>
+              </a:ext>
+            </a:extLst>
+          </a:blip>
+          <a:stretch>
+            <a:fillRect/>
+          </a:stretch>
+        </p:blipFill>
+        <p:spPr>
+          <a:xfrm>
+            <a:off x="4615198" y="2639579"/>
+            <a:ext cx="431800" cy="431125"/>
+          </a:xfrm>
+          <a:prstGeom prst="rect">
+            <a:avLst/>
+          </a:prstGeom>
+        </p:spPr>
+      </p:pic>
     </p:spTree>
     <p:extLst>
       <p:ext uri="{BB962C8B-B14F-4D97-AF65-F5344CB8AC3E}">
@@ -3777,6 +5586,54 @@
       </p:grpSpPr>
       <p:sp>
         <p:nvSpPr>
+          <p:cNvPr id="37" name="Right Triangle 36"/>
+          <p:cNvSpPr/>
+          <p:nvPr/>
+        </p:nvSpPr>
+        <p:spPr>
+          <a:xfrm>
+            <a:off x="0" y="971550"/>
+            <a:ext cx="9144000" cy="4171950"/>
+          </a:xfrm>
+          <a:prstGeom prst="rtTriangle">
+            <a:avLst/>
+          </a:prstGeom>
+          <a:solidFill>
+            <a:srgbClr val="93CDDD">
+              <a:alpha val="25098"/>
+            </a:srgbClr>
+          </a:solidFill>
+          <a:ln>
+            <a:noFill/>
+          </a:ln>
+        </p:spPr>
+        <p:style>
+          <a:lnRef idx="2">
+            <a:schemeClr val="accent1">
+              <a:shade val="50000"/>
+            </a:schemeClr>
+          </a:lnRef>
+          <a:fillRef idx="1">
+            <a:schemeClr val="accent1"/>
+          </a:fillRef>
+          <a:effectRef idx="0">
+            <a:schemeClr val="accent1"/>
+          </a:effectRef>
+          <a:fontRef idx="minor">
+            <a:schemeClr val="lt1"/>
+          </a:fontRef>
+        </p:style>
+        <p:txBody>
+          <a:bodyPr rtlCol="0" anchor="ctr"/>
+          <a:lstStyle/>
+          <a:p>
+            <a:pPr algn="ctr"/>
+            <a:endParaRPr lang="en-CA"/>
+          </a:p>
+        </p:txBody>
+      </p:sp>
+      <p:sp>
+        <p:nvSpPr>
           <p:cNvPr id="2" name="object 2"/>
           <p:cNvSpPr txBox="1">
             <a:spLocks noGrp="1"/>
@@ -3788,7 +5645,7 @@
         <p:spPr>
           <a:xfrm>
             <a:off x="331250" y="250726"/>
-            <a:ext cx="4621750" cy="597599"/>
+            <a:ext cx="8126950" cy="597599"/>
           </a:xfrm>
           <a:prstGeom prst="rect">
             <a:avLst/>
@@ -3814,7 +5671,7 @@
                   <a:srgbClr val="F1CD00"/>
                 </a:solidFill>
               </a:rPr>
-              <a:t>Intervention Model</a:t>
+              <a:t>Educational Intervention Model</a:t>
             </a:r>
             <a:endParaRPr sz="3800" dirty="0"/>
           </a:p>
@@ -3859,14 +5716,655 @@
       </p:sp>
       <p:sp>
         <p:nvSpPr>
-          <p:cNvPr id="4" name="TextBox 3"/>
+          <p:cNvPr id="8" name="Rounded Rectangle 7"/>
+          <p:cNvSpPr/>
+          <p:nvPr/>
+        </p:nvSpPr>
+        <p:spPr>
+          <a:xfrm>
+            <a:off x="1473200" y="1003578"/>
+            <a:ext cx="1676400" cy="533400"/>
+          </a:xfrm>
+          <a:prstGeom prst="roundRect">
+            <a:avLst/>
+          </a:prstGeom>
+        </p:spPr>
+        <p:style>
+          <a:lnRef idx="2">
+            <a:schemeClr val="dk1"/>
+          </a:lnRef>
+          <a:fillRef idx="1">
+            <a:schemeClr val="lt1"/>
+          </a:fillRef>
+          <a:effectRef idx="0">
+            <a:schemeClr val="dk1"/>
+          </a:effectRef>
+          <a:fontRef idx="minor">
+            <a:schemeClr val="dk1"/>
+          </a:fontRef>
+        </p:style>
+        <p:txBody>
+          <a:bodyPr rtlCol="0" anchor="ctr"/>
+          <a:lstStyle/>
+          <a:p>
+            <a:pPr algn="ctr"/>
+            <a:r>
+              <a:rPr lang="en-CA" dirty="0" smtClean="0"/>
+              <a:t>Susceptible</a:t>
+            </a:r>
+            <a:endParaRPr lang="en-CA" dirty="0"/>
+          </a:p>
+        </p:txBody>
+      </p:sp>
+      <p:sp>
+        <p:nvSpPr>
+          <p:cNvPr id="9" name="Rounded Rectangle 8"/>
+          <p:cNvSpPr/>
+          <p:nvPr/>
+        </p:nvSpPr>
+        <p:spPr>
+          <a:xfrm>
+            <a:off x="3403600" y="1714778"/>
+            <a:ext cx="1676400" cy="533400"/>
+          </a:xfrm>
+          <a:prstGeom prst="roundRect">
+            <a:avLst/>
+          </a:prstGeom>
+        </p:spPr>
+        <p:style>
+          <a:lnRef idx="2">
+            <a:schemeClr val="accent2"/>
+          </a:lnRef>
+          <a:fillRef idx="1">
+            <a:schemeClr val="lt1"/>
+          </a:fillRef>
+          <a:effectRef idx="0">
+            <a:schemeClr val="accent2"/>
+          </a:effectRef>
+          <a:fontRef idx="minor">
+            <a:schemeClr val="dk1"/>
+          </a:fontRef>
+        </p:style>
+        <p:txBody>
+          <a:bodyPr rtlCol="0" anchor="ctr"/>
+          <a:lstStyle/>
+          <a:p>
+            <a:pPr algn="ctr"/>
+            <a:r>
+              <a:rPr lang="en-CA" dirty="0" smtClean="0"/>
+              <a:t>Exposed</a:t>
+            </a:r>
+            <a:endParaRPr lang="en-CA" dirty="0"/>
+          </a:p>
+        </p:txBody>
+      </p:sp>
+      <p:sp>
+        <p:nvSpPr>
+          <p:cNvPr id="10" name="Rounded Rectangle 9"/>
+          <p:cNvSpPr/>
+          <p:nvPr/>
+        </p:nvSpPr>
+        <p:spPr>
+          <a:xfrm>
+            <a:off x="5334000" y="2425978"/>
+            <a:ext cx="1676400" cy="533400"/>
+          </a:xfrm>
+          <a:prstGeom prst="roundRect">
+            <a:avLst/>
+          </a:prstGeom>
+        </p:spPr>
+        <p:style>
+          <a:lnRef idx="2">
+            <a:schemeClr val="accent2">
+              <a:shade val="50000"/>
+            </a:schemeClr>
+          </a:lnRef>
+          <a:fillRef idx="1">
+            <a:schemeClr val="accent2"/>
+          </a:fillRef>
+          <a:effectRef idx="0">
+            <a:schemeClr val="accent2"/>
+          </a:effectRef>
+          <a:fontRef idx="minor">
+            <a:schemeClr val="lt1"/>
+          </a:fontRef>
+        </p:style>
+        <p:txBody>
+          <a:bodyPr rtlCol="0" anchor="ctr"/>
+          <a:lstStyle/>
+          <a:p>
+            <a:pPr algn="ctr"/>
+            <a:r>
+              <a:rPr lang="en-CA" dirty="0" smtClean="0"/>
+              <a:t>Infected</a:t>
+            </a:r>
+            <a:endParaRPr lang="en-CA" dirty="0"/>
+          </a:p>
+        </p:txBody>
+      </p:sp>
+      <p:sp>
+        <p:nvSpPr>
+          <p:cNvPr id="11" name="Rounded Rectangle 10"/>
+          <p:cNvSpPr/>
+          <p:nvPr/>
+        </p:nvSpPr>
+        <p:spPr>
+          <a:xfrm>
+            <a:off x="7264400" y="3137178"/>
+            <a:ext cx="1676400" cy="533400"/>
+          </a:xfrm>
+          <a:prstGeom prst="roundRect">
+            <a:avLst/>
+          </a:prstGeom>
+        </p:spPr>
+        <p:style>
+          <a:lnRef idx="2">
+            <a:schemeClr val="accent3"/>
+          </a:lnRef>
+          <a:fillRef idx="1">
+            <a:schemeClr val="lt1"/>
+          </a:fillRef>
+          <a:effectRef idx="0">
+            <a:schemeClr val="accent3"/>
+          </a:effectRef>
+          <a:fontRef idx="minor">
+            <a:schemeClr val="dk1"/>
+          </a:fontRef>
+        </p:style>
+        <p:txBody>
+          <a:bodyPr rtlCol="0" anchor="ctr"/>
+          <a:lstStyle/>
+          <a:p>
+            <a:pPr algn="ctr"/>
+            <a:r>
+              <a:rPr lang="en-CA" dirty="0" smtClean="0"/>
+              <a:t>Recovered</a:t>
+            </a:r>
+            <a:endParaRPr lang="en-CA" dirty="0"/>
+          </a:p>
+        </p:txBody>
+      </p:sp>
+      <p:cxnSp>
+        <p:nvCxnSpPr>
+          <p:cNvPr id="13" name="Elbow Connector 12"/>
+          <p:cNvCxnSpPr>
+            <a:stCxn id="8" idx="3"/>
+            <a:endCxn id="9" idx="0"/>
+          </p:cNvCxnSpPr>
+          <p:nvPr/>
+        </p:nvCxnSpPr>
+        <p:spPr>
+          <a:xfrm>
+            <a:off x="3149600" y="1270278"/>
+            <a:ext cx="1092200" cy="444500"/>
+          </a:xfrm>
+          <a:prstGeom prst="bentConnector2">
+            <a:avLst/>
+          </a:prstGeom>
+          <a:ln>
+            <a:tailEnd type="arrow"/>
+          </a:ln>
+        </p:spPr>
+        <p:style>
+          <a:lnRef idx="1">
+            <a:schemeClr val="dk1"/>
+          </a:lnRef>
+          <a:fillRef idx="0">
+            <a:schemeClr val="dk1"/>
+          </a:fillRef>
+          <a:effectRef idx="0">
+            <a:schemeClr val="dk1"/>
+          </a:effectRef>
+          <a:fontRef idx="minor">
+            <a:schemeClr val="tx1"/>
+          </a:fontRef>
+        </p:style>
+      </p:cxnSp>
+      <p:cxnSp>
+        <p:nvCxnSpPr>
+          <p:cNvPr id="14" name="Elbow Connector 13"/>
+          <p:cNvCxnSpPr/>
+          <p:nvPr/>
+        </p:nvCxnSpPr>
+        <p:spPr>
+          <a:xfrm>
+            <a:off x="5080000" y="1981478"/>
+            <a:ext cx="1092200" cy="444500"/>
+          </a:xfrm>
+          <a:prstGeom prst="bentConnector2">
+            <a:avLst/>
+          </a:prstGeom>
+          <a:ln>
+            <a:tailEnd type="arrow"/>
+          </a:ln>
+        </p:spPr>
+        <p:style>
+          <a:lnRef idx="1">
+            <a:schemeClr val="dk1"/>
+          </a:lnRef>
+          <a:fillRef idx="0">
+            <a:schemeClr val="dk1"/>
+          </a:fillRef>
+          <a:effectRef idx="0">
+            <a:schemeClr val="dk1"/>
+          </a:effectRef>
+          <a:fontRef idx="minor">
+            <a:schemeClr val="tx1"/>
+          </a:fontRef>
+        </p:style>
+      </p:cxnSp>
+      <p:cxnSp>
+        <p:nvCxnSpPr>
+          <p:cNvPr id="15" name="Elbow Connector 14"/>
+          <p:cNvCxnSpPr/>
+          <p:nvPr/>
+        </p:nvCxnSpPr>
+        <p:spPr>
+          <a:xfrm>
+            <a:off x="7010400" y="2679978"/>
+            <a:ext cx="1092200" cy="444500"/>
+          </a:xfrm>
+          <a:prstGeom prst="bentConnector2">
+            <a:avLst/>
+          </a:prstGeom>
+          <a:ln>
+            <a:tailEnd type="arrow"/>
+          </a:ln>
+        </p:spPr>
+        <p:style>
+          <a:lnRef idx="1">
+            <a:schemeClr val="dk1"/>
+          </a:lnRef>
+          <a:fillRef idx="0">
+            <a:schemeClr val="dk1"/>
+          </a:fillRef>
+          <a:effectRef idx="0">
+            <a:schemeClr val="dk1"/>
+          </a:effectRef>
+          <a:fontRef idx="minor">
+            <a:schemeClr val="tx1"/>
+          </a:fontRef>
+        </p:style>
+      </p:cxnSp>
+      <p:sp>
+        <p:nvSpPr>
+          <p:cNvPr id="19" name="Rounded Rectangle 18"/>
+          <p:cNvSpPr/>
+          <p:nvPr/>
+        </p:nvSpPr>
+        <p:spPr>
+          <a:xfrm>
+            <a:off x="1473200" y="2765564"/>
+            <a:ext cx="1676400" cy="533400"/>
+          </a:xfrm>
+          <a:prstGeom prst="roundRect">
+            <a:avLst/>
+          </a:prstGeom>
+          <a:ln>
+            <a:solidFill>
+              <a:srgbClr val="000000">
+                <a:alpha val="50980"/>
+              </a:srgbClr>
+            </a:solidFill>
+          </a:ln>
+        </p:spPr>
+        <p:style>
+          <a:lnRef idx="2">
+            <a:schemeClr val="dk1"/>
+          </a:lnRef>
+          <a:fillRef idx="1">
+            <a:schemeClr val="lt1"/>
+          </a:fillRef>
+          <a:effectRef idx="0">
+            <a:schemeClr val="dk1"/>
+          </a:effectRef>
+          <a:fontRef idx="minor">
+            <a:schemeClr val="dk1"/>
+          </a:fontRef>
+        </p:style>
+        <p:txBody>
+          <a:bodyPr rtlCol="0" anchor="ctr"/>
+          <a:lstStyle/>
+          <a:p>
+            <a:pPr algn="ctr"/>
+            <a:r>
+              <a:rPr lang="en-CA" dirty="0" smtClean="0"/>
+              <a:t>Susceptible</a:t>
+            </a:r>
+            <a:endParaRPr lang="en-CA" dirty="0"/>
+          </a:p>
+        </p:txBody>
+      </p:sp>
+      <p:sp>
+        <p:nvSpPr>
+          <p:cNvPr id="20" name="Rounded Rectangle 19"/>
+          <p:cNvSpPr/>
+          <p:nvPr/>
+        </p:nvSpPr>
+        <p:spPr>
+          <a:xfrm>
+            <a:off x="3403600" y="3476764"/>
+            <a:ext cx="1676400" cy="533400"/>
+          </a:xfrm>
+          <a:prstGeom prst="roundRect">
+            <a:avLst/>
+          </a:prstGeom>
+          <a:ln>
+            <a:solidFill>
+              <a:srgbClr val="C0504D">
+                <a:alpha val="50196"/>
+              </a:srgbClr>
+            </a:solidFill>
+          </a:ln>
+        </p:spPr>
+        <p:style>
+          <a:lnRef idx="2">
+            <a:schemeClr val="accent2"/>
+          </a:lnRef>
+          <a:fillRef idx="1">
+            <a:schemeClr val="lt1"/>
+          </a:fillRef>
+          <a:effectRef idx="0">
+            <a:schemeClr val="accent2"/>
+          </a:effectRef>
+          <a:fontRef idx="minor">
+            <a:schemeClr val="dk1"/>
+          </a:fontRef>
+        </p:style>
+        <p:txBody>
+          <a:bodyPr rtlCol="0" anchor="ctr"/>
+          <a:lstStyle/>
+          <a:p>
+            <a:pPr algn="ctr"/>
+            <a:r>
+              <a:rPr lang="en-CA" dirty="0" smtClean="0"/>
+              <a:t>Exposed</a:t>
+            </a:r>
+            <a:endParaRPr lang="en-CA" dirty="0"/>
+          </a:p>
+        </p:txBody>
+      </p:sp>
+      <p:sp>
+        <p:nvSpPr>
+          <p:cNvPr id="21" name="Rounded Rectangle 20"/>
+          <p:cNvSpPr/>
+          <p:nvPr/>
+        </p:nvSpPr>
+        <p:spPr>
+          <a:xfrm>
+            <a:off x="5334000" y="4187964"/>
+            <a:ext cx="1676400" cy="533400"/>
+          </a:xfrm>
+          <a:prstGeom prst="roundRect">
+            <a:avLst/>
+          </a:prstGeom>
+          <a:solidFill>
+            <a:srgbClr val="C0504D">
+              <a:alpha val="60000"/>
+            </a:srgbClr>
+          </a:solidFill>
+          <a:ln>
+            <a:solidFill>
+              <a:srgbClr val="8C3836">
+                <a:alpha val="50196"/>
+              </a:srgbClr>
+            </a:solidFill>
+          </a:ln>
+        </p:spPr>
+        <p:style>
+          <a:lnRef idx="2">
+            <a:schemeClr val="accent2">
+              <a:shade val="50000"/>
+            </a:schemeClr>
+          </a:lnRef>
+          <a:fillRef idx="1">
+            <a:schemeClr val="accent2"/>
+          </a:fillRef>
+          <a:effectRef idx="0">
+            <a:schemeClr val="accent2"/>
+          </a:effectRef>
+          <a:fontRef idx="minor">
+            <a:schemeClr val="lt1"/>
+          </a:fontRef>
+        </p:style>
+        <p:txBody>
+          <a:bodyPr rtlCol="0" anchor="ctr"/>
+          <a:lstStyle/>
+          <a:p>
+            <a:pPr algn="ctr"/>
+            <a:r>
+              <a:rPr lang="en-CA" dirty="0" smtClean="0"/>
+              <a:t>Infected</a:t>
+            </a:r>
+            <a:endParaRPr lang="en-CA" dirty="0"/>
+          </a:p>
+        </p:txBody>
+      </p:sp>
+      <p:cxnSp>
+        <p:nvCxnSpPr>
+          <p:cNvPr id="23" name="Elbow Connector 22"/>
+          <p:cNvCxnSpPr>
+            <a:stCxn id="19" idx="3"/>
+            <a:endCxn id="20" idx="0"/>
+          </p:cNvCxnSpPr>
+          <p:nvPr/>
+        </p:nvCxnSpPr>
+        <p:spPr>
+          <a:xfrm>
+            <a:off x="3149600" y="3032264"/>
+            <a:ext cx="1092200" cy="444500"/>
+          </a:xfrm>
+          <a:prstGeom prst="bentConnector2">
+            <a:avLst/>
+          </a:prstGeom>
+          <a:ln>
+            <a:tailEnd type="arrow"/>
+          </a:ln>
+        </p:spPr>
+        <p:style>
+          <a:lnRef idx="1">
+            <a:schemeClr val="dk1"/>
+          </a:lnRef>
+          <a:fillRef idx="0">
+            <a:schemeClr val="dk1"/>
+          </a:fillRef>
+          <a:effectRef idx="0">
+            <a:schemeClr val="dk1"/>
+          </a:effectRef>
+          <a:fontRef idx="minor">
+            <a:schemeClr val="tx1"/>
+          </a:fontRef>
+        </p:style>
+      </p:cxnSp>
+      <p:cxnSp>
+        <p:nvCxnSpPr>
+          <p:cNvPr id="24" name="Elbow Connector 23"/>
+          <p:cNvCxnSpPr/>
+          <p:nvPr/>
+        </p:nvCxnSpPr>
+        <p:spPr>
+          <a:xfrm>
+            <a:off x="5080000" y="3743464"/>
+            <a:ext cx="1092200" cy="444500"/>
+          </a:xfrm>
+          <a:prstGeom prst="bentConnector2">
+            <a:avLst/>
+          </a:prstGeom>
+          <a:ln>
+            <a:tailEnd type="arrow"/>
+          </a:ln>
+        </p:spPr>
+        <p:style>
+          <a:lnRef idx="1">
+            <a:schemeClr val="dk1"/>
+          </a:lnRef>
+          <a:fillRef idx="0">
+            <a:schemeClr val="dk1"/>
+          </a:fillRef>
+          <a:effectRef idx="0">
+            <a:schemeClr val="dk1"/>
+          </a:effectRef>
+          <a:fontRef idx="minor">
+            <a:schemeClr val="tx1"/>
+          </a:fontRef>
+        </p:style>
+      </p:cxnSp>
+      <p:cxnSp>
+        <p:nvCxnSpPr>
+          <p:cNvPr id="25" name="Elbow Connector 24"/>
+          <p:cNvCxnSpPr>
+            <a:stCxn id="21" idx="3"/>
+            <a:endCxn id="11" idx="2"/>
+          </p:cNvCxnSpPr>
+          <p:nvPr/>
+        </p:nvCxnSpPr>
+        <p:spPr>
+          <a:xfrm flipV="1">
+            <a:off x="7010400" y="3670578"/>
+            <a:ext cx="1092200" cy="784086"/>
+          </a:xfrm>
+          <a:prstGeom prst="bentConnector2">
+            <a:avLst/>
+          </a:prstGeom>
+          <a:ln>
+            <a:tailEnd type="arrow"/>
+          </a:ln>
+        </p:spPr>
+        <p:style>
+          <a:lnRef idx="1">
+            <a:schemeClr val="dk1"/>
+          </a:lnRef>
+          <a:fillRef idx="0">
+            <a:schemeClr val="dk1"/>
+          </a:fillRef>
+          <a:effectRef idx="0">
+            <a:schemeClr val="dk1"/>
+          </a:effectRef>
+          <a:fontRef idx="minor">
+            <a:schemeClr val="tx1"/>
+          </a:fontRef>
+        </p:style>
+      </p:cxnSp>
+      <p:cxnSp>
+        <p:nvCxnSpPr>
+          <p:cNvPr id="33" name="Straight Arrow Connector 32"/>
+          <p:cNvCxnSpPr>
+            <a:stCxn id="8" idx="2"/>
+          </p:cNvCxnSpPr>
+          <p:nvPr/>
+        </p:nvCxnSpPr>
+        <p:spPr>
+          <a:xfrm>
+            <a:off x="2311400" y="1536978"/>
+            <a:ext cx="0" cy="1189082"/>
+          </a:xfrm>
+          <a:prstGeom prst="straightConnector1">
+            <a:avLst/>
+          </a:prstGeom>
+          <a:ln>
+            <a:solidFill>
+              <a:schemeClr val="tx1"/>
+            </a:solidFill>
+            <a:tailEnd type="arrow"/>
+          </a:ln>
+        </p:spPr>
+        <p:style>
+          <a:lnRef idx="1">
+            <a:schemeClr val="accent1"/>
+          </a:lnRef>
+          <a:fillRef idx="0">
+            <a:schemeClr val="accent1"/>
+          </a:fillRef>
+          <a:effectRef idx="0">
+            <a:schemeClr val="accent1"/>
+          </a:effectRef>
+          <a:fontRef idx="minor">
+            <a:schemeClr val="tx1"/>
+          </a:fontRef>
+        </p:style>
+      </p:cxnSp>
+      <p:cxnSp>
+        <p:nvCxnSpPr>
+          <p:cNvPr id="34" name="Straight Arrow Connector 33"/>
+          <p:cNvCxnSpPr/>
+          <p:nvPr/>
+        </p:nvCxnSpPr>
+        <p:spPr>
+          <a:xfrm>
+            <a:off x="4495800" y="2248178"/>
+            <a:ext cx="0" cy="1228586"/>
+          </a:xfrm>
+          <a:prstGeom prst="straightConnector1">
+            <a:avLst/>
+          </a:prstGeom>
+          <a:ln>
+            <a:solidFill>
+              <a:schemeClr val="tx1"/>
+            </a:solidFill>
+            <a:tailEnd type="arrow"/>
+          </a:ln>
+        </p:spPr>
+        <p:style>
+          <a:lnRef idx="1">
+            <a:schemeClr val="accent1"/>
+          </a:lnRef>
+          <a:fillRef idx="0">
+            <a:schemeClr val="accent1"/>
+          </a:fillRef>
+          <a:effectRef idx="0">
+            <a:schemeClr val="accent1"/>
+          </a:effectRef>
+          <a:fontRef idx="minor">
+            <a:schemeClr val="tx1"/>
+          </a:fontRef>
+        </p:style>
+      </p:cxnSp>
+      <p:cxnSp>
+        <p:nvCxnSpPr>
+          <p:cNvPr id="35" name="Straight Arrow Connector 34"/>
+          <p:cNvCxnSpPr/>
+          <p:nvPr/>
+        </p:nvCxnSpPr>
+        <p:spPr>
+          <a:xfrm>
+            <a:off x="6477000" y="2956041"/>
+            <a:ext cx="0" cy="1215909"/>
+          </a:xfrm>
+          <a:prstGeom prst="straightConnector1">
+            <a:avLst/>
+          </a:prstGeom>
+          <a:ln>
+            <a:solidFill>
+              <a:schemeClr val="tx1"/>
+            </a:solidFill>
+            <a:tailEnd type="arrow"/>
+          </a:ln>
+        </p:spPr>
+        <p:style>
+          <a:lnRef idx="1">
+            <a:schemeClr val="accent1"/>
+          </a:lnRef>
+          <a:fillRef idx="0">
+            <a:schemeClr val="accent1"/>
+          </a:fillRef>
+          <a:effectRef idx="0">
+            <a:schemeClr val="accent1"/>
+          </a:effectRef>
+          <a:fontRef idx="minor">
+            <a:schemeClr val="tx1"/>
+          </a:fontRef>
+        </p:style>
+      </p:cxnSp>
+      <p:sp>
+        <p:nvSpPr>
+          <p:cNvPr id="38" name="TextBox 37"/>
           <p:cNvSpPr txBox="1"/>
           <p:nvPr/>
         </p:nvSpPr>
         <p:spPr>
           <a:xfrm>
-            <a:off x="762000" y="1352550"/>
-            <a:ext cx="7620000" cy="923330"/>
+            <a:off x="644826" y="1819007"/>
+            <a:ext cx="1625415" cy="769441"/>
           </a:xfrm>
           <a:prstGeom prst="rect">
             <a:avLst/>
@@ -3880,36 +6378,149 @@
           <a:lstStyle/>
           <a:p>
             <a:r>
-              <a:rPr lang="en-CA" dirty="0" smtClean="0"/>
-              <a:t>To do:</a:t>
-            </a:r>
-          </a:p>
-          <a:p>
-            <a:pPr marL="285750" indent="-285750">
-              <a:buFont typeface="Arial" panose="020B0604020202020204" pitchFamily="34" charset="0"/>
-              <a:buChar char="•"/>
-            </a:pPr>
-            <a:r>
-              <a:rPr lang="en-CA" dirty="0" smtClean="0"/>
-              <a:t>Add how the intervention effectiveness rates are integrated into new model</a:t>
-            </a:r>
-          </a:p>
-          <a:p>
-            <a:pPr marL="285750" indent="-285750">
-              <a:buFont typeface="Arial" panose="020B0604020202020204" pitchFamily="34" charset="0"/>
-              <a:buChar char="•"/>
-            </a:pPr>
-            <a:r>
-              <a:rPr lang="en-CA" dirty="0" smtClean="0"/>
-              <a:t>Explain new model and reassert assumptions</a:t>
-            </a:r>
-          </a:p>
-        </p:txBody>
-      </p:sp>
+              <a:rPr lang="en-CA" sz="1100" dirty="0" smtClean="0"/>
+              <a:t>People in each compartment receive education at a constant rate</a:t>
+            </a:r>
+            <a:endParaRPr lang="en-CA" sz="1100" dirty="0"/>
+          </a:p>
+        </p:txBody>
+      </p:sp>
+      <p:sp>
+        <p:nvSpPr>
+          <p:cNvPr id="39" name="TextBox 38"/>
+          <p:cNvSpPr txBox="1"/>
+          <p:nvPr/>
+        </p:nvSpPr>
+        <p:spPr>
+          <a:xfrm>
+            <a:off x="390733" y="3771840"/>
+            <a:ext cx="2133600" cy="400110"/>
+          </a:xfrm>
+          <a:prstGeom prst="rect">
+            <a:avLst/>
+          </a:prstGeom>
+          <a:noFill/>
+        </p:spPr>
+        <p:txBody>
+          <a:bodyPr wrap="square" rtlCol="0">
+            <a:spAutoFit/>
+          </a:bodyPr>
+          <a:lstStyle/>
+          <a:p>
+            <a:r>
+              <a:rPr lang="en-CA" sz="2000" dirty="0" smtClean="0">
+                <a:solidFill>
+                  <a:schemeClr val="accent1">
+                    <a:lumMod val="75000"/>
+                  </a:schemeClr>
+                </a:solidFill>
+              </a:rPr>
+              <a:t>Educated Stream</a:t>
+            </a:r>
+            <a:endParaRPr lang="en-CA" sz="2000" dirty="0">
+              <a:solidFill>
+                <a:schemeClr val="accent1">
+                  <a:lumMod val="75000"/>
+                </a:schemeClr>
+              </a:solidFill>
+            </a:endParaRPr>
+          </a:p>
+        </p:txBody>
+      </p:sp>
+      <p:sp>
+        <p:nvSpPr>
+          <p:cNvPr id="53" name="TextBox 52"/>
+          <p:cNvSpPr txBox="1"/>
+          <p:nvPr/>
+        </p:nvSpPr>
+        <p:spPr>
+          <a:xfrm>
+            <a:off x="3486845" y="4197082"/>
+            <a:ext cx="1625415" cy="600164"/>
+          </a:xfrm>
+          <a:prstGeom prst="rect">
+            <a:avLst/>
+          </a:prstGeom>
+          <a:noFill/>
+        </p:spPr>
+        <p:txBody>
+          <a:bodyPr wrap="square" rtlCol="0">
+            <a:spAutoFit/>
+          </a:bodyPr>
+          <a:lstStyle/>
+          <a:p>
+            <a:r>
+              <a:rPr lang="en-CA" sz="1100" dirty="0" smtClean="0"/>
+              <a:t>Those infected that received education do not spread the disease</a:t>
+            </a:r>
+            <a:endParaRPr lang="en-CA" sz="1100" dirty="0"/>
+          </a:p>
+        </p:txBody>
+      </p:sp>
+      <p:pic>
+        <p:nvPicPr>
+          <p:cNvPr id="55" name="Picture 54"/>
+          <p:cNvPicPr>
+            <a:picLocks noChangeAspect="1"/>
+          </p:cNvPicPr>
+          <p:nvPr/>
+        </p:nvPicPr>
+        <p:blipFill>
+          <a:blip r:embed="rId3" cstate="print">
+            <a:extLst>
+              <a:ext uri="{28A0092B-C50C-407E-A947-70E740481C1C}">
+                <a14:useLocalDpi xmlns:a14="http://schemas.microsoft.com/office/drawing/2010/main" val="0"/>
+              </a:ext>
+            </a:extLst>
+          </a:blip>
+          <a:stretch>
+            <a:fillRect/>
+          </a:stretch>
+        </p:blipFill>
+        <p:spPr>
+          <a:xfrm>
+            <a:off x="213026" y="1981478"/>
+            <a:ext cx="431800" cy="431125"/>
+          </a:xfrm>
+          <a:prstGeom prst="rect">
+            <a:avLst/>
+          </a:prstGeom>
+        </p:spPr>
+      </p:pic>
+      <p:pic>
+        <p:nvPicPr>
+          <p:cNvPr id="56" name="Picture 55"/>
+          <p:cNvPicPr>
+            <a:picLocks noChangeAspect="1"/>
+          </p:cNvPicPr>
+          <p:nvPr/>
+        </p:nvPicPr>
+        <p:blipFill>
+          <a:blip r:embed="rId3" cstate="print">
+            <a:extLst>
+              <a:ext uri="{28A0092B-C50C-407E-A947-70E740481C1C}">
+                <a14:useLocalDpi xmlns:a14="http://schemas.microsoft.com/office/drawing/2010/main" val="0"/>
+              </a:ext>
+            </a:extLst>
+          </a:blip>
+          <a:stretch>
+            <a:fillRect/>
+          </a:stretch>
+        </p:blipFill>
+        <p:spPr>
+          <a:xfrm>
+            <a:off x="3068950" y="4271039"/>
+            <a:ext cx="431800" cy="431125"/>
+          </a:xfrm>
+          <a:prstGeom prst="rect">
+            <a:avLst/>
+          </a:prstGeom>
+        </p:spPr>
+      </p:pic>
     </p:spTree>
     <p:extLst>
       <p:ext uri="{BB962C8B-B14F-4D97-AF65-F5344CB8AC3E}">
-        <p14:creationId xmlns:p14="http://schemas.microsoft.com/office/powerpoint/2010/main" val="307814823"/>
+        <p14:creationId xmlns:p14="http://schemas.microsoft.com/office/powerpoint/2010/main" val="427186858"/>
       </p:ext>
     </p:extLst>
   </p:cSld>
@@ -3975,7 +6586,7 @@
                   <a:srgbClr val="F1CD00"/>
                 </a:solidFill>
               </a:rPr>
-              <a:t>Results</a:t>
+              <a:t>Data</a:t>
             </a:r>
             <a:endParaRPr sz="3800" dirty="0"/>
           </a:p>
@@ -4027,7 +6638,7 @@
         <p:spPr>
           <a:xfrm>
             <a:off x="762000" y="1352550"/>
-            <a:ext cx="7620000" cy="1200329"/>
+            <a:ext cx="7620000" cy="923330"/>
           </a:xfrm>
           <a:prstGeom prst="rect">
             <a:avLst/>
@@ -4052,7 +6663,7 @@
             </a:pPr>
             <a:r>
               <a:rPr lang="en-CA" dirty="0" smtClean="0"/>
-              <a:t>Add forecasts for each intervention effectiveness level at varying levels of education rates (alpha)</a:t>
+              <a:t>Explain data used</a:t>
             </a:r>
           </a:p>
           <a:p>
@@ -4062,11 +6673,80 @@
             </a:pPr>
             <a:r>
               <a:rPr lang="en-CA" dirty="0" smtClean="0"/>
-              <a:t>Add cumulative infected (final size) per scenario.</a:t>
-            </a:r>
-          </a:p>
-        </p:txBody>
-      </p:sp>
+              <a:t>Add assumption that data contains people who have not received education</a:t>
+            </a:r>
+            <a:endParaRPr lang="en-CA" dirty="0" smtClean="0"/>
+          </a:p>
+        </p:txBody>
+      </p:sp>
+      <p:sp>
+        <p:nvSpPr>
+          <p:cNvPr id="5" name="TextBox 4"/>
+          <p:cNvSpPr txBox="1"/>
+          <p:nvPr/>
+        </p:nvSpPr>
+        <p:spPr>
+          <a:xfrm>
+            <a:off x="5035874" y="2636103"/>
+            <a:ext cx="3276600" cy="430887"/>
+          </a:xfrm>
+          <a:prstGeom prst="rect">
+            <a:avLst/>
+          </a:prstGeom>
+          <a:noFill/>
+        </p:spPr>
+        <p:txBody>
+          <a:bodyPr wrap="square" rtlCol="0">
+            <a:spAutoFit/>
+          </a:bodyPr>
+          <a:lstStyle/>
+          <a:p>
+            <a:r>
+              <a:rPr lang="en-CA" sz="1100" dirty="0" smtClean="0"/>
+              <a:t>We assume data only includes people who have not received </a:t>
+            </a:r>
+            <a:r>
+              <a:rPr lang="en-CA" sz="1100" dirty="0" err="1" smtClean="0"/>
+              <a:t>Mpox</a:t>
+            </a:r>
+            <a:r>
+              <a:rPr lang="en-CA" sz="1100" dirty="0" smtClean="0"/>
+              <a:t> education</a:t>
+            </a:r>
+            <a:endParaRPr lang="en-CA" sz="1100" dirty="0"/>
+          </a:p>
+        </p:txBody>
+      </p:sp>
+      <p:pic>
+        <p:nvPicPr>
+          <p:cNvPr id="6" name="Picture 5"/>
+          <p:cNvPicPr>
+            <a:picLocks noChangeAspect="1"/>
+          </p:cNvPicPr>
+          <p:nvPr/>
+        </p:nvPicPr>
+        <p:blipFill>
+          <a:blip r:embed="rId2" cstate="print">
+            <a:extLst>
+              <a:ext uri="{28A0092B-C50C-407E-A947-70E740481C1C}">
+                <a14:useLocalDpi xmlns:a14="http://schemas.microsoft.com/office/drawing/2010/main" val="0"/>
+              </a:ext>
+            </a:extLst>
+          </a:blip>
+          <a:stretch>
+            <a:fillRect/>
+          </a:stretch>
+        </p:blipFill>
+        <p:spPr>
+          <a:xfrm>
+            <a:off x="4615198" y="2639579"/>
+            <a:ext cx="431800" cy="431125"/>
+          </a:xfrm>
+          <a:prstGeom prst="rect">
+            <a:avLst/>
+          </a:prstGeom>
+        </p:spPr>
+      </p:pic>
     </p:spTree>
     <p:extLst>
       <p:ext uri="{BB962C8B-B14F-4D97-AF65-F5344CB8AC3E}">
@@ -4110,7 +6790,7 @@
         <p:spPr>
           <a:xfrm>
             <a:off x="331250" y="250726"/>
-            <a:ext cx="4545550" cy="597599"/>
+            <a:ext cx="3518535" cy="604520"/>
           </a:xfrm>
           <a:prstGeom prst="rect">
             <a:avLst/>
@@ -4136,7 +6816,7 @@
                   <a:srgbClr val="F1CD00"/>
                 </a:solidFill>
               </a:rPr>
-              <a:t>Sensitivity Analysis</a:t>
+              <a:t>Results</a:t>
             </a:r>
             <a:endParaRPr sz="3800" dirty="0"/>
           </a:p>
@@ -4188,7 +6868,7 @@
         <p:spPr>
           <a:xfrm>
             <a:off x="762000" y="1352550"/>
-            <a:ext cx="7620000" cy="923330"/>
+            <a:ext cx="7620000" cy="1200329"/>
           </a:xfrm>
           <a:prstGeom prst="rect">
             <a:avLst/>
@@ -4213,15 +6893,17 @@
             </a:pPr>
             <a:r>
               <a:rPr lang="en-CA" dirty="0" smtClean="0"/>
-              <a:t>Add how sensitive education rate (alpha - # of people educated per day) and education effectiveness (</a:t>
-            </a:r>
-            <a:r>
-              <a:rPr lang="en-CA" dirty="0" err="1" smtClean="0"/>
-              <a:t>beta_e</a:t>
-            </a:r>
+              <a:t>Add forecasts for each intervention effectiveness level at varying levels of education rates (alpha)</a:t>
+            </a:r>
+          </a:p>
+          <a:p>
+            <a:pPr marL="285750" indent="-285750">
+              <a:buFont typeface="Arial" panose="020B0604020202020204" pitchFamily="34" charset="0"/>
+              <a:buChar char="•"/>
+            </a:pPr>
             <a:r>
               <a:rPr lang="en-CA" dirty="0" smtClean="0"/>
-              <a:t>) on total cumulative infected.</a:t>
+              <a:t>Add cumulative infected (final size) per scenario.</a:t>
             </a:r>
           </a:p>
         </p:txBody>
@@ -4229,7 +6911,7 @@
     </p:spTree>
     <p:extLst>
       <p:ext uri="{BB962C8B-B14F-4D97-AF65-F5344CB8AC3E}">
-        <p14:creationId xmlns:p14="http://schemas.microsoft.com/office/powerpoint/2010/main" val="2946902024"/>
+        <p14:creationId xmlns:p14="http://schemas.microsoft.com/office/powerpoint/2010/main" val="2911767856"/>
       </p:ext>
     </p:extLst>
   </p:cSld>
@@ -4520,4 +7202,289 @@
   <a:objectDefaults/>
   <a:extraClrSchemeLst/>
 </a:theme>
+</file>
+
+<file path=ppt/theme/theme2.xml><?xml version="1.0" encoding="utf-8"?>
+<a:theme xmlns:a="http://schemas.openxmlformats.org/drawingml/2006/main" name="Office Theme">
+  <a:themeElements>
+    <a:clrScheme name="Office">
+      <a:dk1>
+        <a:sysClr val="windowText" lastClr="000000"/>
+      </a:dk1>
+      <a:lt1>
+        <a:sysClr val="window" lastClr="FFFFFF"/>
+      </a:lt1>
+      <a:dk2>
+        <a:srgbClr val="1F497D"/>
+      </a:dk2>
+      <a:lt2>
+        <a:srgbClr val="EEECE1"/>
+      </a:lt2>
+      <a:accent1>
+        <a:srgbClr val="4F81BD"/>
+      </a:accent1>
+      <a:accent2>
+        <a:srgbClr val="C0504D"/>
+      </a:accent2>
+      <a:accent3>
+        <a:srgbClr val="9BBB59"/>
+      </a:accent3>
+      <a:accent4>
+        <a:srgbClr val="8064A2"/>
+      </a:accent4>
+      <a:accent5>
+        <a:srgbClr val="4BACC6"/>
+      </a:accent5>
+      <a:accent6>
+        <a:srgbClr val="F79646"/>
+      </a:accent6>
+      <a:hlink>
+        <a:srgbClr val="0000FF"/>
+      </a:hlink>
+      <a:folHlink>
+        <a:srgbClr val="800080"/>
+      </a:folHlink>
+    </a:clrScheme>
+    <a:fontScheme name="Office">
+      <a:majorFont>
+        <a:latin typeface="Calibri"/>
+        <a:ea typeface=""/>
+        <a:cs typeface=""/>
+        <a:font script="Jpan" typeface="ＭＳ Ｐゴシック"/>
+        <a:font script="Hang" typeface="맑은 고딕"/>
+        <a:font script="Hans" typeface="宋体"/>
+        <a:font script="Hant" typeface="新細明體"/>
+        <a:font script="Arab" typeface="Times New Roman"/>
+        <a:font script="Hebr" typeface="Times New Roman"/>
+        <a:font script="Thai" typeface="Angsana New"/>
+        <a:font script="Ethi" typeface="Nyala"/>
+        <a:font script="Beng" typeface="Vrinda"/>
+        <a:font script="Gujr" typeface="Shruti"/>
+        <a:font script="Khmr" typeface="MoolBoran"/>
+        <a:font script="Knda" typeface="Tunga"/>
+        <a:font script="Guru" typeface="Raavi"/>
+        <a:font script="Cans" typeface="Euphemia"/>
+        <a:font script="Cher" typeface="Plantagenet Cherokee"/>
+        <a:font script="Yiii" typeface="Microsoft Yi Baiti"/>
+        <a:font script="Tibt" typeface="Microsoft Himalaya"/>
+        <a:font script="Thaa" typeface="MV Boli"/>
+        <a:font script="Deva" typeface="Mangal"/>
+        <a:font script="Telu" typeface="Gautami"/>
+        <a:font script="Taml" typeface="Latha"/>
+        <a:font script="Syrc" typeface="Estrangelo Edessa"/>
+        <a:font script="Orya" typeface="Kalinga"/>
+        <a:font script="Mlym" typeface="Kartika"/>
+        <a:font script="Laoo" typeface="DokChampa"/>
+        <a:font script="Sinh" typeface="Iskoola Pota"/>
+        <a:font script="Mong" typeface="Mongolian Baiti"/>
+        <a:font script="Viet" typeface="Times New Roman"/>
+        <a:font script="Uigh" typeface="Microsoft Uighur"/>
+        <a:font script="Geor" typeface="Sylfaen"/>
+      </a:majorFont>
+      <a:minorFont>
+        <a:latin typeface="Calibri"/>
+        <a:ea typeface=""/>
+        <a:cs typeface=""/>
+        <a:font script="Jpan" typeface="ＭＳ Ｐゴシック"/>
+        <a:font script="Hang" typeface="맑은 고딕"/>
+        <a:font script="Hans" typeface="宋体"/>
+        <a:font script="Hant" typeface="新細明體"/>
+        <a:font script="Arab" typeface="Arial"/>
+        <a:font script="Hebr" typeface="Arial"/>
+        <a:font script="Thai" typeface="Cordia New"/>
+        <a:font script="Ethi" typeface="Nyala"/>
+        <a:font script="Beng" typeface="Vrinda"/>
+        <a:font script="Gujr" typeface="Shruti"/>
+        <a:font script="Khmr" typeface="DaunPenh"/>
+        <a:font script="Knda" typeface="Tunga"/>
+        <a:font script="Guru" typeface="Raavi"/>
+        <a:font script="Cans" typeface="Euphemia"/>
+        <a:font script="Cher" typeface="Plantagenet Cherokee"/>
+        <a:font script="Yiii" typeface="Microsoft Yi Baiti"/>
+        <a:font script="Tibt" typeface="Microsoft Himalaya"/>
+        <a:font script="Thaa" typeface="MV Boli"/>
+        <a:font script="Deva" typeface="Mangal"/>
+        <a:font script="Telu" typeface="Gautami"/>
+        <a:font script="Taml" typeface="Latha"/>
+        <a:font script="Syrc" typeface="Estrangelo Edessa"/>
+        <a:font script="Orya" typeface="Kalinga"/>
+        <a:font script="Mlym" typeface="Kartika"/>
+        <a:font script="Laoo" typeface="DokChampa"/>
+        <a:font script="Sinh" typeface="Iskoola Pota"/>
+        <a:font script="Mong" typeface="Mongolian Baiti"/>
+        <a:font script="Viet" typeface="Arial"/>
+        <a:font script="Uigh" typeface="Microsoft Uighur"/>
+        <a:font script="Geor" typeface="Sylfaen"/>
+      </a:minorFont>
+    </a:fontScheme>
+    <a:fmtScheme name="Office">
+      <a:fillStyleLst>
+        <a:solidFill>
+          <a:schemeClr val="phClr"/>
+        </a:solidFill>
+        <a:gradFill rotWithShape="1">
+          <a:gsLst>
+            <a:gs pos="0">
+              <a:schemeClr val="phClr">
+                <a:tint val="50000"/>
+                <a:satMod val="300000"/>
+              </a:schemeClr>
+            </a:gs>
+            <a:gs pos="35000">
+              <a:schemeClr val="phClr">
+                <a:tint val="37000"/>
+                <a:satMod val="300000"/>
+              </a:schemeClr>
+            </a:gs>
+            <a:gs pos="100000">
+              <a:schemeClr val="phClr">
+                <a:tint val="15000"/>
+                <a:satMod val="350000"/>
+              </a:schemeClr>
+            </a:gs>
+          </a:gsLst>
+          <a:lin ang="16200000" scaled="1"/>
+        </a:gradFill>
+        <a:gradFill rotWithShape="1">
+          <a:gsLst>
+            <a:gs pos="0">
+              <a:schemeClr val="phClr">
+                <a:shade val="51000"/>
+                <a:satMod val="130000"/>
+              </a:schemeClr>
+            </a:gs>
+            <a:gs pos="80000">
+              <a:schemeClr val="phClr">
+                <a:shade val="93000"/>
+                <a:satMod val="130000"/>
+              </a:schemeClr>
+            </a:gs>
+            <a:gs pos="100000">
+              <a:schemeClr val="phClr">
+                <a:shade val="94000"/>
+                <a:satMod val="135000"/>
+              </a:schemeClr>
+            </a:gs>
+          </a:gsLst>
+          <a:lin ang="16200000" scaled="0"/>
+        </a:gradFill>
+      </a:fillStyleLst>
+      <a:lnStyleLst>
+        <a:ln w="9525" cap="flat" cmpd="sng" algn="ctr">
+          <a:solidFill>
+            <a:schemeClr val="phClr">
+              <a:shade val="95000"/>
+              <a:satMod val="105000"/>
+            </a:schemeClr>
+          </a:solidFill>
+          <a:prstDash val="solid"/>
+        </a:ln>
+        <a:ln w="25400" cap="flat" cmpd="sng" algn="ctr">
+          <a:solidFill>
+            <a:schemeClr val="phClr"/>
+          </a:solidFill>
+          <a:prstDash val="solid"/>
+        </a:ln>
+        <a:ln w="38100" cap="flat" cmpd="sng" algn="ctr">
+          <a:solidFill>
+            <a:schemeClr val="phClr"/>
+          </a:solidFill>
+          <a:prstDash val="solid"/>
+        </a:ln>
+      </a:lnStyleLst>
+      <a:effectStyleLst>
+        <a:effectStyle>
+          <a:effectLst>
+            <a:outerShdw blurRad="40000" dist="20000" dir="5400000" rotWithShape="0">
+              <a:srgbClr val="000000">
+                <a:alpha val="38000"/>
+              </a:srgbClr>
+            </a:outerShdw>
+          </a:effectLst>
+        </a:effectStyle>
+        <a:effectStyle>
+          <a:effectLst>
+            <a:outerShdw blurRad="40000" dist="23000" dir="5400000" rotWithShape="0">
+              <a:srgbClr val="000000">
+                <a:alpha val="35000"/>
+              </a:srgbClr>
+            </a:outerShdw>
+          </a:effectLst>
+        </a:effectStyle>
+        <a:effectStyle>
+          <a:effectLst>
+            <a:outerShdw blurRad="40000" dist="23000" dir="5400000" rotWithShape="0">
+              <a:srgbClr val="000000">
+                <a:alpha val="35000"/>
+              </a:srgbClr>
+            </a:outerShdw>
+          </a:effectLst>
+          <a:scene3d>
+            <a:camera prst="orthographicFront">
+              <a:rot lat="0" lon="0" rev="0"/>
+            </a:camera>
+            <a:lightRig rig="threePt" dir="t">
+              <a:rot lat="0" lon="0" rev="1200000"/>
+            </a:lightRig>
+          </a:scene3d>
+          <a:sp3d>
+            <a:bevelT w="63500" h="25400"/>
+          </a:sp3d>
+        </a:effectStyle>
+      </a:effectStyleLst>
+      <a:bgFillStyleLst>
+        <a:solidFill>
+          <a:schemeClr val="phClr"/>
+        </a:solidFill>
+        <a:gradFill rotWithShape="1">
+          <a:gsLst>
+            <a:gs pos="0">
+              <a:schemeClr val="phClr">
+                <a:tint val="40000"/>
+                <a:satMod val="350000"/>
+              </a:schemeClr>
+            </a:gs>
+            <a:gs pos="40000">
+              <a:schemeClr val="phClr">
+                <a:tint val="45000"/>
+                <a:shade val="99000"/>
+                <a:satMod val="350000"/>
+              </a:schemeClr>
+            </a:gs>
+            <a:gs pos="100000">
+              <a:schemeClr val="phClr">
+                <a:shade val="20000"/>
+                <a:satMod val="255000"/>
+              </a:schemeClr>
+            </a:gs>
+          </a:gsLst>
+          <a:path path="circle">
+            <a:fillToRect l="50000" t="-80000" r="50000" b="180000"/>
+          </a:path>
+        </a:gradFill>
+        <a:gradFill rotWithShape="1">
+          <a:gsLst>
+            <a:gs pos="0">
+              <a:schemeClr val="phClr">
+                <a:tint val="80000"/>
+                <a:satMod val="300000"/>
+              </a:schemeClr>
+            </a:gs>
+            <a:gs pos="100000">
+              <a:schemeClr val="phClr">
+                <a:shade val="30000"/>
+                <a:satMod val="200000"/>
+              </a:schemeClr>
+            </a:gs>
+          </a:gsLst>
+          <a:path path="circle">
+            <a:fillToRect l="50000" t="50000" r="50000" b="50000"/>
+          </a:path>
+        </a:gradFill>
+      </a:bgFillStyleLst>
+    </a:fmtScheme>
+  </a:themeElements>
+  <a:objectDefaults/>
+  <a:extraClrSchemeLst/>
+</a:theme>
 </file>
--- a/Mpox_education_PPT.pptx
+++ b/Mpox_education_PPT.pptx
@@ -5,7 +5,7 @@
     <p:sldMasterId id="2147483648" r:id="rId1"/>
   </p:sldMasterIdLst>
   <p:notesMasterIdLst>
-    <p:notesMasterId r:id="rId18"/>
+    <p:notesMasterId r:id="rId21"/>
   </p:notesMasterIdLst>
   <p:sldIdLst>
     <p:sldId id="256" r:id="rId2"/>
@@ -23,7 +23,10 @@
     <p:sldId id="265" r:id="rId14"/>
     <p:sldId id="262" r:id="rId15"/>
     <p:sldId id="263" r:id="rId16"/>
-    <p:sldId id="274" r:id="rId17"/>
+    <p:sldId id="277" r:id="rId17"/>
+    <p:sldId id="278" r:id="rId18"/>
+    <p:sldId id="279" r:id="rId19"/>
+    <p:sldId id="280" r:id="rId20"/>
   </p:sldIdLst>
   <p:sldSz cx="9144000" cy="5143500" type="screen16x9"/>
   <p:notesSz cx="9144000" cy="5143500"/>
@@ -190,7 +193,7 @@
             </a:lvl1pPr>
           </a:lstStyle>
           <a:p>
-            <a:endParaRPr lang="en-CA"/>
+            <a:endParaRPr lang="en-CA" dirty="0"/>
           </a:p>
         </p:txBody>
       </p:sp>
@@ -225,7 +228,7 @@
               <a:rPr lang="en-CA" smtClean="0"/>
               <a:t>2023-04-05</a:t>
             </a:fld>
-            <a:endParaRPr lang="en-CA"/>
+            <a:endParaRPr lang="en-CA" dirty="0"/>
           </a:p>
         </p:txBody>
       </p:sp>
@@ -258,7 +261,7 @@
           <a:bodyPr vert="horz" lIns="91440" tIns="45720" rIns="91440" bIns="45720" rtlCol="0" anchor="ctr"/>
           <a:lstStyle/>
           <a:p>
-            <a:endParaRPr lang="en-CA"/>
+            <a:endParaRPr lang="en-CA" dirty="0"/>
           </a:p>
         </p:txBody>
       </p:sp>
@@ -349,7 +352,7 @@
             </a:lvl1pPr>
           </a:lstStyle>
           <a:p>
-            <a:endParaRPr lang="en-CA"/>
+            <a:endParaRPr lang="en-CA" dirty="0"/>
           </a:p>
         </p:txBody>
       </p:sp>
@@ -384,7 +387,7 @@
               <a:rPr lang="en-CA" smtClean="0"/>
               <a:t>‹#›</a:t>
             </a:fld>
-            <a:endParaRPr lang="en-CA"/>
+            <a:endParaRPr lang="en-CA" dirty="0"/>
           </a:p>
         </p:txBody>
       </p:sp>
@@ -594,7 +597,7 @@
               <a:rPr lang="en-CA" smtClean="0"/>
               <a:t>4</a:t>
             </a:fld>
-            <a:endParaRPr lang="en-CA"/>
+            <a:endParaRPr lang="en-CA" dirty="0"/>
           </a:p>
         </p:txBody>
       </p:sp>
@@ -714,7 +717,7 @@
               <a:rPr lang="en-CA" smtClean="0"/>
               <a:t>5</a:t>
             </a:fld>
-            <a:endParaRPr lang="en-CA"/>
+            <a:endParaRPr lang="en-CA" dirty="0"/>
           </a:p>
         </p:txBody>
       </p:sp>
@@ -851,15 +854,7 @@
             </a:pPr>
             <a:r>
               <a:rPr lang="en-CA" baseline="0" dirty="0" smtClean="0"/>
-              <a:t>We assume these risk reduction rates will be comparable to proposed </a:t>
-            </a:r>
-            <a:r>
-              <a:rPr lang="en-CA" baseline="0" dirty="0" err="1" smtClean="0"/>
-              <a:t>mpox</a:t>
-            </a:r>
-            <a:r>
-              <a:rPr lang="en-CA" baseline="0" dirty="0" smtClean="0"/>
-              <a:t> interventions</a:t>
+              <a:t>We assume these risk reduction rates will be comparable to proposed mpox interventions</a:t>
             </a:r>
           </a:p>
           <a:p>
@@ -868,12 +863,8 @@
               <a:buChar char="•"/>
             </a:pPr>
             <a:r>
-              <a:rPr lang="en-CA" baseline="0" dirty="0" err="1" smtClean="0"/>
-              <a:t>Mpox</a:t>
-            </a:r>
-            <a:r>
               <a:rPr lang="en-CA" baseline="0" dirty="0" smtClean="0"/>
-              <a:t> isn’t necessarily only sexually transmitted</a:t>
+              <a:t>Mpox isn’t necessarily only sexually transmitted</a:t>
             </a:r>
           </a:p>
           <a:p>
@@ -914,7 +905,7 @@
               <a:rPr lang="en-CA" smtClean="0"/>
               <a:t>6</a:t>
             </a:fld>
-            <a:endParaRPr lang="en-CA"/>
+            <a:endParaRPr lang="en-CA" dirty="0"/>
           </a:p>
         </p:txBody>
       </p:sp>
@@ -1021,7 +1012,7 @@
               <a:rPr lang="en-CA" smtClean="0"/>
               <a:t>7</a:t>
             </a:fld>
-            <a:endParaRPr lang="en-CA"/>
+            <a:endParaRPr lang="en-CA" dirty="0"/>
           </a:p>
         </p:txBody>
       </p:sp>
@@ -1105,7 +1096,7 @@
               <a:rPr lang="en-CA" smtClean="0"/>
               <a:t>11</a:t>
             </a:fld>
-            <a:endParaRPr lang="en-CA"/>
+            <a:endParaRPr lang="en-CA" dirty="0"/>
           </a:p>
         </p:txBody>
       </p:sp>
@@ -1113,6 +1104,342 @@
     <p:extLst>
       <p:ext uri="{BB962C8B-B14F-4D97-AF65-F5344CB8AC3E}">
         <p14:creationId xmlns:p14="http://schemas.microsoft.com/office/powerpoint/2010/main" val="3233464869"/>
+      </p:ext>
+    </p:extLst>
+  </p:cSld>
+  <p:clrMapOvr>
+    <a:masterClrMapping/>
+  </p:clrMapOvr>
+</p:notes>
+</file>
+
+<file path=ppt/notesSlides/notesSlide6.xml><?xml version="1.0" encoding="utf-8"?>
+<p:notes xmlns:a="http://schemas.openxmlformats.org/drawingml/2006/main" xmlns:r="http://schemas.openxmlformats.org/officeDocument/2006/relationships" xmlns:p="http://schemas.openxmlformats.org/presentationml/2006/main">
+  <p:cSld>
+    <p:spTree>
+      <p:nvGrpSpPr>
+        <p:cNvPr id="1" name=""/>
+        <p:cNvGrpSpPr/>
+        <p:nvPr/>
+      </p:nvGrpSpPr>
+      <p:grpSpPr>
+        <a:xfrm>
+          <a:off x="0" y="0"/>
+          <a:ext cx="0" cy="0"/>
+          <a:chOff x="0" y="0"/>
+          <a:chExt cx="0" cy="0"/>
+        </a:xfrm>
+      </p:grpSpPr>
+      <p:sp>
+        <p:nvSpPr>
+          <p:cNvPr id="2" name="Slide Image Placeholder 1"/>
+          <p:cNvSpPr>
+            <a:spLocks noGrp="1" noRot="1" noChangeAspect="1"/>
+          </p:cNvSpPr>
+          <p:nvPr>
+            <p:ph type="sldImg"/>
+          </p:nvPr>
+        </p:nvSpPr>
+        <p:spPr/>
+      </p:sp>
+      <p:sp>
+        <p:nvSpPr>
+          <p:cNvPr id="3" name="Notes Placeholder 2"/>
+          <p:cNvSpPr>
+            <a:spLocks noGrp="1"/>
+          </p:cNvSpPr>
+          <p:nvPr>
+            <p:ph type="body" idx="1"/>
+          </p:nvPr>
+        </p:nvSpPr>
+        <p:spPr/>
+        <p:txBody>
+          <a:bodyPr/>
+          <a:lstStyle/>
+          <a:p>
+            <a:endParaRPr lang="en-CA" dirty="0"/>
+          </a:p>
+        </p:txBody>
+      </p:sp>
+      <p:sp>
+        <p:nvSpPr>
+          <p:cNvPr id="4" name="Slide Number Placeholder 3"/>
+          <p:cNvSpPr>
+            <a:spLocks noGrp="1"/>
+          </p:cNvSpPr>
+          <p:nvPr>
+            <p:ph type="sldNum" sz="quarter" idx="10"/>
+          </p:nvPr>
+        </p:nvSpPr>
+        <p:spPr/>
+        <p:txBody>
+          <a:bodyPr/>
+          <a:lstStyle/>
+          <a:p>
+            <a:fld id="{D0FB26DE-DCE0-4EDF-B98B-E266198E2DA6}" type="slidenum">
+              <a:rPr lang="en-CA" smtClean="0"/>
+              <a:t>16</a:t>
+            </a:fld>
+            <a:endParaRPr lang="en-CA" dirty="0"/>
+          </a:p>
+        </p:txBody>
+      </p:sp>
+    </p:spTree>
+    <p:extLst>
+      <p:ext uri="{BB962C8B-B14F-4D97-AF65-F5344CB8AC3E}">
+        <p14:creationId xmlns:p14="http://schemas.microsoft.com/office/powerpoint/2010/main" val="1469818186"/>
+      </p:ext>
+    </p:extLst>
+  </p:cSld>
+  <p:clrMapOvr>
+    <a:masterClrMapping/>
+  </p:clrMapOvr>
+</p:notes>
+</file>
+
+<file path=ppt/notesSlides/notesSlide7.xml><?xml version="1.0" encoding="utf-8"?>
+<p:notes xmlns:a="http://schemas.openxmlformats.org/drawingml/2006/main" xmlns:r="http://schemas.openxmlformats.org/officeDocument/2006/relationships" xmlns:p="http://schemas.openxmlformats.org/presentationml/2006/main">
+  <p:cSld>
+    <p:spTree>
+      <p:nvGrpSpPr>
+        <p:cNvPr id="1" name=""/>
+        <p:cNvGrpSpPr/>
+        <p:nvPr/>
+      </p:nvGrpSpPr>
+      <p:grpSpPr>
+        <a:xfrm>
+          <a:off x="0" y="0"/>
+          <a:ext cx="0" cy="0"/>
+          <a:chOff x="0" y="0"/>
+          <a:chExt cx="0" cy="0"/>
+        </a:xfrm>
+      </p:grpSpPr>
+      <p:sp>
+        <p:nvSpPr>
+          <p:cNvPr id="2" name="Slide Image Placeholder 1"/>
+          <p:cNvSpPr>
+            <a:spLocks noGrp="1" noRot="1" noChangeAspect="1"/>
+          </p:cNvSpPr>
+          <p:nvPr>
+            <p:ph type="sldImg"/>
+          </p:nvPr>
+        </p:nvSpPr>
+        <p:spPr/>
+      </p:sp>
+      <p:sp>
+        <p:nvSpPr>
+          <p:cNvPr id="3" name="Notes Placeholder 2"/>
+          <p:cNvSpPr>
+            <a:spLocks noGrp="1"/>
+          </p:cNvSpPr>
+          <p:nvPr>
+            <p:ph type="body" idx="1"/>
+          </p:nvPr>
+        </p:nvSpPr>
+        <p:spPr/>
+        <p:txBody>
+          <a:bodyPr/>
+          <a:lstStyle/>
+          <a:p>
+            <a:endParaRPr lang="en-CA" dirty="0"/>
+          </a:p>
+        </p:txBody>
+      </p:sp>
+      <p:sp>
+        <p:nvSpPr>
+          <p:cNvPr id="4" name="Slide Number Placeholder 3"/>
+          <p:cNvSpPr>
+            <a:spLocks noGrp="1"/>
+          </p:cNvSpPr>
+          <p:nvPr>
+            <p:ph type="sldNum" sz="quarter" idx="10"/>
+          </p:nvPr>
+        </p:nvSpPr>
+        <p:spPr/>
+        <p:txBody>
+          <a:bodyPr/>
+          <a:lstStyle/>
+          <a:p>
+            <a:fld id="{D0FB26DE-DCE0-4EDF-B98B-E266198E2DA6}" type="slidenum">
+              <a:rPr lang="en-CA" smtClean="0"/>
+              <a:t>17</a:t>
+            </a:fld>
+            <a:endParaRPr lang="en-CA" dirty="0"/>
+          </a:p>
+        </p:txBody>
+      </p:sp>
+    </p:spTree>
+    <p:extLst>
+      <p:ext uri="{BB962C8B-B14F-4D97-AF65-F5344CB8AC3E}">
+        <p14:creationId xmlns:p14="http://schemas.microsoft.com/office/powerpoint/2010/main" val="1469818186"/>
+      </p:ext>
+    </p:extLst>
+  </p:cSld>
+  <p:clrMapOvr>
+    <a:masterClrMapping/>
+  </p:clrMapOvr>
+</p:notes>
+</file>
+
+<file path=ppt/notesSlides/notesSlide8.xml><?xml version="1.0" encoding="utf-8"?>
+<p:notes xmlns:a="http://schemas.openxmlformats.org/drawingml/2006/main" xmlns:r="http://schemas.openxmlformats.org/officeDocument/2006/relationships" xmlns:p="http://schemas.openxmlformats.org/presentationml/2006/main">
+  <p:cSld>
+    <p:spTree>
+      <p:nvGrpSpPr>
+        <p:cNvPr id="1" name=""/>
+        <p:cNvGrpSpPr/>
+        <p:nvPr/>
+      </p:nvGrpSpPr>
+      <p:grpSpPr>
+        <a:xfrm>
+          <a:off x="0" y="0"/>
+          <a:ext cx="0" cy="0"/>
+          <a:chOff x="0" y="0"/>
+          <a:chExt cx="0" cy="0"/>
+        </a:xfrm>
+      </p:grpSpPr>
+      <p:sp>
+        <p:nvSpPr>
+          <p:cNvPr id="2" name="Slide Image Placeholder 1"/>
+          <p:cNvSpPr>
+            <a:spLocks noGrp="1" noRot="1" noChangeAspect="1"/>
+          </p:cNvSpPr>
+          <p:nvPr>
+            <p:ph type="sldImg"/>
+          </p:nvPr>
+        </p:nvSpPr>
+        <p:spPr/>
+      </p:sp>
+      <p:sp>
+        <p:nvSpPr>
+          <p:cNvPr id="3" name="Notes Placeholder 2"/>
+          <p:cNvSpPr>
+            <a:spLocks noGrp="1"/>
+          </p:cNvSpPr>
+          <p:nvPr>
+            <p:ph type="body" idx="1"/>
+          </p:nvPr>
+        </p:nvSpPr>
+        <p:spPr/>
+        <p:txBody>
+          <a:bodyPr/>
+          <a:lstStyle/>
+          <a:p>
+            <a:endParaRPr lang="en-CA" dirty="0"/>
+          </a:p>
+        </p:txBody>
+      </p:sp>
+      <p:sp>
+        <p:nvSpPr>
+          <p:cNvPr id="4" name="Slide Number Placeholder 3"/>
+          <p:cNvSpPr>
+            <a:spLocks noGrp="1"/>
+          </p:cNvSpPr>
+          <p:nvPr>
+            <p:ph type="sldNum" sz="quarter" idx="10"/>
+          </p:nvPr>
+        </p:nvSpPr>
+        <p:spPr/>
+        <p:txBody>
+          <a:bodyPr/>
+          <a:lstStyle/>
+          <a:p>
+            <a:fld id="{D0FB26DE-DCE0-4EDF-B98B-E266198E2DA6}" type="slidenum">
+              <a:rPr lang="en-CA" smtClean="0"/>
+              <a:t>18</a:t>
+            </a:fld>
+            <a:endParaRPr lang="en-CA" dirty="0"/>
+          </a:p>
+        </p:txBody>
+      </p:sp>
+    </p:spTree>
+    <p:extLst>
+      <p:ext uri="{BB962C8B-B14F-4D97-AF65-F5344CB8AC3E}">
+        <p14:creationId xmlns:p14="http://schemas.microsoft.com/office/powerpoint/2010/main" val="1469818186"/>
+      </p:ext>
+    </p:extLst>
+  </p:cSld>
+  <p:clrMapOvr>
+    <a:masterClrMapping/>
+  </p:clrMapOvr>
+</p:notes>
+</file>
+
+<file path=ppt/notesSlides/notesSlide9.xml><?xml version="1.0" encoding="utf-8"?>
+<p:notes xmlns:a="http://schemas.openxmlformats.org/drawingml/2006/main" xmlns:r="http://schemas.openxmlformats.org/officeDocument/2006/relationships" xmlns:p="http://schemas.openxmlformats.org/presentationml/2006/main">
+  <p:cSld>
+    <p:spTree>
+      <p:nvGrpSpPr>
+        <p:cNvPr id="1" name=""/>
+        <p:cNvGrpSpPr/>
+        <p:nvPr/>
+      </p:nvGrpSpPr>
+      <p:grpSpPr>
+        <a:xfrm>
+          <a:off x="0" y="0"/>
+          <a:ext cx="0" cy="0"/>
+          <a:chOff x="0" y="0"/>
+          <a:chExt cx="0" cy="0"/>
+        </a:xfrm>
+      </p:grpSpPr>
+      <p:sp>
+        <p:nvSpPr>
+          <p:cNvPr id="2" name="Slide Image Placeholder 1"/>
+          <p:cNvSpPr>
+            <a:spLocks noGrp="1" noRot="1" noChangeAspect="1"/>
+          </p:cNvSpPr>
+          <p:nvPr>
+            <p:ph type="sldImg"/>
+          </p:nvPr>
+        </p:nvSpPr>
+        <p:spPr/>
+      </p:sp>
+      <p:sp>
+        <p:nvSpPr>
+          <p:cNvPr id="3" name="Notes Placeholder 2"/>
+          <p:cNvSpPr>
+            <a:spLocks noGrp="1"/>
+          </p:cNvSpPr>
+          <p:nvPr>
+            <p:ph type="body" idx="1"/>
+          </p:nvPr>
+        </p:nvSpPr>
+        <p:spPr/>
+        <p:txBody>
+          <a:bodyPr/>
+          <a:lstStyle/>
+          <a:p>
+            <a:endParaRPr lang="en-CA" dirty="0"/>
+          </a:p>
+        </p:txBody>
+      </p:sp>
+      <p:sp>
+        <p:nvSpPr>
+          <p:cNvPr id="4" name="Slide Number Placeholder 3"/>
+          <p:cNvSpPr>
+            <a:spLocks noGrp="1"/>
+          </p:cNvSpPr>
+          <p:nvPr>
+            <p:ph type="sldNum" sz="quarter" idx="10"/>
+          </p:nvPr>
+        </p:nvSpPr>
+        <p:spPr/>
+        <p:txBody>
+          <a:bodyPr/>
+          <a:lstStyle/>
+          <a:p>
+            <a:fld id="{D0FB26DE-DCE0-4EDF-B98B-E266198E2DA6}" type="slidenum">
+              <a:rPr lang="en-CA" smtClean="0"/>
+              <a:t>19</a:t>
+            </a:fld>
+            <a:endParaRPr lang="en-CA" dirty="0"/>
+          </a:p>
+        </p:txBody>
+      </p:sp>
+    </p:spTree>
+    <p:extLst>
+      <p:ext uri="{BB962C8B-B14F-4D97-AF65-F5344CB8AC3E}">
+        <p14:creationId xmlns:p14="http://schemas.microsoft.com/office/powerpoint/2010/main" val="1469818186"/>
       </p:ext>
     </p:extLst>
   </p:cSld>
@@ -1193,7 +1520,7 @@
           <a:bodyPr wrap="square" lIns="0" tIns="0" rIns="0" bIns="0" rtlCol="0"/>
           <a:lstStyle/>
           <a:p>
-            <a:endParaRPr/>
+            <a:endParaRPr dirty="0"/>
           </a:p>
         </p:txBody>
       </p:sp>
@@ -1243,7 +1570,7 @@
           <a:bodyPr wrap="square" lIns="0" tIns="0" rIns="0" bIns="0" rtlCol="0"/>
           <a:lstStyle/>
           <a:p>
-            <a:endParaRPr/>
+            <a:endParaRPr dirty="0"/>
           </a:p>
         </p:txBody>
       </p:sp>
@@ -1386,7 +1713,7 @@
             </a:lvl1pPr>
           </a:lstStyle>
           <a:p>
-            <a:endParaRPr/>
+            <a:endParaRPr dirty="0"/>
           </a:p>
         </p:txBody>
       </p:sp>
@@ -1419,7 +1746,7 @@
               <a:rPr lang="en-US"/>
               <a:t>4/5/2023</a:t>
             </a:fld>
-            <a:endParaRPr lang="en-US"/>
+            <a:endParaRPr lang="en-US" dirty="0"/>
           </a:p>
         </p:txBody>
       </p:sp>
@@ -1566,7 +1893,7 @@
             </a:lvl1pPr>
           </a:lstStyle>
           <a:p>
-            <a:endParaRPr/>
+            <a:endParaRPr dirty="0"/>
           </a:p>
         </p:txBody>
       </p:sp>
@@ -1599,7 +1926,7 @@
               <a:rPr lang="en-US"/>
               <a:t>4/5/2023</a:t>
             </a:fld>
-            <a:endParaRPr lang="en-US"/>
+            <a:endParaRPr lang="en-US" dirty="0"/>
           </a:p>
         </p:txBody>
       </p:sp>
@@ -1789,7 +2116,7 @@
             </a:lvl1pPr>
           </a:lstStyle>
           <a:p>
-            <a:endParaRPr/>
+            <a:endParaRPr dirty="0"/>
           </a:p>
         </p:txBody>
       </p:sp>
@@ -1822,7 +2149,7 @@
               <a:rPr lang="en-US"/>
               <a:t>4/5/2023</a:t>
             </a:fld>
-            <a:endParaRPr lang="en-US"/>
+            <a:endParaRPr lang="en-US" dirty="0"/>
           </a:p>
         </p:txBody>
       </p:sp>
@@ -1946,7 +2273,7 @@
             </a:lvl1pPr>
           </a:lstStyle>
           <a:p>
-            <a:endParaRPr/>
+            <a:endParaRPr dirty="0"/>
           </a:p>
         </p:txBody>
       </p:sp>
@@ -1979,7 +2306,7 @@
               <a:rPr lang="en-US"/>
               <a:t>4/5/2023</a:t>
             </a:fld>
-            <a:endParaRPr lang="en-US"/>
+            <a:endParaRPr lang="en-US" dirty="0"/>
           </a:p>
         </p:txBody>
       </p:sp>
@@ -2103,7 +2430,7 @@
           <a:bodyPr wrap="square" lIns="0" tIns="0" rIns="0" bIns="0" rtlCol="0"/>
           <a:lstStyle/>
           <a:p>
-            <a:endParaRPr/>
+            <a:endParaRPr dirty="0"/>
           </a:p>
         </p:txBody>
       </p:sp>
@@ -2132,7 +2459,7 @@
             </a:lvl1pPr>
           </a:lstStyle>
           <a:p>
-            <a:endParaRPr/>
+            <a:endParaRPr dirty="0"/>
           </a:p>
         </p:txBody>
       </p:sp>
@@ -2165,7 +2492,7 @@
               <a:rPr lang="en-US"/>
               <a:t>4/5/2023</a:t>
             </a:fld>
-            <a:endParaRPr lang="en-US"/>
+            <a:endParaRPr lang="en-US" dirty="0"/>
           </a:p>
         </p:txBody>
       </p:sp>
@@ -2289,7 +2616,7 @@
           <a:bodyPr wrap="square" lIns="0" tIns="0" rIns="0" bIns="0" rtlCol="0"/>
           <a:lstStyle/>
           <a:p>
-            <a:endParaRPr/>
+            <a:endParaRPr dirty="0"/>
           </a:p>
         </p:txBody>
       </p:sp>
@@ -2400,7 +2727,7 @@
             </a:lvl1pPr>
           </a:lstStyle>
           <a:p>
-            <a:endParaRPr/>
+            <a:endParaRPr dirty="0"/>
           </a:p>
         </p:txBody>
       </p:sp>
@@ -2443,7 +2770,7 @@
               <a:rPr lang="en-US"/>
               <a:t>4/5/2023</a:t>
             </a:fld>
-            <a:endParaRPr lang="en-US"/>
+            <a:endParaRPr lang="en-US" dirty="0"/>
           </a:p>
         </p:txBody>
       </p:sp>
@@ -2793,14 +3120,44 @@
               </a:spcBef>
             </a:pPr>
             <a:r>
-              <a:rPr lang="en-CA" sz="1200" b="1" spc="-10" dirty="0" err="1">
+              <a:rPr lang="en-CA" sz="1200" b="1" spc="-10" dirty="0">
                 <a:solidFill>
                   <a:srgbClr val="F1CD00"/>
                 </a:solidFill>
                 <a:latin typeface="Roboto"/>
                 <a:cs typeface="Roboto"/>
               </a:rPr>
-              <a:t>Hedieh</a:t>
+              <a:t>Hedieh </a:t>
+            </a:r>
+            <a:r>
+              <a:rPr lang="en-CA" sz="1200" b="1" spc="-10" dirty="0" smtClean="0">
+                <a:solidFill>
+                  <a:srgbClr val="F1CD00"/>
+                </a:solidFill>
+                <a:latin typeface="Roboto"/>
+                <a:cs typeface="Roboto"/>
+              </a:rPr>
+              <a:t>Kalachahi</a:t>
+            </a:r>
+          </a:p>
+          <a:p>
+            <a:pPr marL="12700" marR="5080">
+              <a:lnSpc>
+                <a:spcPct val="100000"/>
+              </a:lnSpc>
+              <a:spcBef>
+                <a:spcPts val="100"/>
+              </a:spcBef>
+            </a:pPr>
+            <a:r>
+              <a:rPr lang="en-CA" sz="1200" b="1" spc="-10" dirty="0" smtClean="0">
+                <a:solidFill>
+                  <a:srgbClr val="F1CD00"/>
+                </a:solidFill>
+                <a:latin typeface="Roboto"/>
+                <a:cs typeface="Roboto"/>
+              </a:rPr>
+              <a:t>Saira</a:t>
             </a:r>
             <a:r>
               <a:rPr lang="en-CA" sz="1200" b="1" spc="-10" dirty="0">
@@ -2813,54 +3170,7 @@
               <a:t> </a:t>
             </a:r>
             <a:r>
-              <a:rPr lang="en-CA" sz="1200" b="1" spc="-10" dirty="0" err="1" smtClean="0">
-                <a:solidFill>
-                  <a:srgbClr val="F1CD00"/>
-                </a:solidFill>
-                <a:latin typeface="Roboto"/>
-                <a:cs typeface="Roboto"/>
-              </a:rPr>
-              <a:t>Kalachahi</a:t>
-            </a:r>
-            <a:endParaRPr lang="en-CA" sz="1200" b="1" spc="-10" dirty="0" smtClean="0">
-              <a:solidFill>
-                <a:srgbClr val="F1CD00"/>
-              </a:solidFill>
-              <a:latin typeface="Roboto"/>
-              <a:cs typeface="Roboto"/>
-            </a:endParaRPr>
-          </a:p>
-          <a:p>
-            <a:pPr marL="12700" marR="5080">
-              <a:lnSpc>
-                <a:spcPct val="100000"/>
-              </a:lnSpc>
-              <a:spcBef>
-                <a:spcPts val="100"/>
-              </a:spcBef>
-            </a:pPr>
-            <a:r>
-              <a:rPr lang="en-CA" sz="1200" b="1" spc="-10" dirty="0" err="1" smtClean="0">
-                <a:solidFill>
-                  <a:srgbClr val="F1CD00"/>
-                </a:solidFill>
-                <a:latin typeface="Roboto"/>
-                <a:cs typeface="Roboto"/>
-              </a:rPr>
-              <a:t>Saira</a:t>
-            </a:r>
-            <a:r>
-              <a:rPr lang="en-CA" sz="1200" b="1" spc="-10" dirty="0">
-                <a:solidFill>
-                  <a:srgbClr val="F1CD00"/>
-                </a:solidFill>
-                <a:latin typeface="Roboto"/>
-                <a:cs typeface="Roboto"/>
-              </a:rPr>
-              <a:t> </a:t>
-            </a:r>
-            <a:r>
-              <a:rPr lang="en-CA" sz="1200" b="1" spc="-10" dirty="0" err="1" smtClean="0">
+              <a:rPr lang="en-CA" sz="1200" b="1" spc="-10" dirty="0" smtClean="0">
                 <a:solidFill>
                   <a:srgbClr val="F1CD00"/>
                 </a:solidFill>
@@ -2869,13 +3179,6 @@
               </a:rPr>
               <a:t>Faiz</a:t>
             </a:r>
-            <a:endParaRPr lang="en-CA" sz="1200" b="1" spc="-10" dirty="0" smtClean="0">
-              <a:solidFill>
-                <a:srgbClr val="F1CD00"/>
-              </a:solidFill>
-              <a:latin typeface="Roboto"/>
-              <a:cs typeface="Roboto"/>
-            </a:endParaRPr>
           </a:p>
           <a:p>
             <a:pPr marL="12700" marR="5080">
@@ -3044,15 +3347,7 @@
             </a:pPr>
             <a:r>
               <a:rPr lang="en-CA" dirty="0" smtClean="0"/>
-              <a:t>Add how sensitive education rate (alpha - # of people educated per day) and education effectiveness (</a:t>
-            </a:r>
-            <a:r>
-              <a:rPr lang="en-CA" dirty="0" err="1" smtClean="0"/>
-              <a:t>beta_e</a:t>
-            </a:r>
-            <a:r>
-              <a:rPr lang="en-CA" dirty="0" smtClean="0"/>
-              <a:t>) on total cumulative infected.</a:t>
+              <a:t>Add how sensitive education rate (alpha - # of people educated per day) and education effectiveness (beta_e) on total cumulative infected.</a:t>
             </a:r>
           </a:p>
         </p:txBody>
@@ -3488,7 +3783,7 @@
         </p:nvSpPr>
         <p:spPr>
           <a:xfrm>
-            <a:off x="758663" y="2647950"/>
+            <a:off x="838200" y="1352550"/>
             <a:ext cx="7620000" cy="1200329"/>
           </a:xfrm>
           <a:prstGeom prst="rect">
@@ -3770,7 +4065,7 @@
           <a:bodyPr wrap="square" lIns="0" tIns="0" rIns="0" bIns="0" rtlCol="0"/>
           <a:lstStyle/>
           <a:p>
-            <a:endParaRPr/>
+            <a:endParaRPr dirty="0"/>
           </a:p>
         </p:txBody>
       </p:sp>
@@ -3911,7 +4206,7 @@
         <p:spPr>
           <a:xfrm>
             <a:off x="331250" y="250726"/>
-            <a:ext cx="4621750" cy="597599"/>
+            <a:ext cx="8660350" cy="597599"/>
           </a:xfrm>
           <a:prstGeom prst="rect">
             <a:avLst/>
@@ -3937,7 +4232,7 @@
                   <a:srgbClr val="F1CD00"/>
                 </a:solidFill>
               </a:rPr>
-              <a:t>Technical Appendix</a:t>
+              <a:t>Appendix A: Mathematical Model</a:t>
             </a:r>
             <a:endParaRPr sz="3800" dirty="0"/>
           </a:p>
@@ -3982,14 +4277,1176 @@
       </p:sp>
       <p:sp>
         <p:nvSpPr>
+          <p:cNvPr id="3" name="Rounded Rectangle 2"/>
+          <p:cNvSpPr/>
+          <p:nvPr/>
+        </p:nvSpPr>
+        <p:spPr>
+          <a:xfrm>
+            <a:off x="685800" y="1200150"/>
+            <a:ext cx="1080000" cy="1080000"/>
+          </a:xfrm>
+          <a:prstGeom prst="roundRect">
+            <a:avLst/>
+          </a:prstGeom>
+          <a:noFill/>
+          <a:ln>
+            <a:solidFill>
+              <a:schemeClr val="tx1"/>
+            </a:solidFill>
+          </a:ln>
+        </p:spPr>
+        <p:style>
+          <a:lnRef idx="2">
+            <a:schemeClr val="accent1">
+              <a:shade val="50000"/>
+            </a:schemeClr>
+          </a:lnRef>
+          <a:fillRef idx="1">
+            <a:schemeClr val="accent1"/>
+          </a:fillRef>
+          <a:effectRef idx="0">
+            <a:schemeClr val="accent1"/>
+          </a:effectRef>
+          <a:fontRef idx="minor">
+            <a:schemeClr val="lt1"/>
+          </a:fontRef>
+        </p:style>
+        <p:txBody>
+          <a:bodyPr rtlCol="0" anchor="ctr"/>
+          <a:lstStyle/>
+          <a:p>
+            <a:pPr algn="ctr"/>
+            <a:r>
+              <a:rPr lang="en-CA" sz="8800" dirty="0" smtClean="0">
+                <a:solidFill>
+                  <a:schemeClr val="tx1"/>
+                </a:solidFill>
+              </a:rPr>
+              <a:t>S</a:t>
+            </a:r>
+            <a:endParaRPr lang="en-CA" sz="8800" dirty="0">
+              <a:solidFill>
+                <a:schemeClr val="tx1"/>
+              </a:solidFill>
+            </a:endParaRPr>
+          </a:p>
+        </p:txBody>
+      </p:sp>
+      <p:sp>
+        <p:nvSpPr>
+          <p:cNvPr id="6" name="Rounded Rectangle 5"/>
+          <p:cNvSpPr/>
+          <p:nvPr/>
+        </p:nvSpPr>
+        <p:spPr>
+          <a:xfrm>
+            <a:off x="4800600" y="3199491"/>
+            <a:ext cx="1080000" cy="1080000"/>
+          </a:xfrm>
+          <a:prstGeom prst="roundRect">
+            <a:avLst/>
+          </a:prstGeom>
+          <a:noFill/>
+          <a:ln>
+            <a:solidFill>
+              <a:schemeClr val="tx1"/>
+            </a:solidFill>
+          </a:ln>
+        </p:spPr>
+        <p:style>
+          <a:lnRef idx="2">
+            <a:schemeClr val="accent1">
+              <a:shade val="50000"/>
+            </a:schemeClr>
+          </a:lnRef>
+          <a:fillRef idx="1">
+            <a:schemeClr val="accent1"/>
+          </a:fillRef>
+          <a:effectRef idx="0">
+            <a:schemeClr val="accent1"/>
+          </a:effectRef>
+          <a:fontRef idx="minor">
+            <a:schemeClr val="lt1"/>
+          </a:fontRef>
+        </p:style>
+        <p:txBody>
+          <a:bodyPr rtlCol="0" anchor="ctr"/>
+          <a:lstStyle/>
+          <a:p>
+            <a:pPr algn="ctr"/>
+            <a:r>
+              <a:rPr lang="en-CA" sz="8800" dirty="0" smtClean="0">
+                <a:solidFill>
+                  <a:schemeClr val="tx1"/>
+                </a:solidFill>
+              </a:rPr>
+              <a:t>I</a:t>
+            </a:r>
+            <a:r>
+              <a:rPr lang="en-CA" sz="4000" baseline="-25000" dirty="0" smtClean="0">
+                <a:solidFill>
+                  <a:schemeClr val="tx1"/>
+                </a:solidFill>
+              </a:rPr>
+              <a:t>e</a:t>
+            </a:r>
+            <a:endParaRPr lang="en-CA" sz="8800" baseline="-25000" dirty="0">
+              <a:solidFill>
+                <a:schemeClr val="tx1"/>
+              </a:solidFill>
+            </a:endParaRPr>
+          </a:p>
+        </p:txBody>
+      </p:sp>
+      <p:sp>
+        <p:nvSpPr>
+          <p:cNvPr id="8" name="Rounded Rectangle 7"/>
+          <p:cNvSpPr/>
+          <p:nvPr/>
+        </p:nvSpPr>
+        <p:spPr>
+          <a:xfrm>
+            <a:off x="2743756" y="3199491"/>
+            <a:ext cx="1080000" cy="1080000"/>
+          </a:xfrm>
+          <a:prstGeom prst="roundRect">
+            <a:avLst/>
+          </a:prstGeom>
+          <a:noFill/>
+          <a:ln>
+            <a:solidFill>
+              <a:schemeClr val="tx1"/>
+            </a:solidFill>
+          </a:ln>
+        </p:spPr>
+        <p:style>
+          <a:lnRef idx="2">
+            <a:schemeClr val="accent1">
+              <a:shade val="50000"/>
+            </a:schemeClr>
+          </a:lnRef>
+          <a:fillRef idx="1">
+            <a:schemeClr val="accent1"/>
+          </a:fillRef>
+          <a:effectRef idx="0">
+            <a:schemeClr val="accent1"/>
+          </a:effectRef>
+          <a:fontRef idx="minor">
+            <a:schemeClr val="lt1"/>
+          </a:fontRef>
+        </p:style>
+        <p:txBody>
+          <a:bodyPr rtlCol="0" anchor="ctr"/>
+          <a:lstStyle/>
+          <a:p>
+            <a:pPr algn="ctr"/>
+            <a:r>
+              <a:rPr lang="en-CA" sz="8800" dirty="0" smtClean="0">
+                <a:solidFill>
+                  <a:schemeClr val="tx1"/>
+                </a:solidFill>
+              </a:rPr>
+              <a:t>E</a:t>
+            </a:r>
+            <a:r>
+              <a:rPr lang="en-CA" sz="4000" baseline="-25000" dirty="0" smtClean="0">
+                <a:solidFill>
+                  <a:schemeClr val="tx1"/>
+                </a:solidFill>
+              </a:rPr>
+              <a:t>e</a:t>
+            </a:r>
+            <a:endParaRPr lang="en-CA" sz="8800" baseline="-25000" dirty="0">
+              <a:solidFill>
+                <a:schemeClr val="tx1"/>
+              </a:solidFill>
+            </a:endParaRPr>
+          </a:p>
+        </p:txBody>
+      </p:sp>
+      <p:sp>
+        <p:nvSpPr>
+          <p:cNvPr id="9" name="Rounded Rectangle 8"/>
+          <p:cNvSpPr/>
+          <p:nvPr/>
+        </p:nvSpPr>
+        <p:spPr>
+          <a:xfrm>
+            <a:off x="685800" y="3199491"/>
+            <a:ext cx="1080000" cy="1080000"/>
+          </a:xfrm>
+          <a:prstGeom prst="roundRect">
+            <a:avLst/>
+          </a:prstGeom>
+          <a:noFill/>
+          <a:ln>
+            <a:solidFill>
+              <a:schemeClr val="tx1"/>
+            </a:solidFill>
+          </a:ln>
+        </p:spPr>
+        <p:style>
+          <a:lnRef idx="2">
+            <a:schemeClr val="accent1">
+              <a:shade val="50000"/>
+            </a:schemeClr>
+          </a:lnRef>
+          <a:fillRef idx="1">
+            <a:schemeClr val="accent1"/>
+          </a:fillRef>
+          <a:effectRef idx="0">
+            <a:schemeClr val="accent1"/>
+          </a:effectRef>
+          <a:fontRef idx="minor">
+            <a:schemeClr val="lt1"/>
+          </a:fontRef>
+        </p:style>
+        <p:txBody>
+          <a:bodyPr rtlCol="0" anchor="ctr"/>
+          <a:lstStyle/>
+          <a:p>
+            <a:pPr algn="ctr"/>
+            <a:r>
+              <a:rPr lang="en-CA" sz="8800" dirty="0" smtClean="0">
+                <a:solidFill>
+                  <a:schemeClr val="tx1"/>
+                </a:solidFill>
+              </a:rPr>
+              <a:t>S</a:t>
+            </a:r>
+            <a:r>
+              <a:rPr lang="en-CA" sz="4000" baseline="-25000" dirty="0" smtClean="0">
+                <a:solidFill>
+                  <a:schemeClr val="tx1"/>
+                </a:solidFill>
+              </a:rPr>
+              <a:t>e</a:t>
+            </a:r>
+            <a:endParaRPr lang="en-CA" sz="4000" baseline="-25000" dirty="0">
+              <a:solidFill>
+                <a:schemeClr val="tx1"/>
+              </a:solidFill>
+            </a:endParaRPr>
+          </a:p>
+        </p:txBody>
+      </p:sp>
+      <p:sp>
+        <p:nvSpPr>
+          <p:cNvPr id="10" name="Rounded Rectangle 9"/>
+          <p:cNvSpPr/>
+          <p:nvPr/>
+        </p:nvSpPr>
+        <p:spPr>
+          <a:xfrm>
+            <a:off x="2743200" y="1200150"/>
+            <a:ext cx="1080000" cy="1080000"/>
+          </a:xfrm>
+          <a:prstGeom prst="roundRect">
+            <a:avLst/>
+          </a:prstGeom>
+          <a:noFill/>
+          <a:ln>
+            <a:solidFill>
+              <a:schemeClr val="tx1"/>
+            </a:solidFill>
+          </a:ln>
+        </p:spPr>
+        <p:style>
+          <a:lnRef idx="2">
+            <a:schemeClr val="accent1">
+              <a:shade val="50000"/>
+            </a:schemeClr>
+          </a:lnRef>
+          <a:fillRef idx="1">
+            <a:schemeClr val="accent1"/>
+          </a:fillRef>
+          <a:effectRef idx="0">
+            <a:schemeClr val="accent1"/>
+          </a:effectRef>
+          <a:fontRef idx="minor">
+            <a:schemeClr val="lt1"/>
+          </a:fontRef>
+        </p:style>
+        <p:txBody>
+          <a:bodyPr rtlCol="0" anchor="ctr"/>
+          <a:lstStyle/>
+          <a:p>
+            <a:pPr algn="ctr"/>
+            <a:r>
+              <a:rPr lang="en-CA" sz="8800" dirty="0">
+                <a:solidFill>
+                  <a:schemeClr val="tx1"/>
+                </a:solidFill>
+              </a:rPr>
+              <a:t>E</a:t>
+            </a:r>
+          </a:p>
+        </p:txBody>
+      </p:sp>
+      <p:sp>
+        <p:nvSpPr>
+          <p:cNvPr id="11" name="Rounded Rectangle 10"/>
+          <p:cNvSpPr/>
+          <p:nvPr/>
+        </p:nvSpPr>
+        <p:spPr>
+          <a:xfrm>
+            <a:off x="4800600" y="1200150"/>
+            <a:ext cx="1080000" cy="1080000"/>
+          </a:xfrm>
+          <a:prstGeom prst="roundRect">
+            <a:avLst/>
+          </a:prstGeom>
+          <a:noFill/>
+          <a:ln>
+            <a:solidFill>
+              <a:schemeClr val="tx1"/>
+            </a:solidFill>
+          </a:ln>
+        </p:spPr>
+        <p:style>
+          <a:lnRef idx="2">
+            <a:schemeClr val="accent1">
+              <a:shade val="50000"/>
+            </a:schemeClr>
+          </a:lnRef>
+          <a:fillRef idx="1">
+            <a:schemeClr val="accent1"/>
+          </a:fillRef>
+          <a:effectRef idx="0">
+            <a:schemeClr val="accent1"/>
+          </a:effectRef>
+          <a:fontRef idx="minor">
+            <a:schemeClr val="lt1"/>
+          </a:fontRef>
+        </p:style>
+        <p:txBody>
+          <a:bodyPr rtlCol="0" anchor="ctr"/>
+          <a:lstStyle/>
+          <a:p>
+            <a:pPr algn="ctr"/>
+            <a:r>
+              <a:rPr lang="en-CA" sz="8800" dirty="0">
+                <a:solidFill>
+                  <a:schemeClr val="tx1"/>
+                </a:solidFill>
+              </a:rPr>
+              <a:t>I</a:t>
+            </a:r>
+          </a:p>
+        </p:txBody>
+      </p:sp>
+      <p:sp>
+        <p:nvSpPr>
+          <p:cNvPr id="12" name="Rounded Rectangle 11"/>
+          <p:cNvSpPr/>
+          <p:nvPr/>
+        </p:nvSpPr>
+        <p:spPr>
+          <a:xfrm>
+            <a:off x="6858000" y="1200150"/>
+            <a:ext cx="1080000" cy="1080000"/>
+          </a:xfrm>
+          <a:prstGeom prst="roundRect">
+            <a:avLst/>
+          </a:prstGeom>
+          <a:noFill/>
+          <a:ln>
+            <a:solidFill>
+              <a:schemeClr val="tx1"/>
+            </a:solidFill>
+          </a:ln>
+        </p:spPr>
+        <p:style>
+          <a:lnRef idx="2">
+            <a:schemeClr val="accent1">
+              <a:shade val="50000"/>
+            </a:schemeClr>
+          </a:lnRef>
+          <a:fillRef idx="1">
+            <a:schemeClr val="accent1"/>
+          </a:fillRef>
+          <a:effectRef idx="0">
+            <a:schemeClr val="accent1"/>
+          </a:effectRef>
+          <a:fontRef idx="minor">
+            <a:schemeClr val="lt1"/>
+          </a:fontRef>
+        </p:style>
+        <p:txBody>
+          <a:bodyPr rtlCol="0" anchor="ctr"/>
+          <a:lstStyle/>
+          <a:p>
+            <a:pPr algn="ctr"/>
+            <a:r>
+              <a:rPr lang="en-CA" sz="8800" dirty="0">
+                <a:solidFill>
+                  <a:schemeClr val="tx1"/>
+                </a:solidFill>
+              </a:rPr>
+              <a:t>R</a:t>
+            </a:r>
+          </a:p>
+        </p:txBody>
+      </p:sp>
+      <p:cxnSp>
+        <p:nvCxnSpPr>
+          <p:cNvPr id="13" name="Straight Arrow Connector 12"/>
+          <p:cNvCxnSpPr>
+            <a:stCxn id="3" idx="3"/>
+            <a:endCxn id="10" idx="1"/>
+          </p:cNvCxnSpPr>
+          <p:nvPr/>
+        </p:nvCxnSpPr>
+        <p:spPr>
+          <a:xfrm>
+            <a:off x="1765800" y="1740150"/>
+            <a:ext cx="977400" cy="0"/>
+          </a:xfrm>
+          <a:prstGeom prst="straightConnector1">
+            <a:avLst/>
+          </a:prstGeom>
+          <a:ln>
+            <a:tailEnd type="arrow"/>
+          </a:ln>
+        </p:spPr>
+        <p:style>
+          <a:lnRef idx="1">
+            <a:schemeClr val="dk1"/>
+          </a:lnRef>
+          <a:fillRef idx="0">
+            <a:schemeClr val="dk1"/>
+          </a:fillRef>
+          <a:effectRef idx="0">
+            <a:schemeClr val="dk1"/>
+          </a:effectRef>
+          <a:fontRef idx="minor">
+            <a:schemeClr val="tx1"/>
+          </a:fontRef>
+        </p:style>
+      </p:cxnSp>
+      <p:cxnSp>
+        <p:nvCxnSpPr>
+          <p:cNvPr id="14" name="Straight Arrow Connector 13"/>
+          <p:cNvCxnSpPr>
+            <a:stCxn id="11" idx="2"/>
+            <a:endCxn id="6" idx="0"/>
+          </p:cNvCxnSpPr>
+          <p:nvPr/>
+        </p:nvCxnSpPr>
+        <p:spPr>
+          <a:xfrm>
+            <a:off x="5340600" y="2280150"/>
+            <a:ext cx="0" cy="919341"/>
+          </a:xfrm>
+          <a:prstGeom prst="straightConnector1">
+            <a:avLst/>
+          </a:prstGeom>
+          <a:ln>
+            <a:tailEnd type="arrow"/>
+          </a:ln>
+        </p:spPr>
+        <p:style>
+          <a:lnRef idx="1">
+            <a:schemeClr val="dk1"/>
+          </a:lnRef>
+          <a:fillRef idx="0">
+            <a:schemeClr val="dk1"/>
+          </a:fillRef>
+          <a:effectRef idx="0">
+            <a:schemeClr val="dk1"/>
+          </a:effectRef>
+          <a:fontRef idx="minor">
+            <a:schemeClr val="tx1"/>
+          </a:fontRef>
+        </p:style>
+      </p:cxnSp>
+      <p:cxnSp>
+        <p:nvCxnSpPr>
+          <p:cNvPr id="15" name="Straight Arrow Connector 14"/>
+          <p:cNvCxnSpPr>
+            <a:stCxn id="10" idx="2"/>
+            <a:endCxn id="8" idx="0"/>
+          </p:cNvCxnSpPr>
+          <p:nvPr/>
+        </p:nvCxnSpPr>
+        <p:spPr>
+          <a:xfrm>
+            <a:off x="3283200" y="2280150"/>
+            <a:ext cx="556" cy="919341"/>
+          </a:xfrm>
+          <a:prstGeom prst="straightConnector1">
+            <a:avLst/>
+          </a:prstGeom>
+          <a:ln>
+            <a:tailEnd type="arrow"/>
+          </a:ln>
+        </p:spPr>
+        <p:style>
+          <a:lnRef idx="1">
+            <a:schemeClr val="dk1"/>
+          </a:lnRef>
+          <a:fillRef idx="0">
+            <a:schemeClr val="dk1"/>
+          </a:fillRef>
+          <a:effectRef idx="0">
+            <a:schemeClr val="dk1"/>
+          </a:effectRef>
+          <a:fontRef idx="minor">
+            <a:schemeClr val="tx1"/>
+          </a:fontRef>
+        </p:style>
+      </p:cxnSp>
+      <p:cxnSp>
+        <p:nvCxnSpPr>
+          <p:cNvPr id="16" name="Straight Arrow Connector 15"/>
+          <p:cNvCxnSpPr>
+            <a:stCxn id="3" idx="2"/>
+            <a:endCxn id="9" idx="0"/>
+          </p:cNvCxnSpPr>
+          <p:nvPr/>
+        </p:nvCxnSpPr>
+        <p:spPr>
+          <a:xfrm>
+            <a:off x="1225800" y="2280150"/>
+            <a:ext cx="0" cy="919341"/>
+          </a:xfrm>
+          <a:prstGeom prst="straightConnector1">
+            <a:avLst/>
+          </a:prstGeom>
+          <a:ln>
+            <a:tailEnd type="arrow"/>
+          </a:ln>
+        </p:spPr>
+        <p:style>
+          <a:lnRef idx="1">
+            <a:schemeClr val="dk1"/>
+          </a:lnRef>
+          <a:fillRef idx="0">
+            <a:schemeClr val="dk1"/>
+          </a:fillRef>
+          <a:effectRef idx="0">
+            <a:schemeClr val="dk1"/>
+          </a:effectRef>
+          <a:fontRef idx="minor">
+            <a:schemeClr val="tx1"/>
+          </a:fontRef>
+        </p:style>
+      </p:cxnSp>
+      <p:cxnSp>
+        <p:nvCxnSpPr>
+          <p:cNvPr id="17" name="Straight Arrow Connector 16"/>
+          <p:cNvCxnSpPr/>
+          <p:nvPr/>
+        </p:nvCxnSpPr>
+        <p:spPr>
+          <a:xfrm>
+            <a:off x="3823200" y="3728710"/>
+            <a:ext cx="977400" cy="0"/>
+          </a:xfrm>
+          <a:prstGeom prst="straightConnector1">
+            <a:avLst/>
+          </a:prstGeom>
+          <a:ln>
+            <a:tailEnd type="arrow"/>
+          </a:ln>
+        </p:spPr>
+        <p:style>
+          <a:lnRef idx="1">
+            <a:schemeClr val="dk1"/>
+          </a:lnRef>
+          <a:fillRef idx="0">
+            <a:schemeClr val="dk1"/>
+          </a:fillRef>
+          <a:effectRef idx="0">
+            <a:schemeClr val="dk1"/>
+          </a:effectRef>
+          <a:fontRef idx="minor">
+            <a:schemeClr val="tx1"/>
+          </a:fontRef>
+        </p:style>
+      </p:cxnSp>
+      <p:cxnSp>
+        <p:nvCxnSpPr>
+          <p:cNvPr id="18" name="Straight Arrow Connector 17"/>
+          <p:cNvCxnSpPr/>
+          <p:nvPr/>
+        </p:nvCxnSpPr>
+        <p:spPr>
+          <a:xfrm>
+            <a:off x="1765800" y="3739491"/>
+            <a:ext cx="977400" cy="0"/>
+          </a:xfrm>
+          <a:prstGeom prst="straightConnector1">
+            <a:avLst/>
+          </a:prstGeom>
+          <a:ln>
+            <a:tailEnd type="arrow"/>
+          </a:ln>
+        </p:spPr>
+        <p:style>
+          <a:lnRef idx="1">
+            <a:schemeClr val="dk1"/>
+          </a:lnRef>
+          <a:fillRef idx="0">
+            <a:schemeClr val="dk1"/>
+          </a:fillRef>
+          <a:effectRef idx="0">
+            <a:schemeClr val="dk1"/>
+          </a:effectRef>
+          <a:fontRef idx="minor">
+            <a:schemeClr val="tx1"/>
+          </a:fontRef>
+        </p:style>
+      </p:cxnSp>
+      <p:cxnSp>
+        <p:nvCxnSpPr>
+          <p:cNvPr id="19" name="Straight Arrow Connector 18"/>
+          <p:cNvCxnSpPr/>
+          <p:nvPr/>
+        </p:nvCxnSpPr>
+        <p:spPr>
+          <a:xfrm>
+            <a:off x="3823200" y="1794519"/>
+            <a:ext cx="977400" cy="0"/>
+          </a:xfrm>
+          <a:prstGeom prst="straightConnector1">
+            <a:avLst/>
+          </a:prstGeom>
+          <a:ln>
+            <a:tailEnd type="arrow"/>
+          </a:ln>
+        </p:spPr>
+        <p:style>
+          <a:lnRef idx="1">
+            <a:schemeClr val="dk1"/>
+          </a:lnRef>
+          <a:fillRef idx="0">
+            <a:schemeClr val="dk1"/>
+          </a:fillRef>
+          <a:effectRef idx="0">
+            <a:schemeClr val="dk1"/>
+          </a:effectRef>
+          <a:fontRef idx="minor">
+            <a:schemeClr val="tx1"/>
+          </a:fontRef>
+        </p:style>
+      </p:cxnSp>
+      <p:cxnSp>
+        <p:nvCxnSpPr>
+          <p:cNvPr id="20" name="Straight Arrow Connector 19"/>
+          <p:cNvCxnSpPr/>
+          <p:nvPr/>
+        </p:nvCxnSpPr>
+        <p:spPr>
+          <a:xfrm>
+            <a:off x="5880600" y="1809750"/>
+            <a:ext cx="977400" cy="0"/>
+          </a:xfrm>
+          <a:prstGeom prst="straightConnector1">
+            <a:avLst/>
+          </a:prstGeom>
+          <a:ln>
+            <a:tailEnd type="arrow"/>
+          </a:ln>
+        </p:spPr>
+        <p:style>
+          <a:lnRef idx="1">
+            <a:schemeClr val="dk1"/>
+          </a:lnRef>
+          <a:fillRef idx="0">
+            <a:schemeClr val="dk1"/>
+          </a:fillRef>
+          <a:effectRef idx="0">
+            <a:schemeClr val="dk1"/>
+          </a:effectRef>
+          <a:fontRef idx="minor">
+            <a:schemeClr val="tx1"/>
+          </a:fontRef>
+        </p:style>
+      </p:cxnSp>
+      <p:cxnSp>
+        <p:nvCxnSpPr>
+          <p:cNvPr id="21" name="Straight Arrow Connector 20"/>
+          <p:cNvCxnSpPr>
+            <a:endCxn id="12" idx="2"/>
+          </p:cNvCxnSpPr>
+          <p:nvPr/>
+        </p:nvCxnSpPr>
+        <p:spPr>
+          <a:xfrm flipV="1">
+            <a:off x="5880600" y="2280150"/>
+            <a:ext cx="1517400" cy="1448560"/>
+          </a:xfrm>
+          <a:prstGeom prst="straightConnector1">
+            <a:avLst/>
+          </a:prstGeom>
+          <a:ln>
+            <a:tailEnd type="arrow"/>
+          </a:ln>
+        </p:spPr>
+        <p:style>
+          <a:lnRef idx="1">
+            <a:schemeClr val="dk1"/>
+          </a:lnRef>
+          <a:fillRef idx="0">
+            <a:schemeClr val="dk1"/>
+          </a:fillRef>
+          <a:effectRef idx="0">
+            <a:schemeClr val="dk1"/>
+          </a:effectRef>
+          <a:fontRef idx="minor">
+            <a:schemeClr val="tx1"/>
+          </a:fontRef>
+        </p:style>
+      </p:cxnSp>
+      <p:sp>
+        <p:nvSpPr>
+          <p:cNvPr id="29" name="TextBox 28"/>
+          <p:cNvSpPr txBox="1"/>
+          <p:nvPr/>
+        </p:nvSpPr>
+        <p:spPr>
+          <a:xfrm>
+            <a:off x="2057400" y="1504950"/>
+            <a:ext cx="381000" cy="276999"/>
+          </a:xfrm>
+          <a:prstGeom prst="rect">
+            <a:avLst/>
+          </a:prstGeom>
+          <a:noFill/>
+        </p:spPr>
+        <p:txBody>
+          <a:bodyPr wrap="square" rtlCol="0">
+            <a:spAutoFit/>
+          </a:bodyPr>
+          <a:lstStyle/>
+          <a:p>
+            <a:r>
+              <a:rPr lang="el-GR" sz="1200" dirty="0" smtClean="0"/>
+              <a:t>β</a:t>
+            </a:r>
+            <a:r>
+              <a:rPr lang="en-CA" sz="1200" dirty="0" smtClean="0"/>
+              <a:t>SI</a:t>
+            </a:r>
+            <a:endParaRPr lang="en-CA" sz="1200" dirty="0"/>
+          </a:p>
+        </p:txBody>
+      </p:sp>
+      <p:sp>
+        <p:nvSpPr>
+          <p:cNvPr id="30" name="TextBox 29"/>
+          <p:cNvSpPr txBox="1"/>
+          <p:nvPr/>
+        </p:nvSpPr>
+        <p:spPr>
+          <a:xfrm>
+            <a:off x="1295400" y="2601320"/>
+            <a:ext cx="381000" cy="276999"/>
+          </a:xfrm>
+          <a:prstGeom prst="rect">
+            <a:avLst/>
+          </a:prstGeom>
+          <a:noFill/>
+        </p:spPr>
+        <p:txBody>
+          <a:bodyPr wrap="square" rtlCol="0">
+            <a:spAutoFit/>
+          </a:bodyPr>
+          <a:lstStyle/>
+          <a:p>
+            <a:r>
+              <a:rPr lang="el-GR" sz="1200" dirty="0" smtClean="0"/>
+              <a:t>α</a:t>
+            </a:r>
+            <a:r>
+              <a:rPr lang="en-CA" sz="1200" dirty="0" smtClean="0"/>
+              <a:t>S</a:t>
+            </a:r>
+            <a:endParaRPr lang="en-CA" sz="1200" dirty="0"/>
+          </a:p>
+        </p:txBody>
+      </p:sp>
+      <p:sp>
+        <p:nvSpPr>
+          <p:cNvPr id="31" name="TextBox 30"/>
+          <p:cNvSpPr txBox="1"/>
+          <p:nvPr/>
+        </p:nvSpPr>
+        <p:spPr>
+          <a:xfrm>
+            <a:off x="2819400" y="2629121"/>
+            <a:ext cx="381000" cy="276999"/>
+          </a:xfrm>
+          <a:prstGeom prst="rect">
+            <a:avLst/>
+          </a:prstGeom>
+          <a:noFill/>
+        </p:spPr>
+        <p:txBody>
+          <a:bodyPr wrap="square" rtlCol="0">
+            <a:spAutoFit/>
+          </a:bodyPr>
+          <a:lstStyle/>
+          <a:p>
+            <a:r>
+              <a:rPr lang="el-GR" sz="1200" dirty="0" smtClean="0"/>
+              <a:t>α</a:t>
+            </a:r>
+            <a:r>
+              <a:rPr lang="en-CA" sz="1200" dirty="0"/>
+              <a:t>E</a:t>
+            </a:r>
+          </a:p>
+        </p:txBody>
+      </p:sp>
+      <p:sp>
+        <p:nvSpPr>
+          <p:cNvPr id="32" name="TextBox 31"/>
+          <p:cNvSpPr txBox="1"/>
+          <p:nvPr/>
+        </p:nvSpPr>
+        <p:spPr>
+          <a:xfrm>
+            <a:off x="4926228" y="2629121"/>
+            <a:ext cx="381000" cy="276999"/>
+          </a:xfrm>
+          <a:prstGeom prst="rect">
+            <a:avLst/>
+          </a:prstGeom>
+          <a:noFill/>
+        </p:spPr>
+        <p:txBody>
+          <a:bodyPr wrap="square" rtlCol="0">
+            <a:spAutoFit/>
+          </a:bodyPr>
+          <a:lstStyle/>
+          <a:p>
+            <a:r>
+              <a:rPr lang="el-GR" sz="1200" dirty="0" smtClean="0"/>
+              <a:t>α</a:t>
+            </a:r>
+            <a:r>
+              <a:rPr lang="en-CA" sz="1200" dirty="0"/>
+              <a:t>I</a:t>
+            </a:r>
+          </a:p>
+        </p:txBody>
+      </p:sp>
+      <p:sp>
+        <p:nvSpPr>
+          <p:cNvPr id="33" name="TextBox 32"/>
+          <p:cNvSpPr txBox="1"/>
+          <p:nvPr/>
+        </p:nvSpPr>
+        <p:spPr>
+          <a:xfrm>
+            <a:off x="4121400" y="1517520"/>
+            <a:ext cx="381000" cy="276999"/>
+          </a:xfrm>
+          <a:prstGeom prst="rect">
+            <a:avLst/>
+          </a:prstGeom>
+          <a:noFill/>
+        </p:spPr>
+        <p:txBody>
+          <a:bodyPr wrap="square" rtlCol="0">
+            <a:spAutoFit/>
+          </a:bodyPr>
+          <a:lstStyle/>
+          <a:p>
+            <a:r>
+              <a:rPr lang="el-GR" sz="1200" dirty="0" smtClean="0"/>
+              <a:t>σ</a:t>
+            </a:r>
+            <a:r>
+              <a:rPr lang="en-CA" sz="1200" dirty="0" smtClean="0"/>
+              <a:t>E</a:t>
+            </a:r>
+            <a:endParaRPr lang="en-CA" sz="1200" dirty="0"/>
+          </a:p>
+        </p:txBody>
+      </p:sp>
+      <p:sp>
+        <p:nvSpPr>
+          <p:cNvPr id="34" name="TextBox 33"/>
+          <p:cNvSpPr txBox="1"/>
+          <p:nvPr/>
+        </p:nvSpPr>
+        <p:spPr>
+          <a:xfrm>
+            <a:off x="6178800" y="1502672"/>
+            <a:ext cx="381000" cy="276999"/>
+          </a:xfrm>
+          <a:prstGeom prst="rect">
+            <a:avLst/>
+          </a:prstGeom>
+          <a:noFill/>
+        </p:spPr>
+        <p:txBody>
+          <a:bodyPr wrap="square" rtlCol="0">
+            <a:spAutoFit/>
+          </a:bodyPr>
+          <a:lstStyle/>
+          <a:p>
+            <a:r>
+              <a:rPr lang="el-GR" sz="1200" dirty="0"/>
+              <a:t>γ</a:t>
+            </a:r>
+            <a:r>
+              <a:rPr lang="en-CA" sz="1200" dirty="0" smtClean="0"/>
+              <a:t>I</a:t>
+            </a:r>
+            <a:endParaRPr lang="en-CA" sz="1200" dirty="0"/>
+          </a:p>
+        </p:txBody>
+      </p:sp>
+      <p:sp>
+        <p:nvSpPr>
+          <p:cNvPr id="35" name="TextBox 34"/>
+          <p:cNvSpPr txBox="1"/>
+          <p:nvPr/>
+        </p:nvSpPr>
+        <p:spPr>
+          <a:xfrm>
+            <a:off x="4112944" y="3451711"/>
+            <a:ext cx="459055" cy="276999"/>
+          </a:xfrm>
+          <a:prstGeom prst="rect">
+            <a:avLst/>
+          </a:prstGeom>
+          <a:noFill/>
+        </p:spPr>
+        <p:txBody>
+          <a:bodyPr wrap="square" rtlCol="0">
+            <a:spAutoFit/>
+          </a:bodyPr>
+          <a:lstStyle/>
+          <a:p>
+            <a:r>
+              <a:rPr lang="el-GR" sz="1200" dirty="0" smtClean="0"/>
+              <a:t>σ</a:t>
+            </a:r>
+            <a:r>
+              <a:rPr lang="en-CA" sz="1200" dirty="0"/>
+              <a:t>E</a:t>
+            </a:r>
+            <a:r>
+              <a:rPr lang="en-CA" sz="1200" baseline="-25000" dirty="0" smtClean="0"/>
+              <a:t>e</a:t>
+            </a:r>
+            <a:endParaRPr lang="en-CA" sz="1200" baseline="-25000" dirty="0"/>
+          </a:p>
+        </p:txBody>
+      </p:sp>
+      <p:sp>
+        <p:nvSpPr>
+          <p:cNvPr id="36" name="TextBox 35"/>
+          <p:cNvSpPr txBox="1"/>
+          <p:nvPr/>
+        </p:nvSpPr>
+        <p:spPr>
+          <a:xfrm>
+            <a:off x="6276099" y="2769250"/>
+            <a:ext cx="381000" cy="276999"/>
+          </a:xfrm>
+          <a:prstGeom prst="rect">
+            <a:avLst/>
+          </a:prstGeom>
+          <a:noFill/>
+        </p:spPr>
+        <p:txBody>
+          <a:bodyPr wrap="square" rtlCol="0">
+            <a:spAutoFit/>
+          </a:bodyPr>
+          <a:lstStyle/>
+          <a:p>
+            <a:r>
+              <a:rPr lang="el-GR" sz="1200" dirty="0"/>
+              <a:t>γ</a:t>
+            </a:r>
+            <a:r>
+              <a:rPr lang="en-CA" sz="1200" dirty="0" smtClean="0"/>
+              <a:t>I</a:t>
+            </a:r>
+            <a:r>
+              <a:rPr lang="en-CA" sz="1200" baseline="-25000" dirty="0" smtClean="0"/>
+              <a:t>e</a:t>
+            </a:r>
+            <a:endParaRPr lang="en-CA" sz="1200" baseline="-25000" dirty="0"/>
+          </a:p>
+        </p:txBody>
+      </p:sp>
+      <p:sp>
+        <p:nvSpPr>
+          <p:cNvPr id="37" name="TextBox 36"/>
+          <p:cNvSpPr txBox="1"/>
+          <p:nvPr/>
+        </p:nvSpPr>
+        <p:spPr>
+          <a:xfrm>
+            <a:off x="1975452" y="3465611"/>
+            <a:ext cx="615348" cy="276999"/>
+          </a:xfrm>
+          <a:prstGeom prst="rect">
+            <a:avLst/>
+          </a:prstGeom>
+          <a:noFill/>
+        </p:spPr>
+        <p:txBody>
+          <a:bodyPr wrap="square" rtlCol="0">
+            <a:spAutoFit/>
+          </a:bodyPr>
+          <a:lstStyle/>
+          <a:p>
+            <a:r>
+              <a:rPr lang="el-GR" sz="1200" dirty="0" smtClean="0"/>
+              <a:t>β</a:t>
+            </a:r>
+            <a:r>
+              <a:rPr lang="en-CA" sz="1200" baseline="-25000" dirty="0" smtClean="0"/>
+              <a:t>e</a:t>
+            </a:r>
+            <a:r>
+              <a:rPr lang="en-CA" sz="1200" dirty="0" smtClean="0"/>
+              <a:t>E</a:t>
+            </a:r>
+            <a:r>
+              <a:rPr lang="en-CA" sz="1200" baseline="-25000" dirty="0" smtClean="0"/>
+              <a:t>e</a:t>
+            </a:r>
+            <a:r>
+              <a:rPr lang="en-CA" sz="1200" dirty="0" smtClean="0"/>
+              <a:t>I</a:t>
+            </a:r>
+            <a:endParaRPr lang="en-CA" sz="1200" baseline="-25000" dirty="0"/>
+          </a:p>
+        </p:txBody>
+      </p:sp>
+    </p:spTree>
+    <p:extLst>
+      <p:ext uri="{BB962C8B-B14F-4D97-AF65-F5344CB8AC3E}">
+        <p14:creationId xmlns:p14="http://schemas.microsoft.com/office/powerpoint/2010/main" val="1297351768"/>
+      </p:ext>
+    </p:extLst>
+  </p:cSld>
+  <p:clrMapOvr>
+    <a:masterClrMapping/>
+  </p:clrMapOvr>
+</p:sld>
+</file>
+
+<file path=ppt/slides/slide17.xml><?xml version="1.0" encoding="utf-8"?>
+<p:sld xmlns:a="http://schemas.openxmlformats.org/drawingml/2006/main" xmlns:r="http://schemas.openxmlformats.org/officeDocument/2006/relationships" xmlns:p="http://schemas.openxmlformats.org/presentationml/2006/main">
+  <p:cSld>
+    <p:spTree>
+      <p:nvGrpSpPr>
+        <p:cNvPr id="1" name=""/>
+        <p:cNvGrpSpPr/>
+        <p:nvPr/>
+      </p:nvGrpSpPr>
+      <p:grpSpPr>
+        <a:xfrm>
+          <a:off x="0" y="0"/>
+          <a:ext cx="0" cy="0"/>
+          <a:chOff x="0" y="0"/>
+          <a:chExt cx="0" cy="0"/>
+        </a:xfrm>
+      </p:grpSpPr>
+      <p:sp>
+        <p:nvSpPr>
+          <p:cNvPr id="2" name="object 2"/>
+          <p:cNvSpPr txBox="1">
+            <a:spLocks noGrp="1"/>
+          </p:cNvSpPr>
+          <p:nvPr>
+            <p:ph type="title"/>
+          </p:nvPr>
+        </p:nvSpPr>
+        <p:spPr>
+          <a:xfrm>
+            <a:off x="331250" y="250726"/>
+            <a:ext cx="8812750" cy="597599"/>
+          </a:xfrm>
+          <a:prstGeom prst="rect">
+            <a:avLst/>
+          </a:prstGeom>
+        </p:spPr>
+        <p:txBody>
+          <a:bodyPr vert="horz" wrap="square" lIns="0" tIns="12700" rIns="0" bIns="0" rtlCol="0">
+            <a:spAutoFit/>
+          </a:bodyPr>
+          <a:lstStyle/>
+          <a:p>
+            <a:pPr marL="12700">
+              <a:lnSpc>
+                <a:spcPct val="100000"/>
+              </a:lnSpc>
+              <a:spcBef>
+                <a:spcPts val="100"/>
+              </a:spcBef>
+            </a:pPr>
+            <a:r>
+              <a:rPr lang="en-CA" sz="3800" spc="-35" dirty="0" smtClean="0">
+                <a:solidFill>
+                  <a:srgbClr val="F1CD00"/>
+                </a:solidFill>
+              </a:rPr>
+              <a:t>Appendix B: Variables and Parameters</a:t>
+            </a:r>
+            <a:endParaRPr sz="3800" dirty="0"/>
+          </a:p>
+        </p:txBody>
+      </p:sp>
+      <p:sp>
+        <p:nvSpPr>
+          <p:cNvPr id="7" name="object 7"/>
+          <p:cNvSpPr txBox="1">
+            <a:spLocks noGrp="1"/>
+          </p:cNvSpPr>
+          <p:nvPr>
+            <p:ph type="sldNum" sz="quarter" idx="7"/>
+          </p:nvPr>
+        </p:nvSpPr>
+        <p:spPr>
+          <a:prstGeom prst="rect">
+            <a:avLst/>
+          </a:prstGeom>
+        </p:spPr>
+        <p:txBody>
+          <a:bodyPr vert="horz" wrap="square" lIns="0" tIns="635" rIns="0" bIns="0" rtlCol="0">
+            <a:spAutoFit/>
+          </a:bodyPr>
+          <a:lstStyle/>
+          <a:p>
+            <a:pPr marL="38100">
+              <a:lnSpc>
+                <a:spcPct val="100000"/>
+              </a:lnSpc>
+              <a:spcBef>
+                <a:spcPts val="5"/>
+              </a:spcBef>
+            </a:pPr>
+            <a:fld id="{81D60167-4931-47E6-BA6A-407CBD079E47}" type="slidenum">
+              <a:rPr dirty="0"/>
+              <a:t>17</a:t>
+            </a:fld>
+            <a:endParaRPr dirty="0"/>
+          </a:p>
+        </p:txBody>
+      </p:sp>
+      <p:sp>
+        <p:nvSpPr>
           <p:cNvPr id="4" name="TextBox 3"/>
           <p:cNvSpPr txBox="1"/>
           <p:nvPr/>
         </p:nvSpPr>
         <p:spPr>
           <a:xfrm>
-            <a:off x="762000" y="1352550"/>
-            <a:ext cx="7620000" cy="1200329"/>
+            <a:off x="421603" y="1200150"/>
+            <a:ext cx="8153400" cy="3231654"/>
           </a:xfrm>
           <a:prstGeom prst="rect">
             <a:avLst/>
@@ -4003,51 +5460,714 @@
           <a:lstStyle/>
           <a:p>
             <a:r>
-              <a:rPr lang="en-CA" dirty="0" smtClean="0"/>
-              <a:t>To do:</a:t>
-            </a:r>
-          </a:p>
-          <a:p>
-            <a:pPr marL="285750" indent="-285750">
-              <a:buFont typeface="Arial" panose="020B0604020202020204" pitchFamily="34" charset="0"/>
-              <a:buChar char="•"/>
-            </a:pPr>
-            <a:r>
-              <a:rPr lang="en-CA" dirty="0" smtClean="0"/>
-              <a:t>Add any data or charts that are more technical in case we are asked about </a:t>
-            </a:r>
-            <a:r>
-              <a:rPr lang="en-CA" dirty="0" smtClean="0"/>
-              <a:t>it</a:t>
-            </a:r>
-          </a:p>
-          <a:p>
-            <a:pPr marL="285750" indent="-285750">
-              <a:buFont typeface="Arial" panose="020B0604020202020204" pitchFamily="34" charset="0"/>
-              <a:buChar char="•"/>
-            </a:pPr>
-            <a:r>
-              <a:rPr lang="en-CA" dirty="0" smtClean="0"/>
-              <a:t>Could include code</a:t>
-            </a:r>
-            <a:endParaRPr lang="en-CA" dirty="0" smtClean="0"/>
-          </a:p>
-          <a:p>
-            <a:pPr marL="285750" indent="-285750">
-              <a:buFont typeface="Arial" panose="020B0604020202020204" pitchFamily="34" charset="0"/>
-              <a:buChar char="•"/>
-            </a:pPr>
-            <a:r>
-              <a:rPr lang="en-CA" dirty="0" smtClean="0"/>
-              <a:t>Could include stability analysis</a:t>
-            </a:r>
+              <a:rPr lang="en-CA" sz="1200" dirty="0" smtClean="0"/>
+              <a:t>Population variables:</a:t>
+            </a:r>
+          </a:p>
+          <a:p>
+            <a:r>
+              <a:rPr lang="en-CA" sz="1200" dirty="0" smtClean="0"/>
+              <a:t>S – susceptible</a:t>
+            </a:r>
+          </a:p>
+          <a:p>
+            <a:r>
+              <a:rPr lang="en-CA" sz="1200" dirty="0" smtClean="0"/>
+              <a:t>S</a:t>
+            </a:r>
+            <a:r>
+              <a:rPr lang="en-CA" sz="1200" baseline="-25000" dirty="0" smtClean="0"/>
+              <a:t>e</a:t>
+            </a:r>
+            <a:r>
+              <a:rPr lang="en-CA" sz="1200" dirty="0" smtClean="0"/>
+              <a:t> – susceptible population that received educational intervention</a:t>
+            </a:r>
+            <a:endParaRPr lang="en-CA" sz="1200" baseline="-25000" dirty="0" smtClean="0"/>
+          </a:p>
+          <a:p>
+            <a:r>
+              <a:rPr lang="en-CA" sz="1200" dirty="0" smtClean="0"/>
+              <a:t>E – exposed</a:t>
+            </a:r>
+          </a:p>
+          <a:p>
+            <a:r>
+              <a:rPr lang="en-CA" sz="1200" dirty="0" smtClean="0"/>
+              <a:t>E</a:t>
+            </a:r>
+            <a:r>
+              <a:rPr lang="en-CA" sz="1200" baseline="-25000" dirty="0" smtClean="0"/>
+              <a:t>e </a:t>
+            </a:r>
+            <a:r>
+              <a:rPr lang="en-CA" sz="1200" dirty="0" smtClean="0"/>
+              <a:t>– exposed population that received educational intervention</a:t>
+            </a:r>
+          </a:p>
+          <a:p>
+            <a:r>
+              <a:rPr lang="en-CA" sz="1200" dirty="0" smtClean="0"/>
+              <a:t>I – Infected</a:t>
+            </a:r>
+          </a:p>
+          <a:p>
+            <a:r>
+              <a:rPr lang="en-CA" sz="1200" dirty="0" smtClean="0"/>
+              <a:t>I</a:t>
+            </a:r>
+            <a:r>
+              <a:rPr lang="en-CA" sz="1200" baseline="-25000" dirty="0" smtClean="0"/>
+              <a:t>e </a:t>
+            </a:r>
+            <a:r>
+              <a:rPr lang="en-CA" sz="1200" dirty="0"/>
+              <a:t>– </a:t>
+            </a:r>
+            <a:r>
+              <a:rPr lang="en-CA" sz="1200" dirty="0" smtClean="0"/>
+              <a:t>infected </a:t>
+            </a:r>
+            <a:r>
+              <a:rPr lang="en-CA" sz="1200" dirty="0"/>
+              <a:t>population that received educational </a:t>
+            </a:r>
+            <a:r>
+              <a:rPr lang="en-CA" sz="1200" dirty="0" smtClean="0"/>
+              <a:t>intervention</a:t>
+            </a:r>
+          </a:p>
+          <a:p>
+            <a:endParaRPr lang="en-CA" sz="1200" dirty="0"/>
+          </a:p>
+          <a:p>
+            <a:r>
+              <a:rPr lang="en-CA" sz="1200" dirty="0" smtClean="0"/>
+              <a:t>Parameters:</a:t>
+            </a:r>
+          </a:p>
+          <a:p>
+            <a:r>
+              <a:rPr lang="el-GR" sz="1200" dirty="0" smtClean="0"/>
+              <a:t>β</a:t>
+            </a:r>
+            <a:r>
+              <a:rPr lang="en-CA" sz="1200" dirty="0" smtClean="0"/>
+              <a:t> – infectious rate for susceptible population</a:t>
+            </a:r>
+          </a:p>
+          <a:p>
+            <a:r>
+              <a:rPr lang="el-GR" sz="1200" dirty="0" smtClean="0"/>
+              <a:t>β</a:t>
+            </a:r>
+            <a:r>
+              <a:rPr lang="en-CA" sz="1200" baseline="-25000" dirty="0" smtClean="0"/>
+              <a:t>e</a:t>
+            </a:r>
+            <a:r>
+              <a:rPr lang="en-CA" sz="1200" dirty="0" smtClean="0"/>
+              <a:t> </a:t>
+            </a:r>
+            <a:r>
+              <a:rPr lang="en-CA" sz="1200" dirty="0"/>
+              <a:t>– infectious rate for susceptible </a:t>
+            </a:r>
+            <a:r>
+              <a:rPr lang="en-CA" sz="1200" dirty="0" smtClean="0"/>
+              <a:t>population that received educational intervention</a:t>
+            </a:r>
+          </a:p>
+          <a:p>
+            <a:r>
+              <a:rPr lang="en-CA" sz="1200" dirty="0" smtClean="0"/>
+              <a:t>σ – exposed to infected rate</a:t>
+            </a:r>
+          </a:p>
+          <a:p>
+            <a:r>
+              <a:rPr lang="en-CA" sz="1200" dirty="0" smtClean="0"/>
+              <a:t>γ – recovery rate</a:t>
+            </a:r>
+          </a:p>
+          <a:p>
+            <a:r>
+              <a:rPr lang="en-CA" sz="1200" dirty="0" smtClean="0"/>
+              <a:t>α – education rate</a:t>
+            </a:r>
+          </a:p>
+          <a:p>
+            <a:endParaRPr lang="en-CA" sz="1200" dirty="0"/>
+          </a:p>
+          <a:p>
+            <a:endParaRPr lang="en-CA" sz="1200" dirty="0"/>
+          </a:p>
+          <a:p>
+            <a:endParaRPr lang="en-CA" sz="1200" dirty="0"/>
           </a:p>
         </p:txBody>
       </p:sp>
     </p:spTree>
     <p:extLst>
       <p:ext uri="{BB962C8B-B14F-4D97-AF65-F5344CB8AC3E}">
-        <p14:creationId xmlns:p14="http://schemas.microsoft.com/office/powerpoint/2010/main" val="1805261730"/>
+        <p14:creationId xmlns:p14="http://schemas.microsoft.com/office/powerpoint/2010/main" val="2648057209"/>
+      </p:ext>
+    </p:extLst>
+  </p:cSld>
+  <p:clrMapOvr>
+    <a:masterClrMapping/>
+  </p:clrMapOvr>
+</p:sld>
+</file>
+
+<file path=ppt/slides/slide18.xml><?xml version="1.0" encoding="utf-8"?>
+<p:sld xmlns:a="http://schemas.openxmlformats.org/drawingml/2006/main" xmlns:r="http://schemas.openxmlformats.org/officeDocument/2006/relationships" xmlns:p="http://schemas.openxmlformats.org/presentationml/2006/main">
+  <p:cSld>
+    <p:spTree>
+      <p:nvGrpSpPr>
+        <p:cNvPr id="1" name=""/>
+        <p:cNvGrpSpPr/>
+        <p:nvPr/>
+      </p:nvGrpSpPr>
+      <p:grpSpPr>
+        <a:xfrm>
+          <a:off x="0" y="0"/>
+          <a:ext cx="0" cy="0"/>
+          <a:chOff x="0" y="0"/>
+          <a:chExt cx="0" cy="0"/>
+        </a:xfrm>
+      </p:grpSpPr>
+      <p:sp>
+        <p:nvSpPr>
+          <p:cNvPr id="2" name="object 2"/>
+          <p:cNvSpPr txBox="1">
+            <a:spLocks noGrp="1"/>
+          </p:cNvSpPr>
+          <p:nvPr>
+            <p:ph type="title"/>
+          </p:nvPr>
+        </p:nvSpPr>
+        <p:spPr>
+          <a:xfrm>
+            <a:off x="331250" y="250726"/>
+            <a:ext cx="8812750" cy="597599"/>
+          </a:xfrm>
+          <a:prstGeom prst="rect">
+            <a:avLst/>
+          </a:prstGeom>
+        </p:spPr>
+        <p:txBody>
+          <a:bodyPr vert="horz" wrap="square" lIns="0" tIns="12700" rIns="0" bIns="0" rtlCol="0">
+            <a:spAutoFit/>
+          </a:bodyPr>
+          <a:lstStyle/>
+          <a:p>
+            <a:pPr marL="12700">
+              <a:lnSpc>
+                <a:spcPct val="100000"/>
+              </a:lnSpc>
+              <a:spcBef>
+                <a:spcPts val="100"/>
+              </a:spcBef>
+            </a:pPr>
+            <a:r>
+              <a:rPr lang="en-CA" sz="3800" spc="-35" dirty="0" smtClean="0">
+                <a:solidFill>
+                  <a:srgbClr val="F1CD00"/>
+                </a:solidFill>
+              </a:rPr>
+              <a:t>Appendix C: Assumptions</a:t>
+            </a:r>
+            <a:endParaRPr sz="3800" dirty="0"/>
+          </a:p>
+        </p:txBody>
+      </p:sp>
+      <p:sp>
+        <p:nvSpPr>
+          <p:cNvPr id="7" name="object 7"/>
+          <p:cNvSpPr txBox="1">
+            <a:spLocks noGrp="1"/>
+          </p:cNvSpPr>
+          <p:nvPr>
+            <p:ph type="sldNum" sz="quarter" idx="7"/>
+          </p:nvPr>
+        </p:nvSpPr>
+        <p:spPr>
+          <a:prstGeom prst="rect">
+            <a:avLst/>
+          </a:prstGeom>
+        </p:spPr>
+        <p:txBody>
+          <a:bodyPr vert="horz" wrap="square" lIns="0" tIns="635" rIns="0" bIns="0" rtlCol="0">
+            <a:spAutoFit/>
+          </a:bodyPr>
+          <a:lstStyle/>
+          <a:p>
+            <a:pPr marL="38100">
+              <a:lnSpc>
+                <a:spcPct val="100000"/>
+              </a:lnSpc>
+              <a:spcBef>
+                <a:spcPts val="5"/>
+              </a:spcBef>
+            </a:pPr>
+            <a:fld id="{81D60167-4931-47E6-BA6A-407CBD079E47}" type="slidenum">
+              <a:rPr dirty="0"/>
+              <a:t>18</a:t>
+            </a:fld>
+            <a:endParaRPr dirty="0"/>
+          </a:p>
+        </p:txBody>
+      </p:sp>
+      <p:sp>
+        <p:nvSpPr>
+          <p:cNvPr id="4" name="TextBox 3"/>
+          <p:cNvSpPr txBox="1"/>
+          <p:nvPr/>
+        </p:nvSpPr>
+        <p:spPr>
+          <a:xfrm>
+            <a:off x="421603" y="1200150"/>
+            <a:ext cx="8153400" cy="2862322"/>
+          </a:xfrm>
+          <a:prstGeom prst="rect">
+            <a:avLst/>
+          </a:prstGeom>
+          <a:noFill/>
+        </p:spPr>
+        <p:txBody>
+          <a:bodyPr wrap="square" rtlCol="0">
+            <a:spAutoFit/>
+          </a:bodyPr>
+          <a:lstStyle/>
+          <a:p>
+            <a:pPr marL="228600" indent="-228600">
+              <a:buAutoNum type="arabicPeriod"/>
+            </a:pPr>
+            <a:r>
+              <a:rPr lang="en-CA" sz="1200" dirty="0" smtClean="0"/>
+              <a:t>Horizontal transmission through direct contact with infected</a:t>
+            </a:r>
+          </a:p>
+          <a:p>
+            <a:pPr marL="228600" indent="-228600">
+              <a:buAutoNum type="arabicPeriod"/>
+            </a:pPr>
+            <a:r>
+              <a:rPr lang="en-CA" sz="1200" dirty="0" smtClean="0"/>
+              <a:t>Homogeneous individual mixing</a:t>
+            </a:r>
+          </a:p>
+          <a:p>
+            <a:pPr marL="228600" indent="-228600">
+              <a:buAutoNum type="arabicPeriod"/>
+            </a:pPr>
+            <a:r>
+              <a:rPr lang="en-CA" sz="1200" dirty="0" smtClean="0"/>
+              <a:t>Rate of transfer proportional to population size of compartment</a:t>
+            </a:r>
+          </a:p>
+          <a:p>
+            <a:pPr marL="228600" indent="-228600">
+              <a:buAutoNum type="arabicPeriod"/>
+            </a:pPr>
+            <a:r>
+              <a:rPr lang="en-CA" sz="1200" dirty="0" smtClean="0"/>
+              <a:t>Infected individuals have latency period</a:t>
+            </a:r>
+          </a:p>
+          <a:p>
+            <a:pPr marL="228600" indent="-228600">
+              <a:buAutoNum type="arabicPeriod"/>
+            </a:pPr>
+            <a:r>
+              <a:rPr lang="en-CA" sz="1200" dirty="0" smtClean="0"/>
+              <a:t>No acquired immunity</a:t>
+            </a:r>
+          </a:p>
+          <a:p>
+            <a:pPr marL="228600" indent="-228600">
+              <a:buAutoNum type="arabicPeriod"/>
+            </a:pPr>
+            <a:r>
+              <a:rPr lang="en-CA" sz="1200" dirty="0" smtClean="0"/>
+              <a:t>No input or output of individuals through birth, migration, or death</a:t>
+            </a:r>
+          </a:p>
+          <a:p>
+            <a:pPr marL="228600" indent="-228600">
+              <a:buAutoNum type="arabicPeriod"/>
+            </a:pPr>
+            <a:r>
+              <a:rPr lang="en-CA" sz="1200" dirty="0" smtClean="0"/>
+              <a:t>Educated infected individuals quarantine and do not infect others</a:t>
+            </a:r>
+          </a:p>
+          <a:p>
+            <a:pPr marL="228600" indent="-228600">
+              <a:buAutoNum type="arabicPeriod"/>
+            </a:pPr>
+            <a:r>
+              <a:rPr lang="en-CA" sz="1200" dirty="0" smtClean="0"/>
+              <a:t>Education rate is constant for each compartment</a:t>
+            </a:r>
+          </a:p>
+          <a:p>
+            <a:pPr marL="228600" indent="-228600">
+              <a:buAutoNum type="arabicPeriod"/>
+            </a:pPr>
+            <a:r>
+              <a:rPr lang="en-CA" sz="1200" dirty="0" smtClean="0"/>
+              <a:t>Recovery rate is constant for each infected compartment</a:t>
+            </a:r>
+          </a:p>
+          <a:p>
+            <a:pPr marL="228600" indent="-228600">
+              <a:buAutoNum type="arabicPeriod"/>
+            </a:pPr>
+            <a:r>
+              <a:rPr lang="en-CA" sz="1200" dirty="0" smtClean="0"/>
+              <a:t>Individuals represented in data are considered not educated</a:t>
+            </a:r>
+          </a:p>
+          <a:p>
+            <a:pPr marL="228600" indent="-228600">
+              <a:buAutoNum type="arabicPeriod"/>
+            </a:pPr>
+            <a:r>
+              <a:rPr lang="en-CA" sz="1200" dirty="0" smtClean="0"/>
+              <a:t>Effectiveness of educational interventions studied are comparable to proposed mpox intervention</a:t>
+            </a:r>
+          </a:p>
+          <a:p>
+            <a:pPr marL="228600" indent="-228600">
+              <a:buAutoNum type="arabicPeriod"/>
+            </a:pPr>
+            <a:r>
+              <a:rPr lang="en-CA" sz="1200" dirty="0" smtClean="0"/>
+              <a:t>There is no vaccine</a:t>
+            </a:r>
+          </a:p>
+          <a:p>
+            <a:pPr marL="228600" indent="-228600">
+              <a:buAutoNum type="arabicPeriod"/>
+            </a:pPr>
+            <a:endParaRPr lang="en-CA" sz="1200" dirty="0"/>
+          </a:p>
+          <a:p>
+            <a:endParaRPr lang="en-CA" sz="1200" dirty="0"/>
+          </a:p>
+          <a:p>
+            <a:endParaRPr lang="en-CA" sz="1200" dirty="0"/>
+          </a:p>
+        </p:txBody>
+      </p:sp>
+    </p:spTree>
+    <p:extLst>
+      <p:ext uri="{BB962C8B-B14F-4D97-AF65-F5344CB8AC3E}">
+        <p14:creationId xmlns:p14="http://schemas.microsoft.com/office/powerpoint/2010/main" val="985514059"/>
+      </p:ext>
+    </p:extLst>
+  </p:cSld>
+  <p:clrMapOvr>
+    <a:masterClrMapping/>
+  </p:clrMapOvr>
+</p:sld>
+</file>
+
+<file path=ppt/slides/slide19.xml><?xml version="1.0" encoding="utf-8"?>
+<p:sld xmlns:a="http://schemas.openxmlformats.org/drawingml/2006/main" xmlns:r="http://schemas.openxmlformats.org/officeDocument/2006/relationships" xmlns:p="http://schemas.openxmlformats.org/presentationml/2006/main">
+  <p:cSld>
+    <p:spTree>
+      <p:nvGrpSpPr>
+        <p:cNvPr id="1" name=""/>
+        <p:cNvGrpSpPr/>
+        <p:nvPr/>
+      </p:nvGrpSpPr>
+      <p:grpSpPr>
+        <a:xfrm>
+          <a:off x="0" y="0"/>
+          <a:ext cx="0" cy="0"/>
+          <a:chOff x="0" y="0"/>
+          <a:chExt cx="0" cy="0"/>
+        </a:xfrm>
+      </p:grpSpPr>
+      <p:sp>
+        <p:nvSpPr>
+          <p:cNvPr id="2" name="object 2"/>
+          <p:cNvSpPr txBox="1">
+            <a:spLocks noGrp="1"/>
+          </p:cNvSpPr>
+          <p:nvPr>
+            <p:ph type="title"/>
+          </p:nvPr>
+        </p:nvSpPr>
+        <p:spPr>
+          <a:xfrm>
+            <a:off x="331250" y="250726"/>
+            <a:ext cx="8812750" cy="597599"/>
+          </a:xfrm>
+          <a:prstGeom prst="rect">
+            <a:avLst/>
+          </a:prstGeom>
+        </p:spPr>
+        <p:txBody>
+          <a:bodyPr vert="horz" wrap="square" lIns="0" tIns="12700" rIns="0" bIns="0" rtlCol="0">
+            <a:spAutoFit/>
+          </a:bodyPr>
+          <a:lstStyle/>
+          <a:p>
+            <a:pPr marL="12700">
+              <a:lnSpc>
+                <a:spcPct val="100000"/>
+              </a:lnSpc>
+              <a:spcBef>
+                <a:spcPts val="100"/>
+              </a:spcBef>
+            </a:pPr>
+            <a:r>
+              <a:rPr lang="en-CA" sz="3800" spc="-35" dirty="0" smtClean="0">
+                <a:solidFill>
+                  <a:srgbClr val="F1CD00"/>
+                </a:solidFill>
+              </a:rPr>
+              <a:t>Appendix D: Stability Analysis</a:t>
+            </a:r>
+            <a:endParaRPr sz="3800" dirty="0"/>
+          </a:p>
+        </p:txBody>
+      </p:sp>
+      <p:sp>
+        <p:nvSpPr>
+          <p:cNvPr id="4" name="TextBox 3"/>
+          <p:cNvSpPr txBox="1"/>
+          <p:nvPr/>
+        </p:nvSpPr>
+        <p:spPr>
+          <a:xfrm>
+            <a:off x="421603" y="1200150"/>
+            <a:ext cx="8153400" cy="646331"/>
+          </a:xfrm>
+          <a:prstGeom prst="rect">
+            <a:avLst/>
+          </a:prstGeom>
+          <a:noFill/>
+        </p:spPr>
+        <p:txBody>
+          <a:bodyPr wrap="square" rtlCol="0">
+            <a:spAutoFit/>
+          </a:bodyPr>
+          <a:lstStyle/>
+          <a:p>
+            <a:pPr marL="228600" indent="-228600">
+              <a:buAutoNum type="arabicPeriod"/>
+            </a:pPr>
+            <a:endParaRPr lang="en-CA" sz="1200" dirty="0"/>
+          </a:p>
+          <a:p>
+            <a:endParaRPr lang="en-CA" sz="1200" dirty="0"/>
+          </a:p>
+          <a:p>
+            <a:endParaRPr lang="en-CA" sz="1200" dirty="0"/>
+          </a:p>
+        </p:txBody>
+      </p:sp>
+      <p:pic>
+        <p:nvPicPr>
+          <p:cNvPr id="1027" name="Picture 3"/>
+          <p:cNvPicPr>
+            <a:picLocks noChangeAspect="1" noChangeArrowheads="1"/>
+          </p:cNvPicPr>
+          <p:nvPr/>
+        </p:nvPicPr>
+        <p:blipFill>
+          <a:blip r:embed="rId3">
+            <a:extLst>
+              <a:ext uri="{28A0092B-C50C-407E-A947-70E740481C1C}">
+                <a14:useLocalDpi xmlns:a14="http://schemas.microsoft.com/office/drawing/2010/main" val="0"/>
+              </a:ext>
+            </a:extLst>
+          </a:blip>
+          <a:srcRect/>
+          <a:stretch>
+            <a:fillRect/>
+          </a:stretch>
+        </p:blipFill>
+        <p:spPr bwMode="auto">
+          <a:xfrm>
+            <a:off x="4800600" y="2745830"/>
+            <a:ext cx="4339507" cy="2397669"/>
+          </a:xfrm>
+          <a:prstGeom prst="rect">
+            <a:avLst/>
+          </a:prstGeom>
+          <a:noFill/>
+          <a:ln>
+            <a:noFill/>
+          </a:ln>
+          <a:effectLst/>
+          <a:extLst>
+            <a:ext uri="{909E8E84-426E-40DD-AFC4-6F175D3DCCD1}">
+              <a14:hiddenFill xmlns:a14="http://schemas.microsoft.com/office/drawing/2010/main">
+                <a:solidFill>
+                  <a:schemeClr val="accent1"/>
+                </a:solidFill>
+              </a14:hiddenFill>
+            </a:ext>
+            <a:ext uri="{91240B29-F687-4F45-9708-019B960494DF}">
+              <a14:hiddenLine xmlns:a14="http://schemas.microsoft.com/office/drawing/2010/main" w="9525">
+                <a:solidFill>
+                  <a:schemeClr val="tx1"/>
+                </a:solidFill>
+                <a:miter lim="800000"/>
+                <a:headEnd/>
+                <a:tailEnd/>
+              </a14:hiddenLine>
+            </a:ext>
+            <a:ext uri="{AF507438-7753-43E0-B8FC-AC1667EBCBE1}">
+              <a14:hiddenEffects xmlns:a14="http://schemas.microsoft.com/office/drawing/2010/main">
+                <a:effectLst>
+                  <a:outerShdw dist="35921" dir="2700000" algn="ctr" rotWithShape="0">
+                    <a:schemeClr val="bg2"/>
+                  </a:outerShdw>
+                </a:effectLst>
+              </a14:hiddenEffects>
+            </a:ext>
+          </a:extLst>
+        </p:spPr>
+      </p:pic>
+      <p:pic>
+        <p:nvPicPr>
+          <p:cNvPr id="1028" name="Picture 4"/>
+          <p:cNvPicPr>
+            <a:picLocks noChangeAspect="1" noChangeArrowheads="1"/>
+          </p:cNvPicPr>
+          <p:nvPr/>
+        </p:nvPicPr>
+        <p:blipFill>
+          <a:blip r:embed="rId4">
+            <a:extLst>
+              <a:ext uri="{28A0092B-C50C-407E-A947-70E740481C1C}">
+                <a14:useLocalDpi xmlns:a14="http://schemas.microsoft.com/office/drawing/2010/main" val="0"/>
+              </a:ext>
+            </a:extLst>
+          </a:blip>
+          <a:srcRect/>
+          <a:stretch>
+            <a:fillRect/>
+          </a:stretch>
+        </p:blipFill>
+        <p:spPr bwMode="auto">
+          <a:xfrm>
+            <a:off x="0" y="2800350"/>
+            <a:ext cx="4217883" cy="2329278"/>
+          </a:xfrm>
+          <a:prstGeom prst="rect">
+            <a:avLst/>
+          </a:prstGeom>
+          <a:noFill/>
+          <a:ln>
+            <a:noFill/>
+          </a:ln>
+          <a:effectLst/>
+          <a:extLst>
+            <a:ext uri="{909E8E84-426E-40DD-AFC4-6F175D3DCCD1}">
+              <a14:hiddenFill xmlns:a14="http://schemas.microsoft.com/office/drawing/2010/main">
+                <a:solidFill>
+                  <a:schemeClr val="accent1"/>
+                </a:solidFill>
+              </a14:hiddenFill>
+            </a:ext>
+            <a:ext uri="{91240B29-F687-4F45-9708-019B960494DF}">
+              <a14:hiddenLine xmlns:a14="http://schemas.microsoft.com/office/drawing/2010/main" w="9525">
+                <a:solidFill>
+                  <a:schemeClr val="tx1"/>
+                </a:solidFill>
+                <a:miter lim="800000"/>
+                <a:headEnd/>
+                <a:tailEnd/>
+              </a14:hiddenLine>
+            </a:ext>
+            <a:ext uri="{AF507438-7753-43E0-B8FC-AC1667EBCBE1}">
+              <a14:hiddenEffects xmlns:a14="http://schemas.microsoft.com/office/drawing/2010/main">
+                <a:effectLst>
+                  <a:outerShdw dist="35921" dir="2700000" algn="ctr" rotWithShape="0">
+                    <a:schemeClr val="bg2"/>
+                  </a:outerShdw>
+                </a:effectLst>
+              </a14:hiddenEffects>
+            </a:ext>
+          </a:extLst>
+        </p:spPr>
+      </p:pic>
+      <p:pic>
+        <p:nvPicPr>
+          <p:cNvPr id="1029" name="Picture 5"/>
+          <p:cNvPicPr>
+            <a:picLocks noChangeAspect="1" noChangeArrowheads="1"/>
+          </p:cNvPicPr>
+          <p:nvPr/>
+        </p:nvPicPr>
+        <p:blipFill>
+          <a:blip r:embed="rId5">
+            <a:extLst>
+              <a:ext uri="{28A0092B-C50C-407E-A947-70E740481C1C}">
+                <a14:useLocalDpi xmlns:a14="http://schemas.microsoft.com/office/drawing/2010/main" val="0"/>
+              </a:ext>
+            </a:extLst>
+          </a:blip>
+          <a:srcRect/>
+          <a:stretch>
+            <a:fillRect/>
+          </a:stretch>
+        </p:blipFill>
+        <p:spPr bwMode="auto">
+          <a:xfrm>
+            <a:off x="421603" y="1294031"/>
+            <a:ext cx="5410200" cy="1104900"/>
+          </a:xfrm>
+          <a:prstGeom prst="rect">
+            <a:avLst/>
+          </a:prstGeom>
+          <a:noFill/>
+          <a:ln>
+            <a:noFill/>
+          </a:ln>
+          <a:effectLst/>
+          <a:extLst>
+            <a:ext uri="{909E8E84-426E-40DD-AFC4-6F175D3DCCD1}">
+              <a14:hiddenFill xmlns:a14="http://schemas.microsoft.com/office/drawing/2010/main">
+                <a:solidFill>
+                  <a:schemeClr val="accent1"/>
+                </a:solidFill>
+              </a14:hiddenFill>
+            </a:ext>
+            <a:ext uri="{91240B29-F687-4F45-9708-019B960494DF}">
+              <a14:hiddenLine xmlns:a14="http://schemas.microsoft.com/office/drawing/2010/main" w="9525">
+                <a:solidFill>
+                  <a:schemeClr val="tx1"/>
+                </a:solidFill>
+                <a:miter lim="800000"/>
+                <a:headEnd/>
+                <a:tailEnd/>
+              </a14:hiddenLine>
+            </a:ext>
+            <a:ext uri="{AF507438-7753-43E0-B8FC-AC1667EBCBE1}">
+              <a14:hiddenEffects xmlns:a14="http://schemas.microsoft.com/office/drawing/2010/main">
+                <a:effectLst>
+                  <a:outerShdw dist="35921" dir="2700000" algn="ctr" rotWithShape="0">
+                    <a:schemeClr val="bg2"/>
+                  </a:outerShdw>
+                </a:effectLst>
+              </a14:hiddenEffects>
+            </a:ext>
+          </a:extLst>
+        </p:spPr>
+      </p:pic>
+    </p:spTree>
+    <p:extLst>
+      <p:ext uri="{BB962C8B-B14F-4D97-AF65-F5344CB8AC3E}">
+        <p14:creationId xmlns:p14="http://schemas.microsoft.com/office/powerpoint/2010/main" val="3111824713"/>
       </p:ext>
     </p:extLst>
   </p:cSld>
@@ -4728,7 +6848,7 @@
         </p:blipFill>
         <p:spPr>
           <a:xfrm>
-            <a:off x="927100" y="3273958"/>
+            <a:off x="5494187" y="4315793"/>
             <a:ext cx="431800" cy="431125"/>
           </a:xfrm>
           <a:prstGeom prst="rect">
@@ -4744,7 +6864,7 @@
         </p:nvSpPr>
         <p:spPr>
           <a:xfrm>
-            <a:off x="1351113" y="3358715"/>
+            <a:off x="5918200" y="4400550"/>
             <a:ext cx="2463800" cy="261610"/>
           </a:xfrm>
           <a:prstGeom prst="rect">
@@ -5464,23 +7584,7 @@
           <a:p>
             <a:r>
               <a:rPr lang="en-CA" sz="1100" i="1" dirty="0" smtClean="0"/>
-              <a:t>Effective Evidence-Based Programs for Preventing Sexually Transmitted Infections: A Meta Analysis; </a:t>
-            </a:r>
-            <a:r>
-              <a:rPr lang="en-CA" sz="1100" i="1" dirty="0" err="1" smtClean="0"/>
-              <a:t>Petrova</a:t>
-            </a:r>
-            <a:r>
-              <a:rPr lang="en-CA" sz="1100" i="1" dirty="0" smtClean="0"/>
-              <a:t>, D &amp; Garcia-</a:t>
-            </a:r>
-            <a:r>
-              <a:rPr lang="en-CA" sz="1100" i="1" dirty="0" err="1" smtClean="0"/>
-              <a:t>Retamero</a:t>
-            </a:r>
-            <a:r>
-              <a:rPr lang="en-CA" sz="1100" i="1" dirty="0" smtClean="0"/>
-              <a:t>, R; 2015</a:t>
+              <a:t>Effective Evidence-Based Programs for Preventing Sexually Transmitted Infections: A Meta Analysis; Petrova, D &amp; Garcia-Retamero, R; 2015</a:t>
             </a:r>
             <a:endParaRPr lang="en-CA" sz="1100" i="1" dirty="0"/>
           </a:p>
@@ -5510,15 +7614,7 @@
           <a:p>
             <a:r>
               <a:rPr lang="en-CA" sz="1100" dirty="0" smtClean="0"/>
-              <a:t>We assume effectiveness of educational interventions studied will be comparable to </a:t>
-            </a:r>
-            <a:r>
-              <a:rPr lang="en-CA" sz="1100" dirty="0" err="1" smtClean="0"/>
-              <a:t>Mpox</a:t>
-            </a:r>
-            <a:r>
-              <a:rPr lang="en-CA" sz="1100" dirty="0" smtClean="0"/>
-              <a:t> intervention</a:t>
+              <a:t>We assume effectiveness of educational interventions studied will be comparable to Mpox intervention</a:t>
             </a:r>
             <a:endParaRPr lang="en-CA" sz="1100" dirty="0"/>
           </a:p>
@@ -5628,7 +7724,7 @@
           <a:lstStyle/>
           <a:p>
             <a:pPr algn="ctr"/>
-            <a:endParaRPr lang="en-CA"/>
+            <a:endParaRPr lang="en-CA" dirty="0"/>
           </a:p>
         </p:txBody>
       </p:sp>
@@ -6393,8 +8489,8 @@
         </p:nvSpPr>
         <p:spPr>
           <a:xfrm>
-            <a:off x="390733" y="3771840"/>
-            <a:ext cx="2133600" cy="400110"/>
+            <a:off x="311751" y="3648730"/>
+            <a:ext cx="2758868" cy="523220"/>
           </a:xfrm>
           <a:prstGeom prst="rect">
             <a:avLst/>
@@ -6408,7 +8504,7 @@
           <a:lstStyle/>
           <a:p>
             <a:r>
-              <a:rPr lang="en-CA" sz="2000" dirty="0" smtClean="0">
+              <a:rPr lang="en-CA" sz="2800" dirty="0" smtClean="0">
                 <a:solidFill>
                   <a:schemeClr val="accent1">
                     <a:lumMod val="75000"/>
@@ -6417,7 +8513,7 @@
               </a:rPr>
               <a:t>Educated Stream</a:t>
             </a:r>
-            <a:endParaRPr lang="en-CA" sz="2000" dirty="0">
+            <a:endParaRPr lang="en-CA" sz="2800" dirty="0">
               <a:solidFill>
                 <a:schemeClr val="accent1">
                   <a:lumMod val="75000"/>
@@ -6703,15 +8799,7 @@
           <a:p>
             <a:r>
               <a:rPr lang="en-CA" sz="1100" dirty="0" smtClean="0"/>
-              <a:t>We assume data only includes people who have not received </a:t>
-            </a:r>
-            <a:r>
-              <a:rPr lang="en-CA" sz="1100" dirty="0" err="1" smtClean="0"/>
-              <a:t>Mpox</a:t>
-            </a:r>
-            <a:r>
-              <a:rPr lang="en-CA" sz="1100" dirty="0" smtClean="0"/>
-              <a:t> education</a:t>
+              <a:t>We assume data only includes people who have not received Mpox education</a:t>
             </a:r>
             <a:endParaRPr lang="en-CA" sz="1100" dirty="0"/>
           </a:p>

--- a/Mpox_education_PPT.pptx
+++ b/Mpox_education_PPT.pptx
@@ -5,7 +5,7 @@
     <p:sldMasterId id="2147483648" r:id="rId1"/>
   </p:sldMasterIdLst>
   <p:notesMasterIdLst>
-    <p:notesMasterId r:id="rId21"/>
+    <p:notesMasterId r:id="rId23"/>
   </p:notesMasterIdLst>
   <p:sldIdLst>
     <p:sldId id="256" r:id="rId2"/>
@@ -16,17 +16,19 @@
     <p:sldId id="270" r:id="rId7"/>
     <p:sldId id="275" r:id="rId8"/>
     <p:sldId id="268" r:id="rId9"/>
-    <p:sldId id="276" r:id="rId10"/>
-    <p:sldId id="264" r:id="rId11"/>
-    <p:sldId id="266" r:id="rId12"/>
-    <p:sldId id="267" r:id="rId13"/>
-    <p:sldId id="265" r:id="rId14"/>
-    <p:sldId id="262" r:id="rId15"/>
-    <p:sldId id="263" r:id="rId16"/>
-    <p:sldId id="277" r:id="rId17"/>
-    <p:sldId id="278" r:id="rId18"/>
-    <p:sldId id="279" r:id="rId19"/>
-    <p:sldId id="280" r:id="rId20"/>
+    <p:sldId id="283" r:id="rId10"/>
+    <p:sldId id="276" r:id="rId11"/>
+    <p:sldId id="282" r:id="rId12"/>
+    <p:sldId id="264" r:id="rId13"/>
+    <p:sldId id="266" r:id="rId14"/>
+    <p:sldId id="267" r:id="rId15"/>
+    <p:sldId id="265" r:id="rId16"/>
+    <p:sldId id="262" r:id="rId17"/>
+    <p:sldId id="263" r:id="rId18"/>
+    <p:sldId id="277" r:id="rId19"/>
+    <p:sldId id="281" r:id="rId20"/>
+    <p:sldId id="278" r:id="rId21"/>
+    <p:sldId id="279" r:id="rId22"/>
   </p:sldIdLst>
   <p:sldSz cx="9144000" cy="5143500" type="screen16x9"/>
   <p:notesSz cx="9144000" cy="5143500"/>
@@ -127,7 +129,7 @@
   </p:defaultTextStyle>
   <p:extLst>
     <p:ext uri="{EFAFB233-063F-42B5-8137-9DF3F51BA10A}">
-      <p15:sldGuideLst xmlns="" xmlns:p15="http://schemas.microsoft.com/office/powerpoint/2012/main">
+      <p15:sldGuideLst xmlns:p15="http://schemas.microsoft.com/office/powerpoint/2012/main" xmlns="">
         <p15:guide id="1" orient="horz" pos="2880">
           <p15:clr>
             <a:srgbClr val="A4A3A4"/>
@@ -142,6 +144,322 @@
     </p:ext>
   </p:extLst>
 </p:presentation>
+</file>
+
+<file path=ppt/charts/chart1.xml><?xml version="1.0" encoding="utf-8"?>
+<c:chartSpace xmlns:c="http://schemas.openxmlformats.org/drawingml/2006/chart" xmlns:a="http://schemas.openxmlformats.org/drawingml/2006/main" xmlns:r="http://schemas.openxmlformats.org/officeDocument/2006/relationships">
+  <c:date1904 val="0"/>
+  <c:lang val="en-CA"/>
+  <c:roundedCorners val="0"/>
+  <mc:AlternateContent xmlns:mc="http://schemas.openxmlformats.org/markup-compatibility/2006">
+    <mc:Choice xmlns:c14="http://schemas.microsoft.com/office/drawing/2007/8/2/chart" Requires="c14">
+      <c14:style val="102"/>
+    </mc:Choice>
+    <mc:Fallback>
+      <c:style val="2"/>
+    </mc:Fallback>
+  </mc:AlternateContent>
+  <c:chart>
+    <c:title>
+      <c:tx>
+        <c:rich>
+          <a:bodyPr/>
+          <a:lstStyle/>
+          <a:p>
+            <a:pPr>
+              <a:defRPr/>
+            </a:pPr>
+            <a:r>
+              <a:rPr lang="en-US" b="0"/>
+              <a:t>Total Infected by Coverage</a:t>
+            </a:r>
+          </a:p>
+        </c:rich>
+      </c:tx>
+      <c:layout/>
+      <c:overlay val="0"/>
+    </c:title>
+    <c:autoTitleDeleted val="0"/>
+    <c:plotArea>
+      <c:layout/>
+      <c:barChart>
+        <c:barDir val="col"/>
+        <c:grouping val="clustered"/>
+        <c:varyColors val="0"/>
+        <c:ser>
+          <c:idx val="0"/>
+          <c:order val="0"/>
+          <c:tx>
+            <c:strRef>
+              <c:f>Sheet1!$B$1</c:f>
+              <c:strCache>
+                <c:ptCount val="1"/>
+                <c:pt idx="0">
+                  <c:v>Total Infected</c:v>
+                </c:pt>
+              </c:strCache>
+            </c:strRef>
+          </c:tx>
+          <c:spPr>
+            <a:solidFill>
+              <a:schemeClr val="accent3"/>
+            </a:solidFill>
+            <a:ln>
+              <a:solidFill>
+                <a:schemeClr val="accent3"/>
+              </a:solidFill>
+            </a:ln>
+          </c:spPr>
+          <c:invertIfNegative val="0"/>
+          <c:cat>
+            <c:strRef>
+              <c:f>Sheet1!$A$2:$A$6</c:f>
+              <c:strCache>
+                <c:ptCount val="5"/>
+                <c:pt idx="0">
+                  <c:v>None</c:v>
+                </c:pt>
+                <c:pt idx="1">
+                  <c:v>0.1% per day</c:v>
+                </c:pt>
+                <c:pt idx="2">
+                  <c:v>0.2% per day</c:v>
+                </c:pt>
+                <c:pt idx="3">
+                  <c:v>0.3% per day</c:v>
+                </c:pt>
+                <c:pt idx="4">
+                  <c:v>0.4% per day</c:v>
+                </c:pt>
+              </c:strCache>
+            </c:strRef>
+          </c:cat>
+          <c:val>
+            <c:numRef>
+              <c:f>Sheet1!$B$2:$B$6</c:f>
+              <c:numCache>
+                <c:formatCode>_-* #,##0_-;\-* #,##0_-;_-* "-"??_-;_-@_-</c:formatCode>
+                <c:ptCount val="5"/>
+                <c:pt idx="0">
+                  <c:v>70424</c:v>
+                </c:pt>
+                <c:pt idx="1">
+                  <c:v>28101</c:v>
+                </c:pt>
+                <c:pt idx="2">
+                  <c:v>9917</c:v>
+                </c:pt>
+                <c:pt idx="3">
+                  <c:v>3691</c:v>
+                </c:pt>
+                <c:pt idx="4">
+                  <c:v>1551</c:v>
+                </c:pt>
+              </c:numCache>
+            </c:numRef>
+          </c:val>
+        </c:ser>
+        <c:dLbls>
+          <c:dLblPos val="outEnd"/>
+          <c:showLegendKey val="0"/>
+          <c:showVal val="1"/>
+          <c:showCatName val="0"/>
+          <c:showSerName val="0"/>
+          <c:showPercent val="0"/>
+          <c:showBubbleSize val="0"/>
+        </c:dLbls>
+        <c:gapWidth val="150"/>
+        <c:axId val="137531904"/>
+        <c:axId val="165876224"/>
+      </c:barChart>
+      <c:catAx>
+        <c:axId val="137531904"/>
+        <c:scaling>
+          <c:orientation val="minMax"/>
+        </c:scaling>
+        <c:delete val="0"/>
+        <c:axPos val="b"/>
+        <c:majorTickMark val="out"/>
+        <c:minorTickMark val="none"/>
+        <c:tickLblPos val="nextTo"/>
+        <c:crossAx val="165876224"/>
+        <c:crosses val="autoZero"/>
+        <c:auto val="1"/>
+        <c:lblAlgn val="ctr"/>
+        <c:lblOffset val="100"/>
+        <c:noMultiLvlLbl val="0"/>
+      </c:catAx>
+      <c:valAx>
+        <c:axId val="165876224"/>
+        <c:scaling>
+          <c:orientation val="minMax"/>
+        </c:scaling>
+        <c:delete val="1"/>
+        <c:axPos val="l"/>
+        <c:numFmt formatCode="_-* #,##0_-;\-* #,##0_-;_-* &quot;-&quot;??_-;_-@_-" sourceLinked="1"/>
+        <c:majorTickMark val="out"/>
+        <c:minorTickMark val="none"/>
+        <c:tickLblPos val="nextTo"/>
+        <c:crossAx val="137531904"/>
+        <c:crosses val="autoZero"/>
+        <c:crossBetween val="between"/>
+      </c:valAx>
+    </c:plotArea>
+    <c:plotVisOnly val="1"/>
+    <c:dispBlanksAs val="gap"/>
+    <c:showDLblsOverMax val="0"/>
+  </c:chart>
+  <c:externalData r:id="rId1">
+    <c:autoUpdate val="0"/>
+  </c:externalData>
+</c:chartSpace>
+</file>
+
+<file path=ppt/charts/chart2.xml><?xml version="1.0" encoding="utf-8"?>
+<c:chartSpace xmlns:c="http://schemas.openxmlformats.org/drawingml/2006/chart" xmlns:a="http://schemas.openxmlformats.org/drawingml/2006/main" xmlns:r="http://schemas.openxmlformats.org/officeDocument/2006/relationships">
+  <c:date1904 val="0"/>
+  <c:lang val="en-CA"/>
+  <c:roundedCorners val="0"/>
+  <mc:AlternateContent xmlns:mc="http://schemas.openxmlformats.org/markup-compatibility/2006">
+    <mc:Choice xmlns:c14="http://schemas.microsoft.com/office/drawing/2007/8/2/chart" Requires="c14">
+      <c14:style val="102"/>
+    </mc:Choice>
+    <mc:Fallback>
+      <c:style val="2"/>
+    </mc:Fallback>
+  </mc:AlternateContent>
+  <c:chart>
+    <c:title>
+      <c:tx>
+        <c:rich>
+          <a:bodyPr/>
+          <a:lstStyle/>
+          <a:p>
+            <a:pPr>
+              <a:defRPr/>
+            </a:pPr>
+            <a:r>
+              <a:rPr lang="en-US" b="0"/>
+              <a:t>Reducation in Total Infected by Coverage</a:t>
+            </a:r>
+          </a:p>
+        </c:rich>
+      </c:tx>
+      <c:layout/>
+      <c:overlay val="0"/>
+    </c:title>
+    <c:autoTitleDeleted val="0"/>
+    <c:plotArea>
+      <c:layout/>
+      <c:barChart>
+        <c:barDir val="col"/>
+        <c:grouping val="clustered"/>
+        <c:varyColors val="0"/>
+        <c:ser>
+          <c:idx val="0"/>
+          <c:order val="0"/>
+          <c:spPr>
+            <a:solidFill>
+              <a:schemeClr val="accent2"/>
+            </a:solidFill>
+          </c:spPr>
+          <c:invertIfNegative val="0"/>
+          <c:cat>
+            <c:strRef>
+              <c:f>Sheet1!$A$3:$A$6</c:f>
+              <c:strCache>
+                <c:ptCount val="4"/>
+                <c:pt idx="0">
+                  <c:v>0.1% per day</c:v>
+                </c:pt>
+                <c:pt idx="1">
+                  <c:v>0.2% per day</c:v>
+                </c:pt>
+                <c:pt idx="2">
+                  <c:v>0.3% per day</c:v>
+                </c:pt>
+                <c:pt idx="3">
+                  <c:v>0.4% per day</c:v>
+                </c:pt>
+              </c:strCache>
+            </c:strRef>
+          </c:cat>
+          <c:val>
+            <c:numRef>
+              <c:f>Sheet1!$C$3:$C$6</c:f>
+              <c:numCache>
+                <c:formatCode>0%</c:formatCode>
+                <c:ptCount val="4"/>
+                <c:pt idx="0">
+                  <c:v>0.6009740997387254</c:v>
+                </c:pt>
+                <c:pt idx="1">
+                  <c:v>0.85918152902419631</c:v>
+                </c:pt>
+                <c:pt idx="2">
+                  <c:v>0.94758889015108483</c:v>
+                </c:pt>
+                <c:pt idx="3">
+                  <c:v>0.9779762580938316</c:v>
+                </c:pt>
+              </c:numCache>
+            </c:numRef>
+          </c:val>
+        </c:ser>
+        <c:dLbls>
+          <c:dLblPos val="outEnd"/>
+          <c:showLegendKey val="0"/>
+          <c:showVal val="1"/>
+          <c:showCatName val="0"/>
+          <c:showSerName val="0"/>
+          <c:showPercent val="0"/>
+          <c:showBubbleSize val="0"/>
+        </c:dLbls>
+        <c:gapWidth val="150"/>
+        <c:axId val="137794048"/>
+        <c:axId val="192507840"/>
+      </c:barChart>
+      <c:catAx>
+        <c:axId val="137794048"/>
+        <c:scaling>
+          <c:orientation val="minMax"/>
+        </c:scaling>
+        <c:delete val="0"/>
+        <c:axPos val="b"/>
+        <c:majorTickMark val="out"/>
+        <c:minorTickMark val="none"/>
+        <c:tickLblPos val="nextTo"/>
+        <c:crossAx val="192507840"/>
+        <c:crosses val="autoZero"/>
+        <c:auto val="1"/>
+        <c:lblAlgn val="ctr"/>
+        <c:lblOffset val="100"/>
+        <c:noMultiLvlLbl val="0"/>
+      </c:catAx>
+      <c:valAx>
+        <c:axId val="192507840"/>
+        <c:scaling>
+          <c:orientation val="minMax"/>
+        </c:scaling>
+        <c:delete val="1"/>
+        <c:axPos val="l"/>
+        <c:numFmt formatCode="0%" sourceLinked="1"/>
+        <c:majorTickMark val="out"/>
+        <c:minorTickMark val="none"/>
+        <c:tickLblPos val="nextTo"/>
+        <c:crossAx val="137794048"/>
+        <c:crosses val="autoZero"/>
+        <c:crossBetween val="between"/>
+      </c:valAx>
+    </c:plotArea>
+    <c:plotVisOnly val="1"/>
+    <c:dispBlanksAs val="gap"/>
+    <c:showDLblsOverMax val="0"/>
+  </c:chart>
+  <c:externalData r:id="rId1">
+    <c:autoUpdate val="0"/>
+  </c:externalData>
+</c:chartSpace>
 </file>
 
 <file path=ppt/notesMasters/notesMaster1.xml><?xml version="1.0" encoding="utf-8"?>
@@ -226,7 +544,7 @@
           <a:p>
             <a:fld id="{5D69D47E-7250-4019-A46F-0212CA827C0F}" type="datetimeFigureOut">
               <a:rPr lang="en-CA" smtClean="0"/>
-              <a:t>2023-04-05</a:t>
+              <a:t>2023-04-07</a:t>
             </a:fld>
             <a:endParaRPr lang="en-CA" dirty="0"/>
           </a:p>
@@ -1094,7 +1412,7 @@
           <a:p>
             <a:fld id="{D0FB26DE-DCE0-4EDF-B98B-E266198E2DA6}" type="slidenum">
               <a:rPr lang="en-CA" smtClean="0"/>
-              <a:t>11</a:t>
+              <a:t>13</a:t>
             </a:fld>
             <a:endParaRPr lang="en-CA" dirty="0"/>
           </a:p>
@@ -1178,7 +1496,7 @@
           <a:p>
             <a:fld id="{D0FB26DE-DCE0-4EDF-B98B-E266198E2DA6}" type="slidenum">
               <a:rPr lang="en-CA" smtClean="0"/>
-              <a:t>16</a:t>
+              <a:t>18</a:t>
             </a:fld>
             <a:endParaRPr lang="en-CA" dirty="0"/>
           </a:p>
@@ -1262,7 +1580,7 @@
           <a:p>
             <a:fld id="{D0FB26DE-DCE0-4EDF-B98B-E266198E2DA6}" type="slidenum">
               <a:rPr lang="en-CA" smtClean="0"/>
-              <a:t>17</a:t>
+              <a:t>19</a:t>
             </a:fld>
             <a:endParaRPr lang="en-CA" dirty="0"/>
           </a:p>
@@ -1346,7 +1664,7 @@
           <a:p>
             <a:fld id="{D0FB26DE-DCE0-4EDF-B98B-E266198E2DA6}" type="slidenum">
               <a:rPr lang="en-CA" smtClean="0"/>
-              <a:t>18</a:t>
+              <a:t>20</a:t>
             </a:fld>
             <a:endParaRPr lang="en-CA" dirty="0"/>
           </a:p>
@@ -1430,7 +1748,7 @@
           <a:p>
             <a:fld id="{D0FB26DE-DCE0-4EDF-B98B-E266198E2DA6}" type="slidenum">
               <a:rPr lang="en-CA" smtClean="0"/>
-              <a:t>19</a:t>
+              <a:t>21</a:t>
             </a:fld>
             <a:endParaRPr lang="en-CA" dirty="0"/>
           </a:p>
@@ -1744,7 +2062,7 @@
           <a:p>
             <a:fld id="{1D8BD707-D9CF-40AE-B4C6-C98DA3205C09}" type="datetimeFigureOut">
               <a:rPr lang="en-US"/>
-              <a:t>4/5/2023</a:t>
+              <a:t>4/7/2023</a:t>
             </a:fld>
             <a:endParaRPr lang="en-US" dirty="0"/>
           </a:p>
@@ -1924,7 +2242,7 @@
           <a:p>
             <a:fld id="{1D8BD707-D9CF-40AE-B4C6-C98DA3205C09}" type="datetimeFigureOut">
               <a:rPr lang="en-US"/>
-              <a:t>4/5/2023</a:t>
+              <a:t>4/7/2023</a:t>
             </a:fld>
             <a:endParaRPr lang="en-US" dirty="0"/>
           </a:p>
@@ -2147,7 +2465,7 @@
           <a:p>
             <a:fld id="{1D8BD707-D9CF-40AE-B4C6-C98DA3205C09}" type="datetimeFigureOut">
               <a:rPr lang="en-US"/>
-              <a:t>4/5/2023</a:t>
+              <a:t>4/7/2023</a:t>
             </a:fld>
             <a:endParaRPr lang="en-US" dirty="0"/>
           </a:p>
@@ -2304,7 +2622,7 @@
           <a:p>
             <a:fld id="{1D8BD707-D9CF-40AE-B4C6-C98DA3205C09}" type="datetimeFigureOut">
               <a:rPr lang="en-US"/>
-              <a:t>4/5/2023</a:t>
+              <a:t>4/7/2023</a:t>
             </a:fld>
             <a:endParaRPr lang="en-US" dirty="0"/>
           </a:p>
@@ -2490,7 +2808,7 @@
           <a:p>
             <a:fld id="{1D8BD707-D9CF-40AE-B4C6-C98DA3205C09}" type="datetimeFigureOut">
               <a:rPr lang="en-US"/>
-              <a:t>4/5/2023</a:t>
+              <a:t>4/7/2023</a:t>
             </a:fld>
             <a:endParaRPr lang="en-US" dirty="0"/>
           </a:p>
@@ -2768,7 +3086,7 @@
           <a:p>
             <a:fld id="{1D8BD707-D9CF-40AE-B4C6-C98DA3205C09}" type="datetimeFigureOut">
               <a:rPr lang="en-US"/>
-              <a:t>4/5/2023</a:t>
+              <a:t>4/7/2023</a:t>
             </a:fld>
             <a:endParaRPr lang="en-US" dirty="0"/>
           </a:p>
@@ -3244,7 +3562,7 @@
         <p:spPr>
           <a:xfrm>
             <a:off x="331250" y="250726"/>
-            <a:ext cx="4545550" cy="597599"/>
+            <a:ext cx="8660350" cy="597599"/>
           </a:xfrm>
           <a:prstGeom prst="rect">
             <a:avLst/>
@@ -3270,7 +3588,7 @@
                   <a:srgbClr val="F1CD00"/>
                 </a:solidFill>
               </a:rPr>
-              <a:t>Sensitivity Analysis</a:t>
+              <a:t>Results: Daily Infections</a:t>
             </a:r>
             <a:endParaRPr sz="3800" dirty="0"/>
           </a:p>
@@ -3313,2675 +3631,16 @@
           </a:p>
         </p:txBody>
       </p:sp>
-      <p:sp>
-        <p:nvSpPr>
-          <p:cNvPr id="4" name="TextBox 3"/>
-          <p:cNvSpPr txBox="1"/>
-          <p:nvPr/>
-        </p:nvSpPr>
-        <p:spPr>
-          <a:xfrm>
-            <a:off x="762000" y="1352550"/>
-            <a:ext cx="7620000" cy="923330"/>
-          </a:xfrm>
-          <a:prstGeom prst="rect">
-            <a:avLst/>
-          </a:prstGeom>
-          <a:noFill/>
-        </p:spPr>
-        <p:txBody>
-          <a:bodyPr wrap="square" rtlCol="0">
-            <a:spAutoFit/>
-          </a:bodyPr>
-          <a:lstStyle/>
-          <a:p>
-            <a:r>
-              <a:rPr lang="en-CA" dirty="0" smtClean="0"/>
-              <a:t>To do:</a:t>
-            </a:r>
-          </a:p>
-          <a:p>
-            <a:pPr marL="285750" indent="-285750">
-              <a:buFont typeface="Arial" panose="020B0604020202020204" pitchFamily="34" charset="0"/>
-              <a:buChar char="•"/>
-            </a:pPr>
-            <a:r>
-              <a:rPr lang="en-CA" dirty="0" smtClean="0"/>
-              <a:t>Add how sensitive education rate (alpha - # of people educated per day) and education effectiveness (beta_e) on total cumulative infected.</a:t>
-            </a:r>
-          </a:p>
-        </p:txBody>
-      </p:sp>
-    </p:spTree>
-    <p:extLst>
-      <p:ext uri="{BB962C8B-B14F-4D97-AF65-F5344CB8AC3E}">
-        <p14:creationId xmlns:p14="http://schemas.microsoft.com/office/powerpoint/2010/main" val="2946902024"/>
-      </p:ext>
-    </p:extLst>
-  </p:cSld>
-  <p:clrMapOvr>
-    <a:masterClrMapping/>
-  </p:clrMapOvr>
-</p:sld>
-</file>
-
-<file path=ppt/slides/slide11.xml><?xml version="1.0" encoding="utf-8"?>
-<p:sld xmlns:a="http://schemas.openxmlformats.org/drawingml/2006/main" xmlns:r="http://schemas.openxmlformats.org/officeDocument/2006/relationships" xmlns:p="http://schemas.openxmlformats.org/presentationml/2006/main">
-  <p:cSld>
-    <p:spTree>
-      <p:nvGrpSpPr>
-        <p:cNvPr id="1" name=""/>
-        <p:cNvGrpSpPr/>
-        <p:nvPr/>
-      </p:nvGrpSpPr>
-      <p:grpSpPr>
-        <a:xfrm>
-          <a:off x="0" y="0"/>
-          <a:ext cx="0" cy="0"/>
-          <a:chOff x="0" y="0"/>
-          <a:chExt cx="0" cy="0"/>
-        </a:xfrm>
-      </p:grpSpPr>
-      <p:sp>
-        <p:nvSpPr>
-          <p:cNvPr id="2" name="object 2"/>
-          <p:cNvSpPr txBox="1">
-            <a:spLocks noGrp="1"/>
-          </p:cNvSpPr>
-          <p:nvPr>
-            <p:ph type="title"/>
-          </p:nvPr>
-        </p:nvSpPr>
-        <p:spPr>
-          <a:xfrm>
-            <a:off x="331250" y="250726"/>
-            <a:ext cx="3518535" cy="604520"/>
-          </a:xfrm>
-          <a:prstGeom prst="rect">
-            <a:avLst/>
-          </a:prstGeom>
-        </p:spPr>
-        <p:txBody>
-          <a:bodyPr vert="horz" wrap="square" lIns="0" tIns="12700" rIns="0" bIns="0" rtlCol="0">
-            <a:spAutoFit/>
-          </a:bodyPr>
-          <a:lstStyle/>
-          <a:p>
-            <a:pPr marL="12700">
-              <a:lnSpc>
-                <a:spcPct val="100000"/>
-              </a:lnSpc>
-              <a:spcBef>
-                <a:spcPts val="100"/>
-              </a:spcBef>
-            </a:pPr>
-            <a:r>
-              <a:rPr lang="en-CA" sz="3800" spc="-35" dirty="0" smtClean="0">
-                <a:solidFill>
-                  <a:srgbClr val="F1CD00"/>
-                </a:solidFill>
-              </a:rPr>
-              <a:t>Limitations</a:t>
-            </a:r>
-            <a:endParaRPr sz="3800" dirty="0"/>
-          </a:p>
-        </p:txBody>
-      </p:sp>
-      <p:sp>
-        <p:nvSpPr>
-          <p:cNvPr id="7" name="object 7"/>
-          <p:cNvSpPr txBox="1">
-            <a:spLocks noGrp="1"/>
-          </p:cNvSpPr>
-          <p:nvPr>
-            <p:ph type="sldNum" sz="quarter" idx="7"/>
-          </p:nvPr>
-        </p:nvSpPr>
-        <p:spPr>
-          <a:prstGeom prst="rect">
-            <a:avLst/>
-          </a:prstGeom>
-        </p:spPr>
-        <p:txBody>
-          <a:bodyPr vert="horz" wrap="square" lIns="0" tIns="635" rIns="0" bIns="0" rtlCol="0">
-            <a:spAutoFit/>
-          </a:bodyPr>
-          <a:lstStyle/>
-          <a:p>
-            <a:pPr marL="38100">
-              <a:lnSpc>
-                <a:spcPct val="100000"/>
-              </a:lnSpc>
-              <a:spcBef>
-                <a:spcPts val="5"/>
-              </a:spcBef>
-            </a:pPr>
-            <a:fld id="{81D60167-4931-47E6-BA6A-407CBD079E47}" type="slidenum">
-              <a:rPr dirty="0"/>
-              <a:t>11</a:t>
-            </a:fld>
-            <a:endParaRPr dirty="0"/>
-          </a:p>
-        </p:txBody>
-      </p:sp>
-      <p:sp>
-        <p:nvSpPr>
-          <p:cNvPr id="4" name="TextBox 3"/>
-          <p:cNvSpPr txBox="1"/>
-          <p:nvPr/>
-        </p:nvSpPr>
-        <p:spPr>
-          <a:xfrm>
-            <a:off x="762000" y="1352550"/>
-            <a:ext cx="7620000" cy="923330"/>
-          </a:xfrm>
-          <a:prstGeom prst="rect">
-            <a:avLst/>
-          </a:prstGeom>
-          <a:noFill/>
-        </p:spPr>
-        <p:txBody>
-          <a:bodyPr wrap="square" rtlCol="0">
-            <a:spAutoFit/>
-          </a:bodyPr>
-          <a:lstStyle/>
-          <a:p>
-            <a:pPr marL="342900" indent="-342900">
-              <a:buAutoNum type="arabicPeriod"/>
-            </a:pPr>
-            <a:r>
-              <a:rPr lang="en-CA" dirty="0" smtClean="0"/>
-              <a:t>Comparability with STI educational effectiveness</a:t>
-            </a:r>
-          </a:p>
-          <a:p>
-            <a:pPr marL="342900" indent="-342900">
-              <a:buAutoNum type="arabicPeriod"/>
-            </a:pPr>
-            <a:r>
-              <a:rPr lang="en-CA" dirty="0" smtClean="0"/>
-              <a:t>More?</a:t>
-            </a:r>
-            <a:endParaRPr lang="en-CA" dirty="0"/>
-          </a:p>
-          <a:p>
-            <a:pPr marL="342900" indent="-342900">
-              <a:buAutoNum type="arabicPeriod"/>
-            </a:pPr>
-            <a:endParaRPr lang="en-CA" dirty="0" smtClean="0"/>
-          </a:p>
-        </p:txBody>
-      </p:sp>
-    </p:spTree>
-    <p:extLst>
-      <p:ext uri="{BB962C8B-B14F-4D97-AF65-F5344CB8AC3E}">
-        <p14:creationId xmlns:p14="http://schemas.microsoft.com/office/powerpoint/2010/main" val="1576335051"/>
-      </p:ext>
-    </p:extLst>
-  </p:cSld>
-  <p:clrMapOvr>
-    <a:masterClrMapping/>
-  </p:clrMapOvr>
-</p:sld>
-</file>
-
-<file path=ppt/slides/slide12.xml><?xml version="1.0" encoding="utf-8"?>
-<p:sld xmlns:a="http://schemas.openxmlformats.org/drawingml/2006/main" xmlns:r="http://schemas.openxmlformats.org/officeDocument/2006/relationships" xmlns:p="http://schemas.openxmlformats.org/presentationml/2006/main">
-  <p:cSld>
-    <p:spTree>
-      <p:nvGrpSpPr>
-        <p:cNvPr id="1" name=""/>
-        <p:cNvGrpSpPr/>
-        <p:nvPr/>
-      </p:nvGrpSpPr>
-      <p:grpSpPr>
-        <a:xfrm>
-          <a:off x="0" y="0"/>
-          <a:ext cx="0" cy="0"/>
-          <a:chOff x="0" y="0"/>
-          <a:chExt cx="0" cy="0"/>
-        </a:xfrm>
-      </p:grpSpPr>
-      <p:sp>
-        <p:nvSpPr>
-          <p:cNvPr id="2" name="object 2"/>
-          <p:cNvSpPr txBox="1">
-            <a:spLocks noGrp="1"/>
-          </p:cNvSpPr>
-          <p:nvPr>
-            <p:ph type="title"/>
-          </p:nvPr>
-        </p:nvSpPr>
-        <p:spPr>
-          <a:xfrm>
-            <a:off x="331250" y="250726"/>
-            <a:ext cx="3518535" cy="604520"/>
-          </a:xfrm>
-          <a:prstGeom prst="rect">
-            <a:avLst/>
-          </a:prstGeom>
-        </p:spPr>
-        <p:txBody>
-          <a:bodyPr vert="horz" wrap="square" lIns="0" tIns="12700" rIns="0" bIns="0" rtlCol="0">
-            <a:spAutoFit/>
-          </a:bodyPr>
-          <a:lstStyle/>
-          <a:p>
-            <a:pPr marL="12700">
-              <a:lnSpc>
-                <a:spcPct val="100000"/>
-              </a:lnSpc>
-              <a:spcBef>
-                <a:spcPts val="100"/>
-              </a:spcBef>
-            </a:pPr>
-            <a:r>
-              <a:rPr lang="en-CA" sz="3800" spc="-35" dirty="0" smtClean="0">
-                <a:solidFill>
-                  <a:srgbClr val="F1CD00"/>
-                </a:solidFill>
-              </a:rPr>
-              <a:t>Key Messages</a:t>
-            </a:r>
-            <a:endParaRPr sz="3800" dirty="0"/>
-          </a:p>
-        </p:txBody>
-      </p:sp>
-      <p:sp>
-        <p:nvSpPr>
-          <p:cNvPr id="7" name="object 7"/>
-          <p:cNvSpPr txBox="1">
-            <a:spLocks noGrp="1"/>
-          </p:cNvSpPr>
-          <p:nvPr>
-            <p:ph type="sldNum" sz="quarter" idx="7"/>
-          </p:nvPr>
-        </p:nvSpPr>
-        <p:spPr>
-          <a:prstGeom prst="rect">
-            <a:avLst/>
-          </a:prstGeom>
-        </p:spPr>
-        <p:txBody>
-          <a:bodyPr vert="horz" wrap="square" lIns="0" tIns="635" rIns="0" bIns="0" rtlCol="0">
-            <a:spAutoFit/>
-          </a:bodyPr>
-          <a:lstStyle/>
-          <a:p>
-            <a:pPr marL="38100">
-              <a:lnSpc>
-                <a:spcPct val="100000"/>
-              </a:lnSpc>
-              <a:spcBef>
-                <a:spcPts val="5"/>
-              </a:spcBef>
-            </a:pPr>
-            <a:fld id="{81D60167-4931-47E6-BA6A-407CBD079E47}" type="slidenum">
-              <a:rPr dirty="0"/>
-              <a:t>12</a:t>
-            </a:fld>
-            <a:endParaRPr dirty="0"/>
-          </a:p>
-        </p:txBody>
-      </p:sp>
-      <p:sp>
-        <p:nvSpPr>
-          <p:cNvPr id="4" name="TextBox 3"/>
-          <p:cNvSpPr txBox="1"/>
-          <p:nvPr/>
-        </p:nvSpPr>
-        <p:spPr>
-          <a:xfrm>
-            <a:off x="762000" y="1352550"/>
-            <a:ext cx="7620000" cy="923330"/>
-          </a:xfrm>
-          <a:prstGeom prst="rect">
-            <a:avLst/>
-          </a:prstGeom>
-          <a:noFill/>
-        </p:spPr>
-        <p:txBody>
-          <a:bodyPr wrap="square" rtlCol="0">
-            <a:spAutoFit/>
-          </a:bodyPr>
-          <a:lstStyle/>
-          <a:p>
-            <a:r>
-              <a:rPr lang="en-CA" dirty="0" smtClean="0"/>
-              <a:t>To do:</a:t>
-            </a:r>
-          </a:p>
-          <a:p>
-            <a:pPr marL="285750" indent="-285750">
-              <a:buFont typeface="Arial" panose="020B0604020202020204" pitchFamily="34" charset="0"/>
-              <a:buChar char="•"/>
-            </a:pPr>
-            <a:r>
-              <a:rPr lang="en-CA" dirty="0" smtClean="0"/>
-              <a:t>What are the key messages policy professionals take away from the analysis and use in their own discussions.</a:t>
-            </a:r>
-          </a:p>
-        </p:txBody>
-      </p:sp>
-    </p:spTree>
-    <p:extLst>
-      <p:ext uri="{BB962C8B-B14F-4D97-AF65-F5344CB8AC3E}">
-        <p14:creationId xmlns:p14="http://schemas.microsoft.com/office/powerpoint/2010/main" val="164908068"/>
-      </p:ext>
-    </p:extLst>
-  </p:cSld>
-  <p:clrMapOvr>
-    <a:masterClrMapping/>
-  </p:clrMapOvr>
-</p:sld>
-</file>
-
-<file path=ppt/slides/slide13.xml><?xml version="1.0" encoding="utf-8"?>
-<p:sld xmlns:a="http://schemas.openxmlformats.org/drawingml/2006/main" xmlns:r="http://schemas.openxmlformats.org/officeDocument/2006/relationships" xmlns:p="http://schemas.openxmlformats.org/presentationml/2006/main">
-  <p:cSld>
-    <p:spTree>
-      <p:nvGrpSpPr>
-        <p:cNvPr id="1" name=""/>
-        <p:cNvGrpSpPr/>
-        <p:nvPr/>
-      </p:nvGrpSpPr>
-      <p:grpSpPr>
-        <a:xfrm>
-          <a:off x="0" y="0"/>
-          <a:ext cx="0" cy="0"/>
-          <a:chOff x="0" y="0"/>
-          <a:chExt cx="0" cy="0"/>
-        </a:xfrm>
-      </p:grpSpPr>
-      <p:sp>
-        <p:nvSpPr>
-          <p:cNvPr id="2" name="object 2"/>
-          <p:cNvSpPr txBox="1">
-            <a:spLocks noGrp="1"/>
-          </p:cNvSpPr>
-          <p:nvPr>
-            <p:ph type="title"/>
-          </p:nvPr>
-        </p:nvSpPr>
-        <p:spPr>
-          <a:xfrm>
-            <a:off x="331250" y="250726"/>
-            <a:ext cx="3518535" cy="604520"/>
-          </a:xfrm>
-          <a:prstGeom prst="rect">
-            <a:avLst/>
-          </a:prstGeom>
-        </p:spPr>
-        <p:txBody>
-          <a:bodyPr vert="horz" wrap="square" lIns="0" tIns="12700" rIns="0" bIns="0" rtlCol="0">
-            <a:spAutoFit/>
-          </a:bodyPr>
-          <a:lstStyle/>
-          <a:p>
-            <a:pPr marL="12700">
-              <a:lnSpc>
-                <a:spcPct val="100000"/>
-              </a:lnSpc>
-              <a:spcBef>
-                <a:spcPts val="100"/>
-              </a:spcBef>
-            </a:pPr>
-            <a:r>
-              <a:rPr lang="en-CA" sz="3800" spc="-35" dirty="0" smtClean="0">
-                <a:solidFill>
-                  <a:srgbClr val="F1CD00"/>
-                </a:solidFill>
-              </a:rPr>
-              <a:t>Future Work</a:t>
-            </a:r>
-            <a:endParaRPr sz="3800" dirty="0"/>
-          </a:p>
-        </p:txBody>
-      </p:sp>
-      <p:sp>
-        <p:nvSpPr>
-          <p:cNvPr id="7" name="object 7"/>
-          <p:cNvSpPr txBox="1">
-            <a:spLocks noGrp="1"/>
-          </p:cNvSpPr>
-          <p:nvPr>
-            <p:ph type="sldNum" sz="quarter" idx="7"/>
-          </p:nvPr>
-        </p:nvSpPr>
-        <p:spPr>
-          <a:prstGeom prst="rect">
-            <a:avLst/>
-          </a:prstGeom>
-        </p:spPr>
-        <p:txBody>
-          <a:bodyPr vert="horz" wrap="square" lIns="0" tIns="635" rIns="0" bIns="0" rtlCol="0">
-            <a:spAutoFit/>
-          </a:bodyPr>
-          <a:lstStyle/>
-          <a:p>
-            <a:pPr marL="38100">
-              <a:lnSpc>
-                <a:spcPct val="100000"/>
-              </a:lnSpc>
-              <a:spcBef>
-                <a:spcPts val="5"/>
-              </a:spcBef>
-            </a:pPr>
-            <a:fld id="{81D60167-4931-47E6-BA6A-407CBD079E47}" type="slidenum">
-              <a:rPr dirty="0"/>
-              <a:t>13</a:t>
-            </a:fld>
-            <a:endParaRPr dirty="0"/>
-          </a:p>
-        </p:txBody>
-      </p:sp>
-      <p:sp>
-        <p:nvSpPr>
-          <p:cNvPr id="4" name="TextBox 3"/>
-          <p:cNvSpPr txBox="1"/>
-          <p:nvPr/>
-        </p:nvSpPr>
-        <p:spPr>
-          <a:xfrm>
-            <a:off x="838200" y="1352550"/>
-            <a:ext cx="7620000" cy="1200329"/>
-          </a:xfrm>
-          <a:prstGeom prst="rect">
-            <a:avLst/>
-          </a:prstGeom>
-          <a:noFill/>
-        </p:spPr>
-        <p:txBody>
-          <a:bodyPr wrap="square" rtlCol="0">
-            <a:spAutoFit/>
-          </a:bodyPr>
-          <a:lstStyle/>
-          <a:p>
-            <a:pPr marL="342900" indent="-342900">
-              <a:buFont typeface="+mj-lt"/>
-              <a:buAutoNum type="arabicPeriod"/>
-            </a:pPr>
-            <a:r>
-              <a:rPr lang="en-CA" dirty="0" smtClean="0"/>
-              <a:t>Age stratification</a:t>
-            </a:r>
-          </a:p>
-          <a:p>
-            <a:pPr marL="342900" indent="-342900">
-              <a:buFont typeface="+mj-lt"/>
-              <a:buAutoNum type="arabicPeriod"/>
-            </a:pPr>
-            <a:r>
-              <a:rPr lang="en-CA" dirty="0" smtClean="0"/>
-              <a:t>Vaccine analysis</a:t>
-            </a:r>
-          </a:p>
-          <a:p>
-            <a:pPr marL="342900" indent="-342900">
-              <a:buFont typeface="+mj-lt"/>
-              <a:buAutoNum type="arabicPeriod"/>
-            </a:pPr>
-            <a:r>
-              <a:rPr lang="en-CA" dirty="0" smtClean="0"/>
-              <a:t>Quarantine analysis</a:t>
-            </a:r>
-          </a:p>
-          <a:p>
-            <a:pPr marL="342900" indent="-342900">
-              <a:buFont typeface="+mj-lt"/>
-              <a:buAutoNum type="arabicPeriod"/>
-            </a:pPr>
-            <a:r>
-              <a:rPr lang="en-CA" dirty="0" smtClean="0"/>
-              <a:t>Any others?</a:t>
-            </a:r>
-            <a:endParaRPr lang="en-CA" dirty="0" smtClean="0"/>
-          </a:p>
-        </p:txBody>
-      </p:sp>
-    </p:spTree>
-    <p:extLst>
-      <p:ext uri="{BB962C8B-B14F-4D97-AF65-F5344CB8AC3E}">
-        <p14:creationId xmlns:p14="http://schemas.microsoft.com/office/powerpoint/2010/main" val="2923472118"/>
-      </p:ext>
-    </p:extLst>
-  </p:cSld>
-  <p:clrMapOvr>
-    <a:masterClrMapping/>
-  </p:clrMapOvr>
-</p:sld>
-</file>
-
-<file path=ppt/slides/slide14.xml><?xml version="1.0" encoding="utf-8"?>
-<p:sld xmlns:a="http://schemas.openxmlformats.org/drawingml/2006/main" xmlns:r="http://schemas.openxmlformats.org/officeDocument/2006/relationships" xmlns:p="http://schemas.openxmlformats.org/presentationml/2006/main">
-  <p:cSld>
-    <p:spTree>
-      <p:nvGrpSpPr>
-        <p:cNvPr id="1" name=""/>
-        <p:cNvGrpSpPr/>
-        <p:nvPr/>
-      </p:nvGrpSpPr>
-      <p:grpSpPr>
-        <a:xfrm>
-          <a:off x="0" y="0"/>
-          <a:ext cx="0" cy="0"/>
-          <a:chOff x="0" y="0"/>
-          <a:chExt cx="0" cy="0"/>
-        </a:xfrm>
-      </p:grpSpPr>
-      <p:sp>
-        <p:nvSpPr>
-          <p:cNvPr id="2" name="object 2"/>
-          <p:cNvSpPr txBox="1"/>
-          <p:nvPr/>
-        </p:nvSpPr>
-        <p:spPr>
-          <a:xfrm>
-            <a:off x="2667000" y="1918636"/>
-            <a:ext cx="3117875" cy="659155"/>
-          </a:xfrm>
-          <a:prstGeom prst="rect">
-            <a:avLst/>
-          </a:prstGeom>
-        </p:spPr>
-        <p:txBody>
-          <a:bodyPr vert="horz" wrap="square" lIns="0" tIns="12700" rIns="0" bIns="0" rtlCol="0">
-            <a:spAutoFit/>
-          </a:bodyPr>
-          <a:lstStyle/>
-          <a:p>
-            <a:pPr marL="12700">
-              <a:lnSpc>
-                <a:spcPct val="100000"/>
-              </a:lnSpc>
-              <a:spcBef>
-                <a:spcPts val="100"/>
-              </a:spcBef>
-            </a:pPr>
-            <a:r>
-              <a:rPr sz="4200" b="1" spc="-15" dirty="0" smtClean="0">
-                <a:solidFill>
-                  <a:srgbClr val="F1CD00"/>
-                </a:solidFill>
-                <a:latin typeface="Roboto"/>
-                <a:cs typeface="Roboto"/>
-              </a:rPr>
-              <a:t>Question</a:t>
-            </a:r>
-            <a:r>
-              <a:rPr lang="en-CA" sz="4200" b="1" spc="-15" dirty="0" smtClean="0">
-                <a:solidFill>
-                  <a:srgbClr val="F1CD00"/>
-                </a:solidFill>
-                <a:latin typeface="Roboto"/>
-                <a:cs typeface="Roboto"/>
-              </a:rPr>
-              <a:t>s</a:t>
-            </a:r>
-            <a:r>
-              <a:rPr sz="4200" b="1" spc="-15" dirty="0" smtClean="0">
-                <a:solidFill>
-                  <a:srgbClr val="F1CD00"/>
-                </a:solidFill>
-                <a:latin typeface="Roboto"/>
-                <a:cs typeface="Roboto"/>
-              </a:rPr>
-              <a:t>?</a:t>
-            </a:r>
-            <a:endParaRPr sz="4200" dirty="0">
-              <a:latin typeface="Roboto"/>
-              <a:cs typeface="Roboto"/>
-            </a:endParaRPr>
-          </a:p>
-        </p:txBody>
-      </p:sp>
       <p:pic>
         <p:nvPicPr>
-          <p:cNvPr id="3" name="object 3"/>
-          <p:cNvPicPr/>
-          <p:nvPr/>
-        </p:nvPicPr>
-        <p:blipFill>
-          <a:blip r:embed="rId2" cstate="print"/>
-          <a:stretch>
-            <a:fillRect/>
-          </a:stretch>
-        </p:blipFill>
-        <p:spPr>
-          <a:xfrm>
-            <a:off x="5849250" y="3587225"/>
-            <a:ext cx="3256225" cy="1556274"/>
-          </a:xfrm>
-          <a:prstGeom prst="rect">
-            <a:avLst/>
-          </a:prstGeom>
-        </p:spPr>
-      </p:pic>
-      <p:sp>
-        <p:nvSpPr>
-          <p:cNvPr id="4" name="object 4"/>
-          <p:cNvSpPr txBox="1">
-            <a:spLocks noGrp="1"/>
-          </p:cNvSpPr>
-          <p:nvPr>
-            <p:ph type="sldNum" sz="quarter" idx="7"/>
-          </p:nvPr>
-        </p:nvSpPr>
-        <p:spPr>
-          <a:prstGeom prst="rect">
-            <a:avLst/>
-          </a:prstGeom>
-        </p:spPr>
-        <p:txBody>
-          <a:bodyPr vert="horz" wrap="square" lIns="0" tIns="635" rIns="0" bIns="0" rtlCol="0">
-            <a:spAutoFit/>
-          </a:bodyPr>
-          <a:lstStyle/>
-          <a:p>
-            <a:pPr marL="38100">
-              <a:lnSpc>
-                <a:spcPct val="100000"/>
-              </a:lnSpc>
-              <a:spcBef>
-                <a:spcPts val="5"/>
-              </a:spcBef>
-            </a:pPr>
-            <a:fld id="{81D60167-4931-47E6-BA6A-407CBD079E47}" type="slidenum">
-              <a:rPr dirty="0"/>
-              <a:t>14</a:t>
-            </a:fld>
-            <a:endParaRPr dirty="0"/>
-          </a:p>
-        </p:txBody>
-      </p:sp>
-    </p:spTree>
-  </p:cSld>
-  <p:clrMapOvr>
-    <a:masterClrMapping/>
-  </p:clrMapOvr>
-</p:sld>
-</file>
-
-<file path=ppt/slides/slide15.xml><?xml version="1.0" encoding="utf-8"?>
-<p:sld xmlns:a="http://schemas.openxmlformats.org/drawingml/2006/main" xmlns:r="http://schemas.openxmlformats.org/officeDocument/2006/relationships" xmlns:p="http://schemas.openxmlformats.org/presentationml/2006/main" showMasterSp="0">
-  <p:cSld>
-    <p:spTree>
-      <p:nvGrpSpPr>
-        <p:cNvPr id="1" name=""/>
-        <p:cNvGrpSpPr/>
-        <p:nvPr/>
-      </p:nvGrpSpPr>
-      <p:grpSpPr>
-        <a:xfrm>
-          <a:off x="0" y="0"/>
-          <a:ext cx="0" cy="0"/>
-          <a:chOff x="0" y="0"/>
-          <a:chExt cx="0" cy="0"/>
-        </a:xfrm>
-      </p:grpSpPr>
-      <p:sp>
-        <p:nvSpPr>
-          <p:cNvPr id="2" name="object 2"/>
-          <p:cNvSpPr/>
-          <p:nvPr/>
-        </p:nvSpPr>
-        <p:spPr>
-          <a:xfrm>
-            <a:off x="0" y="0"/>
-            <a:ext cx="9144000" cy="5143500"/>
-          </a:xfrm>
-          <a:custGeom>
-            <a:avLst/>
-            <a:gdLst/>
-            <a:ahLst/>
-            <a:cxnLst/>
-            <a:rect l="l" t="t" r="r" b="b"/>
-            <a:pathLst>
-              <a:path w="9144000" h="5143500">
-                <a:moveTo>
-                  <a:pt x="9143999" y="5143499"/>
-                </a:moveTo>
-                <a:lnTo>
-                  <a:pt x="0" y="5143499"/>
-                </a:lnTo>
-                <a:lnTo>
-                  <a:pt x="0" y="0"/>
-                </a:lnTo>
-                <a:lnTo>
-                  <a:pt x="9143999" y="0"/>
-                </a:lnTo>
-                <a:lnTo>
-                  <a:pt x="9143999" y="5143499"/>
-                </a:lnTo>
-                <a:close/>
-              </a:path>
-            </a:pathLst>
-          </a:custGeom>
-          <a:solidFill>
-            <a:srgbClr val="F1CD00"/>
-          </a:solidFill>
-        </p:spPr>
-        <p:txBody>
-          <a:bodyPr wrap="square" lIns="0" tIns="0" rIns="0" bIns="0" rtlCol="0"/>
-          <a:lstStyle/>
-          <a:p>
-            <a:endParaRPr dirty="0"/>
-          </a:p>
-        </p:txBody>
-      </p:sp>
-      <p:pic>
-        <p:nvPicPr>
-          <p:cNvPr id="3" name="object 3"/>
-          <p:cNvPicPr/>
-          <p:nvPr/>
-        </p:nvPicPr>
-        <p:blipFill>
-          <a:blip r:embed="rId2" cstate="print"/>
-          <a:stretch>
-            <a:fillRect/>
-          </a:stretch>
-        </p:blipFill>
-        <p:spPr>
-          <a:xfrm>
-            <a:off x="7089450" y="4409999"/>
-            <a:ext cx="1810580" cy="493399"/>
-          </a:xfrm>
-          <a:prstGeom prst="rect">
-            <a:avLst/>
-          </a:prstGeom>
-        </p:spPr>
-      </p:pic>
-      <p:sp>
-        <p:nvSpPr>
-          <p:cNvPr id="6" name="object 6"/>
-          <p:cNvSpPr txBox="1">
-            <a:spLocks noGrp="1"/>
-          </p:cNvSpPr>
-          <p:nvPr>
-            <p:ph type="sldNum" sz="quarter" idx="7"/>
-          </p:nvPr>
-        </p:nvSpPr>
-        <p:spPr>
-          <a:prstGeom prst="rect">
-            <a:avLst/>
-          </a:prstGeom>
-        </p:spPr>
-        <p:txBody>
-          <a:bodyPr vert="horz" wrap="square" lIns="0" tIns="635" rIns="0" bIns="0" rtlCol="0">
-            <a:spAutoFit/>
-          </a:bodyPr>
-          <a:lstStyle/>
-          <a:p>
-            <a:pPr marL="38100">
-              <a:lnSpc>
-                <a:spcPct val="100000"/>
-              </a:lnSpc>
-              <a:spcBef>
-                <a:spcPts val="5"/>
-              </a:spcBef>
-            </a:pPr>
-            <a:fld id="{81D60167-4931-47E6-BA6A-407CBD079E47}" type="slidenum">
-              <a:rPr dirty="0"/>
-              <a:t>15</a:t>
-            </a:fld>
-            <a:endParaRPr dirty="0"/>
-          </a:p>
-        </p:txBody>
-      </p:sp>
-      <p:sp>
-        <p:nvSpPr>
-          <p:cNvPr id="5" name="object 5"/>
-          <p:cNvSpPr txBox="1">
-            <a:spLocks noGrp="1"/>
-          </p:cNvSpPr>
-          <p:nvPr>
-            <p:ph type="title"/>
-          </p:nvPr>
-        </p:nvSpPr>
-        <p:spPr>
-          <a:xfrm>
-            <a:off x="4073701" y="497354"/>
-            <a:ext cx="1107899" cy="243656"/>
-          </a:xfrm>
-          <a:prstGeom prst="rect">
-            <a:avLst/>
-          </a:prstGeom>
-        </p:spPr>
-        <p:txBody>
-          <a:bodyPr vert="horz" wrap="square" lIns="0" tIns="12700" rIns="0" bIns="0" rtlCol="0">
-            <a:spAutoFit/>
-          </a:bodyPr>
-          <a:lstStyle/>
-          <a:p>
-            <a:pPr marL="12700">
-              <a:lnSpc>
-                <a:spcPct val="100000"/>
-              </a:lnSpc>
-              <a:spcBef>
-                <a:spcPts val="100"/>
-              </a:spcBef>
-            </a:pPr>
-            <a:r>
-              <a:rPr spc="5" dirty="0"/>
-              <a:t>References</a:t>
-            </a:r>
-          </a:p>
-        </p:txBody>
-      </p:sp>
-    </p:spTree>
-  </p:cSld>
-  <p:clrMapOvr>
-    <a:masterClrMapping/>
-  </p:clrMapOvr>
-</p:sld>
-</file>
-
-<file path=ppt/slides/slide16.xml><?xml version="1.0" encoding="utf-8"?>
-<p:sld xmlns:a="http://schemas.openxmlformats.org/drawingml/2006/main" xmlns:r="http://schemas.openxmlformats.org/officeDocument/2006/relationships" xmlns:p="http://schemas.openxmlformats.org/presentationml/2006/main">
-  <p:cSld>
-    <p:spTree>
-      <p:nvGrpSpPr>
-        <p:cNvPr id="1" name=""/>
-        <p:cNvGrpSpPr/>
-        <p:nvPr/>
-      </p:nvGrpSpPr>
-      <p:grpSpPr>
-        <a:xfrm>
-          <a:off x="0" y="0"/>
-          <a:ext cx="0" cy="0"/>
-          <a:chOff x="0" y="0"/>
-          <a:chExt cx="0" cy="0"/>
-        </a:xfrm>
-      </p:grpSpPr>
-      <p:sp>
-        <p:nvSpPr>
-          <p:cNvPr id="2" name="object 2"/>
-          <p:cNvSpPr txBox="1">
-            <a:spLocks noGrp="1"/>
-          </p:cNvSpPr>
-          <p:nvPr>
-            <p:ph type="title"/>
-          </p:nvPr>
-        </p:nvSpPr>
-        <p:spPr>
-          <a:xfrm>
-            <a:off x="331250" y="250726"/>
-            <a:ext cx="8660350" cy="597599"/>
-          </a:xfrm>
-          <a:prstGeom prst="rect">
-            <a:avLst/>
-          </a:prstGeom>
-        </p:spPr>
-        <p:txBody>
-          <a:bodyPr vert="horz" wrap="square" lIns="0" tIns="12700" rIns="0" bIns="0" rtlCol="0">
-            <a:spAutoFit/>
-          </a:bodyPr>
-          <a:lstStyle/>
-          <a:p>
-            <a:pPr marL="12700">
-              <a:lnSpc>
-                <a:spcPct val="100000"/>
-              </a:lnSpc>
-              <a:spcBef>
-                <a:spcPts val="100"/>
-              </a:spcBef>
-            </a:pPr>
-            <a:r>
-              <a:rPr lang="en-CA" sz="3800" spc="-35" dirty="0" smtClean="0">
-                <a:solidFill>
-                  <a:srgbClr val="F1CD00"/>
-                </a:solidFill>
-              </a:rPr>
-              <a:t>Appendix A: Mathematical Model</a:t>
-            </a:r>
-            <a:endParaRPr sz="3800" dirty="0"/>
-          </a:p>
-        </p:txBody>
-      </p:sp>
-      <p:sp>
-        <p:nvSpPr>
-          <p:cNvPr id="7" name="object 7"/>
-          <p:cNvSpPr txBox="1">
-            <a:spLocks noGrp="1"/>
-          </p:cNvSpPr>
-          <p:nvPr>
-            <p:ph type="sldNum" sz="quarter" idx="7"/>
-          </p:nvPr>
-        </p:nvSpPr>
-        <p:spPr>
-          <a:prstGeom prst="rect">
-            <a:avLst/>
-          </a:prstGeom>
-        </p:spPr>
-        <p:txBody>
-          <a:bodyPr vert="horz" wrap="square" lIns="0" tIns="635" rIns="0" bIns="0" rtlCol="0">
-            <a:spAutoFit/>
-          </a:bodyPr>
-          <a:lstStyle/>
-          <a:p>
-            <a:pPr marL="38100">
-              <a:lnSpc>
-                <a:spcPct val="100000"/>
-              </a:lnSpc>
-              <a:spcBef>
-                <a:spcPts val="5"/>
-              </a:spcBef>
-            </a:pPr>
-            <a:fld id="{81D60167-4931-47E6-BA6A-407CBD079E47}" type="slidenum">
-              <a:rPr dirty="0"/>
-              <a:t>16</a:t>
-            </a:fld>
-            <a:endParaRPr dirty="0"/>
-          </a:p>
-        </p:txBody>
-      </p:sp>
-      <p:sp>
-        <p:nvSpPr>
-          <p:cNvPr id="3" name="Rounded Rectangle 2"/>
-          <p:cNvSpPr/>
-          <p:nvPr/>
-        </p:nvSpPr>
-        <p:spPr>
-          <a:xfrm>
-            <a:off x="685800" y="1200150"/>
-            <a:ext cx="1080000" cy="1080000"/>
-          </a:xfrm>
-          <a:prstGeom prst="roundRect">
-            <a:avLst/>
-          </a:prstGeom>
-          <a:noFill/>
-          <a:ln>
-            <a:solidFill>
-              <a:schemeClr val="tx1"/>
-            </a:solidFill>
-          </a:ln>
-        </p:spPr>
-        <p:style>
-          <a:lnRef idx="2">
-            <a:schemeClr val="accent1">
-              <a:shade val="50000"/>
-            </a:schemeClr>
-          </a:lnRef>
-          <a:fillRef idx="1">
-            <a:schemeClr val="accent1"/>
-          </a:fillRef>
-          <a:effectRef idx="0">
-            <a:schemeClr val="accent1"/>
-          </a:effectRef>
-          <a:fontRef idx="minor">
-            <a:schemeClr val="lt1"/>
-          </a:fontRef>
-        </p:style>
-        <p:txBody>
-          <a:bodyPr rtlCol="0" anchor="ctr"/>
-          <a:lstStyle/>
-          <a:p>
-            <a:pPr algn="ctr"/>
-            <a:r>
-              <a:rPr lang="en-CA" sz="8800" dirty="0" smtClean="0">
-                <a:solidFill>
-                  <a:schemeClr val="tx1"/>
-                </a:solidFill>
-              </a:rPr>
-              <a:t>S</a:t>
-            </a:r>
-            <a:endParaRPr lang="en-CA" sz="8800" dirty="0">
-              <a:solidFill>
-                <a:schemeClr val="tx1"/>
-              </a:solidFill>
-            </a:endParaRPr>
-          </a:p>
-        </p:txBody>
-      </p:sp>
-      <p:sp>
-        <p:nvSpPr>
-          <p:cNvPr id="6" name="Rounded Rectangle 5"/>
-          <p:cNvSpPr/>
-          <p:nvPr/>
-        </p:nvSpPr>
-        <p:spPr>
-          <a:xfrm>
-            <a:off x="4800600" y="3199491"/>
-            <a:ext cx="1080000" cy="1080000"/>
-          </a:xfrm>
-          <a:prstGeom prst="roundRect">
-            <a:avLst/>
-          </a:prstGeom>
-          <a:noFill/>
-          <a:ln>
-            <a:solidFill>
-              <a:schemeClr val="tx1"/>
-            </a:solidFill>
-          </a:ln>
-        </p:spPr>
-        <p:style>
-          <a:lnRef idx="2">
-            <a:schemeClr val="accent1">
-              <a:shade val="50000"/>
-            </a:schemeClr>
-          </a:lnRef>
-          <a:fillRef idx="1">
-            <a:schemeClr val="accent1"/>
-          </a:fillRef>
-          <a:effectRef idx="0">
-            <a:schemeClr val="accent1"/>
-          </a:effectRef>
-          <a:fontRef idx="minor">
-            <a:schemeClr val="lt1"/>
-          </a:fontRef>
-        </p:style>
-        <p:txBody>
-          <a:bodyPr rtlCol="0" anchor="ctr"/>
-          <a:lstStyle/>
-          <a:p>
-            <a:pPr algn="ctr"/>
-            <a:r>
-              <a:rPr lang="en-CA" sz="8800" dirty="0" smtClean="0">
-                <a:solidFill>
-                  <a:schemeClr val="tx1"/>
-                </a:solidFill>
-              </a:rPr>
-              <a:t>I</a:t>
-            </a:r>
-            <a:r>
-              <a:rPr lang="en-CA" sz="4000" baseline="-25000" dirty="0" smtClean="0">
-                <a:solidFill>
-                  <a:schemeClr val="tx1"/>
-                </a:solidFill>
-              </a:rPr>
-              <a:t>e</a:t>
-            </a:r>
-            <a:endParaRPr lang="en-CA" sz="8800" baseline="-25000" dirty="0">
-              <a:solidFill>
-                <a:schemeClr val="tx1"/>
-              </a:solidFill>
-            </a:endParaRPr>
-          </a:p>
-        </p:txBody>
-      </p:sp>
-      <p:sp>
-        <p:nvSpPr>
-          <p:cNvPr id="8" name="Rounded Rectangle 7"/>
-          <p:cNvSpPr/>
-          <p:nvPr/>
-        </p:nvSpPr>
-        <p:spPr>
-          <a:xfrm>
-            <a:off x="2743756" y="3199491"/>
-            <a:ext cx="1080000" cy="1080000"/>
-          </a:xfrm>
-          <a:prstGeom prst="roundRect">
-            <a:avLst/>
-          </a:prstGeom>
-          <a:noFill/>
-          <a:ln>
-            <a:solidFill>
-              <a:schemeClr val="tx1"/>
-            </a:solidFill>
-          </a:ln>
-        </p:spPr>
-        <p:style>
-          <a:lnRef idx="2">
-            <a:schemeClr val="accent1">
-              <a:shade val="50000"/>
-            </a:schemeClr>
-          </a:lnRef>
-          <a:fillRef idx="1">
-            <a:schemeClr val="accent1"/>
-          </a:fillRef>
-          <a:effectRef idx="0">
-            <a:schemeClr val="accent1"/>
-          </a:effectRef>
-          <a:fontRef idx="minor">
-            <a:schemeClr val="lt1"/>
-          </a:fontRef>
-        </p:style>
-        <p:txBody>
-          <a:bodyPr rtlCol="0" anchor="ctr"/>
-          <a:lstStyle/>
-          <a:p>
-            <a:pPr algn="ctr"/>
-            <a:r>
-              <a:rPr lang="en-CA" sz="8800" dirty="0" smtClean="0">
-                <a:solidFill>
-                  <a:schemeClr val="tx1"/>
-                </a:solidFill>
-              </a:rPr>
-              <a:t>E</a:t>
-            </a:r>
-            <a:r>
-              <a:rPr lang="en-CA" sz="4000" baseline="-25000" dirty="0" smtClean="0">
-                <a:solidFill>
-                  <a:schemeClr val="tx1"/>
-                </a:solidFill>
-              </a:rPr>
-              <a:t>e</a:t>
-            </a:r>
-            <a:endParaRPr lang="en-CA" sz="8800" baseline="-25000" dirty="0">
-              <a:solidFill>
-                <a:schemeClr val="tx1"/>
-              </a:solidFill>
-            </a:endParaRPr>
-          </a:p>
-        </p:txBody>
-      </p:sp>
-      <p:sp>
-        <p:nvSpPr>
-          <p:cNvPr id="9" name="Rounded Rectangle 8"/>
-          <p:cNvSpPr/>
-          <p:nvPr/>
-        </p:nvSpPr>
-        <p:spPr>
-          <a:xfrm>
-            <a:off x="685800" y="3199491"/>
-            <a:ext cx="1080000" cy="1080000"/>
-          </a:xfrm>
-          <a:prstGeom prst="roundRect">
-            <a:avLst/>
-          </a:prstGeom>
-          <a:noFill/>
-          <a:ln>
-            <a:solidFill>
-              <a:schemeClr val="tx1"/>
-            </a:solidFill>
-          </a:ln>
-        </p:spPr>
-        <p:style>
-          <a:lnRef idx="2">
-            <a:schemeClr val="accent1">
-              <a:shade val="50000"/>
-            </a:schemeClr>
-          </a:lnRef>
-          <a:fillRef idx="1">
-            <a:schemeClr val="accent1"/>
-          </a:fillRef>
-          <a:effectRef idx="0">
-            <a:schemeClr val="accent1"/>
-          </a:effectRef>
-          <a:fontRef idx="minor">
-            <a:schemeClr val="lt1"/>
-          </a:fontRef>
-        </p:style>
-        <p:txBody>
-          <a:bodyPr rtlCol="0" anchor="ctr"/>
-          <a:lstStyle/>
-          <a:p>
-            <a:pPr algn="ctr"/>
-            <a:r>
-              <a:rPr lang="en-CA" sz="8800" dirty="0" smtClean="0">
-                <a:solidFill>
-                  <a:schemeClr val="tx1"/>
-                </a:solidFill>
-              </a:rPr>
-              <a:t>S</a:t>
-            </a:r>
-            <a:r>
-              <a:rPr lang="en-CA" sz="4000" baseline="-25000" dirty="0" smtClean="0">
-                <a:solidFill>
-                  <a:schemeClr val="tx1"/>
-                </a:solidFill>
-              </a:rPr>
-              <a:t>e</a:t>
-            </a:r>
-            <a:endParaRPr lang="en-CA" sz="4000" baseline="-25000" dirty="0">
-              <a:solidFill>
-                <a:schemeClr val="tx1"/>
-              </a:solidFill>
-            </a:endParaRPr>
-          </a:p>
-        </p:txBody>
-      </p:sp>
-      <p:sp>
-        <p:nvSpPr>
-          <p:cNvPr id="10" name="Rounded Rectangle 9"/>
-          <p:cNvSpPr/>
-          <p:nvPr/>
-        </p:nvSpPr>
-        <p:spPr>
-          <a:xfrm>
-            <a:off x="2743200" y="1200150"/>
-            <a:ext cx="1080000" cy="1080000"/>
-          </a:xfrm>
-          <a:prstGeom prst="roundRect">
-            <a:avLst/>
-          </a:prstGeom>
-          <a:noFill/>
-          <a:ln>
-            <a:solidFill>
-              <a:schemeClr val="tx1"/>
-            </a:solidFill>
-          </a:ln>
-        </p:spPr>
-        <p:style>
-          <a:lnRef idx="2">
-            <a:schemeClr val="accent1">
-              <a:shade val="50000"/>
-            </a:schemeClr>
-          </a:lnRef>
-          <a:fillRef idx="1">
-            <a:schemeClr val="accent1"/>
-          </a:fillRef>
-          <a:effectRef idx="0">
-            <a:schemeClr val="accent1"/>
-          </a:effectRef>
-          <a:fontRef idx="minor">
-            <a:schemeClr val="lt1"/>
-          </a:fontRef>
-        </p:style>
-        <p:txBody>
-          <a:bodyPr rtlCol="0" anchor="ctr"/>
-          <a:lstStyle/>
-          <a:p>
-            <a:pPr algn="ctr"/>
-            <a:r>
-              <a:rPr lang="en-CA" sz="8800" dirty="0">
-                <a:solidFill>
-                  <a:schemeClr val="tx1"/>
-                </a:solidFill>
-              </a:rPr>
-              <a:t>E</a:t>
-            </a:r>
-          </a:p>
-        </p:txBody>
-      </p:sp>
-      <p:sp>
-        <p:nvSpPr>
-          <p:cNvPr id="11" name="Rounded Rectangle 10"/>
-          <p:cNvSpPr/>
-          <p:nvPr/>
-        </p:nvSpPr>
-        <p:spPr>
-          <a:xfrm>
-            <a:off x="4800600" y="1200150"/>
-            <a:ext cx="1080000" cy="1080000"/>
-          </a:xfrm>
-          <a:prstGeom prst="roundRect">
-            <a:avLst/>
-          </a:prstGeom>
-          <a:noFill/>
-          <a:ln>
-            <a:solidFill>
-              <a:schemeClr val="tx1"/>
-            </a:solidFill>
-          </a:ln>
-        </p:spPr>
-        <p:style>
-          <a:lnRef idx="2">
-            <a:schemeClr val="accent1">
-              <a:shade val="50000"/>
-            </a:schemeClr>
-          </a:lnRef>
-          <a:fillRef idx="1">
-            <a:schemeClr val="accent1"/>
-          </a:fillRef>
-          <a:effectRef idx="0">
-            <a:schemeClr val="accent1"/>
-          </a:effectRef>
-          <a:fontRef idx="minor">
-            <a:schemeClr val="lt1"/>
-          </a:fontRef>
-        </p:style>
-        <p:txBody>
-          <a:bodyPr rtlCol="0" anchor="ctr"/>
-          <a:lstStyle/>
-          <a:p>
-            <a:pPr algn="ctr"/>
-            <a:r>
-              <a:rPr lang="en-CA" sz="8800" dirty="0">
-                <a:solidFill>
-                  <a:schemeClr val="tx1"/>
-                </a:solidFill>
-              </a:rPr>
-              <a:t>I</a:t>
-            </a:r>
-          </a:p>
-        </p:txBody>
-      </p:sp>
-      <p:sp>
-        <p:nvSpPr>
-          <p:cNvPr id="12" name="Rounded Rectangle 11"/>
-          <p:cNvSpPr/>
-          <p:nvPr/>
-        </p:nvSpPr>
-        <p:spPr>
-          <a:xfrm>
-            <a:off x="6858000" y="1200150"/>
-            <a:ext cx="1080000" cy="1080000"/>
-          </a:xfrm>
-          <a:prstGeom prst="roundRect">
-            <a:avLst/>
-          </a:prstGeom>
-          <a:noFill/>
-          <a:ln>
-            <a:solidFill>
-              <a:schemeClr val="tx1"/>
-            </a:solidFill>
-          </a:ln>
-        </p:spPr>
-        <p:style>
-          <a:lnRef idx="2">
-            <a:schemeClr val="accent1">
-              <a:shade val="50000"/>
-            </a:schemeClr>
-          </a:lnRef>
-          <a:fillRef idx="1">
-            <a:schemeClr val="accent1"/>
-          </a:fillRef>
-          <a:effectRef idx="0">
-            <a:schemeClr val="accent1"/>
-          </a:effectRef>
-          <a:fontRef idx="minor">
-            <a:schemeClr val="lt1"/>
-          </a:fontRef>
-        </p:style>
-        <p:txBody>
-          <a:bodyPr rtlCol="0" anchor="ctr"/>
-          <a:lstStyle/>
-          <a:p>
-            <a:pPr algn="ctr"/>
-            <a:r>
-              <a:rPr lang="en-CA" sz="8800" dirty="0">
-                <a:solidFill>
-                  <a:schemeClr val="tx1"/>
-                </a:solidFill>
-              </a:rPr>
-              <a:t>R</a:t>
-            </a:r>
-          </a:p>
-        </p:txBody>
-      </p:sp>
-      <p:cxnSp>
-        <p:nvCxnSpPr>
-          <p:cNvPr id="13" name="Straight Arrow Connector 12"/>
-          <p:cNvCxnSpPr>
-            <a:stCxn id="3" idx="3"/>
-            <a:endCxn id="10" idx="1"/>
-          </p:cNvCxnSpPr>
-          <p:nvPr/>
-        </p:nvCxnSpPr>
-        <p:spPr>
-          <a:xfrm>
-            <a:off x="1765800" y="1740150"/>
-            <a:ext cx="977400" cy="0"/>
-          </a:xfrm>
-          <a:prstGeom prst="straightConnector1">
-            <a:avLst/>
-          </a:prstGeom>
-          <a:ln>
-            <a:tailEnd type="arrow"/>
-          </a:ln>
-        </p:spPr>
-        <p:style>
-          <a:lnRef idx="1">
-            <a:schemeClr val="dk1"/>
-          </a:lnRef>
-          <a:fillRef idx="0">
-            <a:schemeClr val="dk1"/>
-          </a:fillRef>
-          <a:effectRef idx="0">
-            <a:schemeClr val="dk1"/>
-          </a:effectRef>
-          <a:fontRef idx="minor">
-            <a:schemeClr val="tx1"/>
-          </a:fontRef>
-        </p:style>
-      </p:cxnSp>
-      <p:cxnSp>
-        <p:nvCxnSpPr>
-          <p:cNvPr id="14" name="Straight Arrow Connector 13"/>
-          <p:cNvCxnSpPr>
-            <a:stCxn id="11" idx="2"/>
-            <a:endCxn id="6" idx="0"/>
-          </p:cNvCxnSpPr>
-          <p:nvPr/>
-        </p:nvCxnSpPr>
-        <p:spPr>
-          <a:xfrm>
-            <a:off x="5340600" y="2280150"/>
-            <a:ext cx="0" cy="919341"/>
-          </a:xfrm>
-          <a:prstGeom prst="straightConnector1">
-            <a:avLst/>
-          </a:prstGeom>
-          <a:ln>
-            <a:tailEnd type="arrow"/>
-          </a:ln>
-        </p:spPr>
-        <p:style>
-          <a:lnRef idx="1">
-            <a:schemeClr val="dk1"/>
-          </a:lnRef>
-          <a:fillRef idx="0">
-            <a:schemeClr val="dk1"/>
-          </a:fillRef>
-          <a:effectRef idx="0">
-            <a:schemeClr val="dk1"/>
-          </a:effectRef>
-          <a:fontRef idx="minor">
-            <a:schemeClr val="tx1"/>
-          </a:fontRef>
-        </p:style>
-      </p:cxnSp>
-      <p:cxnSp>
-        <p:nvCxnSpPr>
-          <p:cNvPr id="15" name="Straight Arrow Connector 14"/>
-          <p:cNvCxnSpPr>
-            <a:stCxn id="10" idx="2"/>
-            <a:endCxn id="8" idx="0"/>
-          </p:cNvCxnSpPr>
-          <p:nvPr/>
-        </p:nvCxnSpPr>
-        <p:spPr>
-          <a:xfrm>
-            <a:off x="3283200" y="2280150"/>
-            <a:ext cx="556" cy="919341"/>
-          </a:xfrm>
-          <a:prstGeom prst="straightConnector1">
-            <a:avLst/>
-          </a:prstGeom>
-          <a:ln>
-            <a:tailEnd type="arrow"/>
-          </a:ln>
-        </p:spPr>
-        <p:style>
-          <a:lnRef idx="1">
-            <a:schemeClr val="dk1"/>
-          </a:lnRef>
-          <a:fillRef idx="0">
-            <a:schemeClr val="dk1"/>
-          </a:fillRef>
-          <a:effectRef idx="0">
-            <a:schemeClr val="dk1"/>
-          </a:effectRef>
-          <a:fontRef idx="minor">
-            <a:schemeClr val="tx1"/>
-          </a:fontRef>
-        </p:style>
-      </p:cxnSp>
-      <p:cxnSp>
-        <p:nvCxnSpPr>
-          <p:cNvPr id="16" name="Straight Arrow Connector 15"/>
-          <p:cNvCxnSpPr>
-            <a:stCxn id="3" idx="2"/>
-            <a:endCxn id="9" idx="0"/>
-          </p:cNvCxnSpPr>
-          <p:nvPr/>
-        </p:nvCxnSpPr>
-        <p:spPr>
-          <a:xfrm>
-            <a:off x="1225800" y="2280150"/>
-            <a:ext cx="0" cy="919341"/>
-          </a:xfrm>
-          <a:prstGeom prst="straightConnector1">
-            <a:avLst/>
-          </a:prstGeom>
-          <a:ln>
-            <a:tailEnd type="arrow"/>
-          </a:ln>
-        </p:spPr>
-        <p:style>
-          <a:lnRef idx="1">
-            <a:schemeClr val="dk1"/>
-          </a:lnRef>
-          <a:fillRef idx="0">
-            <a:schemeClr val="dk1"/>
-          </a:fillRef>
-          <a:effectRef idx="0">
-            <a:schemeClr val="dk1"/>
-          </a:effectRef>
-          <a:fontRef idx="minor">
-            <a:schemeClr val="tx1"/>
-          </a:fontRef>
-        </p:style>
-      </p:cxnSp>
-      <p:cxnSp>
-        <p:nvCxnSpPr>
-          <p:cNvPr id="17" name="Straight Arrow Connector 16"/>
-          <p:cNvCxnSpPr/>
-          <p:nvPr/>
-        </p:nvCxnSpPr>
-        <p:spPr>
-          <a:xfrm>
-            <a:off x="3823200" y="3728710"/>
-            <a:ext cx="977400" cy="0"/>
-          </a:xfrm>
-          <a:prstGeom prst="straightConnector1">
-            <a:avLst/>
-          </a:prstGeom>
-          <a:ln>
-            <a:tailEnd type="arrow"/>
-          </a:ln>
-        </p:spPr>
-        <p:style>
-          <a:lnRef idx="1">
-            <a:schemeClr val="dk1"/>
-          </a:lnRef>
-          <a:fillRef idx="0">
-            <a:schemeClr val="dk1"/>
-          </a:fillRef>
-          <a:effectRef idx="0">
-            <a:schemeClr val="dk1"/>
-          </a:effectRef>
-          <a:fontRef idx="minor">
-            <a:schemeClr val="tx1"/>
-          </a:fontRef>
-        </p:style>
-      </p:cxnSp>
-      <p:cxnSp>
-        <p:nvCxnSpPr>
-          <p:cNvPr id="18" name="Straight Arrow Connector 17"/>
-          <p:cNvCxnSpPr/>
-          <p:nvPr/>
-        </p:nvCxnSpPr>
-        <p:spPr>
-          <a:xfrm>
-            <a:off x="1765800" y="3739491"/>
-            <a:ext cx="977400" cy="0"/>
-          </a:xfrm>
-          <a:prstGeom prst="straightConnector1">
-            <a:avLst/>
-          </a:prstGeom>
-          <a:ln>
-            <a:tailEnd type="arrow"/>
-          </a:ln>
-        </p:spPr>
-        <p:style>
-          <a:lnRef idx="1">
-            <a:schemeClr val="dk1"/>
-          </a:lnRef>
-          <a:fillRef idx="0">
-            <a:schemeClr val="dk1"/>
-          </a:fillRef>
-          <a:effectRef idx="0">
-            <a:schemeClr val="dk1"/>
-          </a:effectRef>
-          <a:fontRef idx="minor">
-            <a:schemeClr val="tx1"/>
-          </a:fontRef>
-        </p:style>
-      </p:cxnSp>
-      <p:cxnSp>
-        <p:nvCxnSpPr>
-          <p:cNvPr id="19" name="Straight Arrow Connector 18"/>
-          <p:cNvCxnSpPr/>
-          <p:nvPr/>
-        </p:nvCxnSpPr>
-        <p:spPr>
-          <a:xfrm>
-            <a:off x="3823200" y="1794519"/>
-            <a:ext cx="977400" cy="0"/>
-          </a:xfrm>
-          <a:prstGeom prst="straightConnector1">
-            <a:avLst/>
-          </a:prstGeom>
-          <a:ln>
-            <a:tailEnd type="arrow"/>
-          </a:ln>
-        </p:spPr>
-        <p:style>
-          <a:lnRef idx="1">
-            <a:schemeClr val="dk1"/>
-          </a:lnRef>
-          <a:fillRef idx="0">
-            <a:schemeClr val="dk1"/>
-          </a:fillRef>
-          <a:effectRef idx="0">
-            <a:schemeClr val="dk1"/>
-          </a:effectRef>
-          <a:fontRef idx="minor">
-            <a:schemeClr val="tx1"/>
-          </a:fontRef>
-        </p:style>
-      </p:cxnSp>
-      <p:cxnSp>
-        <p:nvCxnSpPr>
-          <p:cNvPr id="20" name="Straight Arrow Connector 19"/>
-          <p:cNvCxnSpPr/>
-          <p:nvPr/>
-        </p:nvCxnSpPr>
-        <p:spPr>
-          <a:xfrm>
-            <a:off x="5880600" y="1809750"/>
-            <a:ext cx="977400" cy="0"/>
-          </a:xfrm>
-          <a:prstGeom prst="straightConnector1">
-            <a:avLst/>
-          </a:prstGeom>
-          <a:ln>
-            <a:tailEnd type="arrow"/>
-          </a:ln>
-        </p:spPr>
-        <p:style>
-          <a:lnRef idx="1">
-            <a:schemeClr val="dk1"/>
-          </a:lnRef>
-          <a:fillRef idx="0">
-            <a:schemeClr val="dk1"/>
-          </a:fillRef>
-          <a:effectRef idx="0">
-            <a:schemeClr val="dk1"/>
-          </a:effectRef>
-          <a:fontRef idx="minor">
-            <a:schemeClr val="tx1"/>
-          </a:fontRef>
-        </p:style>
-      </p:cxnSp>
-      <p:cxnSp>
-        <p:nvCxnSpPr>
-          <p:cNvPr id="21" name="Straight Arrow Connector 20"/>
-          <p:cNvCxnSpPr>
-            <a:endCxn id="12" idx="2"/>
-          </p:cNvCxnSpPr>
-          <p:nvPr/>
-        </p:nvCxnSpPr>
-        <p:spPr>
-          <a:xfrm flipV="1">
-            <a:off x="5880600" y="2280150"/>
-            <a:ext cx="1517400" cy="1448560"/>
-          </a:xfrm>
-          <a:prstGeom prst="straightConnector1">
-            <a:avLst/>
-          </a:prstGeom>
-          <a:ln>
-            <a:tailEnd type="arrow"/>
-          </a:ln>
-        </p:spPr>
-        <p:style>
-          <a:lnRef idx="1">
-            <a:schemeClr val="dk1"/>
-          </a:lnRef>
-          <a:fillRef idx="0">
-            <a:schemeClr val="dk1"/>
-          </a:fillRef>
-          <a:effectRef idx="0">
-            <a:schemeClr val="dk1"/>
-          </a:effectRef>
-          <a:fontRef idx="minor">
-            <a:schemeClr val="tx1"/>
-          </a:fontRef>
-        </p:style>
-      </p:cxnSp>
-      <p:sp>
-        <p:nvSpPr>
-          <p:cNvPr id="29" name="TextBox 28"/>
-          <p:cNvSpPr txBox="1"/>
-          <p:nvPr/>
-        </p:nvSpPr>
-        <p:spPr>
-          <a:xfrm>
-            <a:off x="2057400" y="1504950"/>
-            <a:ext cx="381000" cy="276999"/>
-          </a:xfrm>
-          <a:prstGeom prst="rect">
-            <a:avLst/>
-          </a:prstGeom>
-          <a:noFill/>
-        </p:spPr>
-        <p:txBody>
-          <a:bodyPr wrap="square" rtlCol="0">
-            <a:spAutoFit/>
-          </a:bodyPr>
-          <a:lstStyle/>
-          <a:p>
-            <a:r>
-              <a:rPr lang="el-GR" sz="1200" dirty="0" smtClean="0"/>
-              <a:t>β</a:t>
-            </a:r>
-            <a:r>
-              <a:rPr lang="en-CA" sz="1200" dirty="0" smtClean="0"/>
-              <a:t>SI</a:t>
-            </a:r>
-            <a:endParaRPr lang="en-CA" sz="1200" dirty="0"/>
-          </a:p>
-        </p:txBody>
-      </p:sp>
-      <p:sp>
-        <p:nvSpPr>
-          <p:cNvPr id="30" name="TextBox 29"/>
-          <p:cNvSpPr txBox="1"/>
-          <p:nvPr/>
-        </p:nvSpPr>
-        <p:spPr>
-          <a:xfrm>
-            <a:off x="1295400" y="2601320"/>
-            <a:ext cx="381000" cy="276999"/>
-          </a:xfrm>
-          <a:prstGeom prst="rect">
-            <a:avLst/>
-          </a:prstGeom>
-          <a:noFill/>
-        </p:spPr>
-        <p:txBody>
-          <a:bodyPr wrap="square" rtlCol="0">
-            <a:spAutoFit/>
-          </a:bodyPr>
-          <a:lstStyle/>
-          <a:p>
-            <a:r>
-              <a:rPr lang="el-GR" sz="1200" dirty="0" smtClean="0"/>
-              <a:t>α</a:t>
-            </a:r>
-            <a:r>
-              <a:rPr lang="en-CA" sz="1200" dirty="0" smtClean="0"/>
-              <a:t>S</a:t>
-            </a:r>
-            <a:endParaRPr lang="en-CA" sz="1200" dirty="0"/>
-          </a:p>
-        </p:txBody>
-      </p:sp>
-      <p:sp>
-        <p:nvSpPr>
-          <p:cNvPr id="31" name="TextBox 30"/>
-          <p:cNvSpPr txBox="1"/>
-          <p:nvPr/>
-        </p:nvSpPr>
-        <p:spPr>
-          <a:xfrm>
-            <a:off x="2819400" y="2629121"/>
-            <a:ext cx="381000" cy="276999"/>
-          </a:xfrm>
-          <a:prstGeom prst="rect">
-            <a:avLst/>
-          </a:prstGeom>
-          <a:noFill/>
-        </p:spPr>
-        <p:txBody>
-          <a:bodyPr wrap="square" rtlCol="0">
-            <a:spAutoFit/>
-          </a:bodyPr>
-          <a:lstStyle/>
-          <a:p>
-            <a:r>
-              <a:rPr lang="el-GR" sz="1200" dirty="0" smtClean="0"/>
-              <a:t>α</a:t>
-            </a:r>
-            <a:r>
-              <a:rPr lang="en-CA" sz="1200" dirty="0"/>
-              <a:t>E</a:t>
-            </a:r>
-          </a:p>
-        </p:txBody>
-      </p:sp>
-      <p:sp>
-        <p:nvSpPr>
-          <p:cNvPr id="32" name="TextBox 31"/>
-          <p:cNvSpPr txBox="1"/>
-          <p:nvPr/>
-        </p:nvSpPr>
-        <p:spPr>
-          <a:xfrm>
-            <a:off x="4926228" y="2629121"/>
-            <a:ext cx="381000" cy="276999"/>
-          </a:xfrm>
-          <a:prstGeom prst="rect">
-            <a:avLst/>
-          </a:prstGeom>
-          <a:noFill/>
-        </p:spPr>
-        <p:txBody>
-          <a:bodyPr wrap="square" rtlCol="0">
-            <a:spAutoFit/>
-          </a:bodyPr>
-          <a:lstStyle/>
-          <a:p>
-            <a:r>
-              <a:rPr lang="el-GR" sz="1200" dirty="0" smtClean="0"/>
-              <a:t>α</a:t>
-            </a:r>
-            <a:r>
-              <a:rPr lang="en-CA" sz="1200" dirty="0"/>
-              <a:t>I</a:t>
-            </a:r>
-          </a:p>
-        </p:txBody>
-      </p:sp>
-      <p:sp>
-        <p:nvSpPr>
-          <p:cNvPr id="33" name="TextBox 32"/>
-          <p:cNvSpPr txBox="1"/>
-          <p:nvPr/>
-        </p:nvSpPr>
-        <p:spPr>
-          <a:xfrm>
-            <a:off x="4121400" y="1517520"/>
-            <a:ext cx="381000" cy="276999"/>
-          </a:xfrm>
-          <a:prstGeom prst="rect">
-            <a:avLst/>
-          </a:prstGeom>
-          <a:noFill/>
-        </p:spPr>
-        <p:txBody>
-          <a:bodyPr wrap="square" rtlCol="0">
-            <a:spAutoFit/>
-          </a:bodyPr>
-          <a:lstStyle/>
-          <a:p>
-            <a:r>
-              <a:rPr lang="el-GR" sz="1200" dirty="0" smtClean="0"/>
-              <a:t>σ</a:t>
-            </a:r>
-            <a:r>
-              <a:rPr lang="en-CA" sz="1200" dirty="0" smtClean="0"/>
-              <a:t>E</a:t>
-            </a:r>
-            <a:endParaRPr lang="en-CA" sz="1200" dirty="0"/>
-          </a:p>
-        </p:txBody>
-      </p:sp>
-      <p:sp>
-        <p:nvSpPr>
-          <p:cNvPr id="34" name="TextBox 33"/>
-          <p:cNvSpPr txBox="1"/>
-          <p:nvPr/>
-        </p:nvSpPr>
-        <p:spPr>
-          <a:xfrm>
-            <a:off x="6178800" y="1502672"/>
-            <a:ext cx="381000" cy="276999"/>
-          </a:xfrm>
-          <a:prstGeom prst="rect">
-            <a:avLst/>
-          </a:prstGeom>
-          <a:noFill/>
-        </p:spPr>
-        <p:txBody>
-          <a:bodyPr wrap="square" rtlCol="0">
-            <a:spAutoFit/>
-          </a:bodyPr>
-          <a:lstStyle/>
-          <a:p>
-            <a:r>
-              <a:rPr lang="el-GR" sz="1200" dirty="0"/>
-              <a:t>γ</a:t>
-            </a:r>
-            <a:r>
-              <a:rPr lang="en-CA" sz="1200" dirty="0" smtClean="0"/>
-              <a:t>I</a:t>
-            </a:r>
-            <a:endParaRPr lang="en-CA" sz="1200" dirty="0"/>
-          </a:p>
-        </p:txBody>
-      </p:sp>
-      <p:sp>
-        <p:nvSpPr>
-          <p:cNvPr id="35" name="TextBox 34"/>
-          <p:cNvSpPr txBox="1"/>
-          <p:nvPr/>
-        </p:nvSpPr>
-        <p:spPr>
-          <a:xfrm>
-            <a:off x="4112944" y="3451711"/>
-            <a:ext cx="459055" cy="276999"/>
-          </a:xfrm>
-          <a:prstGeom prst="rect">
-            <a:avLst/>
-          </a:prstGeom>
-          <a:noFill/>
-        </p:spPr>
-        <p:txBody>
-          <a:bodyPr wrap="square" rtlCol="0">
-            <a:spAutoFit/>
-          </a:bodyPr>
-          <a:lstStyle/>
-          <a:p>
-            <a:r>
-              <a:rPr lang="el-GR" sz="1200" dirty="0" smtClean="0"/>
-              <a:t>σ</a:t>
-            </a:r>
-            <a:r>
-              <a:rPr lang="en-CA" sz="1200" dirty="0"/>
-              <a:t>E</a:t>
-            </a:r>
-            <a:r>
-              <a:rPr lang="en-CA" sz="1200" baseline="-25000" dirty="0" smtClean="0"/>
-              <a:t>e</a:t>
-            </a:r>
-            <a:endParaRPr lang="en-CA" sz="1200" baseline="-25000" dirty="0"/>
-          </a:p>
-        </p:txBody>
-      </p:sp>
-      <p:sp>
-        <p:nvSpPr>
-          <p:cNvPr id="36" name="TextBox 35"/>
-          <p:cNvSpPr txBox="1"/>
-          <p:nvPr/>
-        </p:nvSpPr>
-        <p:spPr>
-          <a:xfrm>
-            <a:off x="6276099" y="2769250"/>
-            <a:ext cx="381000" cy="276999"/>
-          </a:xfrm>
-          <a:prstGeom prst="rect">
-            <a:avLst/>
-          </a:prstGeom>
-          <a:noFill/>
-        </p:spPr>
-        <p:txBody>
-          <a:bodyPr wrap="square" rtlCol="0">
-            <a:spAutoFit/>
-          </a:bodyPr>
-          <a:lstStyle/>
-          <a:p>
-            <a:r>
-              <a:rPr lang="el-GR" sz="1200" dirty="0"/>
-              <a:t>γ</a:t>
-            </a:r>
-            <a:r>
-              <a:rPr lang="en-CA" sz="1200" dirty="0" smtClean="0"/>
-              <a:t>I</a:t>
-            </a:r>
-            <a:r>
-              <a:rPr lang="en-CA" sz="1200" baseline="-25000" dirty="0" smtClean="0"/>
-              <a:t>e</a:t>
-            </a:r>
-            <a:endParaRPr lang="en-CA" sz="1200" baseline="-25000" dirty="0"/>
-          </a:p>
-        </p:txBody>
-      </p:sp>
-      <p:sp>
-        <p:nvSpPr>
-          <p:cNvPr id="37" name="TextBox 36"/>
-          <p:cNvSpPr txBox="1"/>
-          <p:nvPr/>
-        </p:nvSpPr>
-        <p:spPr>
-          <a:xfrm>
-            <a:off x="1975452" y="3465611"/>
-            <a:ext cx="615348" cy="276999"/>
-          </a:xfrm>
-          <a:prstGeom prst="rect">
-            <a:avLst/>
-          </a:prstGeom>
-          <a:noFill/>
-        </p:spPr>
-        <p:txBody>
-          <a:bodyPr wrap="square" rtlCol="0">
-            <a:spAutoFit/>
-          </a:bodyPr>
-          <a:lstStyle/>
-          <a:p>
-            <a:r>
-              <a:rPr lang="el-GR" sz="1200" dirty="0" smtClean="0"/>
-              <a:t>β</a:t>
-            </a:r>
-            <a:r>
-              <a:rPr lang="en-CA" sz="1200" baseline="-25000" dirty="0" smtClean="0"/>
-              <a:t>e</a:t>
-            </a:r>
-            <a:r>
-              <a:rPr lang="en-CA" sz="1200" dirty="0" smtClean="0"/>
-              <a:t>E</a:t>
-            </a:r>
-            <a:r>
-              <a:rPr lang="en-CA" sz="1200" baseline="-25000" dirty="0" smtClean="0"/>
-              <a:t>e</a:t>
-            </a:r>
-            <a:r>
-              <a:rPr lang="en-CA" sz="1200" dirty="0" smtClean="0"/>
-              <a:t>I</a:t>
-            </a:r>
-            <a:endParaRPr lang="en-CA" sz="1200" baseline="-25000" dirty="0"/>
-          </a:p>
-        </p:txBody>
-      </p:sp>
-    </p:spTree>
-    <p:extLst>
-      <p:ext uri="{BB962C8B-B14F-4D97-AF65-F5344CB8AC3E}">
-        <p14:creationId xmlns:p14="http://schemas.microsoft.com/office/powerpoint/2010/main" val="1297351768"/>
-      </p:ext>
-    </p:extLst>
-  </p:cSld>
-  <p:clrMapOvr>
-    <a:masterClrMapping/>
-  </p:clrMapOvr>
-</p:sld>
-</file>
-
-<file path=ppt/slides/slide17.xml><?xml version="1.0" encoding="utf-8"?>
-<p:sld xmlns:a="http://schemas.openxmlformats.org/drawingml/2006/main" xmlns:r="http://schemas.openxmlformats.org/officeDocument/2006/relationships" xmlns:p="http://schemas.openxmlformats.org/presentationml/2006/main">
-  <p:cSld>
-    <p:spTree>
-      <p:nvGrpSpPr>
-        <p:cNvPr id="1" name=""/>
-        <p:cNvGrpSpPr/>
-        <p:nvPr/>
-      </p:nvGrpSpPr>
-      <p:grpSpPr>
-        <a:xfrm>
-          <a:off x="0" y="0"/>
-          <a:ext cx="0" cy="0"/>
-          <a:chOff x="0" y="0"/>
-          <a:chExt cx="0" cy="0"/>
-        </a:xfrm>
-      </p:grpSpPr>
-      <p:sp>
-        <p:nvSpPr>
-          <p:cNvPr id="2" name="object 2"/>
-          <p:cNvSpPr txBox="1">
-            <a:spLocks noGrp="1"/>
-          </p:cNvSpPr>
-          <p:nvPr>
-            <p:ph type="title"/>
-          </p:nvPr>
-        </p:nvSpPr>
-        <p:spPr>
-          <a:xfrm>
-            <a:off x="331250" y="250726"/>
-            <a:ext cx="8812750" cy="597599"/>
-          </a:xfrm>
-          <a:prstGeom prst="rect">
-            <a:avLst/>
-          </a:prstGeom>
-        </p:spPr>
-        <p:txBody>
-          <a:bodyPr vert="horz" wrap="square" lIns="0" tIns="12700" rIns="0" bIns="0" rtlCol="0">
-            <a:spAutoFit/>
-          </a:bodyPr>
-          <a:lstStyle/>
-          <a:p>
-            <a:pPr marL="12700">
-              <a:lnSpc>
-                <a:spcPct val="100000"/>
-              </a:lnSpc>
-              <a:spcBef>
-                <a:spcPts val="100"/>
-              </a:spcBef>
-            </a:pPr>
-            <a:r>
-              <a:rPr lang="en-CA" sz="3800" spc="-35" dirty="0" smtClean="0">
-                <a:solidFill>
-                  <a:srgbClr val="F1CD00"/>
-                </a:solidFill>
-              </a:rPr>
-              <a:t>Appendix B: Variables and Parameters</a:t>
-            </a:r>
-            <a:endParaRPr sz="3800" dirty="0"/>
-          </a:p>
-        </p:txBody>
-      </p:sp>
-      <p:sp>
-        <p:nvSpPr>
-          <p:cNvPr id="7" name="object 7"/>
-          <p:cNvSpPr txBox="1">
-            <a:spLocks noGrp="1"/>
-          </p:cNvSpPr>
-          <p:nvPr>
-            <p:ph type="sldNum" sz="quarter" idx="7"/>
-          </p:nvPr>
-        </p:nvSpPr>
-        <p:spPr>
-          <a:prstGeom prst="rect">
-            <a:avLst/>
-          </a:prstGeom>
-        </p:spPr>
-        <p:txBody>
-          <a:bodyPr vert="horz" wrap="square" lIns="0" tIns="635" rIns="0" bIns="0" rtlCol="0">
-            <a:spAutoFit/>
-          </a:bodyPr>
-          <a:lstStyle/>
-          <a:p>
-            <a:pPr marL="38100">
-              <a:lnSpc>
-                <a:spcPct val="100000"/>
-              </a:lnSpc>
-              <a:spcBef>
-                <a:spcPts val="5"/>
-              </a:spcBef>
-            </a:pPr>
-            <a:fld id="{81D60167-4931-47E6-BA6A-407CBD079E47}" type="slidenum">
-              <a:rPr dirty="0"/>
-              <a:t>17</a:t>
-            </a:fld>
-            <a:endParaRPr dirty="0"/>
-          </a:p>
-        </p:txBody>
-      </p:sp>
-      <p:sp>
-        <p:nvSpPr>
-          <p:cNvPr id="4" name="TextBox 3"/>
-          <p:cNvSpPr txBox="1"/>
-          <p:nvPr/>
-        </p:nvSpPr>
-        <p:spPr>
-          <a:xfrm>
-            <a:off x="421603" y="1200150"/>
-            <a:ext cx="8153400" cy="3231654"/>
-          </a:xfrm>
-          <a:prstGeom prst="rect">
-            <a:avLst/>
-          </a:prstGeom>
-          <a:noFill/>
-        </p:spPr>
-        <p:txBody>
-          <a:bodyPr wrap="square" rtlCol="0">
-            <a:spAutoFit/>
-          </a:bodyPr>
-          <a:lstStyle/>
-          <a:p>
-            <a:r>
-              <a:rPr lang="en-CA" sz="1200" dirty="0" smtClean="0"/>
-              <a:t>Population variables:</a:t>
-            </a:r>
-          </a:p>
-          <a:p>
-            <a:r>
-              <a:rPr lang="en-CA" sz="1200" dirty="0" smtClean="0"/>
-              <a:t>S – susceptible</a:t>
-            </a:r>
-          </a:p>
-          <a:p>
-            <a:r>
-              <a:rPr lang="en-CA" sz="1200" dirty="0" smtClean="0"/>
-              <a:t>S</a:t>
-            </a:r>
-            <a:r>
-              <a:rPr lang="en-CA" sz="1200" baseline="-25000" dirty="0" smtClean="0"/>
-              <a:t>e</a:t>
-            </a:r>
-            <a:r>
-              <a:rPr lang="en-CA" sz="1200" dirty="0" smtClean="0"/>
-              <a:t> – susceptible population that received educational intervention</a:t>
-            </a:r>
-            <a:endParaRPr lang="en-CA" sz="1200" baseline="-25000" dirty="0" smtClean="0"/>
-          </a:p>
-          <a:p>
-            <a:r>
-              <a:rPr lang="en-CA" sz="1200" dirty="0" smtClean="0"/>
-              <a:t>E – exposed</a:t>
-            </a:r>
-          </a:p>
-          <a:p>
-            <a:r>
-              <a:rPr lang="en-CA" sz="1200" dirty="0" smtClean="0"/>
-              <a:t>E</a:t>
-            </a:r>
-            <a:r>
-              <a:rPr lang="en-CA" sz="1200" baseline="-25000" dirty="0" smtClean="0"/>
-              <a:t>e </a:t>
-            </a:r>
-            <a:r>
-              <a:rPr lang="en-CA" sz="1200" dirty="0" smtClean="0"/>
-              <a:t>– exposed population that received educational intervention</a:t>
-            </a:r>
-          </a:p>
-          <a:p>
-            <a:r>
-              <a:rPr lang="en-CA" sz="1200" dirty="0" smtClean="0"/>
-              <a:t>I – Infected</a:t>
-            </a:r>
-          </a:p>
-          <a:p>
-            <a:r>
-              <a:rPr lang="en-CA" sz="1200" dirty="0" smtClean="0"/>
-              <a:t>I</a:t>
-            </a:r>
-            <a:r>
-              <a:rPr lang="en-CA" sz="1200" baseline="-25000" dirty="0" smtClean="0"/>
-              <a:t>e </a:t>
-            </a:r>
-            <a:r>
-              <a:rPr lang="en-CA" sz="1200" dirty="0"/>
-              <a:t>– </a:t>
-            </a:r>
-            <a:r>
-              <a:rPr lang="en-CA" sz="1200" dirty="0" smtClean="0"/>
-              <a:t>infected </a:t>
-            </a:r>
-            <a:r>
-              <a:rPr lang="en-CA" sz="1200" dirty="0"/>
-              <a:t>population that received educational </a:t>
-            </a:r>
-            <a:r>
-              <a:rPr lang="en-CA" sz="1200" dirty="0" smtClean="0"/>
-              <a:t>intervention</a:t>
-            </a:r>
-          </a:p>
-          <a:p>
-            <a:endParaRPr lang="en-CA" sz="1200" dirty="0"/>
-          </a:p>
-          <a:p>
-            <a:r>
-              <a:rPr lang="en-CA" sz="1200" dirty="0" smtClean="0"/>
-              <a:t>Parameters:</a:t>
-            </a:r>
-          </a:p>
-          <a:p>
-            <a:r>
-              <a:rPr lang="el-GR" sz="1200" dirty="0" smtClean="0"/>
-              <a:t>β</a:t>
-            </a:r>
-            <a:r>
-              <a:rPr lang="en-CA" sz="1200" dirty="0" smtClean="0"/>
-              <a:t> – infectious rate for susceptible population</a:t>
-            </a:r>
-          </a:p>
-          <a:p>
-            <a:r>
-              <a:rPr lang="el-GR" sz="1200" dirty="0" smtClean="0"/>
-              <a:t>β</a:t>
-            </a:r>
-            <a:r>
-              <a:rPr lang="en-CA" sz="1200" baseline="-25000" dirty="0" smtClean="0"/>
-              <a:t>e</a:t>
-            </a:r>
-            <a:r>
-              <a:rPr lang="en-CA" sz="1200" dirty="0" smtClean="0"/>
-              <a:t> </a:t>
-            </a:r>
-            <a:r>
-              <a:rPr lang="en-CA" sz="1200" dirty="0"/>
-              <a:t>– infectious rate for susceptible </a:t>
-            </a:r>
-            <a:r>
-              <a:rPr lang="en-CA" sz="1200" dirty="0" smtClean="0"/>
-              <a:t>population that received educational intervention</a:t>
-            </a:r>
-          </a:p>
-          <a:p>
-            <a:r>
-              <a:rPr lang="en-CA" sz="1200" dirty="0" smtClean="0"/>
-              <a:t>σ – exposed to infected rate</a:t>
-            </a:r>
-          </a:p>
-          <a:p>
-            <a:r>
-              <a:rPr lang="en-CA" sz="1200" dirty="0" smtClean="0"/>
-              <a:t>γ – recovery rate</a:t>
-            </a:r>
-          </a:p>
-          <a:p>
-            <a:r>
-              <a:rPr lang="en-CA" sz="1200" dirty="0" smtClean="0"/>
-              <a:t>α – education rate</a:t>
-            </a:r>
-          </a:p>
-          <a:p>
-            <a:endParaRPr lang="en-CA" sz="1200" dirty="0"/>
-          </a:p>
-          <a:p>
-            <a:endParaRPr lang="en-CA" sz="1200" dirty="0"/>
-          </a:p>
-          <a:p>
-            <a:endParaRPr lang="en-CA" sz="1200" dirty="0"/>
-          </a:p>
-        </p:txBody>
-      </p:sp>
-    </p:spTree>
-    <p:extLst>
-      <p:ext uri="{BB962C8B-B14F-4D97-AF65-F5344CB8AC3E}">
-        <p14:creationId xmlns:p14="http://schemas.microsoft.com/office/powerpoint/2010/main" val="2648057209"/>
-      </p:ext>
-    </p:extLst>
-  </p:cSld>
-  <p:clrMapOvr>
-    <a:masterClrMapping/>
-  </p:clrMapOvr>
-</p:sld>
-</file>
-
-<file path=ppt/slides/slide18.xml><?xml version="1.0" encoding="utf-8"?>
-<p:sld xmlns:a="http://schemas.openxmlformats.org/drawingml/2006/main" xmlns:r="http://schemas.openxmlformats.org/officeDocument/2006/relationships" xmlns:p="http://schemas.openxmlformats.org/presentationml/2006/main">
-  <p:cSld>
-    <p:spTree>
-      <p:nvGrpSpPr>
-        <p:cNvPr id="1" name=""/>
-        <p:cNvGrpSpPr/>
-        <p:nvPr/>
-      </p:nvGrpSpPr>
-      <p:grpSpPr>
-        <a:xfrm>
-          <a:off x="0" y="0"/>
-          <a:ext cx="0" cy="0"/>
-          <a:chOff x="0" y="0"/>
-          <a:chExt cx="0" cy="0"/>
-        </a:xfrm>
-      </p:grpSpPr>
-      <p:sp>
-        <p:nvSpPr>
-          <p:cNvPr id="2" name="object 2"/>
-          <p:cNvSpPr txBox="1">
-            <a:spLocks noGrp="1"/>
-          </p:cNvSpPr>
-          <p:nvPr>
-            <p:ph type="title"/>
-          </p:nvPr>
-        </p:nvSpPr>
-        <p:spPr>
-          <a:xfrm>
-            <a:off x="331250" y="250726"/>
-            <a:ext cx="8812750" cy="597599"/>
-          </a:xfrm>
-          <a:prstGeom prst="rect">
-            <a:avLst/>
-          </a:prstGeom>
-        </p:spPr>
-        <p:txBody>
-          <a:bodyPr vert="horz" wrap="square" lIns="0" tIns="12700" rIns="0" bIns="0" rtlCol="0">
-            <a:spAutoFit/>
-          </a:bodyPr>
-          <a:lstStyle/>
-          <a:p>
-            <a:pPr marL="12700">
-              <a:lnSpc>
-                <a:spcPct val="100000"/>
-              </a:lnSpc>
-              <a:spcBef>
-                <a:spcPts val="100"/>
-              </a:spcBef>
-            </a:pPr>
-            <a:r>
-              <a:rPr lang="en-CA" sz="3800" spc="-35" dirty="0" smtClean="0">
-                <a:solidFill>
-                  <a:srgbClr val="F1CD00"/>
-                </a:solidFill>
-              </a:rPr>
-              <a:t>Appendix C: Assumptions</a:t>
-            </a:r>
-            <a:endParaRPr sz="3800" dirty="0"/>
-          </a:p>
-        </p:txBody>
-      </p:sp>
-      <p:sp>
-        <p:nvSpPr>
-          <p:cNvPr id="7" name="object 7"/>
-          <p:cNvSpPr txBox="1">
-            <a:spLocks noGrp="1"/>
-          </p:cNvSpPr>
-          <p:nvPr>
-            <p:ph type="sldNum" sz="quarter" idx="7"/>
-          </p:nvPr>
-        </p:nvSpPr>
-        <p:spPr>
-          <a:prstGeom prst="rect">
-            <a:avLst/>
-          </a:prstGeom>
-        </p:spPr>
-        <p:txBody>
-          <a:bodyPr vert="horz" wrap="square" lIns="0" tIns="635" rIns="0" bIns="0" rtlCol="0">
-            <a:spAutoFit/>
-          </a:bodyPr>
-          <a:lstStyle/>
-          <a:p>
-            <a:pPr marL="38100">
-              <a:lnSpc>
-                <a:spcPct val="100000"/>
-              </a:lnSpc>
-              <a:spcBef>
-                <a:spcPts val="5"/>
-              </a:spcBef>
-            </a:pPr>
-            <a:fld id="{81D60167-4931-47E6-BA6A-407CBD079E47}" type="slidenum">
-              <a:rPr dirty="0"/>
-              <a:t>18</a:t>
-            </a:fld>
-            <a:endParaRPr dirty="0"/>
-          </a:p>
-        </p:txBody>
-      </p:sp>
-      <p:sp>
-        <p:nvSpPr>
-          <p:cNvPr id="4" name="TextBox 3"/>
-          <p:cNvSpPr txBox="1"/>
-          <p:nvPr/>
-        </p:nvSpPr>
-        <p:spPr>
-          <a:xfrm>
-            <a:off x="421603" y="1200150"/>
-            <a:ext cx="8153400" cy="2862322"/>
-          </a:xfrm>
-          <a:prstGeom prst="rect">
-            <a:avLst/>
-          </a:prstGeom>
-          <a:noFill/>
-        </p:spPr>
-        <p:txBody>
-          <a:bodyPr wrap="square" rtlCol="0">
-            <a:spAutoFit/>
-          </a:bodyPr>
-          <a:lstStyle/>
-          <a:p>
-            <a:pPr marL="228600" indent="-228600">
-              <a:buAutoNum type="arabicPeriod"/>
-            </a:pPr>
-            <a:r>
-              <a:rPr lang="en-CA" sz="1200" dirty="0" smtClean="0"/>
-              <a:t>Horizontal transmission through direct contact with infected</a:t>
-            </a:r>
-          </a:p>
-          <a:p>
-            <a:pPr marL="228600" indent="-228600">
-              <a:buAutoNum type="arabicPeriod"/>
-            </a:pPr>
-            <a:r>
-              <a:rPr lang="en-CA" sz="1200" dirty="0" smtClean="0"/>
-              <a:t>Homogeneous individual mixing</a:t>
-            </a:r>
-          </a:p>
-          <a:p>
-            <a:pPr marL="228600" indent="-228600">
-              <a:buAutoNum type="arabicPeriod"/>
-            </a:pPr>
-            <a:r>
-              <a:rPr lang="en-CA" sz="1200" dirty="0" smtClean="0"/>
-              <a:t>Rate of transfer proportional to population size of compartment</a:t>
-            </a:r>
-          </a:p>
-          <a:p>
-            <a:pPr marL="228600" indent="-228600">
-              <a:buAutoNum type="arabicPeriod"/>
-            </a:pPr>
-            <a:r>
-              <a:rPr lang="en-CA" sz="1200" dirty="0" smtClean="0"/>
-              <a:t>Infected individuals have latency period</a:t>
-            </a:r>
-          </a:p>
-          <a:p>
-            <a:pPr marL="228600" indent="-228600">
-              <a:buAutoNum type="arabicPeriod"/>
-            </a:pPr>
-            <a:r>
-              <a:rPr lang="en-CA" sz="1200" dirty="0" smtClean="0"/>
-              <a:t>No acquired immunity</a:t>
-            </a:r>
-          </a:p>
-          <a:p>
-            <a:pPr marL="228600" indent="-228600">
-              <a:buAutoNum type="arabicPeriod"/>
-            </a:pPr>
-            <a:r>
-              <a:rPr lang="en-CA" sz="1200" dirty="0" smtClean="0"/>
-              <a:t>No input or output of individuals through birth, migration, or death</a:t>
-            </a:r>
-          </a:p>
-          <a:p>
-            <a:pPr marL="228600" indent="-228600">
-              <a:buAutoNum type="arabicPeriod"/>
-            </a:pPr>
-            <a:r>
-              <a:rPr lang="en-CA" sz="1200" dirty="0" smtClean="0"/>
-              <a:t>Educated infected individuals quarantine and do not infect others</a:t>
-            </a:r>
-          </a:p>
-          <a:p>
-            <a:pPr marL="228600" indent="-228600">
-              <a:buAutoNum type="arabicPeriod"/>
-            </a:pPr>
-            <a:r>
-              <a:rPr lang="en-CA" sz="1200" dirty="0" smtClean="0"/>
-              <a:t>Education rate is constant for each compartment</a:t>
-            </a:r>
-          </a:p>
-          <a:p>
-            <a:pPr marL="228600" indent="-228600">
-              <a:buAutoNum type="arabicPeriod"/>
-            </a:pPr>
-            <a:r>
-              <a:rPr lang="en-CA" sz="1200" dirty="0" smtClean="0"/>
-              <a:t>Recovery rate is constant for each infected compartment</a:t>
-            </a:r>
-          </a:p>
-          <a:p>
-            <a:pPr marL="228600" indent="-228600">
-              <a:buAutoNum type="arabicPeriod"/>
-            </a:pPr>
-            <a:r>
-              <a:rPr lang="en-CA" sz="1200" dirty="0" smtClean="0"/>
-              <a:t>Individuals represented in data are considered not educated</a:t>
-            </a:r>
-          </a:p>
-          <a:p>
-            <a:pPr marL="228600" indent="-228600">
-              <a:buAutoNum type="arabicPeriod"/>
-            </a:pPr>
-            <a:r>
-              <a:rPr lang="en-CA" sz="1200" dirty="0" smtClean="0"/>
-              <a:t>Effectiveness of educational interventions studied are comparable to proposed mpox intervention</a:t>
-            </a:r>
-          </a:p>
-          <a:p>
-            <a:pPr marL="228600" indent="-228600">
-              <a:buAutoNum type="arabicPeriod"/>
-            </a:pPr>
-            <a:r>
-              <a:rPr lang="en-CA" sz="1200" dirty="0" smtClean="0"/>
-              <a:t>There is no vaccine</a:t>
-            </a:r>
-          </a:p>
-          <a:p>
-            <a:pPr marL="228600" indent="-228600">
-              <a:buAutoNum type="arabicPeriod"/>
-            </a:pPr>
-            <a:endParaRPr lang="en-CA" sz="1200" dirty="0"/>
-          </a:p>
-          <a:p>
-            <a:endParaRPr lang="en-CA" sz="1200" dirty="0"/>
-          </a:p>
-          <a:p>
-            <a:endParaRPr lang="en-CA" sz="1200" dirty="0"/>
-          </a:p>
-        </p:txBody>
-      </p:sp>
-    </p:spTree>
-    <p:extLst>
-      <p:ext uri="{BB962C8B-B14F-4D97-AF65-F5344CB8AC3E}">
-        <p14:creationId xmlns:p14="http://schemas.microsoft.com/office/powerpoint/2010/main" val="985514059"/>
-      </p:ext>
-    </p:extLst>
-  </p:cSld>
-  <p:clrMapOvr>
-    <a:masterClrMapping/>
-  </p:clrMapOvr>
-</p:sld>
-</file>
-
-<file path=ppt/slides/slide19.xml><?xml version="1.0" encoding="utf-8"?>
-<p:sld xmlns:a="http://schemas.openxmlformats.org/drawingml/2006/main" xmlns:r="http://schemas.openxmlformats.org/officeDocument/2006/relationships" xmlns:p="http://schemas.openxmlformats.org/presentationml/2006/main">
-  <p:cSld>
-    <p:spTree>
-      <p:nvGrpSpPr>
-        <p:cNvPr id="1" name=""/>
-        <p:cNvGrpSpPr/>
-        <p:nvPr/>
-      </p:nvGrpSpPr>
-      <p:grpSpPr>
-        <a:xfrm>
-          <a:off x="0" y="0"/>
-          <a:ext cx="0" cy="0"/>
-          <a:chOff x="0" y="0"/>
-          <a:chExt cx="0" cy="0"/>
-        </a:xfrm>
-      </p:grpSpPr>
-      <p:sp>
-        <p:nvSpPr>
-          <p:cNvPr id="2" name="object 2"/>
-          <p:cNvSpPr txBox="1">
-            <a:spLocks noGrp="1"/>
-          </p:cNvSpPr>
-          <p:nvPr>
-            <p:ph type="title"/>
-          </p:nvPr>
-        </p:nvSpPr>
-        <p:spPr>
-          <a:xfrm>
-            <a:off x="331250" y="250726"/>
-            <a:ext cx="8812750" cy="597599"/>
-          </a:xfrm>
-          <a:prstGeom prst="rect">
-            <a:avLst/>
-          </a:prstGeom>
-        </p:spPr>
-        <p:txBody>
-          <a:bodyPr vert="horz" wrap="square" lIns="0" tIns="12700" rIns="0" bIns="0" rtlCol="0">
-            <a:spAutoFit/>
-          </a:bodyPr>
-          <a:lstStyle/>
-          <a:p>
-            <a:pPr marL="12700">
-              <a:lnSpc>
-                <a:spcPct val="100000"/>
-              </a:lnSpc>
-              <a:spcBef>
-                <a:spcPts val="100"/>
-              </a:spcBef>
-            </a:pPr>
-            <a:r>
-              <a:rPr lang="en-CA" sz="3800" spc="-35" dirty="0" smtClean="0">
-                <a:solidFill>
-                  <a:srgbClr val="F1CD00"/>
-                </a:solidFill>
-              </a:rPr>
-              <a:t>Appendix D: Stability Analysis</a:t>
-            </a:r>
-            <a:endParaRPr sz="3800" dirty="0"/>
-          </a:p>
-        </p:txBody>
-      </p:sp>
-      <p:sp>
-        <p:nvSpPr>
-          <p:cNvPr id="4" name="TextBox 3"/>
-          <p:cNvSpPr txBox="1"/>
-          <p:nvPr/>
-        </p:nvSpPr>
-        <p:spPr>
-          <a:xfrm>
-            <a:off x="421603" y="1200150"/>
-            <a:ext cx="8153400" cy="646331"/>
-          </a:xfrm>
-          <a:prstGeom prst="rect">
-            <a:avLst/>
-          </a:prstGeom>
-          <a:noFill/>
-        </p:spPr>
-        <p:txBody>
-          <a:bodyPr wrap="square" rtlCol="0">
-            <a:spAutoFit/>
-          </a:bodyPr>
-          <a:lstStyle/>
-          <a:p>
-            <a:pPr marL="228600" indent="-228600">
-              <a:buAutoNum type="arabicPeriod"/>
-            </a:pPr>
-            <a:endParaRPr lang="en-CA" sz="1200" dirty="0"/>
-          </a:p>
-          <a:p>
-            <a:endParaRPr lang="en-CA" sz="1200" dirty="0"/>
-          </a:p>
-          <a:p>
-            <a:endParaRPr lang="en-CA" sz="1200" dirty="0"/>
-          </a:p>
-        </p:txBody>
-      </p:sp>
-      <p:pic>
-        <p:nvPicPr>
-          <p:cNvPr id="1027" name="Picture 3"/>
+          <p:cNvPr id="3074" name="Picture 2"/>
           <p:cNvPicPr>
             <a:picLocks noChangeAspect="1" noChangeArrowheads="1"/>
           </p:cNvPicPr>
           <p:nvPr/>
         </p:nvPicPr>
         <p:blipFill>
-          <a:blip r:embed="rId3">
+          <a:blip r:embed="rId2">
             <a:extLst>
               <a:ext uri="{28A0092B-C50C-407E-A947-70E740481C1C}">
                 <a14:useLocalDpi xmlns:a14="http://schemas.microsoft.com/office/drawing/2010/main" val="0"/>
@@ -5995,8 +3654,8 @@
         </p:blipFill>
         <p:spPr bwMode="auto">
           <a:xfrm>
-            <a:off x="4800600" y="2745830"/>
-            <a:ext cx="4339507" cy="2397669"/>
+            <a:off x="1752600" y="1047750"/>
+            <a:ext cx="5327650" cy="3994150"/>
           </a:xfrm>
           <a:prstGeom prst="rect">
             <a:avLst/>
@@ -6036,16 +3695,288 @@
           </a:extLst>
         </p:spPr>
       </p:pic>
+    </p:spTree>
+    <p:extLst>
+      <p:ext uri="{BB962C8B-B14F-4D97-AF65-F5344CB8AC3E}">
+        <p14:creationId xmlns:p14="http://schemas.microsoft.com/office/powerpoint/2010/main" val="2911767856"/>
+      </p:ext>
+    </p:extLst>
+  </p:cSld>
+  <p:clrMapOvr>
+    <a:masterClrMapping/>
+  </p:clrMapOvr>
+</p:sld>
+</file>
+
+<file path=ppt/slides/slide11.xml><?xml version="1.0" encoding="utf-8"?>
+<p:sld xmlns:a="http://schemas.openxmlformats.org/drawingml/2006/main" xmlns:r="http://schemas.openxmlformats.org/officeDocument/2006/relationships" xmlns:p="http://schemas.openxmlformats.org/presentationml/2006/main">
+  <p:cSld>
+    <p:spTree>
+      <p:nvGrpSpPr>
+        <p:cNvPr id="1" name=""/>
+        <p:cNvGrpSpPr/>
+        <p:nvPr/>
+      </p:nvGrpSpPr>
+      <p:grpSpPr>
+        <a:xfrm>
+          <a:off x="0" y="0"/>
+          <a:ext cx="0" cy="0"/>
+          <a:chOff x="0" y="0"/>
+          <a:chExt cx="0" cy="0"/>
+        </a:xfrm>
+      </p:grpSpPr>
+      <p:sp>
+        <p:nvSpPr>
+          <p:cNvPr id="2" name="object 2"/>
+          <p:cNvSpPr txBox="1">
+            <a:spLocks noGrp="1"/>
+          </p:cNvSpPr>
+          <p:nvPr>
+            <p:ph type="title"/>
+          </p:nvPr>
+        </p:nvSpPr>
+        <p:spPr>
+          <a:xfrm>
+            <a:off x="331250" y="250726"/>
+            <a:ext cx="8660350" cy="597599"/>
+          </a:xfrm>
+          <a:prstGeom prst="rect">
+            <a:avLst/>
+          </a:prstGeom>
+        </p:spPr>
+        <p:txBody>
+          <a:bodyPr vert="horz" wrap="square" lIns="0" tIns="12700" rIns="0" bIns="0" rtlCol="0">
+            <a:spAutoFit/>
+          </a:bodyPr>
+          <a:lstStyle/>
+          <a:p>
+            <a:pPr marL="12700">
+              <a:lnSpc>
+                <a:spcPct val="100000"/>
+              </a:lnSpc>
+              <a:spcBef>
+                <a:spcPts val="100"/>
+              </a:spcBef>
+            </a:pPr>
+            <a:r>
+              <a:rPr lang="en-CA" sz="3800" spc="-35" dirty="0" smtClean="0">
+                <a:solidFill>
+                  <a:srgbClr val="F1CD00"/>
+                </a:solidFill>
+              </a:rPr>
+              <a:t>Results: Total Infected </a:t>
+            </a:r>
+            <a:endParaRPr sz="3800" dirty="0"/>
+          </a:p>
+        </p:txBody>
+      </p:sp>
+      <p:sp>
+        <p:nvSpPr>
+          <p:cNvPr id="7" name="object 7"/>
+          <p:cNvSpPr txBox="1">
+            <a:spLocks noGrp="1"/>
+          </p:cNvSpPr>
+          <p:nvPr>
+            <p:ph type="sldNum" sz="quarter" idx="7"/>
+          </p:nvPr>
+        </p:nvSpPr>
+        <p:spPr>
+          <a:prstGeom prst="rect">
+            <a:avLst/>
+          </a:prstGeom>
+        </p:spPr>
+        <p:txBody>
+          <a:bodyPr vert="horz" wrap="square" lIns="0" tIns="635" rIns="0" bIns="0" rtlCol="0">
+            <a:spAutoFit/>
+          </a:bodyPr>
+          <a:lstStyle/>
+          <a:p>
+            <a:pPr marL="38100">
+              <a:lnSpc>
+                <a:spcPct val="100000"/>
+              </a:lnSpc>
+              <a:spcBef>
+                <a:spcPts val="5"/>
+              </a:spcBef>
+            </a:pPr>
+            <a:fld id="{81D60167-4931-47E6-BA6A-407CBD079E47}" type="slidenum">
+              <a:rPr dirty="0"/>
+              <a:t>11</a:t>
+            </a:fld>
+            <a:endParaRPr dirty="0"/>
+          </a:p>
+        </p:txBody>
+      </p:sp>
+      <p:graphicFrame>
+        <p:nvGraphicFramePr>
+          <p:cNvPr id="5" name="Chart 4"/>
+          <p:cNvGraphicFramePr>
+            <a:graphicFrameLocks/>
+          </p:cNvGraphicFramePr>
+          <p:nvPr>
+            <p:extLst>
+              <p:ext uri="{D42A27DB-BD31-4B8C-83A1-F6EECF244321}">
+                <p14:modId xmlns:p14="http://schemas.microsoft.com/office/powerpoint/2010/main" val="1990142945"/>
+              </p:ext>
+            </p:extLst>
+          </p:nvPr>
+        </p:nvGraphicFramePr>
+        <p:xfrm>
+          <a:off x="2057400" y="1123951"/>
+          <a:ext cx="5267325" cy="1828800"/>
+        </p:xfrm>
+        <a:graphic>
+          <a:graphicData uri="http://schemas.openxmlformats.org/drawingml/2006/chart">
+            <c:chart xmlns:c="http://schemas.openxmlformats.org/drawingml/2006/chart" xmlns:r="http://schemas.openxmlformats.org/officeDocument/2006/relationships" r:id="rId2"/>
+          </a:graphicData>
+        </a:graphic>
+      </p:graphicFrame>
+      <p:graphicFrame>
+        <p:nvGraphicFramePr>
+          <p:cNvPr id="6" name="Chart 5"/>
+          <p:cNvGraphicFramePr>
+            <a:graphicFrameLocks/>
+          </p:cNvGraphicFramePr>
+          <p:nvPr>
+            <p:extLst>
+              <p:ext uri="{D42A27DB-BD31-4B8C-83A1-F6EECF244321}">
+                <p14:modId xmlns:p14="http://schemas.microsoft.com/office/powerpoint/2010/main" val="610649271"/>
+              </p:ext>
+            </p:extLst>
+          </p:nvPr>
+        </p:nvGraphicFramePr>
+        <p:xfrm>
+          <a:off x="1905000" y="3333750"/>
+          <a:ext cx="5267325" cy="1652588"/>
+        </p:xfrm>
+        <a:graphic>
+          <a:graphicData uri="http://schemas.openxmlformats.org/drawingml/2006/chart">
+            <c:chart xmlns:c="http://schemas.openxmlformats.org/drawingml/2006/chart" xmlns:r="http://schemas.openxmlformats.org/officeDocument/2006/relationships" r:id="rId3"/>
+          </a:graphicData>
+        </a:graphic>
+      </p:graphicFrame>
+    </p:spTree>
+    <p:extLst>
+      <p:ext uri="{BB962C8B-B14F-4D97-AF65-F5344CB8AC3E}">
+        <p14:creationId xmlns:p14="http://schemas.microsoft.com/office/powerpoint/2010/main" val="2863339689"/>
+      </p:ext>
+    </p:extLst>
+  </p:cSld>
+  <p:clrMapOvr>
+    <a:masterClrMapping/>
+  </p:clrMapOvr>
+</p:sld>
+</file>
+
+<file path=ppt/slides/slide12.xml><?xml version="1.0" encoding="utf-8"?>
+<p:sld xmlns:a="http://schemas.openxmlformats.org/drawingml/2006/main" xmlns:r="http://schemas.openxmlformats.org/officeDocument/2006/relationships" xmlns:p="http://schemas.openxmlformats.org/presentationml/2006/main">
+  <p:cSld>
+    <p:spTree>
+      <p:nvGrpSpPr>
+        <p:cNvPr id="1" name=""/>
+        <p:cNvGrpSpPr/>
+        <p:nvPr/>
+      </p:nvGrpSpPr>
+      <p:grpSpPr>
+        <a:xfrm>
+          <a:off x="0" y="0"/>
+          <a:ext cx="0" cy="0"/>
+          <a:chOff x="0" y="0"/>
+          <a:chExt cx="0" cy="0"/>
+        </a:xfrm>
+      </p:grpSpPr>
+      <p:sp>
+        <p:nvSpPr>
+          <p:cNvPr id="2" name="object 2"/>
+          <p:cNvSpPr txBox="1">
+            <a:spLocks noGrp="1"/>
+          </p:cNvSpPr>
+          <p:nvPr>
+            <p:ph type="title"/>
+          </p:nvPr>
+        </p:nvSpPr>
+        <p:spPr>
+          <a:xfrm>
+            <a:off x="331250" y="250726"/>
+            <a:ext cx="4545550" cy="597599"/>
+          </a:xfrm>
+          <a:prstGeom prst="rect">
+            <a:avLst/>
+          </a:prstGeom>
+        </p:spPr>
+        <p:txBody>
+          <a:bodyPr vert="horz" wrap="square" lIns="0" tIns="12700" rIns="0" bIns="0" rtlCol="0">
+            <a:spAutoFit/>
+          </a:bodyPr>
+          <a:lstStyle/>
+          <a:p>
+            <a:pPr marL="12700">
+              <a:lnSpc>
+                <a:spcPct val="100000"/>
+              </a:lnSpc>
+              <a:spcBef>
+                <a:spcPts val="100"/>
+              </a:spcBef>
+            </a:pPr>
+            <a:r>
+              <a:rPr lang="en-CA" sz="3800" spc="-35" dirty="0" smtClean="0">
+                <a:solidFill>
+                  <a:srgbClr val="F1CD00"/>
+                </a:solidFill>
+              </a:rPr>
+              <a:t>Sensitivity Analysis</a:t>
+            </a:r>
+            <a:endParaRPr sz="3800" dirty="0"/>
+          </a:p>
+        </p:txBody>
+      </p:sp>
+      <p:sp>
+        <p:nvSpPr>
+          <p:cNvPr id="7" name="object 7"/>
+          <p:cNvSpPr txBox="1">
+            <a:spLocks noGrp="1"/>
+          </p:cNvSpPr>
+          <p:nvPr>
+            <p:ph type="sldNum" sz="quarter" idx="7"/>
+          </p:nvPr>
+        </p:nvSpPr>
+        <p:spPr>
+          <a:prstGeom prst="rect">
+            <a:avLst/>
+          </a:prstGeom>
+        </p:spPr>
+        <p:txBody>
+          <a:bodyPr vert="horz" wrap="square" lIns="0" tIns="635" rIns="0" bIns="0" rtlCol="0">
+            <a:spAutoFit/>
+          </a:bodyPr>
+          <a:lstStyle/>
+          <a:p>
+            <a:pPr marL="38100">
+              <a:lnSpc>
+                <a:spcPct val="100000"/>
+              </a:lnSpc>
+              <a:spcBef>
+                <a:spcPts val="5"/>
+              </a:spcBef>
+            </a:pPr>
+            <a:fld id="{81D60167-4931-47E6-BA6A-407CBD079E47}" type="slidenum">
+              <a:rPr dirty="0"/>
+              <a:t>12</a:t>
+            </a:fld>
+            <a:endParaRPr dirty="0"/>
+          </a:p>
+        </p:txBody>
+      </p:sp>
       <p:pic>
         <p:nvPicPr>
-          <p:cNvPr id="1028" name="Picture 4"/>
+          <p:cNvPr id="2050" name="Picture 2"/>
           <p:cNvPicPr>
             <a:picLocks noChangeAspect="1" noChangeArrowheads="1"/>
           </p:cNvPicPr>
           <p:nvPr/>
         </p:nvPicPr>
         <p:blipFill>
-          <a:blip r:embed="rId4">
+          <a:blip r:embed="rId2">
             <a:extLst>
               <a:ext uri="{28A0092B-C50C-407E-A947-70E740481C1C}">
                 <a14:useLocalDpi xmlns:a14="http://schemas.microsoft.com/office/drawing/2010/main" val="0"/>
@@ -6059,8 +3990,8 @@
         </p:blipFill>
         <p:spPr bwMode="auto">
           <a:xfrm>
-            <a:off x="0" y="2800350"/>
-            <a:ext cx="4217883" cy="2329278"/>
+            <a:off x="1826575" y="1047750"/>
+            <a:ext cx="5327650" cy="3994150"/>
           </a:xfrm>
           <a:prstGeom prst="rect">
             <a:avLst/>
@@ -6100,31 +4031,2637 @@
           </a:extLst>
         </p:spPr>
       </p:pic>
+    </p:spTree>
+    <p:extLst>
+      <p:ext uri="{BB962C8B-B14F-4D97-AF65-F5344CB8AC3E}">
+        <p14:creationId xmlns:p14="http://schemas.microsoft.com/office/powerpoint/2010/main" val="2946902024"/>
+      </p:ext>
+    </p:extLst>
+  </p:cSld>
+  <p:clrMapOvr>
+    <a:masterClrMapping/>
+  </p:clrMapOvr>
+</p:sld>
+</file>
+
+<file path=ppt/slides/slide13.xml><?xml version="1.0" encoding="utf-8"?>
+<p:sld xmlns:a="http://schemas.openxmlformats.org/drawingml/2006/main" xmlns:r="http://schemas.openxmlformats.org/officeDocument/2006/relationships" xmlns:p="http://schemas.openxmlformats.org/presentationml/2006/main">
+  <p:cSld>
+    <p:spTree>
+      <p:nvGrpSpPr>
+        <p:cNvPr id="1" name=""/>
+        <p:cNvGrpSpPr/>
+        <p:nvPr/>
+      </p:nvGrpSpPr>
+      <p:grpSpPr>
+        <a:xfrm>
+          <a:off x="0" y="0"/>
+          <a:ext cx="0" cy="0"/>
+          <a:chOff x="0" y="0"/>
+          <a:chExt cx="0" cy="0"/>
+        </a:xfrm>
+      </p:grpSpPr>
+      <p:sp>
+        <p:nvSpPr>
+          <p:cNvPr id="2" name="object 2"/>
+          <p:cNvSpPr txBox="1">
+            <a:spLocks noGrp="1"/>
+          </p:cNvSpPr>
+          <p:nvPr>
+            <p:ph type="title"/>
+          </p:nvPr>
+        </p:nvSpPr>
+        <p:spPr>
+          <a:xfrm>
+            <a:off x="331250" y="250726"/>
+            <a:ext cx="3518535" cy="604520"/>
+          </a:xfrm>
+          <a:prstGeom prst="rect">
+            <a:avLst/>
+          </a:prstGeom>
+        </p:spPr>
+        <p:txBody>
+          <a:bodyPr vert="horz" wrap="square" lIns="0" tIns="12700" rIns="0" bIns="0" rtlCol="0">
+            <a:spAutoFit/>
+          </a:bodyPr>
+          <a:lstStyle/>
+          <a:p>
+            <a:pPr marL="12700">
+              <a:lnSpc>
+                <a:spcPct val="100000"/>
+              </a:lnSpc>
+              <a:spcBef>
+                <a:spcPts val="100"/>
+              </a:spcBef>
+            </a:pPr>
+            <a:r>
+              <a:rPr lang="en-CA" sz="3800" spc="-35" dirty="0" smtClean="0">
+                <a:solidFill>
+                  <a:srgbClr val="F1CD00"/>
+                </a:solidFill>
+              </a:rPr>
+              <a:t>Limitations</a:t>
+            </a:r>
+            <a:endParaRPr sz="3800" dirty="0"/>
+          </a:p>
+        </p:txBody>
+      </p:sp>
+      <p:sp>
+        <p:nvSpPr>
+          <p:cNvPr id="7" name="object 7"/>
+          <p:cNvSpPr txBox="1">
+            <a:spLocks noGrp="1"/>
+          </p:cNvSpPr>
+          <p:nvPr>
+            <p:ph type="sldNum" sz="quarter" idx="7"/>
+          </p:nvPr>
+        </p:nvSpPr>
+        <p:spPr>
+          <a:prstGeom prst="rect">
+            <a:avLst/>
+          </a:prstGeom>
+        </p:spPr>
+        <p:txBody>
+          <a:bodyPr vert="horz" wrap="square" lIns="0" tIns="635" rIns="0" bIns="0" rtlCol="0">
+            <a:spAutoFit/>
+          </a:bodyPr>
+          <a:lstStyle/>
+          <a:p>
+            <a:pPr marL="38100">
+              <a:lnSpc>
+                <a:spcPct val="100000"/>
+              </a:lnSpc>
+              <a:spcBef>
+                <a:spcPts val="5"/>
+              </a:spcBef>
+            </a:pPr>
+            <a:fld id="{81D60167-4931-47E6-BA6A-407CBD079E47}" type="slidenum">
+              <a:rPr dirty="0"/>
+              <a:t>13</a:t>
+            </a:fld>
+            <a:endParaRPr dirty="0"/>
+          </a:p>
+        </p:txBody>
+      </p:sp>
+      <p:sp>
+        <p:nvSpPr>
+          <p:cNvPr id="4" name="TextBox 3"/>
+          <p:cNvSpPr txBox="1"/>
+          <p:nvPr/>
+        </p:nvSpPr>
+        <p:spPr>
+          <a:xfrm>
+            <a:off x="762000" y="1352550"/>
+            <a:ext cx="7620000" cy="1200329"/>
+          </a:xfrm>
+          <a:prstGeom prst="rect">
+            <a:avLst/>
+          </a:prstGeom>
+          <a:noFill/>
+        </p:spPr>
+        <p:txBody>
+          <a:bodyPr wrap="square" rtlCol="0">
+            <a:spAutoFit/>
+          </a:bodyPr>
+          <a:lstStyle/>
+          <a:p>
+            <a:pPr marL="342900" indent="-342900">
+              <a:buAutoNum type="arabicPeriod"/>
+            </a:pPr>
+            <a:r>
+              <a:rPr lang="en-CA" dirty="0" smtClean="0"/>
+              <a:t>Comparability with STI educational effectiveness</a:t>
+            </a:r>
+          </a:p>
+          <a:p>
+            <a:pPr marL="342900" indent="-342900">
+              <a:buAutoNum type="arabicPeriod"/>
+            </a:pPr>
+            <a:r>
+              <a:rPr lang="en-CA" dirty="0" smtClean="0"/>
+              <a:t>Limited knowledge of high-risk groups</a:t>
+            </a:r>
+          </a:p>
+          <a:p>
+            <a:pPr marL="342900" indent="-342900">
+              <a:buAutoNum type="arabicPeriod"/>
+            </a:pPr>
+            <a:r>
+              <a:rPr lang="en-CA" dirty="0" smtClean="0"/>
+              <a:t>Initial model parameters from African outbreak data analysis</a:t>
+            </a:r>
+            <a:endParaRPr lang="en-CA" dirty="0"/>
+          </a:p>
+          <a:p>
+            <a:pPr marL="342900" indent="-342900">
+              <a:buAutoNum type="arabicPeriod"/>
+            </a:pPr>
+            <a:endParaRPr lang="en-CA" dirty="0" smtClean="0"/>
+          </a:p>
+        </p:txBody>
+      </p:sp>
+    </p:spTree>
+    <p:extLst>
+      <p:ext uri="{BB962C8B-B14F-4D97-AF65-F5344CB8AC3E}">
+        <p14:creationId xmlns:p14="http://schemas.microsoft.com/office/powerpoint/2010/main" val="1576335051"/>
+      </p:ext>
+    </p:extLst>
+  </p:cSld>
+  <p:clrMapOvr>
+    <a:masterClrMapping/>
+  </p:clrMapOvr>
+</p:sld>
+</file>
+
+<file path=ppt/slides/slide14.xml><?xml version="1.0" encoding="utf-8"?>
+<p:sld xmlns:a="http://schemas.openxmlformats.org/drawingml/2006/main" xmlns:r="http://schemas.openxmlformats.org/officeDocument/2006/relationships" xmlns:p="http://schemas.openxmlformats.org/presentationml/2006/main">
+  <p:cSld>
+    <p:spTree>
+      <p:nvGrpSpPr>
+        <p:cNvPr id="1" name=""/>
+        <p:cNvGrpSpPr/>
+        <p:nvPr/>
+      </p:nvGrpSpPr>
+      <p:grpSpPr>
+        <a:xfrm>
+          <a:off x="0" y="0"/>
+          <a:ext cx="0" cy="0"/>
+          <a:chOff x="0" y="0"/>
+          <a:chExt cx="0" cy="0"/>
+        </a:xfrm>
+      </p:grpSpPr>
+      <p:sp>
+        <p:nvSpPr>
+          <p:cNvPr id="2" name="object 2"/>
+          <p:cNvSpPr txBox="1">
+            <a:spLocks noGrp="1"/>
+          </p:cNvSpPr>
+          <p:nvPr>
+            <p:ph type="title"/>
+          </p:nvPr>
+        </p:nvSpPr>
+        <p:spPr>
+          <a:xfrm>
+            <a:off x="331250" y="250726"/>
+            <a:ext cx="3518535" cy="604520"/>
+          </a:xfrm>
+          <a:prstGeom prst="rect">
+            <a:avLst/>
+          </a:prstGeom>
+        </p:spPr>
+        <p:txBody>
+          <a:bodyPr vert="horz" wrap="square" lIns="0" tIns="12700" rIns="0" bIns="0" rtlCol="0">
+            <a:spAutoFit/>
+          </a:bodyPr>
+          <a:lstStyle/>
+          <a:p>
+            <a:pPr marL="12700">
+              <a:lnSpc>
+                <a:spcPct val="100000"/>
+              </a:lnSpc>
+              <a:spcBef>
+                <a:spcPts val="100"/>
+              </a:spcBef>
+            </a:pPr>
+            <a:r>
+              <a:rPr lang="en-CA" sz="3800" spc="-35" dirty="0" smtClean="0">
+                <a:solidFill>
+                  <a:srgbClr val="F1CD00"/>
+                </a:solidFill>
+              </a:rPr>
+              <a:t>Key Messages</a:t>
+            </a:r>
+            <a:endParaRPr sz="3800" dirty="0"/>
+          </a:p>
+        </p:txBody>
+      </p:sp>
+      <p:sp>
+        <p:nvSpPr>
+          <p:cNvPr id="7" name="object 7"/>
+          <p:cNvSpPr txBox="1">
+            <a:spLocks noGrp="1"/>
+          </p:cNvSpPr>
+          <p:nvPr>
+            <p:ph type="sldNum" sz="quarter" idx="7"/>
+          </p:nvPr>
+        </p:nvSpPr>
+        <p:spPr>
+          <a:prstGeom prst="rect">
+            <a:avLst/>
+          </a:prstGeom>
+        </p:spPr>
+        <p:txBody>
+          <a:bodyPr vert="horz" wrap="square" lIns="0" tIns="635" rIns="0" bIns="0" rtlCol="0">
+            <a:spAutoFit/>
+          </a:bodyPr>
+          <a:lstStyle/>
+          <a:p>
+            <a:pPr marL="38100">
+              <a:lnSpc>
+                <a:spcPct val="100000"/>
+              </a:lnSpc>
+              <a:spcBef>
+                <a:spcPts val="5"/>
+              </a:spcBef>
+            </a:pPr>
+            <a:fld id="{81D60167-4931-47E6-BA6A-407CBD079E47}" type="slidenum">
+              <a:rPr dirty="0"/>
+              <a:t>14</a:t>
+            </a:fld>
+            <a:endParaRPr dirty="0"/>
+          </a:p>
+        </p:txBody>
+      </p:sp>
+      <p:sp>
+        <p:nvSpPr>
+          <p:cNvPr id="4" name="TextBox 3"/>
+          <p:cNvSpPr txBox="1"/>
+          <p:nvPr/>
+        </p:nvSpPr>
+        <p:spPr>
+          <a:xfrm>
+            <a:off x="762000" y="1352550"/>
+            <a:ext cx="7620000" cy="1200329"/>
+          </a:xfrm>
+          <a:prstGeom prst="rect">
+            <a:avLst/>
+          </a:prstGeom>
+          <a:noFill/>
+        </p:spPr>
+        <p:txBody>
+          <a:bodyPr wrap="square" rtlCol="0">
+            <a:spAutoFit/>
+          </a:bodyPr>
+          <a:lstStyle/>
+          <a:p>
+            <a:r>
+              <a:rPr lang="en-CA" dirty="0"/>
+              <a:t>By reaching 0.1 to 0.4 per cent of those susceptible to monkey </a:t>
+            </a:r>
+            <a:r>
+              <a:rPr lang="en-CA" dirty="0" smtClean="0"/>
+              <a:t>pox with an effective education program, </a:t>
+            </a:r>
+            <a:r>
+              <a:rPr lang="en-CA" dirty="0"/>
+              <a:t>we </a:t>
+            </a:r>
+            <a:r>
+              <a:rPr lang="en-CA" dirty="0" smtClean="0"/>
+              <a:t>can:</a:t>
+            </a:r>
+          </a:p>
+          <a:p>
+            <a:pPr marL="285750" indent="-285750">
+              <a:buFont typeface="Arial" panose="020B0604020202020204" pitchFamily="34" charset="0"/>
+              <a:buChar char="•"/>
+            </a:pPr>
+            <a:r>
+              <a:rPr lang="en-CA" dirty="0" smtClean="0"/>
+              <a:t>Decrease </a:t>
+            </a:r>
+            <a:r>
+              <a:rPr lang="en-CA" dirty="0"/>
+              <a:t>total infections </a:t>
+            </a:r>
+            <a:r>
+              <a:rPr lang="en-CA" dirty="0" smtClean="0"/>
+              <a:t>60 </a:t>
+            </a:r>
+            <a:r>
+              <a:rPr lang="en-CA" dirty="0"/>
+              <a:t>to 98 per cent</a:t>
+            </a:r>
+            <a:r>
+              <a:rPr lang="en-CA" dirty="0" smtClean="0"/>
+              <a:t>.</a:t>
+            </a:r>
+          </a:p>
+          <a:p>
+            <a:pPr marL="285750" indent="-285750">
+              <a:buFont typeface="Arial" panose="020B0604020202020204" pitchFamily="34" charset="0"/>
+              <a:buChar char="•"/>
+            </a:pPr>
+            <a:r>
+              <a:rPr lang="en-CA" dirty="0" smtClean="0"/>
+              <a:t>Significantly r</a:t>
+            </a:r>
+            <a:r>
+              <a:rPr lang="en-CA" dirty="0" smtClean="0"/>
+              <a:t>educe peak infections (flatten the curve).</a:t>
+            </a:r>
+          </a:p>
+        </p:txBody>
+      </p:sp>
+    </p:spTree>
+    <p:extLst>
+      <p:ext uri="{BB962C8B-B14F-4D97-AF65-F5344CB8AC3E}">
+        <p14:creationId xmlns:p14="http://schemas.microsoft.com/office/powerpoint/2010/main" val="164908068"/>
+      </p:ext>
+    </p:extLst>
+  </p:cSld>
+  <p:clrMapOvr>
+    <a:masterClrMapping/>
+  </p:clrMapOvr>
+</p:sld>
+</file>
+
+<file path=ppt/slides/slide15.xml><?xml version="1.0" encoding="utf-8"?>
+<p:sld xmlns:a="http://schemas.openxmlformats.org/drawingml/2006/main" xmlns:r="http://schemas.openxmlformats.org/officeDocument/2006/relationships" xmlns:p="http://schemas.openxmlformats.org/presentationml/2006/main">
+  <p:cSld>
+    <p:spTree>
+      <p:nvGrpSpPr>
+        <p:cNvPr id="1" name=""/>
+        <p:cNvGrpSpPr/>
+        <p:nvPr/>
+      </p:nvGrpSpPr>
+      <p:grpSpPr>
+        <a:xfrm>
+          <a:off x="0" y="0"/>
+          <a:ext cx="0" cy="0"/>
+          <a:chOff x="0" y="0"/>
+          <a:chExt cx="0" cy="0"/>
+        </a:xfrm>
+      </p:grpSpPr>
+      <p:sp>
+        <p:nvSpPr>
+          <p:cNvPr id="2" name="object 2"/>
+          <p:cNvSpPr txBox="1">
+            <a:spLocks noGrp="1"/>
+          </p:cNvSpPr>
+          <p:nvPr>
+            <p:ph type="title"/>
+          </p:nvPr>
+        </p:nvSpPr>
+        <p:spPr>
+          <a:xfrm>
+            <a:off x="331250" y="250726"/>
+            <a:ext cx="3518535" cy="604520"/>
+          </a:xfrm>
+          <a:prstGeom prst="rect">
+            <a:avLst/>
+          </a:prstGeom>
+        </p:spPr>
+        <p:txBody>
+          <a:bodyPr vert="horz" wrap="square" lIns="0" tIns="12700" rIns="0" bIns="0" rtlCol="0">
+            <a:spAutoFit/>
+          </a:bodyPr>
+          <a:lstStyle/>
+          <a:p>
+            <a:pPr marL="12700">
+              <a:lnSpc>
+                <a:spcPct val="100000"/>
+              </a:lnSpc>
+              <a:spcBef>
+                <a:spcPts val="100"/>
+              </a:spcBef>
+            </a:pPr>
+            <a:r>
+              <a:rPr lang="en-CA" sz="3800" spc="-35" dirty="0" smtClean="0">
+                <a:solidFill>
+                  <a:srgbClr val="F1CD00"/>
+                </a:solidFill>
+              </a:rPr>
+              <a:t>Future Work</a:t>
+            </a:r>
+            <a:endParaRPr sz="3800" dirty="0"/>
+          </a:p>
+        </p:txBody>
+      </p:sp>
+      <p:sp>
+        <p:nvSpPr>
+          <p:cNvPr id="7" name="object 7"/>
+          <p:cNvSpPr txBox="1">
+            <a:spLocks noGrp="1"/>
+          </p:cNvSpPr>
+          <p:nvPr>
+            <p:ph type="sldNum" sz="quarter" idx="7"/>
+          </p:nvPr>
+        </p:nvSpPr>
+        <p:spPr>
+          <a:prstGeom prst="rect">
+            <a:avLst/>
+          </a:prstGeom>
+        </p:spPr>
+        <p:txBody>
+          <a:bodyPr vert="horz" wrap="square" lIns="0" tIns="635" rIns="0" bIns="0" rtlCol="0">
+            <a:spAutoFit/>
+          </a:bodyPr>
+          <a:lstStyle/>
+          <a:p>
+            <a:pPr marL="38100">
+              <a:lnSpc>
+                <a:spcPct val="100000"/>
+              </a:lnSpc>
+              <a:spcBef>
+                <a:spcPts val="5"/>
+              </a:spcBef>
+            </a:pPr>
+            <a:fld id="{81D60167-4931-47E6-BA6A-407CBD079E47}" type="slidenum">
+              <a:rPr dirty="0"/>
+              <a:t>15</a:t>
+            </a:fld>
+            <a:endParaRPr dirty="0"/>
+          </a:p>
+        </p:txBody>
+      </p:sp>
+      <p:sp>
+        <p:nvSpPr>
+          <p:cNvPr id="4" name="TextBox 3"/>
+          <p:cNvSpPr txBox="1"/>
+          <p:nvPr/>
+        </p:nvSpPr>
+        <p:spPr>
+          <a:xfrm>
+            <a:off x="838200" y="1352550"/>
+            <a:ext cx="7620000" cy="923330"/>
+          </a:xfrm>
+          <a:prstGeom prst="rect">
+            <a:avLst/>
+          </a:prstGeom>
+          <a:noFill/>
+        </p:spPr>
+        <p:txBody>
+          <a:bodyPr wrap="square" rtlCol="0">
+            <a:spAutoFit/>
+          </a:bodyPr>
+          <a:lstStyle/>
+          <a:p>
+            <a:pPr marL="342900" indent="-342900">
+              <a:buFont typeface="+mj-lt"/>
+              <a:buAutoNum type="arabicPeriod"/>
+            </a:pPr>
+            <a:r>
+              <a:rPr lang="en-CA" dirty="0"/>
+              <a:t>S</a:t>
+            </a:r>
+            <a:r>
+              <a:rPr lang="en-CA" dirty="0" smtClean="0"/>
+              <a:t>tratification</a:t>
+            </a:r>
+            <a:endParaRPr lang="en-CA" dirty="0" smtClean="0"/>
+          </a:p>
+          <a:p>
+            <a:pPr marL="342900" indent="-342900">
+              <a:buFont typeface="+mj-lt"/>
+              <a:buAutoNum type="arabicPeriod"/>
+            </a:pPr>
+            <a:r>
+              <a:rPr lang="en-CA" dirty="0" smtClean="0"/>
+              <a:t>Vaccine analysis</a:t>
+            </a:r>
+          </a:p>
+          <a:p>
+            <a:pPr marL="342900" indent="-342900">
+              <a:buFont typeface="+mj-lt"/>
+              <a:buAutoNum type="arabicPeriod"/>
+            </a:pPr>
+            <a:r>
+              <a:rPr lang="en-CA" dirty="0" smtClean="0"/>
+              <a:t>Quarantine </a:t>
+            </a:r>
+            <a:r>
+              <a:rPr lang="en-CA" dirty="0" smtClean="0"/>
+              <a:t>analysis</a:t>
+            </a:r>
+            <a:endParaRPr lang="en-CA" dirty="0" smtClean="0"/>
+          </a:p>
+        </p:txBody>
+      </p:sp>
+    </p:spTree>
+    <p:extLst>
+      <p:ext uri="{BB962C8B-B14F-4D97-AF65-F5344CB8AC3E}">
+        <p14:creationId xmlns:p14="http://schemas.microsoft.com/office/powerpoint/2010/main" val="2923472118"/>
+      </p:ext>
+    </p:extLst>
+  </p:cSld>
+  <p:clrMapOvr>
+    <a:masterClrMapping/>
+  </p:clrMapOvr>
+</p:sld>
+</file>
+
+<file path=ppt/slides/slide16.xml><?xml version="1.0" encoding="utf-8"?>
+<p:sld xmlns:a="http://schemas.openxmlformats.org/drawingml/2006/main" xmlns:r="http://schemas.openxmlformats.org/officeDocument/2006/relationships" xmlns:p="http://schemas.openxmlformats.org/presentationml/2006/main">
+  <p:cSld>
+    <p:spTree>
+      <p:nvGrpSpPr>
+        <p:cNvPr id="1" name=""/>
+        <p:cNvGrpSpPr/>
+        <p:nvPr/>
+      </p:nvGrpSpPr>
+      <p:grpSpPr>
+        <a:xfrm>
+          <a:off x="0" y="0"/>
+          <a:ext cx="0" cy="0"/>
+          <a:chOff x="0" y="0"/>
+          <a:chExt cx="0" cy="0"/>
+        </a:xfrm>
+      </p:grpSpPr>
+      <p:sp>
+        <p:nvSpPr>
+          <p:cNvPr id="2" name="object 2"/>
+          <p:cNvSpPr txBox="1"/>
+          <p:nvPr/>
+        </p:nvSpPr>
+        <p:spPr>
+          <a:xfrm>
+            <a:off x="2667000" y="1918636"/>
+            <a:ext cx="3117875" cy="659155"/>
+          </a:xfrm>
+          <a:prstGeom prst="rect">
+            <a:avLst/>
+          </a:prstGeom>
+        </p:spPr>
+        <p:txBody>
+          <a:bodyPr vert="horz" wrap="square" lIns="0" tIns="12700" rIns="0" bIns="0" rtlCol="0">
+            <a:spAutoFit/>
+          </a:bodyPr>
+          <a:lstStyle/>
+          <a:p>
+            <a:pPr marL="12700">
+              <a:lnSpc>
+                <a:spcPct val="100000"/>
+              </a:lnSpc>
+              <a:spcBef>
+                <a:spcPts val="100"/>
+              </a:spcBef>
+            </a:pPr>
+            <a:r>
+              <a:rPr sz="4200" b="1" spc="-15" dirty="0" smtClean="0">
+                <a:solidFill>
+                  <a:srgbClr val="F1CD00"/>
+                </a:solidFill>
+                <a:latin typeface="Roboto"/>
+                <a:cs typeface="Roboto"/>
+              </a:rPr>
+              <a:t>Question</a:t>
+            </a:r>
+            <a:r>
+              <a:rPr lang="en-CA" sz="4200" b="1" spc="-15" dirty="0" smtClean="0">
+                <a:solidFill>
+                  <a:srgbClr val="F1CD00"/>
+                </a:solidFill>
+                <a:latin typeface="Roboto"/>
+                <a:cs typeface="Roboto"/>
+              </a:rPr>
+              <a:t>s</a:t>
+            </a:r>
+            <a:r>
+              <a:rPr sz="4200" b="1" spc="-15" dirty="0" smtClean="0">
+                <a:solidFill>
+                  <a:srgbClr val="F1CD00"/>
+                </a:solidFill>
+                <a:latin typeface="Roboto"/>
+                <a:cs typeface="Roboto"/>
+              </a:rPr>
+              <a:t>?</a:t>
+            </a:r>
+            <a:endParaRPr sz="4200" dirty="0">
+              <a:latin typeface="Roboto"/>
+              <a:cs typeface="Roboto"/>
+            </a:endParaRPr>
+          </a:p>
+        </p:txBody>
+      </p:sp>
       <p:pic>
         <p:nvPicPr>
-          <p:cNvPr id="1029" name="Picture 5"/>
+          <p:cNvPr id="3" name="object 3"/>
+          <p:cNvPicPr/>
+          <p:nvPr/>
+        </p:nvPicPr>
+        <p:blipFill>
+          <a:blip r:embed="rId2" cstate="print"/>
+          <a:stretch>
+            <a:fillRect/>
+          </a:stretch>
+        </p:blipFill>
+        <p:spPr>
+          <a:xfrm>
+            <a:off x="5849250" y="3587225"/>
+            <a:ext cx="3256225" cy="1556274"/>
+          </a:xfrm>
+          <a:prstGeom prst="rect">
+            <a:avLst/>
+          </a:prstGeom>
+        </p:spPr>
+      </p:pic>
+      <p:sp>
+        <p:nvSpPr>
+          <p:cNvPr id="4" name="object 4"/>
+          <p:cNvSpPr txBox="1">
+            <a:spLocks noGrp="1"/>
+          </p:cNvSpPr>
+          <p:nvPr>
+            <p:ph type="sldNum" sz="quarter" idx="7"/>
+          </p:nvPr>
+        </p:nvSpPr>
+        <p:spPr>
+          <a:prstGeom prst="rect">
+            <a:avLst/>
+          </a:prstGeom>
+        </p:spPr>
+        <p:txBody>
+          <a:bodyPr vert="horz" wrap="square" lIns="0" tIns="635" rIns="0" bIns="0" rtlCol="0">
+            <a:spAutoFit/>
+          </a:bodyPr>
+          <a:lstStyle/>
+          <a:p>
+            <a:pPr marL="38100">
+              <a:lnSpc>
+                <a:spcPct val="100000"/>
+              </a:lnSpc>
+              <a:spcBef>
+                <a:spcPts val="5"/>
+              </a:spcBef>
+            </a:pPr>
+            <a:fld id="{81D60167-4931-47E6-BA6A-407CBD079E47}" type="slidenum">
+              <a:rPr dirty="0"/>
+              <a:t>16</a:t>
+            </a:fld>
+            <a:endParaRPr dirty="0"/>
+          </a:p>
+        </p:txBody>
+      </p:sp>
+    </p:spTree>
+  </p:cSld>
+  <p:clrMapOvr>
+    <a:masterClrMapping/>
+  </p:clrMapOvr>
+</p:sld>
+</file>
+
+<file path=ppt/slides/slide17.xml><?xml version="1.0" encoding="utf-8"?>
+<p:sld xmlns:a="http://schemas.openxmlformats.org/drawingml/2006/main" xmlns:r="http://schemas.openxmlformats.org/officeDocument/2006/relationships" xmlns:p="http://schemas.openxmlformats.org/presentationml/2006/main" showMasterSp="0">
+  <p:cSld>
+    <p:spTree>
+      <p:nvGrpSpPr>
+        <p:cNvPr id="1" name=""/>
+        <p:cNvGrpSpPr/>
+        <p:nvPr/>
+      </p:nvGrpSpPr>
+      <p:grpSpPr>
+        <a:xfrm>
+          <a:off x="0" y="0"/>
+          <a:ext cx="0" cy="0"/>
+          <a:chOff x="0" y="0"/>
+          <a:chExt cx="0" cy="0"/>
+        </a:xfrm>
+      </p:grpSpPr>
+      <p:sp>
+        <p:nvSpPr>
+          <p:cNvPr id="2" name="object 2"/>
+          <p:cNvSpPr/>
+          <p:nvPr/>
+        </p:nvSpPr>
+        <p:spPr>
+          <a:xfrm>
+            <a:off x="0" y="0"/>
+            <a:ext cx="9144000" cy="5143500"/>
+          </a:xfrm>
+          <a:custGeom>
+            <a:avLst/>
+            <a:gdLst/>
+            <a:ahLst/>
+            <a:cxnLst/>
+            <a:rect l="l" t="t" r="r" b="b"/>
+            <a:pathLst>
+              <a:path w="9144000" h="5143500">
+                <a:moveTo>
+                  <a:pt x="9143999" y="5143499"/>
+                </a:moveTo>
+                <a:lnTo>
+                  <a:pt x="0" y="5143499"/>
+                </a:lnTo>
+                <a:lnTo>
+                  <a:pt x="0" y="0"/>
+                </a:lnTo>
+                <a:lnTo>
+                  <a:pt x="9143999" y="0"/>
+                </a:lnTo>
+                <a:lnTo>
+                  <a:pt x="9143999" y="5143499"/>
+                </a:lnTo>
+                <a:close/>
+              </a:path>
+            </a:pathLst>
+          </a:custGeom>
+          <a:solidFill>
+            <a:srgbClr val="F1CD00"/>
+          </a:solidFill>
+        </p:spPr>
+        <p:txBody>
+          <a:bodyPr wrap="square" lIns="0" tIns="0" rIns="0" bIns="0" rtlCol="0"/>
+          <a:lstStyle/>
+          <a:p>
+            <a:endParaRPr dirty="0"/>
+          </a:p>
+        </p:txBody>
+      </p:sp>
+      <p:pic>
+        <p:nvPicPr>
+          <p:cNvPr id="3" name="object 3"/>
+          <p:cNvPicPr/>
+          <p:nvPr/>
+        </p:nvPicPr>
+        <p:blipFill>
+          <a:blip r:embed="rId2" cstate="print"/>
+          <a:stretch>
+            <a:fillRect/>
+          </a:stretch>
+        </p:blipFill>
+        <p:spPr>
+          <a:xfrm>
+            <a:off x="7089450" y="4409999"/>
+            <a:ext cx="1810580" cy="493399"/>
+          </a:xfrm>
+          <a:prstGeom prst="rect">
+            <a:avLst/>
+          </a:prstGeom>
+        </p:spPr>
+      </p:pic>
+      <p:sp>
+        <p:nvSpPr>
+          <p:cNvPr id="6" name="object 6"/>
+          <p:cNvSpPr txBox="1">
+            <a:spLocks noGrp="1"/>
+          </p:cNvSpPr>
+          <p:nvPr>
+            <p:ph type="sldNum" sz="quarter" idx="7"/>
+          </p:nvPr>
+        </p:nvSpPr>
+        <p:spPr>
+          <a:prstGeom prst="rect">
+            <a:avLst/>
+          </a:prstGeom>
+        </p:spPr>
+        <p:txBody>
+          <a:bodyPr vert="horz" wrap="square" lIns="0" tIns="635" rIns="0" bIns="0" rtlCol="0">
+            <a:spAutoFit/>
+          </a:bodyPr>
+          <a:lstStyle/>
+          <a:p>
+            <a:pPr marL="38100">
+              <a:lnSpc>
+                <a:spcPct val="100000"/>
+              </a:lnSpc>
+              <a:spcBef>
+                <a:spcPts val="5"/>
+              </a:spcBef>
+            </a:pPr>
+            <a:fld id="{81D60167-4931-47E6-BA6A-407CBD079E47}" type="slidenum">
+              <a:rPr dirty="0"/>
+              <a:t>17</a:t>
+            </a:fld>
+            <a:endParaRPr dirty="0"/>
+          </a:p>
+        </p:txBody>
+      </p:sp>
+      <p:sp>
+        <p:nvSpPr>
+          <p:cNvPr id="5" name="object 5"/>
+          <p:cNvSpPr txBox="1">
+            <a:spLocks noGrp="1"/>
+          </p:cNvSpPr>
+          <p:nvPr>
+            <p:ph type="title"/>
+          </p:nvPr>
+        </p:nvSpPr>
+        <p:spPr>
+          <a:xfrm>
+            <a:off x="4073701" y="497354"/>
+            <a:ext cx="1107899" cy="243656"/>
+          </a:xfrm>
+          <a:prstGeom prst="rect">
+            <a:avLst/>
+          </a:prstGeom>
+        </p:spPr>
+        <p:txBody>
+          <a:bodyPr vert="horz" wrap="square" lIns="0" tIns="12700" rIns="0" bIns="0" rtlCol="0">
+            <a:spAutoFit/>
+          </a:bodyPr>
+          <a:lstStyle/>
+          <a:p>
+            <a:pPr marL="12700">
+              <a:lnSpc>
+                <a:spcPct val="100000"/>
+              </a:lnSpc>
+              <a:spcBef>
+                <a:spcPts val="100"/>
+              </a:spcBef>
+            </a:pPr>
+            <a:r>
+              <a:rPr spc="5" dirty="0"/>
+              <a:t>References</a:t>
+            </a:r>
+          </a:p>
+        </p:txBody>
+      </p:sp>
+      <p:sp>
+        <p:nvSpPr>
+          <p:cNvPr id="4" name="TextBox 3"/>
+          <p:cNvSpPr txBox="1"/>
+          <p:nvPr/>
+        </p:nvSpPr>
+        <p:spPr>
+          <a:xfrm>
+            <a:off x="685800" y="895350"/>
+            <a:ext cx="7620000" cy="3900427"/>
+          </a:xfrm>
+          <a:prstGeom prst="rect">
+            <a:avLst/>
+          </a:prstGeom>
+          <a:noFill/>
+        </p:spPr>
+        <p:txBody>
+          <a:bodyPr wrap="square" rtlCol="0">
+            <a:spAutoFit/>
+          </a:bodyPr>
+          <a:lstStyle/>
+          <a:p>
+            <a:pPr marL="457200" indent="-457200">
+              <a:lnSpc>
+                <a:spcPct val="107000"/>
+              </a:lnSpc>
+              <a:spcAft>
+                <a:spcPts val="800"/>
+              </a:spcAft>
+            </a:pPr>
+            <a:r>
+              <a:rPr lang="en-CA" sz="1100" dirty="0">
+                <a:ea typeface="Calibri"/>
+                <a:cs typeface="Times New Roman"/>
+              </a:rPr>
+              <a:t>Centers for Disease Control and Prevention. (2023, March 29). </a:t>
+            </a:r>
+            <a:r>
+              <a:rPr lang="en-CA" sz="1100" i="1" dirty="0">
+                <a:ea typeface="Calibri"/>
+                <a:cs typeface="Times New Roman"/>
+              </a:rPr>
+              <a:t>U.S. </a:t>
+            </a:r>
+            <a:r>
+              <a:rPr lang="en-CA" sz="1100" i="1" dirty="0" err="1">
+                <a:ea typeface="Calibri"/>
+                <a:cs typeface="Times New Roman"/>
+              </a:rPr>
+              <a:t>Mpox</a:t>
+            </a:r>
+            <a:r>
+              <a:rPr lang="en-CA" sz="1100" i="1" dirty="0">
+                <a:ea typeface="Calibri"/>
+                <a:cs typeface="Times New Roman"/>
+              </a:rPr>
+              <a:t> Case Trends Reported to CDC</a:t>
+            </a:r>
+            <a:r>
+              <a:rPr lang="en-CA" sz="1100" dirty="0">
+                <a:ea typeface="Calibri"/>
+                <a:cs typeface="Times New Roman"/>
+              </a:rPr>
+              <a:t>. Retrieved from Centers for Disease Control and Prevention: https://www.cdc.gov/poxvirus/mpox/response/2022/mpx-trends.html</a:t>
+            </a:r>
+          </a:p>
+          <a:p>
+            <a:pPr marL="457200" indent="-457200">
+              <a:lnSpc>
+                <a:spcPct val="107000"/>
+              </a:lnSpc>
+              <a:spcAft>
+                <a:spcPts val="800"/>
+              </a:spcAft>
+            </a:pPr>
+            <a:r>
+              <a:rPr lang="en-CA" sz="1100" dirty="0">
+                <a:ea typeface="Calibri"/>
+                <a:cs typeface="Times New Roman"/>
+              </a:rPr>
+              <a:t>Mohr, J. (</a:t>
+            </a:r>
+            <a:r>
+              <a:rPr lang="en-CA" sz="1100" dirty="0" err="1">
+                <a:ea typeface="Calibri"/>
+                <a:cs typeface="Times New Roman"/>
+              </a:rPr>
+              <a:t>n.d.</a:t>
+            </a:r>
+            <a:r>
+              <a:rPr lang="en-CA" sz="1100" dirty="0">
+                <a:ea typeface="Calibri"/>
+                <a:cs typeface="Times New Roman"/>
+              </a:rPr>
+              <a:t>). </a:t>
+            </a:r>
+            <a:r>
+              <a:rPr lang="en-CA" sz="1100" i="1" dirty="0">
+                <a:ea typeface="Calibri"/>
+                <a:cs typeface="Times New Roman"/>
+              </a:rPr>
+              <a:t>Smallpox</a:t>
+            </a:r>
+            <a:r>
+              <a:rPr lang="en-CA" sz="1100" dirty="0">
+                <a:ea typeface="Calibri"/>
+                <a:cs typeface="Times New Roman"/>
+              </a:rPr>
+              <a:t>. Retrieved from American Museum of Natural History: https://www.amnh.org/explore/science-topics/disease-eradication/countdown-to-zero/smallpox#:~:text=One%20of%20history's%20deadliest%20diseases,the%20first%20disease%20ever%20eradicated.</a:t>
+            </a:r>
+          </a:p>
+          <a:p>
+            <a:pPr marL="457200" indent="-457200">
+              <a:lnSpc>
+                <a:spcPct val="107000"/>
+              </a:lnSpc>
+              <a:spcAft>
+                <a:spcPts val="800"/>
+              </a:spcAft>
+            </a:pPr>
+            <a:r>
+              <a:rPr lang="en-CA" sz="1100" dirty="0">
+                <a:ea typeface="Calibri"/>
+                <a:cs typeface="Times New Roman"/>
+              </a:rPr>
+              <a:t>Parker, S., &amp; Buller, R. M. (2013). A review of experimental and natural infections of animals with </a:t>
+            </a:r>
+            <a:r>
+              <a:rPr lang="en-CA" sz="1100" dirty="0" err="1">
+                <a:ea typeface="Calibri"/>
+                <a:cs typeface="Times New Roman"/>
+              </a:rPr>
+              <a:t>monkeypox</a:t>
+            </a:r>
+            <a:r>
+              <a:rPr lang="en-CA" sz="1100" dirty="0">
+                <a:ea typeface="Calibri"/>
+                <a:cs typeface="Times New Roman"/>
+              </a:rPr>
+              <a:t> virus between 1958 and 2012. </a:t>
+            </a:r>
+            <a:r>
+              <a:rPr lang="en-CA" sz="1100" i="1" dirty="0">
+                <a:ea typeface="Calibri"/>
+                <a:cs typeface="Times New Roman"/>
+              </a:rPr>
+              <a:t>Future </a:t>
+            </a:r>
+            <a:r>
+              <a:rPr lang="en-CA" sz="1100" i="1" dirty="0" err="1">
+                <a:ea typeface="Calibri"/>
+                <a:cs typeface="Times New Roman"/>
+              </a:rPr>
+              <a:t>Virol</a:t>
+            </a:r>
+            <a:r>
+              <a:rPr lang="en-CA" sz="1100" dirty="0">
+                <a:ea typeface="Calibri"/>
+                <a:cs typeface="Times New Roman"/>
+              </a:rPr>
+              <a:t>, 129-157.</a:t>
+            </a:r>
+          </a:p>
+          <a:p>
+            <a:pPr marL="457200" indent="-457200">
+              <a:lnSpc>
+                <a:spcPct val="107000"/>
+              </a:lnSpc>
+              <a:spcAft>
+                <a:spcPts val="800"/>
+              </a:spcAft>
+            </a:pPr>
+            <a:r>
+              <a:rPr lang="en-CA" sz="1100" dirty="0">
+                <a:ea typeface="Calibri"/>
+                <a:cs typeface="Times New Roman"/>
+              </a:rPr>
+              <a:t>Peter, O. J., </a:t>
+            </a:r>
+            <a:r>
+              <a:rPr lang="en-CA" sz="1100" dirty="0" err="1">
+                <a:ea typeface="Calibri"/>
+                <a:cs typeface="Times New Roman"/>
+              </a:rPr>
+              <a:t>Abidemi</a:t>
+            </a:r>
+            <a:r>
+              <a:rPr lang="en-CA" sz="1100" dirty="0">
+                <a:ea typeface="Calibri"/>
+                <a:cs typeface="Times New Roman"/>
+              </a:rPr>
+              <a:t>, A., </a:t>
+            </a:r>
+            <a:r>
+              <a:rPr lang="en-CA" sz="1100" dirty="0" err="1">
+                <a:ea typeface="Calibri"/>
+                <a:cs typeface="Times New Roman"/>
+              </a:rPr>
+              <a:t>Ojo</a:t>
+            </a:r>
+            <a:r>
+              <a:rPr lang="en-CA" sz="1100" dirty="0">
+                <a:ea typeface="Calibri"/>
+                <a:cs typeface="Times New Roman"/>
+              </a:rPr>
+              <a:t>, M. M., &amp; </a:t>
+            </a:r>
+            <a:r>
+              <a:rPr lang="en-CA" sz="1100" dirty="0" err="1">
+                <a:ea typeface="Calibri"/>
+                <a:cs typeface="Times New Roman"/>
+              </a:rPr>
+              <a:t>Ayoola</a:t>
+            </a:r>
+            <a:r>
+              <a:rPr lang="en-CA" sz="1100" dirty="0">
+                <a:ea typeface="Calibri"/>
+                <a:cs typeface="Times New Roman"/>
+              </a:rPr>
+              <a:t>, T. A. (2023). Mathematical model and analysis of </a:t>
+            </a:r>
+            <a:r>
+              <a:rPr lang="en-CA" sz="1100" dirty="0" err="1">
+                <a:ea typeface="Calibri"/>
+                <a:cs typeface="Times New Roman"/>
+              </a:rPr>
+              <a:t>monkeypox</a:t>
+            </a:r>
+            <a:r>
+              <a:rPr lang="en-CA" sz="1100" dirty="0">
+                <a:ea typeface="Calibri"/>
+                <a:cs typeface="Times New Roman"/>
+              </a:rPr>
+              <a:t> with control strategies. </a:t>
+            </a:r>
+            <a:r>
+              <a:rPr lang="en-CA" sz="1100" i="1" dirty="0">
+                <a:ea typeface="Calibri"/>
+                <a:cs typeface="Times New Roman"/>
+              </a:rPr>
+              <a:t>The European Physical Journal Plus</a:t>
+            </a:r>
+            <a:r>
+              <a:rPr lang="en-CA" sz="1100" dirty="0">
+                <a:ea typeface="Calibri"/>
+                <a:cs typeface="Times New Roman"/>
+              </a:rPr>
+              <a:t>.</a:t>
+            </a:r>
+          </a:p>
+          <a:p>
+            <a:pPr marL="457200" indent="-457200">
+              <a:lnSpc>
+                <a:spcPct val="107000"/>
+              </a:lnSpc>
+              <a:spcAft>
+                <a:spcPts val="800"/>
+              </a:spcAft>
+            </a:pPr>
+            <a:r>
+              <a:rPr lang="en-CA" sz="1100" dirty="0">
+                <a:ea typeface="Calibri"/>
+                <a:cs typeface="Times New Roman"/>
+              </a:rPr>
+              <a:t>Peter, O. J., Kumar, S., </a:t>
+            </a:r>
+            <a:r>
+              <a:rPr lang="en-CA" sz="1100" dirty="0" err="1">
+                <a:ea typeface="Calibri"/>
+                <a:cs typeface="Times New Roman"/>
+              </a:rPr>
+              <a:t>Kumari</a:t>
+            </a:r>
+            <a:r>
+              <a:rPr lang="en-CA" sz="1100" dirty="0">
+                <a:ea typeface="Calibri"/>
+                <a:cs typeface="Times New Roman"/>
+              </a:rPr>
+              <a:t>, N., </a:t>
+            </a:r>
+            <a:r>
+              <a:rPr lang="en-CA" sz="1100" dirty="0" err="1">
+                <a:ea typeface="Calibri"/>
+                <a:cs typeface="Times New Roman"/>
+              </a:rPr>
+              <a:t>Oguntolu</a:t>
+            </a:r>
+            <a:r>
+              <a:rPr lang="en-CA" sz="1100" dirty="0">
+                <a:ea typeface="Calibri"/>
+                <a:cs typeface="Times New Roman"/>
+              </a:rPr>
+              <a:t>, F. A., </a:t>
+            </a:r>
+            <a:r>
+              <a:rPr lang="en-CA" sz="1100" dirty="0" err="1">
+                <a:ea typeface="Calibri"/>
+                <a:cs typeface="Times New Roman"/>
+              </a:rPr>
+              <a:t>Oshinubi</a:t>
+            </a:r>
+            <a:r>
+              <a:rPr lang="en-CA" sz="1100" dirty="0">
+                <a:ea typeface="Calibri"/>
+                <a:cs typeface="Times New Roman"/>
+              </a:rPr>
+              <a:t>, K., &amp; Musa, R. (2021). Transmission dynamics of </a:t>
+            </a:r>
+            <a:r>
+              <a:rPr lang="en-CA" sz="1100" dirty="0" err="1">
+                <a:ea typeface="Calibri"/>
+                <a:cs typeface="Times New Roman"/>
+              </a:rPr>
+              <a:t>Monkeypox</a:t>
+            </a:r>
+            <a:r>
+              <a:rPr lang="en-CA" sz="1100" dirty="0">
+                <a:ea typeface="Calibri"/>
+                <a:cs typeface="Times New Roman"/>
+              </a:rPr>
+              <a:t> virus: a mathematical modelling approach. </a:t>
+            </a:r>
+            <a:r>
+              <a:rPr lang="en-CA" sz="1100" i="1" dirty="0">
+                <a:ea typeface="Calibri"/>
+                <a:cs typeface="Times New Roman"/>
+              </a:rPr>
+              <a:t>Nature Public Health Emergency Collection</a:t>
+            </a:r>
+            <a:r>
+              <a:rPr lang="en-CA" sz="1100" dirty="0">
+                <a:ea typeface="Calibri"/>
+                <a:cs typeface="Times New Roman"/>
+              </a:rPr>
+              <a:t>, 3423–3434.</a:t>
+            </a:r>
+          </a:p>
+          <a:p>
+            <a:pPr marL="457200" indent="-457200">
+              <a:lnSpc>
+                <a:spcPct val="107000"/>
+              </a:lnSpc>
+              <a:spcAft>
+                <a:spcPts val="800"/>
+              </a:spcAft>
+            </a:pPr>
+            <a:r>
+              <a:rPr lang="en-CA" sz="1100" dirty="0">
+                <a:ea typeface="Calibri"/>
+                <a:cs typeface="Times New Roman"/>
+              </a:rPr>
+              <a:t>Peter, O. J., </a:t>
+            </a:r>
+            <a:r>
+              <a:rPr lang="en-CA" sz="1100" dirty="0" err="1">
+                <a:ea typeface="Calibri"/>
+                <a:cs typeface="Times New Roman"/>
+              </a:rPr>
+              <a:t>Oguntolu</a:t>
+            </a:r>
+            <a:r>
+              <a:rPr lang="en-CA" sz="1100" dirty="0">
+                <a:ea typeface="Calibri"/>
+                <a:cs typeface="Times New Roman"/>
+              </a:rPr>
+              <a:t>, F. A., </a:t>
+            </a:r>
+            <a:r>
+              <a:rPr lang="en-CA" sz="1100" dirty="0" err="1">
+                <a:ea typeface="Calibri"/>
+                <a:cs typeface="Times New Roman"/>
+              </a:rPr>
+              <a:t>Ojo</a:t>
+            </a:r>
+            <a:r>
+              <a:rPr lang="en-CA" sz="1100" dirty="0">
+                <a:ea typeface="Calibri"/>
+                <a:cs typeface="Times New Roman"/>
+              </a:rPr>
+              <a:t>, M. M., </a:t>
+            </a:r>
+            <a:r>
+              <a:rPr lang="en-CA" sz="1100" dirty="0" err="1">
+                <a:ea typeface="Calibri"/>
+                <a:cs typeface="Times New Roman"/>
+              </a:rPr>
+              <a:t>Oyeniyi</a:t>
+            </a:r>
+            <a:r>
+              <a:rPr lang="en-CA" sz="1100" dirty="0">
+                <a:ea typeface="Calibri"/>
+                <a:cs typeface="Times New Roman"/>
+              </a:rPr>
+              <a:t>, A. O., Jan, R., &amp; Khan, I. (2022). Historically, outbreaks of </a:t>
+            </a:r>
+            <a:r>
+              <a:rPr lang="en-CA" sz="1100" dirty="0" err="1">
+                <a:ea typeface="Calibri"/>
+                <a:cs typeface="Times New Roman"/>
+              </a:rPr>
+              <a:t>monkeypox</a:t>
+            </a:r>
+            <a:r>
+              <a:rPr lang="en-CA" sz="1100" dirty="0">
+                <a:ea typeface="Calibri"/>
+                <a:cs typeface="Times New Roman"/>
+              </a:rPr>
+              <a:t> have been linked to animal-to-human transmission, where wild animals like African rats and monkeys transmit the virus to people which could occur as a result of bites or scratches the processing of bush meat, direct co. </a:t>
+            </a:r>
+            <a:r>
+              <a:rPr lang="en-CA" sz="1100" i="1" dirty="0" err="1">
+                <a:ea typeface="Calibri"/>
+                <a:cs typeface="Times New Roman"/>
+              </a:rPr>
+              <a:t>Physica</a:t>
+            </a:r>
+            <a:r>
+              <a:rPr lang="en-CA" sz="1100" i="1" dirty="0">
+                <a:ea typeface="Calibri"/>
+                <a:cs typeface="Times New Roman"/>
+              </a:rPr>
+              <a:t> </a:t>
+            </a:r>
+            <a:r>
+              <a:rPr lang="en-CA" sz="1100" i="1" dirty="0" err="1">
+                <a:ea typeface="Calibri"/>
+                <a:cs typeface="Times New Roman"/>
+              </a:rPr>
+              <a:t>Scripta</a:t>
+            </a:r>
+            <a:r>
+              <a:rPr lang="en-CA" sz="1100" dirty="0">
+                <a:ea typeface="Calibri"/>
+                <a:cs typeface="Times New Roman"/>
+              </a:rPr>
+              <a:t>.</a:t>
+            </a:r>
+          </a:p>
+          <a:p>
+            <a:pPr>
+              <a:lnSpc>
+                <a:spcPct val="150000"/>
+              </a:lnSpc>
+              <a:spcAft>
+                <a:spcPts val="800"/>
+              </a:spcAft>
+            </a:pPr>
+            <a:r>
+              <a:rPr lang="en-CA" sz="1200" dirty="0">
+                <a:latin typeface="Times New Roman"/>
+                <a:ea typeface="Calibri"/>
+                <a:cs typeface="Times New Roman"/>
+              </a:rPr>
+              <a:t> </a:t>
+            </a:r>
+            <a:endParaRPr lang="en-CA" sz="1100" dirty="0">
+              <a:ea typeface="Calibri"/>
+              <a:cs typeface="Times New Roman"/>
+            </a:endParaRPr>
+          </a:p>
+          <a:p>
+            <a:endParaRPr lang="en-US" dirty="0"/>
+          </a:p>
+        </p:txBody>
+      </p:sp>
+    </p:spTree>
+  </p:cSld>
+  <p:clrMapOvr>
+    <a:masterClrMapping/>
+  </p:clrMapOvr>
+</p:sld>
+</file>
+
+<file path=ppt/slides/slide18.xml><?xml version="1.0" encoding="utf-8"?>
+<p:sld xmlns:a="http://schemas.openxmlformats.org/drawingml/2006/main" xmlns:r="http://schemas.openxmlformats.org/officeDocument/2006/relationships" xmlns:p="http://schemas.openxmlformats.org/presentationml/2006/main">
+  <p:cSld>
+    <p:spTree>
+      <p:nvGrpSpPr>
+        <p:cNvPr id="1" name=""/>
+        <p:cNvGrpSpPr/>
+        <p:nvPr/>
+      </p:nvGrpSpPr>
+      <p:grpSpPr>
+        <a:xfrm>
+          <a:off x="0" y="0"/>
+          <a:ext cx="0" cy="0"/>
+          <a:chOff x="0" y="0"/>
+          <a:chExt cx="0" cy="0"/>
+        </a:xfrm>
+      </p:grpSpPr>
+      <p:sp>
+        <p:nvSpPr>
+          <p:cNvPr id="2" name="object 2"/>
+          <p:cNvSpPr txBox="1">
+            <a:spLocks noGrp="1"/>
+          </p:cNvSpPr>
+          <p:nvPr>
+            <p:ph type="title"/>
+          </p:nvPr>
+        </p:nvSpPr>
+        <p:spPr>
+          <a:xfrm>
+            <a:off x="331250" y="250726"/>
+            <a:ext cx="8660350" cy="597599"/>
+          </a:xfrm>
+          <a:prstGeom prst="rect">
+            <a:avLst/>
+          </a:prstGeom>
+        </p:spPr>
+        <p:txBody>
+          <a:bodyPr vert="horz" wrap="square" lIns="0" tIns="12700" rIns="0" bIns="0" rtlCol="0">
+            <a:spAutoFit/>
+          </a:bodyPr>
+          <a:lstStyle/>
+          <a:p>
+            <a:pPr marL="12700">
+              <a:lnSpc>
+                <a:spcPct val="100000"/>
+              </a:lnSpc>
+              <a:spcBef>
+                <a:spcPts val="100"/>
+              </a:spcBef>
+            </a:pPr>
+            <a:r>
+              <a:rPr lang="en-CA" sz="3800" spc="-35" dirty="0" smtClean="0">
+                <a:solidFill>
+                  <a:srgbClr val="F1CD00"/>
+                </a:solidFill>
+              </a:rPr>
+              <a:t>Appendix A: Mathematical Model</a:t>
+            </a:r>
+            <a:endParaRPr sz="3800" dirty="0"/>
+          </a:p>
+        </p:txBody>
+      </p:sp>
+      <p:sp>
+        <p:nvSpPr>
+          <p:cNvPr id="7" name="object 7"/>
+          <p:cNvSpPr txBox="1">
+            <a:spLocks noGrp="1"/>
+          </p:cNvSpPr>
+          <p:nvPr>
+            <p:ph type="sldNum" sz="quarter" idx="7"/>
+          </p:nvPr>
+        </p:nvSpPr>
+        <p:spPr>
+          <a:prstGeom prst="rect">
+            <a:avLst/>
+          </a:prstGeom>
+        </p:spPr>
+        <p:txBody>
+          <a:bodyPr vert="horz" wrap="square" lIns="0" tIns="635" rIns="0" bIns="0" rtlCol="0">
+            <a:spAutoFit/>
+          </a:bodyPr>
+          <a:lstStyle/>
+          <a:p>
+            <a:pPr marL="38100">
+              <a:lnSpc>
+                <a:spcPct val="100000"/>
+              </a:lnSpc>
+              <a:spcBef>
+                <a:spcPts val="5"/>
+              </a:spcBef>
+            </a:pPr>
+            <a:fld id="{81D60167-4931-47E6-BA6A-407CBD079E47}" type="slidenum">
+              <a:rPr dirty="0"/>
+              <a:t>18</a:t>
+            </a:fld>
+            <a:endParaRPr dirty="0"/>
+          </a:p>
+        </p:txBody>
+      </p:sp>
+      <p:sp>
+        <p:nvSpPr>
+          <p:cNvPr id="3" name="Rounded Rectangle 2"/>
+          <p:cNvSpPr/>
+          <p:nvPr/>
+        </p:nvSpPr>
+        <p:spPr>
+          <a:xfrm>
+            <a:off x="685800" y="1200150"/>
+            <a:ext cx="1080000" cy="1080000"/>
+          </a:xfrm>
+          <a:prstGeom prst="roundRect">
+            <a:avLst/>
+          </a:prstGeom>
+          <a:noFill/>
+          <a:ln>
+            <a:solidFill>
+              <a:schemeClr val="tx1"/>
+            </a:solidFill>
+          </a:ln>
+        </p:spPr>
+        <p:style>
+          <a:lnRef idx="2">
+            <a:schemeClr val="accent1">
+              <a:shade val="50000"/>
+            </a:schemeClr>
+          </a:lnRef>
+          <a:fillRef idx="1">
+            <a:schemeClr val="accent1"/>
+          </a:fillRef>
+          <a:effectRef idx="0">
+            <a:schemeClr val="accent1"/>
+          </a:effectRef>
+          <a:fontRef idx="minor">
+            <a:schemeClr val="lt1"/>
+          </a:fontRef>
+        </p:style>
+        <p:txBody>
+          <a:bodyPr rtlCol="0" anchor="ctr"/>
+          <a:lstStyle/>
+          <a:p>
+            <a:pPr algn="ctr"/>
+            <a:r>
+              <a:rPr lang="en-CA" sz="8800" dirty="0" smtClean="0">
+                <a:solidFill>
+                  <a:schemeClr val="tx1"/>
+                </a:solidFill>
+              </a:rPr>
+              <a:t>S</a:t>
+            </a:r>
+            <a:endParaRPr lang="en-CA" sz="8800" dirty="0">
+              <a:solidFill>
+                <a:schemeClr val="tx1"/>
+              </a:solidFill>
+            </a:endParaRPr>
+          </a:p>
+        </p:txBody>
+      </p:sp>
+      <p:sp>
+        <p:nvSpPr>
+          <p:cNvPr id="6" name="Rounded Rectangle 5"/>
+          <p:cNvSpPr/>
+          <p:nvPr/>
+        </p:nvSpPr>
+        <p:spPr>
+          <a:xfrm>
+            <a:off x="4800600" y="3199491"/>
+            <a:ext cx="1080000" cy="1080000"/>
+          </a:xfrm>
+          <a:prstGeom prst="roundRect">
+            <a:avLst/>
+          </a:prstGeom>
+          <a:noFill/>
+          <a:ln>
+            <a:solidFill>
+              <a:schemeClr val="tx1"/>
+            </a:solidFill>
+          </a:ln>
+        </p:spPr>
+        <p:style>
+          <a:lnRef idx="2">
+            <a:schemeClr val="accent1">
+              <a:shade val="50000"/>
+            </a:schemeClr>
+          </a:lnRef>
+          <a:fillRef idx="1">
+            <a:schemeClr val="accent1"/>
+          </a:fillRef>
+          <a:effectRef idx="0">
+            <a:schemeClr val="accent1"/>
+          </a:effectRef>
+          <a:fontRef idx="minor">
+            <a:schemeClr val="lt1"/>
+          </a:fontRef>
+        </p:style>
+        <p:txBody>
+          <a:bodyPr rtlCol="0" anchor="ctr"/>
+          <a:lstStyle/>
+          <a:p>
+            <a:pPr algn="ctr"/>
+            <a:r>
+              <a:rPr lang="en-CA" sz="8800" dirty="0" smtClean="0">
+                <a:solidFill>
+                  <a:schemeClr val="tx1"/>
+                </a:solidFill>
+              </a:rPr>
+              <a:t>I</a:t>
+            </a:r>
+            <a:r>
+              <a:rPr lang="en-CA" sz="4000" baseline="-25000" dirty="0" smtClean="0">
+                <a:solidFill>
+                  <a:schemeClr val="tx1"/>
+                </a:solidFill>
+              </a:rPr>
+              <a:t>e</a:t>
+            </a:r>
+            <a:endParaRPr lang="en-CA" sz="8800" baseline="-25000" dirty="0">
+              <a:solidFill>
+                <a:schemeClr val="tx1"/>
+              </a:solidFill>
+            </a:endParaRPr>
+          </a:p>
+        </p:txBody>
+      </p:sp>
+      <p:sp>
+        <p:nvSpPr>
+          <p:cNvPr id="8" name="Rounded Rectangle 7"/>
+          <p:cNvSpPr/>
+          <p:nvPr/>
+        </p:nvSpPr>
+        <p:spPr>
+          <a:xfrm>
+            <a:off x="2743756" y="3199491"/>
+            <a:ext cx="1080000" cy="1080000"/>
+          </a:xfrm>
+          <a:prstGeom prst="roundRect">
+            <a:avLst/>
+          </a:prstGeom>
+          <a:noFill/>
+          <a:ln>
+            <a:solidFill>
+              <a:schemeClr val="tx1"/>
+            </a:solidFill>
+          </a:ln>
+        </p:spPr>
+        <p:style>
+          <a:lnRef idx="2">
+            <a:schemeClr val="accent1">
+              <a:shade val="50000"/>
+            </a:schemeClr>
+          </a:lnRef>
+          <a:fillRef idx="1">
+            <a:schemeClr val="accent1"/>
+          </a:fillRef>
+          <a:effectRef idx="0">
+            <a:schemeClr val="accent1"/>
+          </a:effectRef>
+          <a:fontRef idx="minor">
+            <a:schemeClr val="lt1"/>
+          </a:fontRef>
+        </p:style>
+        <p:txBody>
+          <a:bodyPr rtlCol="0" anchor="ctr"/>
+          <a:lstStyle/>
+          <a:p>
+            <a:pPr algn="ctr"/>
+            <a:r>
+              <a:rPr lang="en-CA" sz="8800" dirty="0" smtClean="0">
+                <a:solidFill>
+                  <a:schemeClr val="tx1"/>
+                </a:solidFill>
+              </a:rPr>
+              <a:t>E</a:t>
+            </a:r>
+            <a:r>
+              <a:rPr lang="en-CA" sz="4000" baseline="-25000" dirty="0" smtClean="0">
+                <a:solidFill>
+                  <a:schemeClr val="tx1"/>
+                </a:solidFill>
+              </a:rPr>
+              <a:t>e</a:t>
+            </a:r>
+            <a:endParaRPr lang="en-CA" sz="8800" baseline="-25000" dirty="0">
+              <a:solidFill>
+                <a:schemeClr val="tx1"/>
+              </a:solidFill>
+            </a:endParaRPr>
+          </a:p>
+        </p:txBody>
+      </p:sp>
+      <p:sp>
+        <p:nvSpPr>
+          <p:cNvPr id="9" name="Rounded Rectangle 8"/>
+          <p:cNvSpPr/>
+          <p:nvPr/>
+        </p:nvSpPr>
+        <p:spPr>
+          <a:xfrm>
+            <a:off x="685800" y="3199491"/>
+            <a:ext cx="1080000" cy="1080000"/>
+          </a:xfrm>
+          <a:prstGeom prst="roundRect">
+            <a:avLst/>
+          </a:prstGeom>
+          <a:noFill/>
+          <a:ln>
+            <a:solidFill>
+              <a:schemeClr val="tx1"/>
+            </a:solidFill>
+          </a:ln>
+        </p:spPr>
+        <p:style>
+          <a:lnRef idx="2">
+            <a:schemeClr val="accent1">
+              <a:shade val="50000"/>
+            </a:schemeClr>
+          </a:lnRef>
+          <a:fillRef idx="1">
+            <a:schemeClr val="accent1"/>
+          </a:fillRef>
+          <a:effectRef idx="0">
+            <a:schemeClr val="accent1"/>
+          </a:effectRef>
+          <a:fontRef idx="minor">
+            <a:schemeClr val="lt1"/>
+          </a:fontRef>
+        </p:style>
+        <p:txBody>
+          <a:bodyPr rtlCol="0" anchor="ctr"/>
+          <a:lstStyle/>
+          <a:p>
+            <a:pPr algn="ctr"/>
+            <a:r>
+              <a:rPr lang="en-CA" sz="8800" dirty="0" smtClean="0">
+                <a:solidFill>
+                  <a:schemeClr val="tx1"/>
+                </a:solidFill>
+              </a:rPr>
+              <a:t>S</a:t>
+            </a:r>
+            <a:r>
+              <a:rPr lang="en-CA" sz="4000" baseline="-25000" dirty="0" smtClean="0">
+                <a:solidFill>
+                  <a:schemeClr val="tx1"/>
+                </a:solidFill>
+              </a:rPr>
+              <a:t>e</a:t>
+            </a:r>
+            <a:endParaRPr lang="en-CA" sz="4000" baseline="-25000" dirty="0">
+              <a:solidFill>
+                <a:schemeClr val="tx1"/>
+              </a:solidFill>
+            </a:endParaRPr>
+          </a:p>
+        </p:txBody>
+      </p:sp>
+      <p:sp>
+        <p:nvSpPr>
+          <p:cNvPr id="10" name="Rounded Rectangle 9"/>
+          <p:cNvSpPr/>
+          <p:nvPr/>
+        </p:nvSpPr>
+        <p:spPr>
+          <a:xfrm>
+            <a:off x="2743200" y="1200150"/>
+            <a:ext cx="1080000" cy="1080000"/>
+          </a:xfrm>
+          <a:prstGeom prst="roundRect">
+            <a:avLst/>
+          </a:prstGeom>
+          <a:noFill/>
+          <a:ln>
+            <a:solidFill>
+              <a:schemeClr val="tx1"/>
+            </a:solidFill>
+          </a:ln>
+        </p:spPr>
+        <p:style>
+          <a:lnRef idx="2">
+            <a:schemeClr val="accent1">
+              <a:shade val="50000"/>
+            </a:schemeClr>
+          </a:lnRef>
+          <a:fillRef idx="1">
+            <a:schemeClr val="accent1"/>
+          </a:fillRef>
+          <a:effectRef idx="0">
+            <a:schemeClr val="accent1"/>
+          </a:effectRef>
+          <a:fontRef idx="minor">
+            <a:schemeClr val="lt1"/>
+          </a:fontRef>
+        </p:style>
+        <p:txBody>
+          <a:bodyPr rtlCol="0" anchor="ctr"/>
+          <a:lstStyle/>
+          <a:p>
+            <a:pPr algn="ctr"/>
+            <a:r>
+              <a:rPr lang="en-CA" sz="8800" dirty="0">
+                <a:solidFill>
+                  <a:schemeClr val="tx1"/>
+                </a:solidFill>
+              </a:rPr>
+              <a:t>E</a:t>
+            </a:r>
+          </a:p>
+        </p:txBody>
+      </p:sp>
+      <p:sp>
+        <p:nvSpPr>
+          <p:cNvPr id="11" name="Rounded Rectangle 10"/>
+          <p:cNvSpPr/>
+          <p:nvPr/>
+        </p:nvSpPr>
+        <p:spPr>
+          <a:xfrm>
+            <a:off x="4800600" y="1200150"/>
+            <a:ext cx="1080000" cy="1080000"/>
+          </a:xfrm>
+          <a:prstGeom prst="roundRect">
+            <a:avLst/>
+          </a:prstGeom>
+          <a:noFill/>
+          <a:ln>
+            <a:solidFill>
+              <a:schemeClr val="tx1"/>
+            </a:solidFill>
+          </a:ln>
+        </p:spPr>
+        <p:style>
+          <a:lnRef idx="2">
+            <a:schemeClr val="accent1">
+              <a:shade val="50000"/>
+            </a:schemeClr>
+          </a:lnRef>
+          <a:fillRef idx="1">
+            <a:schemeClr val="accent1"/>
+          </a:fillRef>
+          <a:effectRef idx="0">
+            <a:schemeClr val="accent1"/>
+          </a:effectRef>
+          <a:fontRef idx="minor">
+            <a:schemeClr val="lt1"/>
+          </a:fontRef>
+        </p:style>
+        <p:txBody>
+          <a:bodyPr rtlCol="0" anchor="ctr"/>
+          <a:lstStyle/>
+          <a:p>
+            <a:pPr algn="ctr"/>
+            <a:r>
+              <a:rPr lang="en-CA" sz="8800" dirty="0">
+                <a:solidFill>
+                  <a:schemeClr val="tx1"/>
+                </a:solidFill>
+              </a:rPr>
+              <a:t>I</a:t>
+            </a:r>
+          </a:p>
+        </p:txBody>
+      </p:sp>
+      <p:sp>
+        <p:nvSpPr>
+          <p:cNvPr id="12" name="Rounded Rectangle 11"/>
+          <p:cNvSpPr/>
+          <p:nvPr/>
+        </p:nvSpPr>
+        <p:spPr>
+          <a:xfrm>
+            <a:off x="6858000" y="1200150"/>
+            <a:ext cx="1080000" cy="1080000"/>
+          </a:xfrm>
+          <a:prstGeom prst="roundRect">
+            <a:avLst/>
+          </a:prstGeom>
+          <a:noFill/>
+          <a:ln>
+            <a:solidFill>
+              <a:schemeClr val="tx1"/>
+            </a:solidFill>
+          </a:ln>
+        </p:spPr>
+        <p:style>
+          <a:lnRef idx="2">
+            <a:schemeClr val="accent1">
+              <a:shade val="50000"/>
+            </a:schemeClr>
+          </a:lnRef>
+          <a:fillRef idx="1">
+            <a:schemeClr val="accent1"/>
+          </a:fillRef>
+          <a:effectRef idx="0">
+            <a:schemeClr val="accent1"/>
+          </a:effectRef>
+          <a:fontRef idx="minor">
+            <a:schemeClr val="lt1"/>
+          </a:fontRef>
+        </p:style>
+        <p:txBody>
+          <a:bodyPr rtlCol="0" anchor="ctr"/>
+          <a:lstStyle/>
+          <a:p>
+            <a:pPr algn="ctr"/>
+            <a:r>
+              <a:rPr lang="en-CA" sz="8800" dirty="0">
+                <a:solidFill>
+                  <a:schemeClr val="tx1"/>
+                </a:solidFill>
+              </a:rPr>
+              <a:t>R</a:t>
+            </a:r>
+          </a:p>
+        </p:txBody>
+      </p:sp>
+      <p:cxnSp>
+        <p:nvCxnSpPr>
+          <p:cNvPr id="13" name="Straight Arrow Connector 12"/>
+          <p:cNvCxnSpPr>
+            <a:stCxn id="3" idx="3"/>
+            <a:endCxn id="10" idx="1"/>
+          </p:cNvCxnSpPr>
+          <p:nvPr/>
+        </p:nvCxnSpPr>
+        <p:spPr>
+          <a:xfrm>
+            <a:off x="1765800" y="1740150"/>
+            <a:ext cx="977400" cy="0"/>
+          </a:xfrm>
+          <a:prstGeom prst="straightConnector1">
+            <a:avLst/>
+          </a:prstGeom>
+          <a:ln>
+            <a:tailEnd type="arrow"/>
+          </a:ln>
+        </p:spPr>
+        <p:style>
+          <a:lnRef idx="1">
+            <a:schemeClr val="dk1"/>
+          </a:lnRef>
+          <a:fillRef idx="0">
+            <a:schemeClr val="dk1"/>
+          </a:fillRef>
+          <a:effectRef idx="0">
+            <a:schemeClr val="dk1"/>
+          </a:effectRef>
+          <a:fontRef idx="minor">
+            <a:schemeClr val="tx1"/>
+          </a:fontRef>
+        </p:style>
+      </p:cxnSp>
+      <p:cxnSp>
+        <p:nvCxnSpPr>
+          <p:cNvPr id="14" name="Straight Arrow Connector 13"/>
+          <p:cNvCxnSpPr>
+            <a:stCxn id="11" idx="2"/>
+            <a:endCxn id="6" idx="0"/>
+          </p:cNvCxnSpPr>
+          <p:nvPr/>
+        </p:nvCxnSpPr>
+        <p:spPr>
+          <a:xfrm>
+            <a:off x="5340600" y="2280150"/>
+            <a:ext cx="0" cy="919341"/>
+          </a:xfrm>
+          <a:prstGeom prst="straightConnector1">
+            <a:avLst/>
+          </a:prstGeom>
+          <a:ln>
+            <a:tailEnd type="arrow"/>
+          </a:ln>
+        </p:spPr>
+        <p:style>
+          <a:lnRef idx="1">
+            <a:schemeClr val="dk1"/>
+          </a:lnRef>
+          <a:fillRef idx="0">
+            <a:schemeClr val="dk1"/>
+          </a:fillRef>
+          <a:effectRef idx="0">
+            <a:schemeClr val="dk1"/>
+          </a:effectRef>
+          <a:fontRef idx="minor">
+            <a:schemeClr val="tx1"/>
+          </a:fontRef>
+        </p:style>
+      </p:cxnSp>
+      <p:cxnSp>
+        <p:nvCxnSpPr>
+          <p:cNvPr id="15" name="Straight Arrow Connector 14"/>
+          <p:cNvCxnSpPr>
+            <a:stCxn id="10" idx="2"/>
+            <a:endCxn id="8" idx="0"/>
+          </p:cNvCxnSpPr>
+          <p:nvPr/>
+        </p:nvCxnSpPr>
+        <p:spPr>
+          <a:xfrm>
+            <a:off x="3283200" y="2280150"/>
+            <a:ext cx="556" cy="919341"/>
+          </a:xfrm>
+          <a:prstGeom prst="straightConnector1">
+            <a:avLst/>
+          </a:prstGeom>
+          <a:ln>
+            <a:tailEnd type="arrow"/>
+          </a:ln>
+        </p:spPr>
+        <p:style>
+          <a:lnRef idx="1">
+            <a:schemeClr val="dk1"/>
+          </a:lnRef>
+          <a:fillRef idx="0">
+            <a:schemeClr val="dk1"/>
+          </a:fillRef>
+          <a:effectRef idx="0">
+            <a:schemeClr val="dk1"/>
+          </a:effectRef>
+          <a:fontRef idx="minor">
+            <a:schemeClr val="tx1"/>
+          </a:fontRef>
+        </p:style>
+      </p:cxnSp>
+      <p:cxnSp>
+        <p:nvCxnSpPr>
+          <p:cNvPr id="16" name="Straight Arrow Connector 15"/>
+          <p:cNvCxnSpPr>
+            <a:stCxn id="3" idx="2"/>
+            <a:endCxn id="9" idx="0"/>
+          </p:cNvCxnSpPr>
+          <p:nvPr/>
+        </p:nvCxnSpPr>
+        <p:spPr>
+          <a:xfrm>
+            <a:off x="1225800" y="2280150"/>
+            <a:ext cx="0" cy="919341"/>
+          </a:xfrm>
+          <a:prstGeom prst="straightConnector1">
+            <a:avLst/>
+          </a:prstGeom>
+          <a:ln>
+            <a:tailEnd type="arrow"/>
+          </a:ln>
+        </p:spPr>
+        <p:style>
+          <a:lnRef idx="1">
+            <a:schemeClr val="dk1"/>
+          </a:lnRef>
+          <a:fillRef idx="0">
+            <a:schemeClr val="dk1"/>
+          </a:fillRef>
+          <a:effectRef idx="0">
+            <a:schemeClr val="dk1"/>
+          </a:effectRef>
+          <a:fontRef idx="minor">
+            <a:schemeClr val="tx1"/>
+          </a:fontRef>
+        </p:style>
+      </p:cxnSp>
+      <p:cxnSp>
+        <p:nvCxnSpPr>
+          <p:cNvPr id="17" name="Straight Arrow Connector 16"/>
+          <p:cNvCxnSpPr/>
+          <p:nvPr/>
+        </p:nvCxnSpPr>
+        <p:spPr>
+          <a:xfrm>
+            <a:off x="3823200" y="3728710"/>
+            <a:ext cx="977400" cy="0"/>
+          </a:xfrm>
+          <a:prstGeom prst="straightConnector1">
+            <a:avLst/>
+          </a:prstGeom>
+          <a:ln>
+            <a:tailEnd type="arrow"/>
+          </a:ln>
+        </p:spPr>
+        <p:style>
+          <a:lnRef idx="1">
+            <a:schemeClr val="dk1"/>
+          </a:lnRef>
+          <a:fillRef idx="0">
+            <a:schemeClr val="dk1"/>
+          </a:fillRef>
+          <a:effectRef idx="0">
+            <a:schemeClr val="dk1"/>
+          </a:effectRef>
+          <a:fontRef idx="minor">
+            <a:schemeClr val="tx1"/>
+          </a:fontRef>
+        </p:style>
+      </p:cxnSp>
+      <p:cxnSp>
+        <p:nvCxnSpPr>
+          <p:cNvPr id="18" name="Straight Arrow Connector 17"/>
+          <p:cNvCxnSpPr/>
+          <p:nvPr/>
+        </p:nvCxnSpPr>
+        <p:spPr>
+          <a:xfrm>
+            <a:off x="1765800" y="3739491"/>
+            <a:ext cx="977400" cy="0"/>
+          </a:xfrm>
+          <a:prstGeom prst="straightConnector1">
+            <a:avLst/>
+          </a:prstGeom>
+          <a:ln>
+            <a:tailEnd type="arrow"/>
+          </a:ln>
+        </p:spPr>
+        <p:style>
+          <a:lnRef idx="1">
+            <a:schemeClr val="dk1"/>
+          </a:lnRef>
+          <a:fillRef idx="0">
+            <a:schemeClr val="dk1"/>
+          </a:fillRef>
+          <a:effectRef idx="0">
+            <a:schemeClr val="dk1"/>
+          </a:effectRef>
+          <a:fontRef idx="minor">
+            <a:schemeClr val="tx1"/>
+          </a:fontRef>
+        </p:style>
+      </p:cxnSp>
+      <p:cxnSp>
+        <p:nvCxnSpPr>
+          <p:cNvPr id="19" name="Straight Arrow Connector 18"/>
+          <p:cNvCxnSpPr/>
+          <p:nvPr/>
+        </p:nvCxnSpPr>
+        <p:spPr>
+          <a:xfrm>
+            <a:off x="3823200" y="1794519"/>
+            <a:ext cx="977400" cy="0"/>
+          </a:xfrm>
+          <a:prstGeom prst="straightConnector1">
+            <a:avLst/>
+          </a:prstGeom>
+          <a:ln>
+            <a:tailEnd type="arrow"/>
+          </a:ln>
+        </p:spPr>
+        <p:style>
+          <a:lnRef idx="1">
+            <a:schemeClr val="dk1"/>
+          </a:lnRef>
+          <a:fillRef idx="0">
+            <a:schemeClr val="dk1"/>
+          </a:fillRef>
+          <a:effectRef idx="0">
+            <a:schemeClr val="dk1"/>
+          </a:effectRef>
+          <a:fontRef idx="minor">
+            <a:schemeClr val="tx1"/>
+          </a:fontRef>
+        </p:style>
+      </p:cxnSp>
+      <p:cxnSp>
+        <p:nvCxnSpPr>
+          <p:cNvPr id="20" name="Straight Arrow Connector 19"/>
+          <p:cNvCxnSpPr/>
+          <p:nvPr/>
+        </p:nvCxnSpPr>
+        <p:spPr>
+          <a:xfrm>
+            <a:off x="5880600" y="1809750"/>
+            <a:ext cx="977400" cy="0"/>
+          </a:xfrm>
+          <a:prstGeom prst="straightConnector1">
+            <a:avLst/>
+          </a:prstGeom>
+          <a:ln>
+            <a:tailEnd type="arrow"/>
+          </a:ln>
+        </p:spPr>
+        <p:style>
+          <a:lnRef idx="1">
+            <a:schemeClr val="dk1"/>
+          </a:lnRef>
+          <a:fillRef idx="0">
+            <a:schemeClr val="dk1"/>
+          </a:fillRef>
+          <a:effectRef idx="0">
+            <a:schemeClr val="dk1"/>
+          </a:effectRef>
+          <a:fontRef idx="minor">
+            <a:schemeClr val="tx1"/>
+          </a:fontRef>
+        </p:style>
+      </p:cxnSp>
+      <p:cxnSp>
+        <p:nvCxnSpPr>
+          <p:cNvPr id="21" name="Straight Arrow Connector 20"/>
+          <p:cNvCxnSpPr>
+            <a:endCxn id="12" idx="2"/>
+          </p:cNvCxnSpPr>
+          <p:nvPr/>
+        </p:nvCxnSpPr>
+        <p:spPr>
+          <a:xfrm flipV="1">
+            <a:off x="5880600" y="2280150"/>
+            <a:ext cx="1517400" cy="1448560"/>
+          </a:xfrm>
+          <a:prstGeom prst="straightConnector1">
+            <a:avLst/>
+          </a:prstGeom>
+          <a:ln>
+            <a:tailEnd type="arrow"/>
+          </a:ln>
+        </p:spPr>
+        <p:style>
+          <a:lnRef idx="1">
+            <a:schemeClr val="dk1"/>
+          </a:lnRef>
+          <a:fillRef idx="0">
+            <a:schemeClr val="dk1"/>
+          </a:fillRef>
+          <a:effectRef idx="0">
+            <a:schemeClr val="dk1"/>
+          </a:effectRef>
+          <a:fontRef idx="minor">
+            <a:schemeClr val="tx1"/>
+          </a:fontRef>
+        </p:style>
+      </p:cxnSp>
+      <p:sp>
+        <p:nvSpPr>
+          <p:cNvPr id="29" name="TextBox 28"/>
+          <p:cNvSpPr txBox="1"/>
+          <p:nvPr/>
+        </p:nvSpPr>
+        <p:spPr>
+          <a:xfrm>
+            <a:off x="2057400" y="1504950"/>
+            <a:ext cx="381000" cy="276999"/>
+          </a:xfrm>
+          <a:prstGeom prst="rect">
+            <a:avLst/>
+          </a:prstGeom>
+          <a:noFill/>
+        </p:spPr>
+        <p:txBody>
+          <a:bodyPr wrap="square" rtlCol="0">
+            <a:spAutoFit/>
+          </a:bodyPr>
+          <a:lstStyle/>
+          <a:p>
+            <a:r>
+              <a:rPr lang="el-GR" sz="1200" dirty="0" smtClean="0"/>
+              <a:t>β</a:t>
+            </a:r>
+            <a:r>
+              <a:rPr lang="en-CA" sz="1200" dirty="0" smtClean="0"/>
+              <a:t>SI</a:t>
+            </a:r>
+            <a:endParaRPr lang="en-CA" sz="1200" dirty="0"/>
+          </a:p>
+        </p:txBody>
+      </p:sp>
+      <p:sp>
+        <p:nvSpPr>
+          <p:cNvPr id="30" name="TextBox 29"/>
+          <p:cNvSpPr txBox="1"/>
+          <p:nvPr/>
+        </p:nvSpPr>
+        <p:spPr>
+          <a:xfrm>
+            <a:off x="1295400" y="2601320"/>
+            <a:ext cx="381000" cy="276999"/>
+          </a:xfrm>
+          <a:prstGeom prst="rect">
+            <a:avLst/>
+          </a:prstGeom>
+          <a:noFill/>
+        </p:spPr>
+        <p:txBody>
+          <a:bodyPr wrap="square" rtlCol="0">
+            <a:spAutoFit/>
+          </a:bodyPr>
+          <a:lstStyle/>
+          <a:p>
+            <a:r>
+              <a:rPr lang="el-GR" sz="1200" dirty="0" smtClean="0"/>
+              <a:t>α</a:t>
+            </a:r>
+            <a:r>
+              <a:rPr lang="en-CA" sz="1200" dirty="0" smtClean="0"/>
+              <a:t>S</a:t>
+            </a:r>
+            <a:endParaRPr lang="en-CA" sz="1200" dirty="0"/>
+          </a:p>
+        </p:txBody>
+      </p:sp>
+      <p:sp>
+        <p:nvSpPr>
+          <p:cNvPr id="31" name="TextBox 30"/>
+          <p:cNvSpPr txBox="1"/>
+          <p:nvPr/>
+        </p:nvSpPr>
+        <p:spPr>
+          <a:xfrm>
+            <a:off x="2819400" y="2629121"/>
+            <a:ext cx="381000" cy="276999"/>
+          </a:xfrm>
+          <a:prstGeom prst="rect">
+            <a:avLst/>
+          </a:prstGeom>
+          <a:noFill/>
+        </p:spPr>
+        <p:txBody>
+          <a:bodyPr wrap="square" rtlCol="0">
+            <a:spAutoFit/>
+          </a:bodyPr>
+          <a:lstStyle/>
+          <a:p>
+            <a:r>
+              <a:rPr lang="el-GR" sz="1200" dirty="0" smtClean="0"/>
+              <a:t>α</a:t>
+            </a:r>
+            <a:r>
+              <a:rPr lang="en-CA" sz="1200" dirty="0"/>
+              <a:t>E</a:t>
+            </a:r>
+          </a:p>
+        </p:txBody>
+      </p:sp>
+      <p:sp>
+        <p:nvSpPr>
+          <p:cNvPr id="32" name="TextBox 31"/>
+          <p:cNvSpPr txBox="1"/>
+          <p:nvPr/>
+        </p:nvSpPr>
+        <p:spPr>
+          <a:xfrm>
+            <a:off x="4926228" y="2629121"/>
+            <a:ext cx="381000" cy="276999"/>
+          </a:xfrm>
+          <a:prstGeom prst="rect">
+            <a:avLst/>
+          </a:prstGeom>
+          <a:noFill/>
+        </p:spPr>
+        <p:txBody>
+          <a:bodyPr wrap="square" rtlCol="0">
+            <a:spAutoFit/>
+          </a:bodyPr>
+          <a:lstStyle/>
+          <a:p>
+            <a:r>
+              <a:rPr lang="el-GR" sz="1200" dirty="0" smtClean="0"/>
+              <a:t>α</a:t>
+            </a:r>
+            <a:r>
+              <a:rPr lang="en-CA" sz="1200" dirty="0"/>
+              <a:t>I</a:t>
+            </a:r>
+          </a:p>
+        </p:txBody>
+      </p:sp>
+      <p:sp>
+        <p:nvSpPr>
+          <p:cNvPr id="33" name="TextBox 32"/>
+          <p:cNvSpPr txBox="1"/>
+          <p:nvPr/>
+        </p:nvSpPr>
+        <p:spPr>
+          <a:xfrm>
+            <a:off x="4121400" y="1517520"/>
+            <a:ext cx="381000" cy="276999"/>
+          </a:xfrm>
+          <a:prstGeom prst="rect">
+            <a:avLst/>
+          </a:prstGeom>
+          <a:noFill/>
+        </p:spPr>
+        <p:txBody>
+          <a:bodyPr wrap="square" rtlCol="0">
+            <a:spAutoFit/>
+          </a:bodyPr>
+          <a:lstStyle/>
+          <a:p>
+            <a:r>
+              <a:rPr lang="el-GR" sz="1200" dirty="0" smtClean="0"/>
+              <a:t>σ</a:t>
+            </a:r>
+            <a:r>
+              <a:rPr lang="en-CA" sz="1200" dirty="0" smtClean="0"/>
+              <a:t>E</a:t>
+            </a:r>
+            <a:endParaRPr lang="en-CA" sz="1200" dirty="0"/>
+          </a:p>
+        </p:txBody>
+      </p:sp>
+      <p:sp>
+        <p:nvSpPr>
+          <p:cNvPr id="34" name="TextBox 33"/>
+          <p:cNvSpPr txBox="1"/>
+          <p:nvPr/>
+        </p:nvSpPr>
+        <p:spPr>
+          <a:xfrm>
+            <a:off x="6178800" y="1502672"/>
+            <a:ext cx="381000" cy="276999"/>
+          </a:xfrm>
+          <a:prstGeom prst="rect">
+            <a:avLst/>
+          </a:prstGeom>
+          <a:noFill/>
+        </p:spPr>
+        <p:txBody>
+          <a:bodyPr wrap="square" rtlCol="0">
+            <a:spAutoFit/>
+          </a:bodyPr>
+          <a:lstStyle/>
+          <a:p>
+            <a:r>
+              <a:rPr lang="el-GR" sz="1200" dirty="0"/>
+              <a:t>γ</a:t>
+            </a:r>
+            <a:r>
+              <a:rPr lang="en-CA" sz="1200" dirty="0" smtClean="0"/>
+              <a:t>I</a:t>
+            </a:r>
+            <a:endParaRPr lang="en-CA" sz="1200" dirty="0"/>
+          </a:p>
+        </p:txBody>
+      </p:sp>
+      <p:sp>
+        <p:nvSpPr>
+          <p:cNvPr id="35" name="TextBox 34"/>
+          <p:cNvSpPr txBox="1"/>
+          <p:nvPr/>
+        </p:nvSpPr>
+        <p:spPr>
+          <a:xfrm>
+            <a:off x="4112944" y="3451711"/>
+            <a:ext cx="459055" cy="276999"/>
+          </a:xfrm>
+          <a:prstGeom prst="rect">
+            <a:avLst/>
+          </a:prstGeom>
+          <a:noFill/>
+        </p:spPr>
+        <p:txBody>
+          <a:bodyPr wrap="square" rtlCol="0">
+            <a:spAutoFit/>
+          </a:bodyPr>
+          <a:lstStyle/>
+          <a:p>
+            <a:r>
+              <a:rPr lang="el-GR" sz="1200" dirty="0" smtClean="0"/>
+              <a:t>σ</a:t>
+            </a:r>
+            <a:r>
+              <a:rPr lang="en-CA" sz="1200" dirty="0"/>
+              <a:t>E</a:t>
+            </a:r>
+            <a:r>
+              <a:rPr lang="en-CA" sz="1200" baseline="-25000" dirty="0" smtClean="0"/>
+              <a:t>e</a:t>
+            </a:r>
+            <a:endParaRPr lang="en-CA" sz="1200" baseline="-25000" dirty="0"/>
+          </a:p>
+        </p:txBody>
+      </p:sp>
+      <p:sp>
+        <p:nvSpPr>
+          <p:cNvPr id="36" name="TextBox 35"/>
+          <p:cNvSpPr txBox="1"/>
+          <p:nvPr/>
+        </p:nvSpPr>
+        <p:spPr>
+          <a:xfrm>
+            <a:off x="6276099" y="2769250"/>
+            <a:ext cx="381000" cy="276999"/>
+          </a:xfrm>
+          <a:prstGeom prst="rect">
+            <a:avLst/>
+          </a:prstGeom>
+          <a:noFill/>
+        </p:spPr>
+        <p:txBody>
+          <a:bodyPr wrap="square" rtlCol="0">
+            <a:spAutoFit/>
+          </a:bodyPr>
+          <a:lstStyle/>
+          <a:p>
+            <a:r>
+              <a:rPr lang="el-GR" sz="1200" dirty="0"/>
+              <a:t>γ</a:t>
+            </a:r>
+            <a:r>
+              <a:rPr lang="en-CA" sz="1200" dirty="0" smtClean="0"/>
+              <a:t>I</a:t>
+            </a:r>
+            <a:r>
+              <a:rPr lang="en-CA" sz="1200" baseline="-25000" dirty="0" smtClean="0"/>
+              <a:t>e</a:t>
+            </a:r>
+            <a:endParaRPr lang="en-CA" sz="1200" baseline="-25000" dirty="0"/>
+          </a:p>
+        </p:txBody>
+      </p:sp>
+      <p:sp>
+        <p:nvSpPr>
+          <p:cNvPr id="37" name="TextBox 36"/>
+          <p:cNvSpPr txBox="1"/>
+          <p:nvPr/>
+        </p:nvSpPr>
+        <p:spPr>
+          <a:xfrm>
+            <a:off x="1975452" y="3465611"/>
+            <a:ext cx="615348" cy="276999"/>
+          </a:xfrm>
+          <a:prstGeom prst="rect">
+            <a:avLst/>
+          </a:prstGeom>
+          <a:noFill/>
+        </p:spPr>
+        <p:txBody>
+          <a:bodyPr wrap="square" rtlCol="0">
+            <a:spAutoFit/>
+          </a:bodyPr>
+          <a:lstStyle/>
+          <a:p>
+            <a:r>
+              <a:rPr lang="el-GR" sz="1200" dirty="0" smtClean="0"/>
+              <a:t>β</a:t>
+            </a:r>
+            <a:r>
+              <a:rPr lang="en-CA" sz="1200" baseline="-25000" dirty="0" smtClean="0"/>
+              <a:t>e</a:t>
+            </a:r>
+            <a:r>
+              <a:rPr lang="en-CA" sz="1200" dirty="0" smtClean="0"/>
+              <a:t>E</a:t>
+            </a:r>
+            <a:r>
+              <a:rPr lang="en-CA" sz="1200" baseline="-25000" dirty="0" smtClean="0"/>
+              <a:t>e</a:t>
+            </a:r>
+            <a:r>
+              <a:rPr lang="en-CA" sz="1200" dirty="0" smtClean="0"/>
+              <a:t>I</a:t>
+            </a:r>
+            <a:endParaRPr lang="en-CA" sz="1200" baseline="-25000" dirty="0"/>
+          </a:p>
+        </p:txBody>
+      </p:sp>
+    </p:spTree>
+    <p:extLst>
+      <p:ext uri="{BB962C8B-B14F-4D97-AF65-F5344CB8AC3E}">
+        <p14:creationId xmlns:p14="http://schemas.microsoft.com/office/powerpoint/2010/main" val="1297351768"/>
+      </p:ext>
+    </p:extLst>
+  </p:cSld>
+  <p:clrMapOvr>
+    <a:masterClrMapping/>
+  </p:clrMapOvr>
+</p:sld>
+</file>
+
+<file path=ppt/slides/slide19.xml><?xml version="1.0" encoding="utf-8"?>
+<p:sld xmlns:a="http://schemas.openxmlformats.org/drawingml/2006/main" xmlns:r="http://schemas.openxmlformats.org/officeDocument/2006/relationships" xmlns:p="http://schemas.openxmlformats.org/presentationml/2006/main">
+  <p:cSld>
+    <p:spTree>
+      <p:nvGrpSpPr>
+        <p:cNvPr id="1" name=""/>
+        <p:cNvGrpSpPr/>
+        <p:nvPr/>
+      </p:nvGrpSpPr>
+      <p:grpSpPr>
+        <a:xfrm>
+          <a:off x="0" y="0"/>
+          <a:ext cx="0" cy="0"/>
+          <a:chOff x="0" y="0"/>
+          <a:chExt cx="0" cy="0"/>
+        </a:xfrm>
+      </p:grpSpPr>
+      <p:sp>
+        <p:nvSpPr>
+          <p:cNvPr id="2" name="object 2"/>
+          <p:cNvSpPr txBox="1">
+            <a:spLocks noGrp="1"/>
+          </p:cNvSpPr>
+          <p:nvPr>
+            <p:ph type="title"/>
+          </p:nvPr>
+        </p:nvSpPr>
+        <p:spPr>
+          <a:xfrm>
+            <a:off x="331250" y="250726"/>
+            <a:ext cx="8660350" cy="597599"/>
+          </a:xfrm>
+          <a:prstGeom prst="rect">
+            <a:avLst/>
+          </a:prstGeom>
+        </p:spPr>
+        <p:txBody>
+          <a:bodyPr vert="horz" wrap="square" lIns="0" tIns="12700" rIns="0" bIns="0" rtlCol="0">
+            <a:spAutoFit/>
+          </a:bodyPr>
+          <a:lstStyle/>
+          <a:p>
+            <a:pPr marL="12700">
+              <a:lnSpc>
+                <a:spcPct val="100000"/>
+              </a:lnSpc>
+              <a:spcBef>
+                <a:spcPts val="100"/>
+              </a:spcBef>
+            </a:pPr>
+            <a:r>
+              <a:rPr lang="en-CA" sz="3800" spc="-35" dirty="0" smtClean="0">
+                <a:solidFill>
+                  <a:srgbClr val="F1CD00"/>
+                </a:solidFill>
+              </a:rPr>
+              <a:t>Appendix </a:t>
+            </a:r>
+            <a:r>
+              <a:rPr lang="en-CA" sz="3800" spc="-35" dirty="0" smtClean="0">
+                <a:solidFill>
+                  <a:srgbClr val="F1CD00"/>
+                </a:solidFill>
+              </a:rPr>
+              <a:t>B: Model Equations</a:t>
+            </a:r>
+            <a:endParaRPr sz="3800" dirty="0"/>
+          </a:p>
+        </p:txBody>
+      </p:sp>
+      <p:sp>
+        <p:nvSpPr>
+          <p:cNvPr id="7" name="object 7"/>
+          <p:cNvSpPr txBox="1">
+            <a:spLocks noGrp="1"/>
+          </p:cNvSpPr>
+          <p:nvPr>
+            <p:ph type="sldNum" sz="quarter" idx="7"/>
+          </p:nvPr>
+        </p:nvSpPr>
+        <p:spPr>
+          <a:prstGeom prst="rect">
+            <a:avLst/>
+          </a:prstGeom>
+        </p:spPr>
+        <p:txBody>
+          <a:bodyPr vert="horz" wrap="square" lIns="0" tIns="635" rIns="0" bIns="0" rtlCol="0">
+            <a:spAutoFit/>
+          </a:bodyPr>
+          <a:lstStyle/>
+          <a:p>
+            <a:pPr marL="38100">
+              <a:lnSpc>
+                <a:spcPct val="100000"/>
+              </a:lnSpc>
+              <a:spcBef>
+                <a:spcPts val="5"/>
+              </a:spcBef>
+            </a:pPr>
+            <a:fld id="{81D60167-4931-47E6-BA6A-407CBD079E47}" type="slidenum">
+              <a:rPr dirty="0"/>
+              <a:t>19</a:t>
+            </a:fld>
+            <a:endParaRPr dirty="0"/>
+          </a:p>
+        </p:txBody>
+      </p:sp>
+      <p:pic>
+        <p:nvPicPr>
+          <p:cNvPr id="1026" name="Picture 2"/>
           <p:cNvPicPr>
             <a:picLocks noChangeAspect="1" noChangeArrowheads="1"/>
           </p:cNvPicPr>
           <p:nvPr/>
         </p:nvPicPr>
-        <p:blipFill>
-          <a:blip r:embed="rId5">
+        <p:blipFill rotWithShape="1">
+          <a:blip r:embed="rId3" cstate="print">
             <a:extLst>
               <a:ext uri="{28A0092B-C50C-407E-A947-70E740481C1C}">
                 <a14:useLocalDpi xmlns:a14="http://schemas.microsoft.com/office/drawing/2010/main" val="0"/>
               </a:ext>
             </a:extLst>
           </a:blip>
-          <a:srcRect/>
-          <a:stretch>
-            <a:fillRect/>
-          </a:stretch>
+          <a:srcRect r="69837" b="4063"/>
+          <a:stretch/>
         </p:blipFill>
         <p:spPr bwMode="auto">
           <a:xfrm>
-            <a:off x="421603" y="1294031"/>
-            <a:ext cx="5410200" cy="1104900"/>
+            <a:off x="1143000" y="1276350"/>
+            <a:ext cx="1795184" cy="3611018"/>
           </a:xfrm>
           <a:prstGeom prst="rect">
             <a:avLst/>
@@ -6167,7 +6704,7 @@
     </p:spTree>
     <p:extLst>
       <p:ext uri="{BB962C8B-B14F-4D97-AF65-F5344CB8AC3E}">
-        <p14:creationId xmlns:p14="http://schemas.microsoft.com/office/powerpoint/2010/main" val="3111824713"/>
+        <p14:creationId xmlns:p14="http://schemas.microsoft.com/office/powerpoint/2010/main" val="694171941"/>
       </p:ext>
     </p:extLst>
   </p:cSld>
@@ -6334,11 +6871,7 @@
             </a:pPr>
             <a:r>
               <a:rPr lang="en-CA" dirty="0" smtClean="0"/>
-              <a:t>Educational Intervention </a:t>
-            </a:r>
-            <a:r>
-              <a:rPr lang="en-CA" dirty="0" smtClean="0"/>
-              <a:t>Model</a:t>
+              <a:t>Educational Intervention Model</a:t>
             </a:r>
           </a:p>
           <a:p>
@@ -6348,7 +6881,7 @@
             </a:pPr>
             <a:r>
               <a:rPr lang="en-CA" dirty="0" smtClean="0"/>
-              <a:t>Data</a:t>
+              <a:t>Data Fitting</a:t>
             </a:r>
             <a:endParaRPr lang="en-CA" dirty="0" smtClean="0"/>
           </a:p>
@@ -6405,6 +6938,575 @@
         </p:txBody>
       </p:sp>
     </p:spTree>
+  </p:cSld>
+  <p:clrMapOvr>
+    <a:masterClrMapping/>
+  </p:clrMapOvr>
+</p:sld>
+</file>
+
+<file path=ppt/slides/slide20.xml><?xml version="1.0" encoding="utf-8"?>
+<p:sld xmlns:a="http://schemas.openxmlformats.org/drawingml/2006/main" xmlns:r="http://schemas.openxmlformats.org/officeDocument/2006/relationships" xmlns:p="http://schemas.openxmlformats.org/presentationml/2006/main">
+  <p:cSld>
+    <p:spTree>
+      <p:nvGrpSpPr>
+        <p:cNvPr id="1" name=""/>
+        <p:cNvGrpSpPr/>
+        <p:nvPr/>
+      </p:nvGrpSpPr>
+      <p:grpSpPr>
+        <a:xfrm>
+          <a:off x="0" y="0"/>
+          <a:ext cx="0" cy="0"/>
+          <a:chOff x="0" y="0"/>
+          <a:chExt cx="0" cy="0"/>
+        </a:xfrm>
+      </p:grpSpPr>
+      <p:sp>
+        <p:nvSpPr>
+          <p:cNvPr id="2" name="object 2"/>
+          <p:cNvSpPr txBox="1">
+            <a:spLocks noGrp="1"/>
+          </p:cNvSpPr>
+          <p:nvPr>
+            <p:ph type="title"/>
+          </p:nvPr>
+        </p:nvSpPr>
+        <p:spPr>
+          <a:xfrm>
+            <a:off x="331250" y="250726"/>
+            <a:ext cx="8812750" cy="597599"/>
+          </a:xfrm>
+          <a:prstGeom prst="rect">
+            <a:avLst/>
+          </a:prstGeom>
+        </p:spPr>
+        <p:txBody>
+          <a:bodyPr vert="horz" wrap="square" lIns="0" tIns="12700" rIns="0" bIns="0" rtlCol="0">
+            <a:spAutoFit/>
+          </a:bodyPr>
+          <a:lstStyle/>
+          <a:p>
+            <a:pPr marL="12700">
+              <a:lnSpc>
+                <a:spcPct val="100000"/>
+              </a:lnSpc>
+              <a:spcBef>
+                <a:spcPts val="100"/>
+              </a:spcBef>
+            </a:pPr>
+            <a:r>
+              <a:rPr lang="en-CA" sz="3800" spc="-35" dirty="0" smtClean="0">
+                <a:solidFill>
+                  <a:srgbClr val="F1CD00"/>
+                </a:solidFill>
+              </a:rPr>
+              <a:t>Appendix </a:t>
+            </a:r>
+            <a:r>
+              <a:rPr lang="en-CA" sz="3800" spc="-35" dirty="0" smtClean="0">
+                <a:solidFill>
+                  <a:srgbClr val="F1CD00"/>
+                </a:solidFill>
+              </a:rPr>
+              <a:t>C: </a:t>
+            </a:r>
+            <a:r>
+              <a:rPr lang="en-CA" sz="3800" spc="-35" dirty="0" smtClean="0">
+                <a:solidFill>
+                  <a:srgbClr val="F1CD00"/>
+                </a:solidFill>
+              </a:rPr>
+              <a:t>Variables and Parameters</a:t>
+            </a:r>
+            <a:endParaRPr sz="3800" dirty="0"/>
+          </a:p>
+        </p:txBody>
+      </p:sp>
+      <p:sp>
+        <p:nvSpPr>
+          <p:cNvPr id="7" name="object 7"/>
+          <p:cNvSpPr txBox="1">
+            <a:spLocks noGrp="1"/>
+          </p:cNvSpPr>
+          <p:nvPr>
+            <p:ph type="sldNum" sz="quarter" idx="7"/>
+          </p:nvPr>
+        </p:nvSpPr>
+        <p:spPr>
+          <a:prstGeom prst="rect">
+            <a:avLst/>
+          </a:prstGeom>
+        </p:spPr>
+        <p:txBody>
+          <a:bodyPr vert="horz" wrap="square" lIns="0" tIns="635" rIns="0" bIns="0" rtlCol="0">
+            <a:spAutoFit/>
+          </a:bodyPr>
+          <a:lstStyle/>
+          <a:p>
+            <a:pPr marL="38100">
+              <a:lnSpc>
+                <a:spcPct val="100000"/>
+              </a:lnSpc>
+              <a:spcBef>
+                <a:spcPts val="5"/>
+              </a:spcBef>
+            </a:pPr>
+            <a:fld id="{81D60167-4931-47E6-BA6A-407CBD079E47}" type="slidenum">
+              <a:rPr dirty="0"/>
+              <a:t>20</a:t>
+            </a:fld>
+            <a:endParaRPr dirty="0"/>
+          </a:p>
+        </p:txBody>
+      </p:sp>
+      <p:sp>
+        <p:nvSpPr>
+          <p:cNvPr id="4" name="TextBox 3"/>
+          <p:cNvSpPr txBox="1"/>
+          <p:nvPr/>
+        </p:nvSpPr>
+        <p:spPr>
+          <a:xfrm>
+            <a:off x="421603" y="1200150"/>
+            <a:ext cx="8153400" cy="3231654"/>
+          </a:xfrm>
+          <a:prstGeom prst="rect">
+            <a:avLst/>
+          </a:prstGeom>
+          <a:noFill/>
+        </p:spPr>
+        <p:txBody>
+          <a:bodyPr wrap="square" rtlCol="0">
+            <a:spAutoFit/>
+          </a:bodyPr>
+          <a:lstStyle/>
+          <a:p>
+            <a:r>
+              <a:rPr lang="en-CA" sz="1200" dirty="0" smtClean="0"/>
+              <a:t>Population variables:</a:t>
+            </a:r>
+          </a:p>
+          <a:p>
+            <a:r>
+              <a:rPr lang="en-CA" sz="1200" dirty="0" smtClean="0"/>
+              <a:t>S – susceptible</a:t>
+            </a:r>
+          </a:p>
+          <a:p>
+            <a:r>
+              <a:rPr lang="en-CA" sz="1200" dirty="0" smtClean="0"/>
+              <a:t>S</a:t>
+            </a:r>
+            <a:r>
+              <a:rPr lang="en-CA" sz="1200" baseline="-25000" dirty="0" smtClean="0"/>
+              <a:t>e</a:t>
+            </a:r>
+            <a:r>
+              <a:rPr lang="en-CA" sz="1200" dirty="0" smtClean="0"/>
+              <a:t> – susceptible population that received educational intervention</a:t>
+            </a:r>
+            <a:endParaRPr lang="en-CA" sz="1200" baseline="-25000" dirty="0" smtClean="0"/>
+          </a:p>
+          <a:p>
+            <a:r>
+              <a:rPr lang="en-CA" sz="1200" dirty="0" smtClean="0"/>
+              <a:t>E – exposed</a:t>
+            </a:r>
+          </a:p>
+          <a:p>
+            <a:r>
+              <a:rPr lang="en-CA" sz="1200" dirty="0" smtClean="0"/>
+              <a:t>E</a:t>
+            </a:r>
+            <a:r>
+              <a:rPr lang="en-CA" sz="1200" baseline="-25000" dirty="0" smtClean="0"/>
+              <a:t>e </a:t>
+            </a:r>
+            <a:r>
+              <a:rPr lang="en-CA" sz="1200" dirty="0" smtClean="0"/>
+              <a:t>– exposed population that received educational intervention</a:t>
+            </a:r>
+          </a:p>
+          <a:p>
+            <a:r>
+              <a:rPr lang="en-CA" sz="1200" dirty="0" smtClean="0"/>
+              <a:t>I – Infected</a:t>
+            </a:r>
+          </a:p>
+          <a:p>
+            <a:r>
+              <a:rPr lang="en-CA" sz="1200" dirty="0" smtClean="0"/>
+              <a:t>I</a:t>
+            </a:r>
+            <a:r>
+              <a:rPr lang="en-CA" sz="1200" baseline="-25000" dirty="0" smtClean="0"/>
+              <a:t>e </a:t>
+            </a:r>
+            <a:r>
+              <a:rPr lang="en-CA" sz="1200" dirty="0"/>
+              <a:t>– </a:t>
+            </a:r>
+            <a:r>
+              <a:rPr lang="en-CA" sz="1200" dirty="0" smtClean="0"/>
+              <a:t>infected </a:t>
+            </a:r>
+            <a:r>
+              <a:rPr lang="en-CA" sz="1200" dirty="0"/>
+              <a:t>population that received educational </a:t>
+            </a:r>
+            <a:r>
+              <a:rPr lang="en-CA" sz="1200" dirty="0" smtClean="0"/>
+              <a:t>intervention</a:t>
+            </a:r>
+          </a:p>
+          <a:p>
+            <a:endParaRPr lang="en-CA" sz="1200" dirty="0"/>
+          </a:p>
+          <a:p>
+            <a:r>
+              <a:rPr lang="en-CA" sz="1200" dirty="0" smtClean="0"/>
+              <a:t>Parameters:</a:t>
+            </a:r>
+          </a:p>
+          <a:p>
+            <a:r>
+              <a:rPr lang="el-GR" sz="1200" dirty="0" smtClean="0"/>
+              <a:t>β</a:t>
+            </a:r>
+            <a:r>
+              <a:rPr lang="en-CA" sz="1200" dirty="0" smtClean="0"/>
+              <a:t> – infectious rate for susceptible population</a:t>
+            </a:r>
+          </a:p>
+          <a:p>
+            <a:r>
+              <a:rPr lang="el-GR" sz="1200" dirty="0" smtClean="0"/>
+              <a:t>β</a:t>
+            </a:r>
+            <a:r>
+              <a:rPr lang="en-CA" sz="1200" baseline="-25000" dirty="0" smtClean="0"/>
+              <a:t>e</a:t>
+            </a:r>
+            <a:r>
+              <a:rPr lang="en-CA" sz="1200" dirty="0" smtClean="0"/>
+              <a:t> </a:t>
+            </a:r>
+            <a:r>
+              <a:rPr lang="en-CA" sz="1200" dirty="0"/>
+              <a:t>– infectious rate for susceptible </a:t>
+            </a:r>
+            <a:r>
+              <a:rPr lang="en-CA" sz="1200" dirty="0" smtClean="0"/>
+              <a:t>population that received educational intervention</a:t>
+            </a:r>
+          </a:p>
+          <a:p>
+            <a:r>
+              <a:rPr lang="en-CA" sz="1200" dirty="0" smtClean="0"/>
+              <a:t>σ – exposed to infected rate</a:t>
+            </a:r>
+          </a:p>
+          <a:p>
+            <a:r>
+              <a:rPr lang="en-CA" sz="1200" dirty="0" smtClean="0"/>
+              <a:t>γ – recovery rate</a:t>
+            </a:r>
+          </a:p>
+          <a:p>
+            <a:r>
+              <a:rPr lang="en-CA" sz="1200" dirty="0" smtClean="0"/>
+              <a:t>α – education rate</a:t>
+            </a:r>
+          </a:p>
+          <a:p>
+            <a:endParaRPr lang="en-CA" sz="1200" dirty="0"/>
+          </a:p>
+          <a:p>
+            <a:endParaRPr lang="en-CA" sz="1200" dirty="0"/>
+          </a:p>
+          <a:p>
+            <a:endParaRPr lang="en-CA" sz="1200" dirty="0"/>
+          </a:p>
+        </p:txBody>
+      </p:sp>
+    </p:spTree>
+    <p:extLst>
+      <p:ext uri="{BB962C8B-B14F-4D97-AF65-F5344CB8AC3E}">
+        <p14:creationId xmlns:p14="http://schemas.microsoft.com/office/powerpoint/2010/main" val="2648057209"/>
+      </p:ext>
+    </p:extLst>
+  </p:cSld>
+  <p:clrMapOvr>
+    <a:masterClrMapping/>
+  </p:clrMapOvr>
+</p:sld>
+</file>
+
+<file path=ppt/slides/slide21.xml><?xml version="1.0" encoding="utf-8"?>
+<p:sld xmlns:a="http://schemas.openxmlformats.org/drawingml/2006/main" xmlns:r="http://schemas.openxmlformats.org/officeDocument/2006/relationships" xmlns:p="http://schemas.openxmlformats.org/presentationml/2006/main">
+  <p:cSld>
+    <p:spTree>
+      <p:nvGrpSpPr>
+        <p:cNvPr id="1" name=""/>
+        <p:cNvGrpSpPr/>
+        <p:nvPr/>
+      </p:nvGrpSpPr>
+      <p:grpSpPr>
+        <a:xfrm>
+          <a:off x="0" y="0"/>
+          <a:ext cx="0" cy="0"/>
+          <a:chOff x="0" y="0"/>
+          <a:chExt cx="0" cy="0"/>
+        </a:xfrm>
+      </p:grpSpPr>
+      <p:sp>
+        <p:nvSpPr>
+          <p:cNvPr id="2" name="object 2"/>
+          <p:cNvSpPr txBox="1">
+            <a:spLocks noGrp="1"/>
+          </p:cNvSpPr>
+          <p:nvPr>
+            <p:ph type="title"/>
+          </p:nvPr>
+        </p:nvSpPr>
+        <p:spPr>
+          <a:xfrm>
+            <a:off x="331250" y="250726"/>
+            <a:ext cx="8812750" cy="597599"/>
+          </a:xfrm>
+          <a:prstGeom prst="rect">
+            <a:avLst/>
+          </a:prstGeom>
+        </p:spPr>
+        <p:txBody>
+          <a:bodyPr vert="horz" wrap="square" lIns="0" tIns="12700" rIns="0" bIns="0" rtlCol="0">
+            <a:spAutoFit/>
+          </a:bodyPr>
+          <a:lstStyle/>
+          <a:p>
+            <a:pPr marL="12700">
+              <a:lnSpc>
+                <a:spcPct val="100000"/>
+              </a:lnSpc>
+              <a:spcBef>
+                <a:spcPts val="100"/>
+              </a:spcBef>
+            </a:pPr>
+            <a:r>
+              <a:rPr lang="en-CA" sz="3800" spc="-35" dirty="0" smtClean="0">
+                <a:solidFill>
+                  <a:srgbClr val="F1CD00"/>
+                </a:solidFill>
+              </a:rPr>
+              <a:t>Appendix </a:t>
+            </a:r>
+            <a:r>
+              <a:rPr lang="en-CA" sz="3800" spc="-35" dirty="0" smtClean="0">
+                <a:solidFill>
+                  <a:srgbClr val="F1CD00"/>
+                </a:solidFill>
+              </a:rPr>
+              <a:t>D: </a:t>
+            </a:r>
+            <a:r>
+              <a:rPr lang="en-CA" sz="3800" spc="-35" dirty="0" smtClean="0">
+                <a:solidFill>
+                  <a:srgbClr val="F1CD00"/>
+                </a:solidFill>
+              </a:rPr>
+              <a:t>Assumptions</a:t>
+            </a:r>
+            <a:endParaRPr sz="3800" dirty="0"/>
+          </a:p>
+        </p:txBody>
+      </p:sp>
+      <p:sp>
+        <p:nvSpPr>
+          <p:cNvPr id="7" name="object 7"/>
+          <p:cNvSpPr txBox="1">
+            <a:spLocks noGrp="1"/>
+          </p:cNvSpPr>
+          <p:nvPr>
+            <p:ph type="sldNum" sz="quarter" idx="7"/>
+          </p:nvPr>
+        </p:nvSpPr>
+        <p:spPr>
+          <a:prstGeom prst="rect">
+            <a:avLst/>
+          </a:prstGeom>
+        </p:spPr>
+        <p:txBody>
+          <a:bodyPr vert="horz" wrap="square" lIns="0" tIns="635" rIns="0" bIns="0" rtlCol="0">
+            <a:spAutoFit/>
+          </a:bodyPr>
+          <a:lstStyle/>
+          <a:p>
+            <a:pPr marL="38100">
+              <a:lnSpc>
+                <a:spcPct val="100000"/>
+              </a:lnSpc>
+              <a:spcBef>
+                <a:spcPts val="5"/>
+              </a:spcBef>
+            </a:pPr>
+            <a:fld id="{81D60167-4931-47E6-BA6A-407CBD079E47}" type="slidenum">
+              <a:rPr dirty="0"/>
+              <a:t>21</a:t>
+            </a:fld>
+            <a:endParaRPr dirty="0"/>
+          </a:p>
+        </p:txBody>
+      </p:sp>
+      <p:sp>
+        <p:nvSpPr>
+          <p:cNvPr id="4" name="TextBox 3"/>
+          <p:cNvSpPr txBox="1"/>
+          <p:nvPr/>
+        </p:nvSpPr>
+        <p:spPr>
+          <a:xfrm>
+            <a:off x="421603" y="1200150"/>
+            <a:ext cx="8153400" cy="2862322"/>
+          </a:xfrm>
+          <a:prstGeom prst="rect">
+            <a:avLst/>
+          </a:prstGeom>
+          <a:noFill/>
+        </p:spPr>
+        <p:txBody>
+          <a:bodyPr wrap="square" rtlCol="0">
+            <a:spAutoFit/>
+          </a:bodyPr>
+          <a:lstStyle/>
+          <a:p>
+            <a:pPr marL="228600" indent="-228600">
+              <a:buAutoNum type="arabicPeriod"/>
+            </a:pPr>
+            <a:r>
+              <a:rPr lang="en-CA" sz="1200" dirty="0" smtClean="0"/>
+              <a:t>Horizontal transmission through direct contact with infected</a:t>
+            </a:r>
+          </a:p>
+          <a:p>
+            <a:pPr marL="228600" indent="-228600">
+              <a:buAutoNum type="arabicPeriod"/>
+            </a:pPr>
+            <a:r>
+              <a:rPr lang="en-CA" sz="1200" dirty="0" smtClean="0"/>
+              <a:t>Homogeneous individual mixing</a:t>
+            </a:r>
+          </a:p>
+          <a:p>
+            <a:pPr marL="228600" indent="-228600">
+              <a:buAutoNum type="arabicPeriod"/>
+            </a:pPr>
+            <a:r>
+              <a:rPr lang="en-CA" sz="1200" dirty="0" smtClean="0"/>
+              <a:t>Rate of transfer proportional to population size of compartment</a:t>
+            </a:r>
+          </a:p>
+          <a:p>
+            <a:pPr marL="228600" indent="-228600">
+              <a:buAutoNum type="arabicPeriod"/>
+            </a:pPr>
+            <a:r>
+              <a:rPr lang="en-CA" sz="1200" dirty="0" smtClean="0"/>
+              <a:t>Infected individuals have latency period</a:t>
+            </a:r>
+          </a:p>
+          <a:p>
+            <a:pPr marL="228600" indent="-228600">
+              <a:buAutoNum type="arabicPeriod"/>
+            </a:pPr>
+            <a:r>
+              <a:rPr lang="en-CA" sz="1200" dirty="0" smtClean="0"/>
+              <a:t>No acquired immunity</a:t>
+            </a:r>
+          </a:p>
+          <a:p>
+            <a:pPr marL="228600" indent="-228600">
+              <a:buAutoNum type="arabicPeriod"/>
+            </a:pPr>
+            <a:r>
+              <a:rPr lang="en-CA" sz="1200" dirty="0" smtClean="0"/>
+              <a:t>No input or output of individuals through birth, migration, or death</a:t>
+            </a:r>
+          </a:p>
+          <a:p>
+            <a:pPr marL="228600" indent="-228600">
+              <a:buAutoNum type="arabicPeriod"/>
+            </a:pPr>
+            <a:r>
+              <a:rPr lang="en-CA" sz="1200" dirty="0" smtClean="0"/>
+              <a:t>Educated infected individuals quarantine and do not infect others</a:t>
+            </a:r>
+          </a:p>
+          <a:p>
+            <a:pPr marL="228600" indent="-228600">
+              <a:buAutoNum type="arabicPeriod"/>
+            </a:pPr>
+            <a:r>
+              <a:rPr lang="en-CA" sz="1200" dirty="0" smtClean="0"/>
+              <a:t>Education rate is constant for each compartment</a:t>
+            </a:r>
+          </a:p>
+          <a:p>
+            <a:pPr marL="228600" indent="-228600">
+              <a:buAutoNum type="arabicPeriod"/>
+            </a:pPr>
+            <a:r>
+              <a:rPr lang="en-CA" sz="1200" dirty="0" smtClean="0"/>
+              <a:t>Recovery rate is constant for each infected compartment</a:t>
+            </a:r>
+          </a:p>
+          <a:p>
+            <a:pPr marL="228600" indent="-228600">
+              <a:buAutoNum type="arabicPeriod"/>
+            </a:pPr>
+            <a:r>
+              <a:rPr lang="en-CA" sz="1200" dirty="0" smtClean="0"/>
+              <a:t>Individuals represented in data are considered not educated</a:t>
+            </a:r>
+          </a:p>
+          <a:p>
+            <a:pPr marL="228600" indent="-228600">
+              <a:buAutoNum type="arabicPeriod"/>
+            </a:pPr>
+            <a:r>
+              <a:rPr lang="en-CA" sz="1200" dirty="0" smtClean="0"/>
+              <a:t>Effectiveness of educational interventions studied are comparable to proposed mpox intervention</a:t>
+            </a:r>
+          </a:p>
+          <a:p>
+            <a:pPr marL="228600" indent="-228600">
+              <a:buAutoNum type="arabicPeriod"/>
+            </a:pPr>
+            <a:r>
+              <a:rPr lang="en-CA" sz="1200" dirty="0" smtClean="0"/>
+              <a:t>There is no vaccine</a:t>
+            </a:r>
+          </a:p>
+          <a:p>
+            <a:pPr marL="228600" indent="-228600">
+              <a:buAutoNum type="arabicPeriod"/>
+            </a:pPr>
+            <a:endParaRPr lang="en-CA" sz="1200" dirty="0"/>
+          </a:p>
+          <a:p>
+            <a:endParaRPr lang="en-CA" sz="1200" dirty="0"/>
+          </a:p>
+          <a:p>
+            <a:endParaRPr lang="en-CA" sz="1200" dirty="0"/>
+          </a:p>
+        </p:txBody>
+      </p:sp>
+    </p:spTree>
+    <p:extLst>
+      <p:ext uri="{BB962C8B-B14F-4D97-AF65-F5344CB8AC3E}">
+        <p14:creationId xmlns:p14="http://schemas.microsoft.com/office/powerpoint/2010/main" val="985514059"/>
+      </p:ext>
+    </p:extLst>
   </p:cSld>
   <p:clrMapOvr>
     <a:masterClrMapping/>
@@ -6520,7 +7622,7 @@
         <p:spPr>
           <a:xfrm>
             <a:off x="762000" y="1352550"/>
-            <a:ext cx="7620000" cy="923330"/>
+            <a:ext cx="7620000" cy="2031325"/>
           </a:xfrm>
           <a:prstGeom prst="rect">
             <a:avLst/>
@@ -6535,7 +7637,7 @@
           <a:p>
             <a:r>
               <a:rPr lang="en-CA" dirty="0" smtClean="0"/>
-              <a:t>To do:</a:t>
+              <a:t>2022 US outbreak:</a:t>
             </a:r>
           </a:p>
           <a:p>
@@ -6545,7 +7647,7 @@
             </a:pPr>
             <a:r>
               <a:rPr lang="en-CA" dirty="0" smtClean="0"/>
-              <a:t>Outbreak in the US</a:t>
+              <a:t>30,286 cases</a:t>
             </a:r>
           </a:p>
           <a:p>
@@ -6555,8 +7657,65 @@
             </a:pPr>
             <a:r>
               <a:rPr lang="en-CA" dirty="0" smtClean="0"/>
-              <a:t>Disease profile</a:t>
-            </a:r>
+              <a:t>38 deaths</a:t>
+            </a:r>
+          </a:p>
+          <a:p>
+            <a:pPr marL="285750" indent="-285750">
+              <a:buFont typeface="Arial" panose="020B0604020202020204" pitchFamily="34" charset="0"/>
+              <a:buChar char="•"/>
+            </a:pPr>
+            <a:endParaRPr lang="en-CA" dirty="0"/>
+          </a:p>
+          <a:p>
+            <a:r>
+              <a:rPr lang="en-CA" dirty="0" smtClean="0"/>
+              <a:t>Disease Profile:</a:t>
+            </a:r>
+          </a:p>
+          <a:p>
+            <a:pPr marL="285750" indent="-285750">
+              <a:buFont typeface="Arial" panose="020B0604020202020204" pitchFamily="34" charset="0"/>
+              <a:buChar char="•"/>
+            </a:pPr>
+            <a:endParaRPr lang="en-CA" dirty="0" smtClean="0"/>
+          </a:p>
+          <a:p>
+            <a:pPr marL="285750" indent="-285750">
+              <a:buFont typeface="Arial" panose="020B0604020202020204" pitchFamily="34" charset="0"/>
+              <a:buChar char="•"/>
+            </a:pPr>
+            <a:endParaRPr lang="en-CA" dirty="0" smtClean="0"/>
+          </a:p>
+        </p:txBody>
+      </p:sp>
+      <p:sp>
+        <p:nvSpPr>
+          <p:cNvPr id="5" name="TextBox 4"/>
+          <p:cNvSpPr txBox="1"/>
+          <p:nvPr/>
+        </p:nvSpPr>
+        <p:spPr>
+          <a:xfrm>
+            <a:off x="70082" y="4781550"/>
+            <a:ext cx="3276600" cy="261610"/>
+          </a:xfrm>
+          <a:prstGeom prst="rect">
+            <a:avLst/>
+          </a:prstGeom>
+          <a:noFill/>
+        </p:spPr>
+        <p:txBody>
+          <a:bodyPr wrap="square" rtlCol="0">
+            <a:spAutoFit/>
+          </a:bodyPr>
+          <a:lstStyle/>
+          <a:p>
+            <a:r>
+              <a:rPr lang="en-CA" sz="1100" i="1" dirty="0" smtClean="0"/>
+              <a:t>www.cdc.gov, 2023</a:t>
+            </a:r>
+            <a:endParaRPr lang="en-CA" sz="1100" i="1" dirty="0"/>
           </a:p>
         </p:txBody>
       </p:sp>
@@ -6680,7 +7839,7 @@
         </p:nvSpPr>
         <p:spPr>
           <a:xfrm>
-            <a:off x="762000" y="2419350"/>
+            <a:off x="784804" y="1504950"/>
             <a:ext cx="7620000" cy="1200329"/>
           </a:xfrm>
           <a:prstGeom prst="rect">
@@ -6708,7 +7867,11 @@
             </a:pPr>
             <a:r>
               <a:rPr lang="en-CA" dirty="0" smtClean="0"/>
-              <a:t>How many people would we need to educate to see a significant drop in ultimate number of people infected?</a:t>
+              <a:t>How many people would we need to educate to see a significant drop in </a:t>
+            </a:r>
+            <a:r>
+              <a:rPr lang="en-CA" dirty="0" smtClean="0"/>
+              <a:t>peak infections?</a:t>
             </a:r>
             <a:endParaRPr lang="en-CA" dirty="0" smtClean="0"/>
           </a:p>
@@ -7369,7 +8532,7 @@
           <p:nvPr>
             <p:extLst>
               <p:ext uri="{D42A27DB-BD31-4B8C-83A1-F6EECF244321}">
-                <p14:modId xmlns:p14="http://schemas.microsoft.com/office/powerpoint/2010/main" val="2585368557"/>
+                <p14:modId xmlns:p14="http://schemas.microsoft.com/office/powerpoint/2010/main" val="4292225608"/>
               </p:ext>
             </p:extLst>
           </p:nvPr>
@@ -7532,10 +8695,10 @@
                     <a:lstStyle/>
                     <a:p>
                       <a:r>
-                        <a:rPr lang="en-CA" dirty="0" smtClean="0"/>
+                        <a:rPr lang="en-CA" b="1" dirty="0" smtClean="0"/>
                         <a:t>All</a:t>
                       </a:r>
-                      <a:endParaRPr lang="en-CA" dirty="0"/>
+                      <a:endParaRPr lang="en-CA" b="1" dirty="0"/>
                     </a:p>
                   </a:txBody>
                   <a:tcPr/>
@@ -7547,10 +8710,10 @@
                     <a:p>
                       <a:pPr algn="r"/>
                       <a:r>
-                        <a:rPr lang="en-CA" dirty="0" smtClean="0"/>
+                        <a:rPr lang="en-CA" b="1" dirty="0" smtClean="0"/>
                         <a:t>1%</a:t>
                       </a:r>
-                      <a:endParaRPr lang="en-CA" dirty="0"/>
+                      <a:endParaRPr lang="en-CA" b="1" dirty="0"/>
                     </a:p>
                   </a:txBody>
                   <a:tcPr/>
@@ -8734,7 +9897,7 @@
         <p:spPr>
           <a:xfrm>
             <a:off x="762000" y="1352550"/>
-            <a:ext cx="7620000" cy="923330"/>
+            <a:ext cx="7620000" cy="369332"/>
           </a:xfrm>
           <a:prstGeom prst="rect">
             <a:avLst/>
@@ -8747,31 +9910,14 @@
           </a:bodyPr>
           <a:lstStyle/>
           <a:p>
-            <a:r>
-              <a:rPr lang="en-CA" dirty="0" smtClean="0"/>
-              <a:t>To do:</a:t>
-            </a:r>
-          </a:p>
-          <a:p>
             <a:pPr marL="285750" indent="-285750">
               <a:buFont typeface="Arial" panose="020B0604020202020204" pitchFamily="34" charset="0"/>
               <a:buChar char="•"/>
             </a:pPr>
             <a:r>
               <a:rPr lang="en-CA" dirty="0" smtClean="0"/>
-              <a:t>Explain data used</a:t>
-            </a:r>
-          </a:p>
-          <a:p>
-            <a:pPr marL="285750" indent="-285750">
-              <a:buFont typeface="Arial" panose="020B0604020202020204" pitchFamily="34" charset="0"/>
-              <a:buChar char="•"/>
-            </a:pPr>
-            <a:r>
-              <a:rPr lang="en-CA" dirty="0" smtClean="0"/>
-              <a:t>Add assumption that data contains people who have not received education</a:t>
-            </a:r>
-            <a:endParaRPr lang="en-CA" dirty="0" smtClean="0"/>
+              <a:t>300 days of infection data from 2022 U.S. outbreak</a:t>
+            </a:r>
           </a:p>
         </p:txBody>
       </p:sp>
@@ -8783,7 +9929,7 @@
         </p:nvSpPr>
         <p:spPr>
           <a:xfrm>
-            <a:off x="5035874" y="2636103"/>
+            <a:off x="2590800" y="2952750"/>
             <a:ext cx="3276600" cy="430887"/>
           </a:xfrm>
           <a:prstGeom prst="rect">
@@ -8827,7 +9973,7 @@
         </p:blipFill>
         <p:spPr>
           <a:xfrm>
-            <a:off x="4615198" y="2639579"/>
+            <a:off x="2170124" y="2956226"/>
             <a:ext cx="431800" cy="431125"/>
           </a:xfrm>
           <a:prstGeom prst="rect">
@@ -8835,6 +9981,36 @@
           </a:prstGeom>
         </p:spPr>
       </p:pic>
+      <p:sp>
+        <p:nvSpPr>
+          <p:cNvPr id="8" name="TextBox 7"/>
+          <p:cNvSpPr txBox="1"/>
+          <p:nvPr/>
+        </p:nvSpPr>
+        <p:spPr>
+          <a:xfrm>
+            <a:off x="70082" y="4781550"/>
+            <a:ext cx="3276600" cy="261610"/>
+          </a:xfrm>
+          <a:prstGeom prst="rect">
+            <a:avLst/>
+          </a:prstGeom>
+          <a:noFill/>
+        </p:spPr>
+        <p:txBody>
+          <a:bodyPr wrap="square" rtlCol="0">
+            <a:spAutoFit/>
+          </a:bodyPr>
+          <a:lstStyle/>
+          <a:p>
+            <a:r>
+              <a:rPr lang="en-CA" sz="1100" i="1" dirty="0" smtClean="0"/>
+              <a:t>www.cdc.gov, 2023</a:t>
+            </a:r>
+            <a:endParaRPr lang="en-CA" sz="1100" i="1" dirty="0"/>
+          </a:p>
+        </p:txBody>
+      </p:sp>
     </p:spTree>
     <p:extLst>
       <p:ext uri="{BB962C8B-B14F-4D97-AF65-F5344CB8AC3E}">
@@ -8904,7 +10080,7 @@
                   <a:srgbClr val="F1CD00"/>
                 </a:solidFill>
               </a:rPr>
-              <a:t>Results</a:t>
+              <a:t>Data Fitting</a:t>
             </a:r>
             <a:endParaRPr sz="3800" dirty="0"/>
           </a:p>
@@ -8947,59 +10123,74 @@
           </a:p>
         </p:txBody>
       </p:sp>
-      <p:sp>
-        <p:nvSpPr>
-          <p:cNvPr id="4" name="TextBox 3"/>
-          <p:cNvSpPr txBox="1"/>
+      <p:pic>
+        <p:nvPicPr>
+          <p:cNvPr id="4098" name="Picture 2"/>
+          <p:cNvPicPr>
+            <a:picLocks noChangeAspect="1" noChangeArrowheads="1"/>
+          </p:cNvPicPr>
           <p:nvPr/>
-        </p:nvSpPr>
-        <p:spPr>
-          <a:xfrm>
-            <a:off x="762000" y="1352550"/>
-            <a:ext cx="7620000" cy="1200329"/>
+        </p:nvPicPr>
+        <p:blipFill>
+          <a:blip r:embed="rId2">
+            <a:extLst>
+              <a:ext uri="{28A0092B-C50C-407E-A947-70E740481C1C}">
+                <a14:useLocalDpi xmlns:a14="http://schemas.microsoft.com/office/drawing/2010/main" val="0"/>
+              </a:ext>
+            </a:extLst>
+          </a:blip>
+          <a:srcRect/>
+          <a:stretch>
+            <a:fillRect/>
+          </a:stretch>
+        </p:blipFill>
+        <p:spPr bwMode="auto">
+          <a:xfrm>
+            <a:off x="1905000" y="1123950"/>
+            <a:ext cx="5394325" cy="3928413"/>
           </a:xfrm>
           <a:prstGeom prst="rect">
             <a:avLst/>
           </a:prstGeom>
           <a:noFill/>
-        </p:spPr>
-        <p:txBody>
-          <a:bodyPr wrap="square" rtlCol="0">
-            <a:spAutoFit/>
-          </a:bodyPr>
-          <a:lstStyle/>
-          <a:p>
-            <a:r>
-              <a:rPr lang="en-CA" dirty="0" smtClean="0"/>
-              <a:t>To do:</a:t>
-            </a:r>
-          </a:p>
-          <a:p>
-            <a:pPr marL="285750" indent="-285750">
-              <a:buFont typeface="Arial" panose="020B0604020202020204" pitchFamily="34" charset="0"/>
-              <a:buChar char="•"/>
-            </a:pPr>
-            <a:r>
-              <a:rPr lang="en-CA" dirty="0" smtClean="0"/>
-              <a:t>Add forecasts for each intervention effectiveness level at varying levels of education rates (alpha)</a:t>
-            </a:r>
-          </a:p>
-          <a:p>
-            <a:pPr marL="285750" indent="-285750">
-              <a:buFont typeface="Arial" panose="020B0604020202020204" pitchFamily="34" charset="0"/>
-              <a:buChar char="•"/>
-            </a:pPr>
-            <a:r>
-              <a:rPr lang="en-CA" dirty="0" smtClean="0"/>
-              <a:t>Add cumulative infected (final size) per scenario.</a:t>
-            </a:r>
-          </a:p>
-        </p:txBody>
-      </p:sp>
+          <a:ln>
+            <a:noFill/>
+          </a:ln>
+          <a:effectLst/>
+          <a:extLst>
+            <a:ext uri="{909E8E84-426E-40DD-AFC4-6F175D3DCCD1}">
+              <a14:hiddenFill xmlns:a14="http://schemas.microsoft.com/office/drawing/2010/main">
+                <a:solidFill>
+                  <a:schemeClr val="accent1"/>
+                </a:solidFill>
+              </a14:hiddenFill>
+            </a:ext>
+            <a:ext uri="{91240B29-F687-4F45-9708-019B960494DF}">
+              <a14:hiddenLine xmlns:a14="http://schemas.microsoft.com/office/drawing/2010/main" w="9525">
+                <a:solidFill>
+                  <a:schemeClr val="tx1"/>
+                </a:solidFill>
+                <a:miter lim="800000"/>
+                <a:headEnd/>
+                <a:tailEnd/>
+              </a14:hiddenLine>
+            </a:ext>
+            <a:ext uri="{AF507438-7753-43E0-B8FC-AC1667EBCBE1}">
+              <a14:hiddenEffects xmlns:a14="http://schemas.microsoft.com/office/drawing/2010/main">
+                <a:effectLst>
+                  <a:outerShdw dist="35921" dir="2700000" algn="ctr" rotWithShape="0">
+                    <a:schemeClr val="bg2"/>
+                  </a:outerShdw>
+                </a:effectLst>
+              </a14:hiddenEffects>
+            </a:ext>
+          </a:extLst>
+        </p:spPr>
+      </p:pic>
     </p:spTree>
     <p:extLst>
       <p:ext uri="{BB962C8B-B14F-4D97-AF65-F5344CB8AC3E}">
-        <p14:creationId xmlns:p14="http://schemas.microsoft.com/office/powerpoint/2010/main" val="2911767856"/>
+        <p14:creationId xmlns:p14="http://schemas.microsoft.com/office/powerpoint/2010/main" val="21877676"/>
       </p:ext>
     </p:extLst>
   </p:cSld>

--- a/Mpox_education_PPT.pptx
+++ b/Mpox_education_PPT.pptx
@@ -5894,6 +5894,35 @@
           </a:extLst>
         </p:spPr>
       </p:pic>
+      <p:sp>
+        <p:nvSpPr>
+          <p:cNvPr id="3" name="Rectangle 2"/>
+          <p:cNvSpPr/>
+          <p:nvPr/>
+        </p:nvSpPr>
+        <p:spPr>
+          <a:xfrm>
+            <a:off x="7080250" y="2571750"/>
+            <a:ext cx="1987550" cy="769441"/>
+          </a:xfrm>
+          <a:prstGeom prst="rect">
+            <a:avLst/>
+          </a:prstGeom>
+        </p:spPr>
+        <p:txBody>
+          <a:bodyPr wrap="square">
+            <a:spAutoFit/>
+          </a:bodyPr>
+          <a:lstStyle/>
+          <a:p>
+            <a:r>
+              <a:rPr lang="en-CA" sz="1100" dirty="0"/>
+              <a:t>How many people would we need to educate to see a significant drop in peak infections?</a:t>
+            </a:r>
+            <a:endParaRPr lang="en-CA" sz="1100" dirty="0"/>
+          </a:p>
+        </p:txBody>
+      </p:sp>
     </p:spTree>
     <p:extLst>
       <p:ext uri="{BB962C8B-B14F-4D97-AF65-F5344CB8AC3E}">
@@ -6054,6 +6083,39 @@
           </a:graphicData>
         </a:graphic>
       </p:graphicFrame>
+      <p:sp>
+        <p:nvSpPr>
+          <p:cNvPr id="8" name="Rectangle 7"/>
+          <p:cNvSpPr/>
+          <p:nvPr/>
+        </p:nvSpPr>
+        <p:spPr>
+          <a:xfrm>
+            <a:off x="152400" y="2724150"/>
+            <a:ext cx="1987550" cy="769441"/>
+          </a:xfrm>
+          <a:prstGeom prst="rect">
+            <a:avLst/>
+          </a:prstGeom>
+        </p:spPr>
+        <p:txBody>
+          <a:bodyPr wrap="square">
+            <a:spAutoFit/>
+          </a:bodyPr>
+          <a:lstStyle/>
+          <a:p>
+            <a:r>
+              <a:rPr lang="en-CA" sz="1100" i="1" dirty="0"/>
+              <a:t>How effective would an education campaign be in reducing ultimate number of people infected</a:t>
+            </a:r>
+            <a:r>
+              <a:rPr lang="en-CA" sz="1100" i="1" dirty="0" smtClean="0"/>
+              <a:t>?</a:t>
+            </a:r>
+            <a:endParaRPr lang="en-CA" sz="1100" i="1" dirty="0"/>
+          </a:p>
+        </p:txBody>
+      </p:sp>
     </p:spTree>
     <p:extLst>
       <p:ext uri="{BB962C8B-B14F-4D97-AF65-F5344CB8AC3E}">
